--- a/project_ia3_presentation.pptx
+++ b/project_ia3_presentation.pptx
@@ -23,12 +23,9 @@
     <p:sldId id="263" r:id="rId17"/>
     <p:sldId id="275" r:id="rId18"/>
     <p:sldId id="276" r:id="rId19"/>
-    <p:sldId id="277" r:id="rId20"/>
-    <p:sldId id="278" r:id="rId21"/>
-    <p:sldId id="279" r:id="rId22"/>
-    <p:sldId id="280" r:id="rId23"/>
-    <p:sldId id="281" r:id="rId24"/>
-    <p:sldId id="267" r:id="rId25"/>
+    <p:sldId id="278" r:id="rId20"/>
+    <p:sldId id="279" r:id="rId21"/>
+    <p:sldId id="280" r:id="rId22"/>
   </p:sldIdLst>
   <p:sldSz cx="12192000" cy="6858000"/>
   <p:notesSz cx="6858000" cy="9144000"/>
@@ -138,8 +135,9 @@
 <file path=ppt/revisionInfo.xml><?xml version="1.0" encoding="utf-8"?>
 <p1510:revInfo xmlns:a="http://schemas.openxmlformats.org/drawingml/2006/main" xmlns:r="http://schemas.openxmlformats.org/officeDocument/2006/relationships" xmlns:p1510="http://schemas.microsoft.com/office/powerpoint/2015/10/main">
   <p1510:revLst>
-    <p1510:client id="{5048A6E5-13BA-D182-D91E-3957552DE51D}" v="443" dt="2025-11-09T20:51:42.082"/>
-    <p1510:client id="{D0DE37B1-0092-BEF5-AACB-F82C363D92C4}" v="4" dt="2025-11-09T18:33:18.266"/>
+    <p1510:client id="{1B13A328-82C9-EA0F-F6D2-7BAC68C46108}" v="33" dt="2025-11-12T14:43:12.833"/>
+    <p1510:client id="{22BA3E01-24BE-2C7C-52B7-A7FB1E638304}" v="883" dt="2025-11-11T20:28:25.032"/>
+    <p1510:client id="{A3DD5220-759C-6242-99D6-A815F030BAAD}" v="407" dt="2025-11-11T20:21:27.091"/>
     <p1510:client id="{ED0BAAA1-A55F-EC34-83A3-7F9CF117581A}" v="497" dt="2025-11-10T22:55:47.662"/>
   </p1510:revLst>
 </p1510:revInfo>
@@ -1782,6 +1780,788 @@
     <dgm:fillClrLst meth="repeat">
       <a:schemeClr val="accent4">
         <a:tint val="60000"/>
+      </a:schemeClr>
+    </dgm:fillClrLst>
+    <dgm:linClrLst meth="repeat">
+      <a:schemeClr val="lt1"/>
+    </dgm:linClrLst>
+    <dgm:effectClrLst/>
+    <dgm:txLinClrLst/>
+    <dgm:txFillClrLst meth="repeat">
+      <a:schemeClr val="dk1"/>
+    </dgm:txFillClrLst>
+    <dgm:txEffectClrLst/>
+  </dgm:styleLbl>
+  <dgm:styleLbl name="revTx">
+    <dgm:fillClrLst meth="repeat">
+      <a:schemeClr val="lt1">
+        <a:alpha val="0"/>
+      </a:schemeClr>
+    </dgm:fillClrLst>
+    <dgm:linClrLst meth="repeat">
+      <a:schemeClr val="dk1">
+        <a:alpha val="0"/>
+      </a:schemeClr>
+    </dgm:linClrLst>
+    <dgm:effectClrLst/>
+    <dgm:txLinClrLst/>
+    <dgm:txFillClrLst meth="repeat">
+      <a:schemeClr val="tx1"/>
+    </dgm:txFillClrLst>
+    <dgm:txEffectClrLst/>
+  </dgm:styleLbl>
+</dgm:colorsDef>
+</file>
+
+<file path=ppt/diagrams/colors3.xml><?xml version="1.0" encoding="utf-8"?>
+<dgm:colorsDef xmlns:dgm="http://schemas.openxmlformats.org/drawingml/2006/diagram" xmlns:a="http://schemas.openxmlformats.org/drawingml/2006/main" uniqueId="urn:microsoft.com/office/officeart/2005/8/colors/colorful2">
+  <dgm:title val=""/>
+  <dgm:desc val=""/>
+  <dgm:catLst>
+    <dgm:cat type="colorful" pri="10200"/>
+  </dgm:catLst>
+  <dgm:styleLbl name="node0">
+    <dgm:fillClrLst meth="repeat">
+      <a:schemeClr val="accent1"/>
+    </dgm:fillClrLst>
+    <dgm:linClrLst meth="repeat">
+      <a:schemeClr val="lt1"/>
+    </dgm:linClrLst>
+    <dgm:effectClrLst/>
+    <dgm:txLinClrLst/>
+    <dgm:txFillClrLst/>
+    <dgm:txEffectClrLst/>
+  </dgm:styleLbl>
+  <dgm:styleLbl name="node1">
+    <dgm:fillClrLst>
+      <a:schemeClr val="accent2"/>
+      <a:schemeClr val="accent3"/>
+    </dgm:fillClrLst>
+    <dgm:linClrLst meth="repeat">
+      <a:schemeClr val="lt1"/>
+    </dgm:linClrLst>
+    <dgm:effectClrLst/>
+    <dgm:txLinClrLst/>
+    <dgm:txFillClrLst/>
+    <dgm:txEffectClrLst/>
+  </dgm:styleLbl>
+  <dgm:styleLbl name="alignNode1">
+    <dgm:fillClrLst>
+      <a:schemeClr val="accent2"/>
+      <a:schemeClr val="accent3"/>
+    </dgm:fillClrLst>
+    <dgm:linClrLst>
+      <a:schemeClr val="accent2"/>
+      <a:schemeClr val="accent3"/>
+    </dgm:linClrLst>
+    <dgm:effectClrLst/>
+    <dgm:txLinClrLst/>
+    <dgm:txFillClrLst/>
+    <dgm:txEffectClrLst/>
+  </dgm:styleLbl>
+  <dgm:styleLbl name="lnNode1">
+    <dgm:fillClrLst>
+      <a:schemeClr val="accent2"/>
+      <a:schemeClr val="accent3"/>
+    </dgm:fillClrLst>
+    <dgm:linClrLst meth="repeat">
+      <a:schemeClr val="lt1"/>
+    </dgm:linClrLst>
+    <dgm:effectClrLst/>
+    <dgm:txLinClrLst/>
+    <dgm:txFillClrLst/>
+    <dgm:txEffectClrLst/>
+  </dgm:styleLbl>
+  <dgm:styleLbl name="vennNode1">
+    <dgm:fillClrLst>
+      <a:schemeClr val="accent2">
+        <a:alpha val="50000"/>
+      </a:schemeClr>
+      <a:schemeClr val="accent3">
+        <a:alpha val="50000"/>
+      </a:schemeClr>
+    </dgm:fillClrLst>
+    <dgm:linClrLst meth="repeat">
+      <a:schemeClr val="lt1"/>
+    </dgm:linClrLst>
+    <dgm:effectClrLst/>
+    <dgm:txLinClrLst/>
+    <dgm:txFillClrLst/>
+    <dgm:txEffectClrLst/>
+  </dgm:styleLbl>
+  <dgm:styleLbl name="node2">
+    <dgm:fillClrLst>
+      <a:schemeClr val="accent3"/>
+    </dgm:fillClrLst>
+    <dgm:linClrLst meth="repeat">
+      <a:schemeClr val="lt1"/>
+    </dgm:linClrLst>
+    <dgm:effectClrLst/>
+    <dgm:txLinClrLst/>
+    <dgm:txFillClrLst/>
+    <dgm:txEffectClrLst/>
+  </dgm:styleLbl>
+  <dgm:styleLbl name="node3">
+    <dgm:fillClrLst>
+      <a:schemeClr val="accent4"/>
+    </dgm:fillClrLst>
+    <dgm:linClrLst meth="repeat">
+      <a:schemeClr val="lt1"/>
+    </dgm:linClrLst>
+    <dgm:effectClrLst/>
+    <dgm:txLinClrLst/>
+    <dgm:txFillClrLst/>
+    <dgm:txEffectClrLst/>
+  </dgm:styleLbl>
+  <dgm:styleLbl name="node4">
+    <dgm:fillClrLst>
+      <a:schemeClr val="accent5"/>
+    </dgm:fillClrLst>
+    <dgm:linClrLst meth="repeat">
+      <a:schemeClr val="lt1"/>
+    </dgm:linClrLst>
+    <dgm:effectClrLst/>
+    <dgm:txLinClrLst/>
+    <dgm:txFillClrLst/>
+    <dgm:txEffectClrLst/>
+  </dgm:styleLbl>
+  <dgm:styleLbl name="fgImgPlace1">
+    <dgm:fillClrLst>
+      <a:schemeClr val="accent2">
+        <a:tint val="50000"/>
+      </a:schemeClr>
+      <a:schemeClr val="accent3">
+        <a:tint val="50000"/>
+      </a:schemeClr>
+    </dgm:fillClrLst>
+    <dgm:linClrLst meth="repeat">
+      <a:schemeClr val="lt1"/>
+    </dgm:linClrLst>
+    <dgm:effectClrLst/>
+    <dgm:txLinClrLst/>
+    <dgm:txFillClrLst meth="repeat">
+      <a:schemeClr val="lt1"/>
+    </dgm:txFillClrLst>
+    <dgm:txEffectClrLst/>
+  </dgm:styleLbl>
+  <dgm:styleLbl name="alignImgPlace1">
+    <dgm:fillClrLst>
+      <a:schemeClr val="accent2">
+        <a:tint val="50000"/>
+      </a:schemeClr>
+      <a:schemeClr val="accent3">
+        <a:tint val="20000"/>
+      </a:schemeClr>
+    </dgm:fillClrLst>
+    <dgm:linClrLst meth="repeat">
+      <a:schemeClr val="lt1"/>
+    </dgm:linClrLst>
+    <dgm:effectClrLst/>
+    <dgm:txLinClrLst/>
+    <dgm:txFillClrLst meth="repeat">
+      <a:schemeClr val="lt1"/>
+    </dgm:txFillClrLst>
+    <dgm:txEffectClrLst/>
+  </dgm:styleLbl>
+  <dgm:styleLbl name="bgImgPlace1">
+    <dgm:fillClrLst>
+      <a:schemeClr val="accent2">
+        <a:tint val="50000"/>
+      </a:schemeClr>
+      <a:schemeClr val="accent3">
+        <a:tint val="20000"/>
+      </a:schemeClr>
+    </dgm:fillClrLst>
+    <dgm:linClrLst meth="repeat">
+      <a:schemeClr val="lt1"/>
+    </dgm:linClrLst>
+    <dgm:effectClrLst/>
+    <dgm:txLinClrLst/>
+    <dgm:txFillClrLst meth="repeat">
+      <a:schemeClr val="lt1"/>
+    </dgm:txFillClrLst>
+    <dgm:txEffectClrLst/>
+  </dgm:styleLbl>
+  <dgm:styleLbl name="sibTrans2D1">
+    <dgm:fillClrLst>
+      <a:schemeClr val="accent2"/>
+      <a:schemeClr val="accent3"/>
+    </dgm:fillClrLst>
+    <dgm:linClrLst meth="repeat">
+      <a:schemeClr val="lt1"/>
+    </dgm:linClrLst>
+    <dgm:effectClrLst/>
+    <dgm:txLinClrLst/>
+    <dgm:txFillClrLst/>
+    <dgm:txEffectClrLst/>
+  </dgm:styleLbl>
+  <dgm:styleLbl name="fgSibTrans2D1">
+    <dgm:fillClrLst>
+      <a:schemeClr val="accent2"/>
+      <a:schemeClr val="accent3"/>
+    </dgm:fillClrLst>
+    <dgm:linClrLst meth="repeat">
+      <a:schemeClr val="lt1"/>
+    </dgm:linClrLst>
+    <dgm:effectClrLst/>
+    <dgm:txLinClrLst/>
+    <dgm:txFillClrLst meth="repeat">
+      <a:schemeClr val="lt1"/>
+    </dgm:txFillClrLst>
+    <dgm:txEffectClrLst/>
+  </dgm:styleLbl>
+  <dgm:styleLbl name="bgSibTrans2D1">
+    <dgm:fillClrLst>
+      <a:schemeClr val="accent2"/>
+      <a:schemeClr val="accent3"/>
+    </dgm:fillClrLst>
+    <dgm:linClrLst meth="repeat">
+      <a:schemeClr val="lt1"/>
+    </dgm:linClrLst>
+    <dgm:effectClrLst/>
+    <dgm:txLinClrLst/>
+    <dgm:txFillClrLst meth="repeat">
+      <a:schemeClr val="lt1"/>
+    </dgm:txFillClrLst>
+    <dgm:txEffectClrLst/>
+  </dgm:styleLbl>
+  <dgm:styleLbl name="sibTrans1D1">
+    <dgm:fillClrLst/>
+    <dgm:linClrLst>
+      <a:schemeClr val="accent2"/>
+      <a:schemeClr val="accent3"/>
+    </dgm:linClrLst>
+    <dgm:effectClrLst/>
+    <dgm:txLinClrLst/>
+    <dgm:txFillClrLst meth="repeat">
+      <a:schemeClr val="tx1"/>
+    </dgm:txFillClrLst>
+    <dgm:txEffectClrLst/>
+  </dgm:styleLbl>
+  <dgm:styleLbl name="callout">
+    <dgm:fillClrLst meth="repeat">
+      <a:schemeClr val="accent2"/>
+    </dgm:fillClrLst>
+    <dgm:linClrLst meth="repeat">
+      <a:schemeClr val="accent2">
+        <a:tint val="50000"/>
+      </a:schemeClr>
+    </dgm:linClrLst>
+    <dgm:effectClrLst/>
+    <dgm:txLinClrLst/>
+    <dgm:txFillClrLst meth="repeat">
+      <a:schemeClr val="tx1"/>
+    </dgm:txFillClrLst>
+    <dgm:txEffectClrLst/>
+  </dgm:styleLbl>
+  <dgm:styleLbl name="asst0">
+    <dgm:fillClrLst meth="repeat">
+      <a:schemeClr val="accent2"/>
+    </dgm:fillClrLst>
+    <dgm:linClrLst meth="repeat">
+      <a:schemeClr val="lt1">
+        <a:shade val="80000"/>
+      </a:schemeClr>
+    </dgm:linClrLst>
+    <dgm:effectClrLst/>
+    <dgm:txLinClrLst/>
+    <dgm:txFillClrLst/>
+    <dgm:txEffectClrLst/>
+  </dgm:styleLbl>
+  <dgm:styleLbl name="asst1">
+    <dgm:fillClrLst meth="repeat">
+      <a:schemeClr val="accent3"/>
+    </dgm:fillClrLst>
+    <dgm:linClrLst meth="repeat">
+      <a:schemeClr val="lt1">
+        <a:shade val="80000"/>
+      </a:schemeClr>
+    </dgm:linClrLst>
+    <dgm:effectClrLst/>
+    <dgm:txLinClrLst/>
+    <dgm:txFillClrLst/>
+    <dgm:txEffectClrLst/>
+  </dgm:styleLbl>
+  <dgm:styleLbl name="asst2">
+    <dgm:fillClrLst>
+      <a:schemeClr val="accent4"/>
+    </dgm:fillClrLst>
+    <dgm:linClrLst meth="repeat">
+      <a:schemeClr val="lt1"/>
+    </dgm:linClrLst>
+    <dgm:effectClrLst/>
+    <dgm:txLinClrLst/>
+    <dgm:txFillClrLst/>
+    <dgm:txEffectClrLst/>
+  </dgm:styleLbl>
+  <dgm:styleLbl name="asst3">
+    <dgm:fillClrLst>
+      <a:schemeClr val="accent5"/>
+    </dgm:fillClrLst>
+    <dgm:linClrLst meth="repeat">
+      <a:schemeClr val="lt1"/>
+    </dgm:linClrLst>
+    <dgm:effectClrLst/>
+    <dgm:txLinClrLst/>
+    <dgm:txFillClrLst/>
+    <dgm:txEffectClrLst/>
+  </dgm:styleLbl>
+  <dgm:styleLbl name="asst4">
+    <dgm:fillClrLst>
+      <a:schemeClr val="accent6"/>
+    </dgm:fillClrLst>
+    <dgm:linClrLst meth="repeat">
+      <a:schemeClr val="lt1"/>
+    </dgm:linClrLst>
+    <dgm:effectClrLst/>
+    <dgm:txLinClrLst/>
+    <dgm:txFillClrLst/>
+    <dgm:txEffectClrLst/>
+  </dgm:styleLbl>
+  <dgm:styleLbl name="parChTrans2D1">
+    <dgm:fillClrLst meth="repeat">
+      <a:schemeClr val="accent2"/>
+    </dgm:fillClrLst>
+    <dgm:linClrLst meth="repeat">
+      <a:schemeClr val="lt1"/>
+    </dgm:linClrLst>
+    <dgm:effectClrLst/>
+    <dgm:txLinClrLst/>
+    <dgm:txFillClrLst meth="repeat">
+      <a:schemeClr val="lt1"/>
+    </dgm:txFillClrLst>
+    <dgm:txEffectClrLst/>
+  </dgm:styleLbl>
+  <dgm:styleLbl name="parChTrans2D2">
+    <dgm:fillClrLst meth="repeat">
+      <a:schemeClr val="accent3"/>
+    </dgm:fillClrLst>
+    <dgm:linClrLst meth="repeat">
+      <a:schemeClr val="lt1"/>
+    </dgm:linClrLst>
+    <dgm:effectClrLst/>
+    <dgm:txLinClrLst/>
+    <dgm:txFillClrLst/>
+    <dgm:txEffectClrLst/>
+  </dgm:styleLbl>
+  <dgm:styleLbl name="parChTrans2D3">
+    <dgm:fillClrLst meth="repeat">
+      <a:schemeClr val="accent4"/>
+    </dgm:fillClrLst>
+    <dgm:linClrLst meth="repeat">
+      <a:schemeClr val="lt1"/>
+    </dgm:linClrLst>
+    <dgm:effectClrLst/>
+    <dgm:txLinClrLst/>
+    <dgm:txFillClrLst/>
+    <dgm:txEffectClrLst/>
+  </dgm:styleLbl>
+  <dgm:styleLbl name="parChTrans2D4">
+    <dgm:fillClrLst meth="repeat">
+      <a:schemeClr val="accent5"/>
+    </dgm:fillClrLst>
+    <dgm:linClrLst meth="repeat">
+      <a:schemeClr val="lt1"/>
+    </dgm:linClrLst>
+    <dgm:effectClrLst/>
+    <dgm:txLinClrLst/>
+    <dgm:txFillClrLst meth="repeat">
+      <a:schemeClr val="lt1"/>
+    </dgm:txFillClrLst>
+    <dgm:txEffectClrLst/>
+  </dgm:styleLbl>
+  <dgm:styleLbl name="parChTrans1D1">
+    <dgm:fillClrLst meth="repeat">
+      <a:schemeClr val="accent2"/>
+    </dgm:fillClrLst>
+    <dgm:linClrLst meth="repeat">
+      <a:schemeClr val="accent2"/>
+    </dgm:linClrLst>
+    <dgm:effectClrLst/>
+    <dgm:txLinClrLst/>
+    <dgm:txFillClrLst meth="repeat">
+      <a:schemeClr val="tx1"/>
+    </dgm:txFillClrLst>
+    <dgm:txEffectClrLst/>
+  </dgm:styleLbl>
+  <dgm:styleLbl name="parChTrans1D2">
+    <dgm:fillClrLst meth="repeat">
+      <a:schemeClr val="accent2">
+        <a:tint val="90000"/>
+      </a:schemeClr>
+    </dgm:fillClrLst>
+    <dgm:linClrLst meth="repeat">
+      <a:schemeClr val="accent3"/>
+    </dgm:linClrLst>
+    <dgm:effectClrLst/>
+    <dgm:txLinClrLst/>
+    <dgm:txFillClrLst meth="repeat">
+      <a:schemeClr val="tx1"/>
+    </dgm:txFillClrLst>
+    <dgm:txEffectClrLst/>
+  </dgm:styleLbl>
+  <dgm:styleLbl name="parChTrans1D3">
+    <dgm:fillClrLst meth="repeat">
+      <a:schemeClr val="accent2">
+        <a:tint val="70000"/>
+      </a:schemeClr>
+    </dgm:fillClrLst>
+    <dgm:linClrLst meth="repeat">
+      <a:schemeClr val="accent4"/>
+    </dgm:linClrLst>
+    <dgm:effectClrLst/>
+    <dgm:txLinClrLst/>
+    <dgm:txFillClrLst meth="repeat">
+      <a:schemeClr val="tx1"/>
+    </dgm:txFillClrLst>
+    <dgm:txEffectClrLst/>
+  </dgm:styleLbl>
+  <dgm:styleLbl name="parChTrans1D4">
+    <dgm:fillClrLst meth="repeat">
+      <a:schemeClr val="accent2">
+        <a:tint val="50000"/>
+      </a:schemeClr>
+    </dgm:fillClrLst>
+    <dgm:linClrLst meth="repeat">
+      <a:schemeClr val="accent5"/>
+    </dgm:linClrLst>
+    <dgm:effectClrLst/>
+    <dgm:txLinClrLst/>
+    <dgm:txFillClrLst meth="repeat">
+      <a:schemeClr val="tx1"/>
+    </dgm:txFillClrLst>
+    <dgm:txEffectClrLst/>
+  </dgm:styleLbl>
+  <dgm:styleLbl name="fgAcc1">
+    <dgm:fillClrLst meth="repeat">
+      <a:schemeClr val="lt1">
+        <a:alpha val="90000"/>
+      </a:schemeClr>
+    </dgm:fillClrLst>
+    <dgm:linClrLst>
+      <a:schemeClr val="accent2"/>
+      <a:schemeClr val="accent3"/>
+    </dgm:linClrLst>
+    <dgm:effectClrLst/>
+    <dgm:txLinClrLst/>
+    <dgm:txFillClrLst meth="repeat">
+      <a:schemeClr val="dk1"/>
+    </dgm:txFillClrLst>
+    <dgm:txEffectClrLst/>
+  </dgm:styleLbl>
+  <dgm:styleLbl name="conFgAcc1">
+    <dgm:fillClrLst meth="repeat">
+      <a:schemeClr val="lt1">
+        <a:alpha val="90000"/>
+      </a:schemeClr>
+    </dgm:fillClrLst>
+    <dgm:linClrLst>
+      <a:schemeClr val="accent2"/>
+      <a:schemeClr val="accent3"/>
+    </dgm:linClrLst>
+    <dgm:effectClrLst/>
+    <dgm:txLinClrLst/>
+    <dgm:txFillClrLst meth="repeat">
+      <a:schemeClr val="dk1"/>
+    </dgm:txFillClrLst>
+    <dgm:txEffectClrLst/>
+  </dgm:styleLbl>
+  <dgm:styleLbl name="alignAcc1">
+    <dgm:fillClrLst meth="repeat">
+      <a:schemeClr val="lt1">
+        <a:alpha val="90000"/>
+      </a:schemeClr>
+    </dgm:fillClrLst>
+    <dgm:linClrLst>
+      <a:schemeClr val="accent2"/>
+      <a:schemeClr val="accent3"/>
+    </dgm:linClrLst>
+    <dgm:effectClrLst/>
+    <dgm:txLinClrLst/>
+    <dgm:txFillClrLst meth="repeat">
+      <a:schemeClr val="dk1"/>
+    </dgm:txFillClrLst>
+    <dgm:txEffectClrLst/>
+  </dgm:styleLbl>
+  <dgm:styleLbl name="trAlignAcc1">
+    <dgm:fillClrLst meth="repeat">
+      <a:schemeClr val="lt1">
+        <a:alpha val="40000"/>
+      </a:schemeClr>
+    </dgm:fillClrLst>
+    <dgm:linClrLst meth="repeat">
+      <a:schemeClr val="accent2"/>
+    </dgm:linClrLst>
+    <dgm:effectClrLst/>
+    <dgm:txLinClrLst/>
+    <dgm:txFillClrLst meth="repeat">
+      <a:schemeClr val="dk1"/>
+    </dgm:txFillClrLst>
+    <dgm:txEffectClrLst/>
+  </dgm:styleLbl>
+  <dgm:styleLbl name="bgAcc1">
+    <dgm:fillClrLst meth="repeat">
+      <a:schemeClr val="lt1">
+        <a:alpha val="90000"/>
+      </a:schemeClr>
+    </dgm:fillClrLst>
+    <dgm:linClrLst>
+      <a:schemeClr val="accent2"/>
+      <a:schemeClr val="accent3"/>
+    </dgm:linClrLst>
+    <dgm:effectClrLst/>
+    <dgm:txLinClrLst/>
+    <dgm:txFillClrLst meth="repeat">
+      <a:schemeClr val="dk1"/>
+    </dgm:txFillClrLst>
+    <dgm:txEffectClrLst/>
+  </dgm:styleLbl>
+  <dgm:styleLbl name="solidFgAcc1">
+    <dgm:fillClrLst meth="repeat">
+      <a:schemeClr val="lt1"/>
+    </dgm:fillClrLst>
+    <dgm:linClrLst>
+      <a:schemeClr val="accent2"/>
+      <a:schemeClr val="accent3"/>
+    </dgm:linClrLst>
+    <dgm:effectClrLst/>
+    <dgm:txLinClrLst/>
+    <dgm:txFillClrLst meth="repeat">
+      <a:schemeClr val="dk1"/>
+    </dgm:txFillClrLst>
+    <dgm:txEffectClrLst/>
+  </dgm:styleLbl>
+  <dgm:styleLbl name="solidAlignAcc1">
+    <dgm:fillClrLst meth="repeat">
+      <a:schemeClr val="lt1"/>
+    </dgm:fillClrLst>
+    <dgm:linClrLst>
+      <a:schemeClr val="accent2"/>
+      <a:schemeClr val="accent3"/>
+    </dgm:linClrLst>
+    <dgm:effectClrLst/>
+    <dgm:txLinClrLst/>
+    <dgm:txFillClrLst meth="repeat">
+      <a:schemeClr val="dk1"/>
+    </dgm:txFillClrLst>
+    <dgm:txEffectClrLst/>
+  </dgm:styleLbl>
+  <dgm:styleLbl name="solidBgAcc1">
+    <dgm:fillClrLst meth="repeat">
+      <a:schemeClr val="lt1"/>
+    </dgm:fillClrLst>
+    <dgm:linClrLst>
+      <a:schemeClr val="accent2"/>
+      <a:schemeClr val="accent3"/>
+    </dgm:linClrLst>
+    <dgm:effectClrLst/>
+    <dgm:txLinClrLst/>
+    <dgm:txFillClrLst meth="repeat">
+      <a:schemeClr val="dk1"/>
+    </dgm:txFillClrLst>
+    <dgm:txEffectClrLst/>
+  </dgm:styleLbl>
+  <dgm:styleLbl name="fgAccFollowNode1">
+    <dgm:fillClrLst>
+      <a:schemeClr val="accent2">
+        <a:tint val="40000"/>
+        <a:alpha val="90000"/>
+      </a:schemeClr>
+      <a:schemeClr val="accent3">
+        <a:tint val="40000"/>
+        <a:alpha val="90000"/>
+      </a:schemeClr>
+    </dgm:fillClrLst>
+    <dgm:linClrLst>
+      <a:schemeClr val="accent2">
+        <a:tint val="40000"/>
+        <a:alpha val="90000"/>
+      </a:schemeClr>
+      <a:schemeClr val="accent3">
+        <a:tint val="40000"/>
+        <a:alpha val="90000"/>
+      </a:schemeClr>
+    </dgm:linClrLst>
+    <dgm:effectClrLst/>
+    <dgm:txLinClrLst/>
+    <dgm:txFillClrLst meth="repeat">
+      <a:schemeClr val="dk1"/>
+    </dgm:txFillClrLst>
+    <dgm:txEffectClrLst/>
+  </dgm:styleLbl>
+  <dgm:styleLbl name="alignAccFollowNode1">
+    <dgm:fillClrLst>
+      <a:schemeClr val="accent2">
+        <a:tint val="40000"/>
+        <a:alpha val="90000"/>
+      </a:schemeClr>
+      <a:schemeClr val="accent3">
+        <a:tint val="40000"/>
+        <a:alpha val="90000"/>
+      </a:schemeClr>
+    </dgm:fillClrLst>
+    <dgm:linClrLst>
+      <a:schemeClr val="accent2">
+        <a:tint val="40000"/>
+        <a:alpha val="90000"/>
+      </a:schemeClr>
+      <a:schemeClr val="accent3">
+        <a:tint val="40000"/>
+        <a:alpha val="90000"/>
+      </a:schemeClr>
+    </dgm:linClrLst>
+    <dgm:effectClrLst/>
+    <dgm:txLinClrLst/>
+    <dgm:txFillClrLst meth="repeat">
+      <a:schemeClr val="dk1"/>
+    </dgm:txFillClrLst>
+    <dgm:txEffectClrLst/>
+  </dgm:styleLbl>
+  <dgm:styleLbl name="bgAccFollowNode1">
+    <dgm:fillClrLst>
+      <a:schemeClr val="accent2">
+        <a:tint val="40000"/>
+        <a:alpha val="90000"/>
+      </a:schemeClr>
+      <a:schemeClr val="accent3">
+        <a:tint val="40000"/>
+        <a:alpha val="90000"/>
+      </a:schemeClr>
+    </dgm:fillClrLst>
+    <dgm:linClrLst>
+      <a:schemeClr val="accent2">
+        <a:tint val="40000"/>
+        <a:alpha val="90000"/>
+      </a:schemeClr>
+      <a:schemeClr val="accent3">
+        <a:tint val="40000"/>
+        <a:alpha val="90000"/>
+      </a:schemeClr>
+    </dgm:linClrLst>
+    <dgm:effectClrLst/>
+    <dgm:txLinClrLst/>
+    <dgm:txFillClrLst meth="repeat">
+      <a:schemeClr val="dk1"/>
+    </dgm:txFillClrLst>
+    <dgm:txEffectClrLst/>
+  </dgm:styleLbl>
+  <dgm:styleLbl name="fgAcc0">
+    <dgm:fillClrLst meth="repeat">
+      <a:schemeClr val="lt1">
+        <a:alpha val="90000"/>
+      </a:schemeClr>
+    </dgm:fillClrLst>
+    <dgm:linClrLst>
+      <a:schemeClr val="accent1"/>
+    </dgm:linClrLst>
+    <dgm:effectClrLst/>
+    <dgm:txLinClrLst/>
+    <dgm:txFillClrLst meth="repeat">
+      <a:schemeClr val="dk1"/>
+    </dgm:txFillClrLst>
+    <dgm:txEffectClrLst/>
+  </dgm:styleLbl>
+  <dgm:styleLbl name="fgAcc2">
+    <dgm:fillClrLst meth="repeat">
+      <a:schemeClr val="lt1">
+        <a:alpha val="90000"/>
+      </a:schemeClr>
+    </dgm:fillClrLst>
+    <dgm:linClrLst>
+      <a:schemeClr val="accent3"/>
+    </dgm:linClrLst>
+    <dgm:effectClrLst/>
+    <dgm:txLinClrLst/>
+    <dgm:txFillClrLst meth="repeat">
+      <a:schemeClr val="dk1"/>
+    </dgm:txFillClrLst>
+    <dgm:txEffectClrLst/>
+  </dgm:styleLbl>
+  <dgm:styleLbl name="fgAcc3">
+    <dgm:fillClrLst meth="repeat">
+      <a:schemeClr val="lt1">
+        <a:alpha val="90000"/>
+      </a:schemeClr>
+    </dgm:fillClrLst>
+    <dgm:linClrLst>
+      <a:schemeClr val="accent4"/>
+    </dgm:linClrLst>
+    <dgm:effectClrLst/>
+    <dgm:txLinClrLst/>
+    <dgm:txFillClrLst meth="repeat">
+      <a:schemeClr val="dk1"/>
+    </dgm:txFillClrLst>
+    <dgm:txEffectClrLst/>
+  </dgm:styleLbl>
+  <dgm:styleLbl name="fgAcc4">
+    <dgm:fillClrLst meth="repeat">
+      <a:schemeClr val="lt1">
+        <a:alpha val="90000"/>
+      </a:schemeClr>
+    </dgm:fillClrLst>
+    <dgm:linClrLst>
+      <a:schemeClr val="accent5"/>
+    </dgm:linClrLst>
+    <dgm:effectClrLst/>
+    <dgm:txLinClrLst/>
+    <dgm:txFillClrLst meth="repeat">
+      <a:schemeClr val="dk1"/>
+    </dgm:txFillClrLst>
+    <dgm:txEffectClrLst/>
+  </dgm:styleLbl>
+  <dgm:styleLbl name="bgShp">
+    <dgm:fillClrLst meth="repeat">
+      <a:schemeClr val="accent2">
+        <a:tint val="40000"/>
+      </a:schemeClr>
+    </dgm:fillClrLst>
+    <dgm:linClrLst meth="repeat">
+      <a:schemeClr val="dk1"/>
+    </dgm:linClrLst>
+    <dgm:effectClrLst/>
+    <dgm:txLinClrLst/>
+    <dgm:txFillClrLst meth="repeat">
+      <a:schemeClr val="dk1"/>
+    </dgm:txFillClrLst>
+    <dgm:txEffectClrLst/>
+  </dgm:styleLbl>
+  <dgm:styleLbl name="dkBgShp">
+    <dgm:fillClrLst meth="repeat">
+      <a:schemeClr val="accent2">
+        <a:shade val="90000"/>
+      </a:schemeClr>
+    </dgm:fillClrLst>
+    <dgm:linClrLst meth="repeat">
+      <a:schemeClr val="dk1"/>
+    </dgm:linClrLst>
+    <dgm:effectClrLst/>
+    <dgm:txLinClrLst/>
+    <dgm:txFillClrLst meth="repeat">
+      <a:schemeClr val="lt1"/>
+    </dgm:txFillClrLst>
+    <dgm:txEffectClrLst/>
+  </dgm:styleLbl>
+  <dgm:styleLbl name="trBgShp">
+    <dgm:fillClrLst meth="repeat">
+      <a:schemeClr val="accent2">
+        <a:tint val="50000"/>
+        <a:alpha val="40000"/>
+      </a:schemeClr>
+    </dgm:fillClrLst>
+    <dgm:linClrLst meth="repeat">
+      <a:schemeClr val="accent2"/>
+    </dgm:linClrLst>
+    <dgm:effectClrLst/>
+    <dgm:txLinClrLst/>
+    <dgm:txFillClrLst meth="repeat">
+      <a:schemeClr val="lt1"/>
+    </dgm:txFillClrLst>
+    <dgm:txEffectClrLst/>
+  </dgm:styleLbl>
+  <dgm:styleLbl name="fgShp">
+    <dgm:fillClrLst meth="repeat">
+      <a:schemeClr val="accent2">
+        <a:tint val="40000"/>
       </a:schemeClr>
     </dgm:fillClrLst>
     <dgm:linClrLst meth="repeat">
@@ -2712,6 +3492,218 @@
     <dgm:cxn modelId="{942AE784-B3CD-4B49-B3B2-BB7D35325675}" type="presParOf" srcId="{C9783596-F40D-4C07-97E5-F296123475DD}" destId="{E00F5157-8C20-4C6A-8CF1-C2A004CB12BF}" srcOrd="1" destOrd="0" presId="urn:microsoft.com/office/officeart/2018/2/layout/IconVerticalSolidList"/>
     <dgm:cxn modelId="{5F44947E-B287-40D8-B8EA-A8E63E8D2E59}" type="presParOf" srcId="{C9783596-F40D-4C07-97E5-F296123475DD}" destId="{27BC3BFE-F9C9-4B34-A100-5A655C55E4EA}" srcOrd="2" destOrd="0" presId="urn:microsoft.com/office/officeart/2018/2/layout/IconVerticalSolidList"/>
     <dgm:cxn modelId="{18ABF31B-6991-4457-8FCC-81E754A6BF0C}" type="presParOf" srcId="{C9783596-F40D-4C07-97E5-F296123475DD}" destId="{770B0D46-46BD-4961-A568-1686F8940137}" srcOrd="3" destOrd="0" presId="urn:microsoft.com/office/officeart/2018/2/layout/IconVerticalSolidList"/>
+  </dgm:cxnLst>
+  <dgm:bg/>
+  <dgm:whole/>
+  <dgm:extLst>
+    <a:ext uri="http://schemas.microsoft.com/office/drawing/2008/diagram">
+      <dsp:dataModelExt xmlns:dsp="http://schemas.microsoft.com/office/drawing/2008/diagram" relId="rId6" minVer="http://schemas.openxmlformats.org/drawingml/2006/diagram"/>
+    </a:ext>
+  </dgm:extLst>
+</dgm:dataModel>
+</file>
+
+<file path=ppt/diagrams/data3.xml><?xml version="1.0" encoding="utf-8"?>
+<dgm:dataModel xmlns:dgm="http://schemas.openxmlformats.org/drawingml/2006/diagram" xmlns:a="http://schemas.openxmlformats.org/drawingml/2006/main">
+  <dgm:ptLst>
+    <dgm:pt modelId="{1CA74E29-C99F-48B3-85A1-400FCE16F05E}" type="doc">
+      <dgm:prSet loTypeId="urn:microsoft.com/office/officeart/2008/layout/LinedList" loCatId="list" qsTypeId="urn:microsoft.com/office/officeart/2005/8/quickstyle/simple4" qsCatId="simple" csTypeId="urn:microsoft.com/office/officeart/2005/8/colors/colorful2" csCatId="colorful"/>
+      <dgm:spPr/>
+      <dgm:t>
+        <a:bodyPr/>
+        <a:lstStyle/>
+        <a:p>
+          <a:endParaRPr lang="en-US"/>
+        </a:p>
+      </dgm:t>
+    </dgm:pt>
+    <dgm:pt modelId="{130A0BED-FD4E-4D16-9864-C4F34CAA9268}">
+      <dgm:prSet/>
+      <dgm:spPr/>
+      <dgm:t>
+        <a:bodyPr/>
+        <a:lstStyle/>
+        <a:p>
+          <a:r>
+            <a:rPr lang="en-US"/>
+            <a:t>After several iterations (MNIST classification, CIFAR10 classification, YOLO on VisDrone2019), we ultimately decided on a CNN for CIFAR10 classification, motivated by time and performance constraints</a:t>
+          </a:r>
+        </a:p>
+      </dgm:t>
+    </dgm:pt>
+    <dgm:pt modelId="{CF53F78E-3658-451B-8A8D-DB0CDA785774}" type="parTrans" cxnId="{D641D869-4DE3-4D6D-98FF-95FA5982D60C}">
+      <dgm:prSet/>
+      <dgm:spPr/>
+      <dgm:t>
+        <a:bodyPr/>
+        <a:lstStyle/>
+        <a:p>
+          <a:endParaRPr lang="en-US"/>
+        </a:p>
+      </dgm:t>
+    </dgm:pt>
+    <dgm:pt modelId="{0ED8A61B-A5A0-458A-8DFB-96BFC20ACA4E}" type="sibTrans" cxnId="{D641D869-4DE3-4D6D-98FF-95FA5982D60C}">
+      <dgm:prSet/>
+      <dgm:spPr/>
+      <dgm:t>
+        <a:bodyPr/>
+        <a:lstStyle/>
+        <a:p>
+          <a:endParaRPr lang="en-US"/>
+        </a:p>
+      </dgm:t>
+    </dgm:pt>
+    <dgm:pt modelId="{550006A9-8C69-44E0-8310-911943D4AD74}">
+      <dgm:prSet/>
+      <dgm:spPr/>
+      <dgm:t>
+        <a:bodyPr/>
+        <a:lstStyle/>
+        <a:p>
+          <a:r>
+            <a:rPr lang="en-US"/>
+            <a:t>After making custom implementations of the chosen attacks and defenses, they were compared to the implementations from IBM Research Adversarial Robustness Toolbox (ART)</a:t>
+          </a:r>
+        </a:p>
+      </dgm:t>
+    </dgm:pt>
+    <dgm:pt modelId="{4398C4E3-1D26-4DBB-BE73-72104EC64119}" type="parTrans" cxnId="{F19F6AFB-71FE-4FAE-8AA8-180CFCC0C4F6}">
+      <dgm:prSet/>
+      <dgm:spPr/>
+      <dgm:t>
+        <a:bodyPr/>
+        <a:lstStyle/>
+        <a:p>
+          <a:endParaRPr lang="en-US"/>
+        </a:p>
+      </dgm:t>
+    </dgm:pt>
+    <dgm:pt modelId="{BCA428BB-CCE8-4F81-8D5C-5B100863C8D7}" type="sibTrans" cxnId="{F19F6AFB-71FE-4FAE-8AA8-180CFCC0C4F6}">
+      <dgm:prSet/>
+      <dgm:spPr/>
+      <dgm:t>
+        <a:bodyPr/>
+        <a:lstStyle/>
+        <a:p>
+          <a:endParaRPr lang="en-US"/>
+        </a:p>
+      </dgm:t>
+    </dgm:pt>
+    <dgm:pt modelId="{AB4EA693-C55B-4B33-84BD-50BF0859155D}">
+      <dgm:prSet/>
+      <dgm:spPr/>
+      <dgm:t>
+        <a:bodyPr/>
+        <a:lstStyle/>
+        <a:p>
+          <a:r>
+            <a:rPr lang="en-US"/>
+            <a:t>Jacobian Regularization did not have enough widespread adoption in popular libraries, and such wasn't considered for benchmarking</a:t>
+          </a:r>
+        </a:p>
+      </dgm:t>
+    </dgm:pt>
+    <dgm:pt modelId="{BCC3A467-B376-4680-8911-A6825633CC08}" type="parTrans" cxnId="{7D2E80B0-7883-4DE1-8A7F-DBAB32B361AB}">
+      <dgm:prSet/>
+      <dgm:spPr/>
+      <dgm:t>
+        <a:bodyPr/>
+        <a:lstStyle/>
+        <a:p>
+          <a:endParaRPr lang="en-US"/>
+        </a:p>
+      </dgm:t>
+    </dgm:pt>
+    <dgm:pt modelId="{4F8ABB66-92A2-42BF-AB9D-23975C2349BB}" type="sibTrans" cxnId="{7D2E80B0-7883-4DE1-8A7F-DBAB32B361AB}">
+      <dgm:prSet/>
+      <dgm:spPr/>
+      <dgm:t>
+        <a:bodyPr/>
+        <a:lstStyle/>
+        <a:p>
+          <a:endParaRPr lang="en-US"/>
+        </a:p>
+      </dgm:t>
+    </dgm:pt>
+    <dgm:pt modelId="{0AD76BA9-F843-4398-AF3E-D6752B753576}" type="pres">
+      <dgm:prSet presAssocID="{1CA74E29-C99F-48B3-85A1-400FCE16F05E}" presName="vert0" presStyleCnt="0">
+        <dgm:presLayoutVars>
+          <dgm:dir/>
+          <dgm:animOne val="branch"/>
+          <dgm:animLvl val="lvl"/>
+        </dgm:presLayoutVars>
+      </dgm:prSet>
+      <dgm:spPr/>
+    </dgm:pt>
+    <dgm:pt modelId="{6CC46694-472C-4DAA-AAFA-10CD91111B31}" type="pres">
+      <dgm:prSet presAssocID="{130A0BED-FD4E-4D16-9864-C4F34CAA9268}" presName="thickLine" presStyleLbl="alignNode1" presStyleIdx="0" presStyleCnt="3"/>
+      <dgm:spPr/>
+    </dgm:pt>
+    <dgm:pt modelId="{5328253C-95EF-435B-81D6-21B495D9E7DC}" type="pres">
+      <dgm:prSet presAssocID="{130A0BED-FD4E-4D16-9864-C4F34CAA9268}" presName="horz1" presStyleCnt="0"/>
+      <dgm:spPr/>
+    </dgm:pt>
+    <dgm:pt modelId="{92992083-0F95-4436-8247-E0CE7A51E564}" type="pres">
+      <dgm:prSet presAssocID="{130A0BED-FD4E-4D16-9864-C4F34CAA9268}" presName="tx1" presStyleLbl="revTx" presStyleIdx="0" presStyleCnt="3"/>
+      <dgm:spPr/>
+    </dgm:pt>
+    <dgm:pt modelId="{1935099B-DF60-4CE4-AE2C-D21D522DA095}" type="pres">
+      <dgm:prSet presAssocID="{130A0BED-FD4E-4D16-9864-C4F34CAA9268}" presName="vert1" presStyleCnt="0"/>
+      <dgm:spPr/>
+    </dgm:pt>
+    <dgm:pt modelId="{330BEA53-380C-4201-8C91-2549675AAE08}" type="pres">
+      <dgm:prSet presAssocID="{550006A9-8C69-44E0-8310-911943D4AD74}" presName="thickLine" presStyleLbl="alignNode1" presStyleIdx="1" presStyleCnt="3"/>
+      <dgm:spPr/>
+    </dgm:pt>
+    <dgm:pt modelId="{C344BCBB-157A-44D3-95DE-FBB2BE7B6E68}" type="pres">
+      <dgm:prSet presAssocID="{550006A9-8C69-44E0-8310-911943D4AD74}" presName="horz1" presStyleCnt="0"/>
+      <dgm:spPr/>
+    </dgm:pt>
+    <dgm:pt modelId="{583712CE-D35D-4A08-B845-72B5FAF8F647}" type="pres">
+      <dgm:prSet presAssocID="{550006A9-8C69-44E0-8310-911943D4AD74}" presName="tx1" presStyleLbl="revTx" presStyleIdx="1" presStyleCnt="3"/>
+      <dgm:spPr/>
+    </dgm:pt>
+    <dgm:pt modelId="{83704E5A-777E-403E-B45D-1C0310D5985A}" type="pres">
+      <dgm:prSet presAssocID="{550006A9-8C69-44E0-8310-911943D4AD74}" presName="vert1" presStyleCnt="0"/>
+      <dgm:spPr/>
+    </dgm:pt>
+    <dgm:pt modelId="{927B7345-BCE6-4B6A-883F-E4785CEA1776}" type="pres">
+      <dgm:prSet presAssocID="{AB4EA693-C55B-4B33-84BD-50BF0859155D}" presName="thickLine" presStyleLbl="alignNode1" presStyleIdx="2" presStyleCnt="3"/>
+      <dgm:spPr/>
+    </dgm:pt>
+    <dgm:pt modelId="{6AE1314E-D365-42F4-8976-19FBA1BC1074}" type="pres">
+      <dgm:prSet presAssocID="{AB4EA693-C55B-4B33-84BD-50BF0859155D}" presName="horz1" presStyleCnt="0"/>
+      <dgm:spPr/>
+    </dgm:pt>
+    <dgm:pt modelId="{CC66B842-5036-465E-AAA4-ED4E822F1212}" type="pres">
+      <dgm:prSet presAssocID="{AB4EA693-C55B-4B33-84BD-50BF0859155D}" presName="tx1" presStyleLbl="revTx" presStyleIdx="2" presStyleCnt="3"/>
+      <dgm:spPr/>
+    </dgm:pt>
+    <dgm:pt modelId="{19D1D5AD-9ADC-4ABD-BD58-41C1956046C9}" type="pres">
+      <dgm:prSet presAssocID="{AB4EA693-C55B-4B33-84BD-50BF0859155D}" presName="vert1" presStyleCnt="0"/>
+      <dgm:spPr/>
+    </dgm:pt>
+  </dgm:ptLst>
+  <dgm:cxnLst>
+    <dgm:cxn modelId="{31959535-BA60-4F6B-B3E1-8B2F6455DD28}" type="presOf" srcId="{130A0BED-FD4E-4D16-9864-C4F34CAA9268}" destId="{92992083-0F95-4436-8247-E0CE7A51E564}" srcOrd="0" destOrd="0" presId="urn:microsoft.com/office/officeart/2008/layout/LinedList"/>
+    <dgm:cxn modelId="{D641D869-4DE3-4D6D-98FF-95FA5982D60C}" srcId="{1CA74E29-C99F-48B3-85A1-400FCE16F05E}" destId="{130A0BED-FD4E-4D16-9864-C4F34CAA9268}" srcOrd="0" destOrd="0" parTransId="{CF53F78E-3658-451B-8A8D-DB0CDA785774}" sibTransId="{0ED8A61B-A5A0-458A-8DFB-96BFC20ACA4E}"/>
+    <dgm:cxn modelId="{DCA84589-DCF4-451C-87F7-A43CA3B42577}" type="presOf" srcId="{550006A9-8C69-44E0-8310-911943D4AD74}" destId="{583712CE-D35D-4A08-B845-72B5FAF8F647}" srcOrd="0" destOrd="0" presId="urn:microsoft.com/office/officeart/2008/layout/LinedList"/>
+    <dgm:cxn modelId="{72BD4799-DC5D-4E0B-A15D-9F56A8900415}" type="presOf" srcId="{1CA74E29-C99F-48B3-85A1-400FCE16F05E}" destId="{0AD76BA9-F843-4398-AF3E-D6752B753576}" srcOrd="0" destOrd="0" presId="urn:microsoft.com/office/officeart/2008/layout/LinedList"/>
+    <dgm:cxn modelId="{7D2E80B0-7883-4DE1-8A7F-DBAB32B361AB}" srcId="{1CA74E29-C99F-48B3-85A1-400FCE16F05E}" destId="{AB4EA693-C55B-4B33-84BD-50BF0859155D}" srcOrd="2" destOrd="0" parTransId="{BCC3A467-B376-4680-8911-A6825633CC08}" sibTransId="{4F8ABB66-92A2-42BF-AB9D-23975C2349BB}"/>
+    <dgm:cxn modelId="{70B144BB-2453-4BDE-B97D-63B2E9D72466}" type="presOf" srcId="{AB4EA693-C55B-4B33-84BD-50BF0859155D}" destId="{CC66B842-5036-465E-AAA4-ED4E822F1212}" srcOrd="0" destOrd="0" presId="urn:microsoft.com/office/officeart/2008/layout/LinedList"/>
+    <dgm:cxn modelId="{F19F6AFB-71FE-4FAE-8AA8-180CFCC0C4F6}" srcId="{1CA74E29-C99F-48B3-85A1-400FCE16F05E}" destId="{550006A9-8C69-44E0-8310-911943D4AD74}" srcOrd="1" destOrd="0" parTransId="{4398C4E3-1D26-4DBB-BE73-72104EC64119}" sibTransId="{BCA428BB-CCE8-4F81-8D5C-5B100863C8D7}"/>
+    <dgm:cxn modelId="{76B1C525-DF3B-4521-84A0-8A40B6B8F685}" type="presParOf" srcId="{0AD76BA9-F843-4398-AF3E-D6752B753576}" destId="{6CC46694-472C-4DAA-AAFA-10CD91111B31}" srcOrd="0" destOrd="0" presId="urn:microsoft.com/office/officeart/2008/layout/LinedList"/>
+    <dgm:cxn modelId="{42BDF6DC-F3FD-4DFA-A559-0FEE37FECD7E}" type="presParOf" srcId="{0AD76BA9-F843-4398-AF3E-D6752B753576}" destId="{5328253C-95EF-435B-81D6-21B495D9E7DC}" srcOrd="1" destOrd="0" presId="urn:microsoft.com/office/officeart/2008/layout/LinedList"/>
+    <dgm:cxn modelId="{05068E79-C33F-4A5B-9ED7-162CC3DB1188}" type="presParOf" srcId="{5328253C-95EF-435B-81D6-21B495D9E7DC}" destId="{92992083-0F95-4436-8247-E0CE7A51E564}" srcOrd="0" destOrd="0" presId="urn:microsoft.com/office/officeart/2008/layout/LinedList"/>
+    <dgm:cxn modelId="{7A6EFDBC-A33C-4D17-BF1E-2C868A1B5F45}" type="presParOf" srcId="{5328253C-95EF-435B-81D6-21B495D9E7DC}" destId="{1935099B-DF60-4CE4-AE2C-D21D522DA095}" srcOrd="1" destOrd="0" presId="urn:microsoft.com/office/officeart/2008/layout/LinedList"/>
+    <dgm:cxn modelId="{160A2529-95CE-4129-98D4-933AA6F58E3C}" type="presParOf" srcId="{0AD76BA9-F843-4398-AF3E-D6752B753576}" destId="{330BEA53-380C-4201-8C91-2549675AAE08}" srcOrd="2" destOrd="0" presId="urn:microsoft.com/office/officeart/2008/layout/LinedList"/>
+    <dgm:cxn modelId="{B910F9C3-6E81-47DE-8650-7092D5EA63C0}" type="presParOf" srcId="{0AD76BA9-F843-4398-AF3E-D6752B753576}" destId="{C344BCBB-157A-44D3-95DE-FBB2BE7B6E68}" srcOrd="3" destOrd="0" presId="urn:microsoft.com/office/officeart/2008/layout/LinedList"/>
+    <dgm:cxn modelId="{93AC77FF-4364-49CF-94BD-C333396C4885}" type="presParOf" srcId="{C344BCBB-157A-44D3-95DE-FBB2BE7B6E68}" destId="{583712CE-D35D-4A08-B845-72B5FAF8F647}" srcOrd="0" destOrd="0" presId="urn:microsoft.com/office/officeart/2008/layout/LinedList"/>
+    <dgm:cxn modelId="{A3D586F0-3079-40FF-80BC-9B069781E938}" type="presParOf" srcId="{C344BCBB-157A-44D3-95DE-FBB2BE7B6E68}" destId="{83704E5A-777E-403E-B45D-1C0310D5985A}" srcOrd="1" destOrd="0" presId="urn:microsoft.com/office/officeart/2008/layout/LinedList"/>
+    <dgm:cxn modelId="{69A6D2BB-12D2-47EB-94C6-B901202A4167}" type="presParOf" srcId="{0AD76BA9-F843-4398-AF3E-D6752B753576}" destId="{927B7345-BCE6-4B6A-883F-E4785CEA1776}" srcOrd="4" destOrd="0" presId="urn:microsoft.com/office/officeart/2008/layout/LinedList"/>
+    <dgm:cxn modelId="{BE83B46E-838A-4186-ADEF-920ECA8B97D2}" type="presParOf" srcId="{0AD76BA9-F843-4398-AF3E-D6752B753576}" destId="{6AE1314E-D365-42F4-8976-19FBA1BC1074}" srcOrd="5" destOrd="0" presId="urn:microsoft.com/office/officeart/2008/layout/LinedList"/>
+    <dgm:cxn modelId="{413B4F88-F919-414F-9DCE-AD4975B571AC}" type="presParOf" srcId="{6AE1314E-D365-42F4-8976-19FBA1BC1074}" destId="{CC66B842-5036-465E-AAA4-ED4E822F1212}" srcOrd="0" destOrd="0" presId="urn:microsoft.com/office/officeart/2008/layout/LinedList"/>
+    <dgm:cxn modelId="{AEE37B76-FEAA-4C1E-96CB-EF234F6CE971}" type="presParOf" srcId="{6AE1314E-D365-42F4-8976-19FBA1BC1074}" destId="{19D1D5AD-9ADC-4ABD-BD58-41C1956046C9}" srcOrd="1" destOrd="0" presId="urn:microsoft.com/office/officeart/2008/layout/LinedList"/>
   </dgm:cxnLst>
   <dgm:bg/>
   <dgm:whole/>
@@ -3998,6 +4990,486 @@
 </dsp:drawing>
 </file>
 
+<file path=ppt/diagrams/drawing3.xml><?xml version="1.0" encoding="utf-8"?>
+<dsp:drawing xmlns:dgm="http://schemas.openxmlformats.org/drawingml/2006/diagram" xmlns:dsp="http://schemas.microsoft.com/office/drawing/2008/diagram" xmlns:a="http://schemas.openxmlformats.org/drawingml/2006/main">
+  <dsp:spTree>
+    <dsp:nvGrpSpPr>
+      <dsp:cNvPr id="0" name=""/>
+      <dsp:cNvGrpSpPr/>
+    </dsp:nvGrpSpPr>
+    <dsp:grpSpPr/>
+    <dsp:sp modelId="{6CC46694-472C-4DAA-AAFA-10CD91111B31}">
+      <dsp:nvSpPr>
+        <dsp:cNvPr id="0" name=""/>
+        <dsp:cNvSpPr/>
+      </dsp:nvSpPr>
+      <dsp:spPr>
+        <a:xfrm>
+          <a:off x="0" y="2758"/>
+          <a:ext cx="6797675" cy="0"/>
+        </a:xfrm>
+        <a:prstGeom prst="line">
+          <a:avLst/>
+        </a:prstGeom>
+        <a:gradFill rotWithShape="0">
+          <a:gsLst>
+            <a:gs pos="0">
+              <a:schemeClr val="accent2">
+                <a:hueOff val="0"/>
+                <a:satOff val="0"/>
+                <a:lumOff val="0"/>
+                <a:alphaOff val="0"/>
+                <a:shade val="85000"/>
+                <a:satMod val="130000"/>
+              </a:schemeClr>
+            </a:gs>
+            <a:gs pos="34000">
+              <a:schemeClr val="accent2">
+                <a:hueOff val="0"/>
+                <a:satOff val="0"/>
+                <a:lumOff val="0"/>
+                <a:alphaOff val="0"/>
+                <a:shade val="87000"/>
+                <a:satMod val="125000"/>
+              </a:schemeClr>
+            </a:gs>
+            <a:gs pos="70000">
+              <a:schemeClr val="accent2">
+                <a:hueOff val="0"/>
+                <a:satOff val="0"/>
+                <a:lumOff val="0"/>
+                <a:alphaOff val="0"/>
+                <a:tint val="100000"/>
+                <a:shade val="90000"/>
+                <a:satMod val="130000"/>
+              </a:schemeClr>
+            </a:gs>
+            <a:gs pos="100000">
+              <a:schemeClr val="accent2">
+                <a:hueOff val="0"/>
+                <a:satOff val="0"/>
+                <a:lumOff val="0"/>
+                <a:alphaOff val="0"/>
+                <a:tint val="100000"/>
+                <a:shade val="100000"/>
+                <a:satMod val="110000"/>
+              </a:schemeClr>
+            </a:gs>
+          </a:gsLst>
+          <a:path path="circle">
+            <a:fillToRect l="100000" t="100000" r="100000" b="100000"/>
+          </a:path>
+        </a:gradFill>
+        <a:ln w="12700" cap="flat" cmpd="sng" algn="ctr">
+          <a:solidFill>
+            <a:schemeClr val="accent2">
+              <a:hueOff val="0"/>
+              <a:satOff val="0"/>
+              <a:lumOff val="0"/>
+              <a:alphaOff val="0"/>
+            </a:schemeClr>
+          </a:solidFill>
+          <a:prstDash val="solid"/>
+        </a:ln>
+        <a:effectLst>
+          <a:outerShdw blurRad="38100" dist="25400" dir="2700000" algn="br" rotWithShape="0">
+            <a:srgbClr val="000000">
+              <a:alpha val="60000"/>
+            </a:srgbClr>
+          </a:outerShdw>
+        </a:effectLst>
+      </dsp:spPr>
+      <dsp:style>
+        <a:lnRef idx="1">
+          <a:scrgbClr r="0" g="0" b="0"/>
+        </a:lnRef>
+        <a:fillRef idx="3">
+          <a:scrgbClr r="0" g="0" b="0"/>
+        </a:fillRef>
+        <a:effectRef idx="2">
+          <a:scrgbClr r="0" g="0" b="0"/>
+        </a:effectRef>
+        <a:fontRef idx="minor">
+          <a:schemeClr val="lt1"/>
+        </a:fontRef>
+      </dsp:style>
+    </dsp:sp>
+    <dsp:sp modelId="{92992083-0F95-4436-8247-E0CE7A51E564}">
+      <dsp:nvSpPr>
+        <dsp:cNvPr id="0" name=""/>
+        <dsp:cNvSpPr/>
+      </dsp:nvSpPr>
+      <dsp:spPr>
+        <a:xfrm>
+          <a:off x="0" y="2758"/>
+          <a:ext cx="6797675" cy="1881464"/>
+        </a:xfrm>
+        <a:prstGeom prst="rect">
+          <a:avLst/>
+        </a:prstGeom>
+        <a:noFill/>
+        <a:ln>
+          <a:noFill/>
+        </a:ln>
+        <a:effectLst/>
+      </dsp:spPr>
+      <dsp:style>
+        <a:lnRef idx="0">
+          <a:scrgbClr r="0" g="0" b="0"/>
+        </a:lnRef>
+        <a:fillRef idx="0">
+          <a:scrgbClr r="0" g="0" b="0"/>
+        </a:fillRef>
+        <a:effectRef idx="0">
+          <a:scrgbClr r="0" g="0" b="0"/>
+        </a:effectRef>
+        <a:fontRef idx="minor"/>
+      </dsp:style>
+      <dsp:txBody>
+        <a:bodyPr spcFirstLastPara="0" vert="horz" wrap="square" lIns="91440" tIns="91440" rIns="91440" bIns="91440" numCol="1" spcCol="1270" anchor="t" anchorCtr="0">
+          <a:noAutofit/>
+        </a:bodyPr>
+        <a:lstStyle/>
+        <a:p>
+          <a:pPr marL="0" lvl="0" indent="0" algn="l" defTabSz="1066800">
+            <a:lnSpc>
+              <a:spcPct val="90000"/>
+            </a:lnSpc>
+            <a:spcBef>
+              <a:spcPct val="0"/>
+            </a:spcBef>
+            <a:spcAft>
+              <a:spcPct val="35000"/>
+            </a:spcAft>
+            <a:buNone/>
+          </a:pPr>
+          <a:r>
+            <a:rPr lang="en-US" sz="2400" kern="1200"/>
+            <a:t>After several iterations (MNIST classification, CIFAR10 classification, YOLO on VisDrone2019), we ultimately decided on a CNN for CIFAR10 classification, motivated by time and performance constraints</a:t>
+          </a:r>
+        </a:p>
+      </dsp:txBody>
+      <dsp:txXfrm>
+        <a:off x="0" y="2758"/>
+        <a:ext cx="6797675" cy="1881464"/>
+      </dsp:txXfrm>
+    </dsp:sp>
+    <dsp:sp modelId="{330BEA53-380C-4201-8C91-2549675AAE08}">
+      <dsp:nvSpPr>
+        <dsp:cNvPr id="0" name=""/>
+        <dsp:cNvSpPr/>
+      </dsp:nvSpPr>
+      <dsp:spPr>
+        <a:xfrm>
+          <a:off x="0" y="1884223"/>
+          <a:ext cx="6797675" cy="0"/>
+        </a:xfrm>
+        <a:prstGeom prst="line">
+          <a:avLst/>
+        </a:prstGeom>
+        <a:gradFill rotWithShape="0">
+          <a:gsLst>
+            <a:gs pos="0">
+              <a:schemeClr val="accent2">
+                <a:hueOff val="-729781"/>
+                <a:satOff val="-6367"/>
+                <a:lumOff val="-8236"/>
+                <a:alphaOff val="0"/>
+                <a:shade val="85000"/>
+                <a:satMod val="130000"/>
+              </a:schemeClr>
+            </a:gs>
+            <a:gs pos="34000">
+              <a:schemeClr val="accent2">
+                <a:hueOff val="-729781"/>
+                <a:satOff val="-6367"/>
+                <a:lumOff val="-8236"/>
+                <a:alphaOff val="0"/>
+                <a:shade val="87000"/>
+                <a:satMod val="125000"/>
+              </a:schemeClr>
+            </a:gs>
+            <a:gs pos="70000">
+              <a:schemeClr val="accent2">
+                <a:hueOff val="-729781"/>
+                <a:satOff val="-6367"/>
+                <a:lumOff val="-8236"/>
+                <a:alphaOff val="0"/>
+                <a:tint val="100000"/>
+                <a:shade val="90000"/>
+                <a:satMod val="130000"/>
+              </a:schemeClr>
+            </a:gs>
+            <a:gs pos="100000">
+              <a:schemeClr val="accent2">
+                <a:hueOff val="-729781"/>
+                <a:satOff val="-6367"/>
+                <a:lumOff val="-8236"/>
+                <a:alphaOff val="0"/>
+                <a:tint val="100000"/>
+                <a:shade val="100000"/>
+                <a:satMod val="110000"/>
+              </a:schemeClr>
+            </a:gs>
+          </a:gsLst>
+          <a:path path="circle">
+            <a:fillToRect l="100000" t="100000" r="100000" b="100000"/>
+          </a:path>
+        </a:gradFill>
+        <a:ln w="12700" cap="flat" cmpd="sng" algn="ctr">
+          <a:solidFill>
+            <a:schemeClr val="accent2">
+              <a:hueOff val="-729781"/>
+              <a:satOff val="-6367"/>
+              <a:lumOff val="-8236"/>
+              <a:alphaOff val="0"/>
+            </a:schemeClr>
+          </a:solidFill>
+          <a:prstDash val="solid"/>
+        </a:ln>
+        <a:effectLst>
+          <a:outerShdw blurRad="38100" dist="25400" dir="2700000" algn="br" rotWithShape="0">
+            <a:srgbClr val="000000">
+              <a:alpha val="60000"/>
+            </a:srgbClr>
+          </a:outerShdw>
+        </a:effectLst>
+      </dsp:spPr>
+      <dsp:style>
+        <a:lnRef idx="1">
+          <a:scrgbClr r="0" g="0" b="0"/>
+        </a:lnRef>
+        <a:fillRef idx="3">
+          <a:scrgbClr r="0" g="0" b="0"/>
+        </a:fillRef>
+        <a:effectRef idx="2">
+          <a:scrgbClr r="0" g="0" b="0"/>
+        </a:effectRef>
+        <a:fontRef idx="minor">
+          <a:schemeClr val="lt1"/>
+        </a:fontRef>
+      </dsp:style>
+    </dsp:sp>
+    <dsp:sp modelId="{583712CE-D35D-4A08-B845-72B5FAF8F647}">
+      <dsp:nvSpPr>
+        <dsp:cNvPr id="0" name=""/>
+        <dsp:cNvSpPr/>
+      </dsp:nvSpPr>
+      <dsp:spPr>
+        <a:xfrm>
+          <a:off x="0" y="1884223"/>
+          <a:ext cx="6797675" cy="1881464"/>
+        </a:xfrm>
+        <a:prstGeom prst="rect">
+          <a:avLst/>
+        </a:prstGeom>
+        <a:noFill/>
+        <a:ln>
+          <a:noFill/>
+        </a:ln>
+        <a:effectLst/>
+      </dsp:spPr>
+      <dsp:style>
+        <a:lnRef idx="0">
+          <a:scrgbClr r="0" g="0" b="0"/>
+        </a:lnRef>
+        <a:fillRef idx="0">
+          <a:scrgbClr r="0" g="0" b="0"/>
+        </a:fillRef>
+        <a:effectRef idx="0">
+          <a:scrgbClr r="0" g="0" b="0"/>
+        </a:effectRef>
+        <a:fontRef idx="minor"/>
+      </dsp:style>
+      <dsp:txBody>
+        <a:bodyPr spcFirstLastPara="0" vert="horz" wrap="square" lIns="91440" tIns="91440" rIns="91440" bIns="91440" numCol="1" spcCol="1270" anchor="t" anchorCtr="0">
+          <a:noAutofit/>
+        </a:bodyPr>
+        <a:lstStyle/>
+        <a:p>
+          <a:pPr marL="0" lvl="0" indent="0" algn="l" defTabSz="1066800">
+            <a:lnSpc>
+              <a:spcPct val="90000"/>
+            </a:lnSpc>
+            <a:spcBef>
+              <a:spcPct val="0"/>
+            </a:spcBef>
+            <a:spcAft>
+              <a:spcPct val="35000"/>
+            </a:spcAft>
+            <a:buNone/>
+          </a:pPr>
+          <a:r>
+            <a:rPr lang="en-US" sz="2400" kern="1200"/>
+            <a:t>After making custom implementations of the chosen attacks and defenses, they were compared to the implementations from IBM Research Adversarial Robustness Toolbox (ART)</a:t>
+          </a:r>
+        </a:p>
+      </dsp:txBody>
+      <dsp:txXfrm>
+        <a:off x="0" y="1884223"/>
+        <a:ext cx="6797675" cy="1881464"/>
+      </dsp:txXfrm>
+    </dsp:sp>
+    <dsp:sp modelId="{927B7345-BCE6-4B6A-883F-E4785CEA1776}">
+      <dsp:nvSpPr>
+        <dsp:cNvPr id="0" name=""/>
+        <dsp:cNvSpPr/>
+      </dsp:nvSpPr>
+      <dsp:spPr>
+        <a:xfrm>
+          <a:off x="0" y="3765688"/>
+          <a:ext cx="6797675" cy="0"/>
+        </a:xfrm>
+        <a:prstGeom prst="line">
+          <a:avLst/>
+        </a:prstGeom>
+        <a:gradFill rotWithShape="0">
+          <a:gsLst>
+            <a:gs pos="0">
+              <a:schemeClr val="accent2">
+                <a:hueOff val="-1459563"/>
+                <a:satOff val="-12734"/>
+                <a:lumOff val="-16471"/>
+                <a:alphaOff val="0"/>
+                <a:shade val="85000"/>
+                <a:satMod val="130000"/>
+              </a:schemeClr>
+            </a:gs>
+            <a:gs pos="34000">
+              <a:schemeClr val="accent2">
+                <a:hueOff val="-1459563"/>
+                <a:satOff val="-12734"/>
+                <a:lumOff val="-16471"/>
+                <a:alphaOff val="0"/>
+                <a:shade val="87000"/>
+                <a:satMod val="125000"/>
+              </a:schemeClr>
+            </a:gs>
+            <a:gs pos="70000">
+              <a:schemeClr val="accent2">
+                <a:hueOff val="-1459563"/>
+                <a:satOff val="-12734"/>
+                <a:lumOff val="-16471"/>
+                <a:alphaOff val="0"/>
+                <a:tint val="100000"/>
+                <a:shade val="90000"/>
+                <a:satMod val="130000"/>
+              </a:schemeClr>
+            </a:gs>
+            <a:gs pos="100000">
+              <a:schemeClr val="accent2">
+                <a:hueOff val="-1459563"/>
+                <a:satOff val="-12734"/>
+                <a:lumOff val="-16471"/>
+                <a:alphaOff val="0"/>
+                <a:tint val="100000"/>
+                <a:shade val="100000"/>
+                <a:satMod val="110000"/>
+              </a:schemeClr>
+            </a:gs>
+          </a:gsLst>
+          <a:path path="circle">
+            <a:fillToRect l="100000" t="100000" r="100000" b="100000"/>
+          </a:path>
+        </a:gradFill>
+        <a:ln w="12700" cap="flat" cmpd="sng" algn="ctr">
+          <a:solidFill>
+            <a:schemeClr val="accent2">
+              <a:hueOff val="-1459563"/>
+              <a:satOff val="-12734"/>
+              <a:lumOff val="-16471"/>
+              <a:alphaOff val="0"/>
+            </a:schemeClr>
+          </a:solidFill>
+          <a:prstDash val="solid"/>
+        </a:ln>
+        <a:effectLst>
+          <a:outerShdw blurRad="38100" dist="25400" dir="2700000" algn="br" rotWithShape="0">
+            <a:srgbClr val="000000">
+              <a:alpha val="60000"/>
+            </a:srgbClr>
+          </a:outerShdw>
+        </a:effectLst>
+      </dsp:spPr>
+      <dsp:style>
+        <a:lnRef idx="1">
+          <a:scrgbClr r="0" g="0" b="0"/>
+        </a:lnRef>
+        <a:fillRef idx="3">
+          <a:scrgbClr r="0" g="0" b="0"/>
+        </a:fillRef>
+        <a:effectRef idx="2">
+          <a:scrgbClr r="0" g="0" b="0"/>
+        </a:effectRef>
+        <a:fontRef idx="minor">
+          <a:schemeClr val="lt1"/>
+        </a:fontRef>
+      </dsp:style>
+    </dsp:sp>
+    <dsp:sp modelId="{CC66B842-5036-465E-AAA4-ED4E822F1212}">
+      <dsp:nvSpPr>
+        <dsp:cNvPr id="0" name=""/>
+        <dsp:cNvSpPr/>
+      </dsp:nvSpPr>
+      <dsp:spPr>
+        <a:xfrm>
+          <a:off x="0" y="3765688"/>
+          <a:ext cx="6797675" cy="1881464"/>
+        </a:xfrm>
+        <a:prstGeom prst="rect">
+          <a:avLst/>
+        </a:prstGeom>
+        <a:noFill/>
+        <a:ln>
+          <a:noFill/>
+        </a:ln>
+        <a:effectLst/>
+      </dsp:spPr>
+      <dsp:style>
+        <a:lnRef idx="0">
+          <a:scrgbClr r="0" g="0" b="0"/>
+        </a:lnRef>
+        <a:fillRef idx="0">
+          <a:scrgbClr r="0" g="0" b="0"/>
+        </a:fillRef>
+        <a:effectRef idx="0">
+          <a:scrgbClr r="0" g="0" b="0"/>
+        </a:effectRef>
+        <a:fontRef idx="minor"/>
+      </dsp:style>
+      <dsp:txBody>
+        <a:bodyPr spcFirstLastPara="0" vert="horz" wrap="square" lIns="91440" tIns="91440" rIns="91440" bIns="91440" numCol="1" spcCol="1270" anchor="t" anchorCtr="0">
+          <a:noAutofit/>
+        </a:bodyPr>
+        <a:lstStyle/>
+        <a:p>
+          <a:pPr marL="0" lvl="0" indent="0" algn="l" defTabSz="1066800">
+            <a:lnSpc>
+              <a:spcPct val="90000"/>
+            </a:lnSpc>
+            <a:spcBef>
+              <a:spcPct val="0"/>
+            </a:spcBef>
+            <a:spcAft>
+              <a:spcPct val="35000"/>
+            </a:spcAft>
+            <a:buNone/>
+          </a:pPr>
+          <a:r>
+            <a:rPr lang="en-US" sz="2400" kern="1200"/>
+            <a:t>Jacobian Regularization did not have enough widespread adoption in popular libraries, and such wasn't considered for benchmarking</a:t>
+          </a:r>
+        </a:p>
+      </dsp:txBody>
+      <dsp:txXfrm>
+        <a:off x="0" y="3765688"/>
+        <a:ext cx="6797675" cy="1881464"/>
+      </dsp:txXfrm>
+    </dsp:sp>
+  </dsp:spTree>
+</dsp:drawing>
+</file>
+
 <file path=ppt/diagrams/layout1.xml><?xml version="1.0" encoding="utf-8"?>
 <dgm:layoutDef xmlns:dgm="http://schemas.openxmlformats.org/drawingml/2006/diagram" xmlns:a="http://schemas.openxmlformats.org/drawingml/2006/main" uniqueId="urn:microsoft.com/office/officeart/2018/2/layout/IconVerticalSolidList">
   <dgm:title val="Icon Vertical Solid List"/>
@@ -4586,6 +6058,472 @@
 </dgm:layoutDef>
 </file>
 
+<file path=ppt/diagrams/layout3.xml><?xml version="1.0" encoding="utf-8"?>
+<dgm:layoutDef xmlns:dgm="http://schemas.openxmlformats.org/drawingml/2006/diagram" xmlns:a="http://schemas.openxmlformats.org/drawingml/2006/main" uniqueId="urn:microsoft.com/office/officeart/2008/layout/LinedList">
+  <dgm:title val=""/>
+  <dgm:desc val=""/>
+  <dgm:catLst>
+    <dgm:cat type="hierarchy" pri="8000"/>
+    <dgm:cat type="list" pri="2500"/>
+  </dgm:catLst>
+  <dgm:sampData>
+    <dgm:dataModel>
+      <dgm:ptLst>
+        <dgm:pt modelId="0" type="doc"/>
+        <dgm:pt modelId="1">
+          <dgm:prSet phldr="1"/>
+        </dgm:pt>
+        <dgm:pt modelId="11">
+          <dgm:prSet phldr="1"/>
+        </dgm:pt>
+        <dgm:pt modelId="12">
+          <dgm:prSet phldr="1"/>
+        </dgm:pt>
+        <dgm:pt modelId="13">
+          <dgm:prSet phldr="1"/>
+        </dgm:pt>
+      </dgm:ptLst>
+      <dgm:cxnLst>
+        <dgm:cxn modelId="2" srcId="0" destId="1" srcOrd="0" destOrd="0"/>
+        <dgm:cxn modelId="3" srcId="1" destId="11" srcOrd="0" destOrd="0"/>
+        <dgm:cxn modelId="4" srcId="1" destId="12" srcOrd="1" destOrd="0"/>
+        <dgm:cxn modelId="5" srcId="1" destId="13" srcOrd="2" destOrd="0"/>
+      </dgm:cxnLst>
+      <dgm:bg/>
+      <dgm:whole/>
+    </dgm:dataModel>
+  </dgm:sampData>
+  <dgm:styleData>
+    <dgm:dataModel>
+      <dgm:ptLst>
+        <dgm:pt modelId="0" type="doc"/>
+        <dgm:pt modelId="1">
+          <dgm:prSet phldr="1"/>
+        </dgm:pt>
+        <dgm:pt modelId="11">
+          <dgm:prSet phldr="1"/>
+        </dgm:pt>
+        <dgm:pt modelId="12">
+          <dgm:prSet phldr="1"/>
+        </dgm:pt>
+      </dgm:ptLst>
+      <dgm:cxnLst>
+        <dgm:cxn modelId="2" srcId="0" destId="1" srcOrd="0" destOrd="0"/>
+        <dgm:cxn modelId="3" srcId="1" destId="11" srcOrd="0" destOrd="0"/>
+        <dgm:cxn modelId="4" srcId="1" destId="12" srcOrd="1" destOrd="0"/>
+      </dgm:cxnLst>
+      <dgm:bg/>
+      <dgm:whole/>
+    </dgm:dataModel>
+  </dgm:styleData>
+  <dgm:clrData>
+    <dgm:dataModel>
+      <dgm:ptLst>
+        <dgm:pt modelId="0" type="doc"/>
+        <dgm:pt modelId="1">
+          <dgm:prSet phldr="1"/>
+        </dgm:pt>
+        <dgm:pt modelId="11">
+          <dgm:prSet phldr="1"/>
+        </dgm:pt>
+        <dgm:pt modelId="12">
+          <dgm:prSet phldr="1"/>
+        </dgm:pt>
+      </dgm:ptLst>
+      <dgm:cxnLst>
+        <dgm:cxn modelId="2" srcId="0" destId="1" srcOrd="0" destOrd="0"/>
+        <dgm:cxn modelId="3" srcId="1" destId="11" srcOrd="0" destOrd="0"/>
+        <dgm:cxn modelId="4" srcId="1" destId="12" srcOrd="1" destOrd="0"/>
+      </dgm:cxnLst>
+      <dgm:bg/>
+      <dgm:whole/>
+    </dgm:dataModel>
+  </dgm:clrData>
+  <dgm:layoutNode name="vert0">
+    <dgm:varLst>
+      <dgm:dir/>
+      <dgm:animOne val="branch"/>
+      <dgm:animLvl val="lvl"/>
+    </dgm:varLst>
+    <dgm:choose name="Name0">
+      <dgm:if name="Name1" func="var" arg="dir" op="equ" val="norm">
+        <dgm:alg type="lin">
+          <dgm:param type="linDir" val="fromT"/>
+          <dgm:param type="nodeHorzAlign" val="l"/>
+        </dgm:alg>
+      </dgm:if>
+      <dgm:else name="Name2">
+        <dgm:alg type="lin">
+          <dgm:param type="linDir" val="fromT"/>
+          <dgm:param type="nodeHorzAlign" val="r"/>
+        </dgm:alg>
+      </dgm:else>
+    </dgm:choose>
+    <dgm:shape xmlns:r="http://schemas.openxmlformats.org/officeDocument/2006/relationships" r:blip="">
+      <dgm:adjLst/>
+    </dgm:shape>
+    <dgm:presOf/>
+    <dgm:constrLst>
+      <dgm:constr type="w" for="ch" forName="horz1" refType="w"/>
+      <dgm:constr type="h" for="ch" forName="horz1" refType="h"/>
+      <dgm:constr type="h" for="des" forName="vert1" refType="h"/>
+      <dgm:constr type="h" for="des" forName="tx1" refType="h"/>
+      <dgm:constr type="h" for="des" forName="horz2" refType="h"/>
+      <dgm:constr type="h" for="des" forName="vert2" refType="h"/>
+      <dgm:constr type="h" for="des" forName="horz3" refType="h"/>
+      <dgm:constr type="h" for="des" forName="vert3" refType="h"/>
+      <dgm:constr type="h" for="des" forName="horz4" refType="h"/>
+      <dgm:constr type="h" for="des" ptType="node" refType="h"/>
+      <dgm:constr type="primFontSz" for="des" forName="tx1" op="equ" val="65"/>
+      <dgm:constr type="primFontSz" for="des" forName="tx2" op="equ" val="65"/>
+      <dgm:constr type="primFontSz" for="des" forName="tx3" op="equ" val="65"/>
+      <dgm:constr type="primFontSz" for="des" forName="tx4" op="equ" val="65"/>
+      <dgm:constr type="w" for="des" forName="thickLine" refType="w"/>
+      <dgm:constr type="h" for="des" forName="thickLine"/>
+      <dgm:constr type="h" for="des" forName="thinLine1"/>
+      <dgm:constr type="h" for="des" forName="thinLine2b"/>
+      <dgm:constr type="h" for="des" forName="thinLine3"/>
+      <dgm:constr type="h" for="des" forName="vertSpace2a" refType="h" fact="0.05"/>
+      <dgm:constr type="h" for="des" forName="vertSpace2b" refType="h" refFor="des" refForName="vertSpace2a"/>
+    </dgm:constrLst>
+    <dgm:forEach name="Name3" axis="ch" ptType="node">
+      <dgm:layoutNode name="thickLine" styleLbl="alignNode1">
+        <dgm:alg type="sp"/>
+        <dgm:shape xmlns:r="http://schemas.openxmlformats.org/officeDocument/2006/relationships" type="line" r:blip="">
+          <dgm:adjLst/>
+        </dgm:shape>
+        <dgm:presOf/>
+      </dgm:layoutNode>
+      <dgm:layoutNode name="horz1">
+        <dgm:choose name="Name4">
+          <dgm:if name="Name5" func="var" arg="dir" op="equ" val="norm">
+            <dgm:alg type="lin">
+              <dgm:param type="linDir" val="fromL"/>
+              <dgm:param type="nodeVertAlign" val="t"/>
+            </dgm:alg>
+          </dgm:if>
+          <dgm:else name="Name6">
+            <dgm:alg type="lin">
+              <dgm:param type="linDir" val="fromR"/>
+              <dgm:param type="nodeVertAlign" val="t"/>
+            </dgm:alg>
+          </dgm:else>
+        </dgm:choose>
+        <dgm:shape xmlns:r="http://schemas.openxmlformats.org/officeDocument/2006/relationships" r:blip="">
+          <dgm:adjLst/>
+        </dgm:shape>
+        <dgm:presOf/>
+        <dgm:choose name="Name7">
+          <dgm:if name="Name8" axis="root des" func="maxDepth" op="equ" val="1">
+            <dgm:constrLst>
+              <dgm:constr type="w" for="ch" forName="tx1" refType="w"/>
+            </dgm:constrLst>
+          </dgm:if>
+          <dgm:if name="Name9" axis="root des" func="maxDepth" op="equ" val="2">
+            <dgm:constrLst>
+              <dgm:constr type="w" for="ch" forName="tx1" refType="w" fact="0.2"/>
+              <dgm:constr type="w" for="des" forName="tx2" refType="w" fact="0.785"/>
+              <dgm:constr type="w" for="des" forName="horzSpace2" refType="w" fact="0.015"/>
+              <dgm:constr type="w" for="des" forName="thinLine2b" refType="w" fact="0.8"/>
+            </dgm:constrLst>
+          </dgm:if>
+          <dgm:if name="Name10" axis="root des" func="maxDepth" op="equ" val="3">
+            <dgm:constrLst>
+              <dgm:constr type="w" for="ch" forName="tx1" refType="w" fact="0.2"/>
+              <dgm:constr type="w" for="des" forName="tx2" refType="w" fact="0.385"/>
+              <dgm:constr type="w" for="des" forName="tx3" refType="w" fact="0.385"/>
+              <dgm:constr type="w" for="des" forName="horzSpace2" refType="w" fact="0.015"/>
+              <dgm:constr type="w" for="des" forName="horzSpace3" refType="w" fact="0.015"/>
+              <dgm:constr type="w" for="des" forName="thinLine2b" refType="w" fact="0.8"/>
+              <dgm:constr type="w" for="des" forName="thinLine3" refType="w" fact="0.385"/>
+            </dgm:constrLst>
+          </dgm:if>
+          <dgm:if name="Name11" axis="root des" func="maxDepth" op="gte" val="4">
+            <dgm:constrLst>
+              <dgm:constr type="w" for="ch" forName="tx1" refType="w" fact="0.2"/>
+              <dgm:constr type="w" for="des" forName="tx2" refType="w" fact="0.2516"/>
+              <dgm:constr type="w" for="des" forName="tx3" refType="w" fact="0.2516"/>
+              <dgm:constr type="w" for="des" forName="tx4" refType="w" fact="0.2516"/>
+              <dgm:constr type="w" for="des" forName="horzSpace2" refType="w" fact="0.015"/>
+              <dgm:constr type="w" for="des" forName="horzSpace3" refType="w" fact="0.015"/>
+              <dgm:constr type="w" for="des" forName="horzSpace4" refType="w" fact="0.015"/>
+              <dgm:constr type="w" for="des" forName="thinLine2b" refType="w" fact="0.8"/>
+              <dgm:constr type="w" for="des" forName="thinLine3" refType="w" fact="0.5332"/>
+            </dgm:constrLst>
+          </dgm:if>
+          <dgm:else name="Name12"/>
+        </dgm:choose>
+        <dgm:layoutNode name="tx1" styleLbl="revTx">
+          <dgm:alg type="tx">
+            <dgm:param type="parTxLTRAlign" val="l"/>
+            <dgm:param type="parTxRTLAlign" val="r"/>
+            <dgm:param type="txAnchorVert" val="t"/>
+          </dgm:alg>
+          <dgm:shape xmlns:r="http://schemas.openxmlformats.org/officeDocument/2006/relationships" type="rect" r:blip="">
+            <dgm:adjLst/>
+          </dgm:shape>
+          <dgm:presOf axis="self"/>
+          <dgm:constrLst>
+            <dgm:constr type="tMarg" refType="primFontSz" fact="0.3"/>
+            <dgm:constr type="bMarg" refType="primFontSz" fact="0.3"/>
+            <dgm:constr type="lMarg" refType="primFontSz" fact="0.3"/>
+            <dgm:constr type="rMarg" refType="primFontSz" fact="0.3"/>
+          </dgm:constrLst>
+          <dgm:ruleLst>
+            <dgm:rule type="primFontSz" val="5" fact="NaN" max="NaN"/>
+          </dgm:ruleLst>
+        </dgm:layoutNode>
+        <dgm:layoutNode name="vert1">
+          <dgm:choose name="Name13">
+            <dgm:if name="Name14" func="var" arg="dir" op="equ" val="norm">
+              <dgm:alg type="lin">
+                <dgm:param type="linDir" val="fromT"/>
+                <dgm:param type="nodeHorzAlign" val="l"/>
+              </dgm:alg>
+            </dgm:if>
+            <dgm:else name="Name15">
+              <dgm:alg type="lin">
+                <dgm:param type="linDir" val="fromT"/>
+                <dgm:param type="nodeHorzAlign" val="r"/>
+              </dgm:alg>
+            </dgm:else>
+          </dgm:choose>
+          <dgm:shape xmlns:r="http://schemas.openxmlformats.org/officeDocument/2006/relationships" r:blip="">
+            <dgm:adjLst/>
+          </dgm:shape>
+          <dgm:presOf/>
+          <dgm:forEach name="Name16" axis="ch" ptType="node">
+            <dgm:choose name="Name17">
+              <dgm:if name="Name18" axis="self" ptType="node" func="pos" op="equ" val="1">
+                <dgm:layoutNode name="vertSpace2a">
+                  <dgm:alg type="sp"/>
+                  <dgm:shape xmlns:r="http://schemas.openxmlformats.org/officeDocument/2006/relationships" r:blip="">
+                    <dgm:adjLst/>
+                  </dgm:shape>
+                  <dgm:presOf/>
+                </dgm:layoutNode>
+              </dgm:if>
+              <dgm:else name="Name19"/>
+            </dgm:choose>
+            <dgm:layoutNode name="horz2">
+              <dgm:choose name="Name20">
+                <dgm:if name="Name21" func="var" arg="dir" op="equ" val="norm">
+                  <dgm:alg type="lin">
+                    <dgm:param type="linDir" val="fromL"/>
+                    <dgm:param type="nodeVertAlign" val="t"/>
+                  </dgm:alg>
+                </dgm:if>
+                <dgm:else name="Name22">
+                  <dgm:alg type="lin">
+                    <dgm:param type="linDir" val="fromR"/>
+                    <dgm:param type="nodeVertAlign" val="t"/>
+                  </dgm:alg>
+                </dgm:else>
+              </dgm:choose>
+              <dgm:shape xmlns:r="http://schemas.openxmlformats.org/officeDocument/2006/relationships" r:blip="">
+                <dgm:adjLst/>
+              </dgm:shape>
+              <dgm:presOf/>
+              <dgm:layoutNode name="horzSpace2">
+                <dgm:alg type="sp"/>
+                <dgm:shape xmlns:r="http://schemas.openxmlformats.org/officeDocument/2006/relationships" r:blip="">
+                  <dgm:adjLst/>
+                </dgm:shape>
+                <dgm:presOf/>
+              </dgm:layoutNode>
+              <dgm:layoutNode name="tx2" styleLbl="revTx">
+                <dgm:alg type="tx">
+                  <dgm:param type="parTxLTRAlign" val="l"/>
+                  <dgm:param type="parTxRTLAlign" val="r"/>
+                  <dgm:param type="txAnchorVert" val="t"/>
+                </dgm:alg>
+                <dgm:shape xmlns:r="http://schemas.openxmlformats.org/officeDocument/2006/relationships" type="rect" r:blip="">
+                  <dgm:adjLst/>
+                </dgm:shape>
+                <dgm:presOf axis="self"/>
+                <dgm:constrLst>
+                  <dgm:constr type="tMarg" refType="primFontSz" fact="0.3"/>
+                  <dgm:constr type="bMarg" refType="primFontSz" fact="0.3"/>
+                  <dgm:constr type="lMarg" refType="primFontSz" fact="0.3"/>
+                  <dgm:constr type="rMarg" refType="primFontSz" fact="0.3"/>
+                </dgm:constrLst>
+                <dgm:ruleLst>
+                  <dgm:rule type="primFontSz" val="5" fact="NaN" max="NaN"/>
+                </dgm:ruleLst>
+              </dgm:layoutNode>
+              <dgm:layoutNode name="vert2">
+                <dgm:choose name="Name23">
+                  <dgm:if name="Name24" func="var" arg="dir" op="equ" val="norm">
+                    <dgm:alg type="lin">
+                      <dgm:param type="linDir" val="fromT"/>
+                      <dgm:param type="nodeHorzAlign" val="l"/>
+                    </dgm:alg>
+                  </dgm:if>
+                  <dgm:else name="Name25">
+                    <dgm:alg type="lin">
+                      <dgm:param type="linDir" val="fromT"/>
+                      <dgm:param type="nodeHorzAlign" val="r"/>
+                    </dgm:alg>
+                  </dgm:else>
+                </dgm:choose>
+                <dgm:shape xmlns:r="http://schemas.openxmlformats.org/officeDocument/2006/relationships" r:blip="">
+                  <dgm:adjLst/>
+                </dgm:shape>
+                <dgm:presOf/>
+                <dgm:forEach name="Name26" axis="ch" ptType="node">
+                  <dgm:layoutNode name="horz3">
+                    <dgm:choose name="Name27">
+                      <dgm:if name="Name28" func="var" arg="dir" op="equ" val="norm">
+                        <dgm:alg type="lin">
+                          <dgm:param type="linDir" val="fromL"/>
+                          <dgm:param type="nodeVertAlign" val="t"/>
+                        </dgm:alg>
+                      </dgm:if>
+                      <dgm:else name="Name29">
+                        <dgm:alg type="lin">
+                          <dgm:param type="linDir" val="fromR"/>
+                          <dgm:param type="nodeVertAlign" val="t"/>
+                        </dgm:alg>
+                      </dgm:else>
+                    </dgm:choose>
+                    <dgm:shape xmlns:r="http://schemas.openxmlformats.org/officeDocument/2006/relationships" r:blip="">
+                      <dgm:adjLst/>
+                    </dgm:shape>
+                    <dgm:presOf/>
+                    <dgm:layoutNode name="horzSpace3">
+                      <dgm:alg type="sp"/>
+                      <dgm:shape xmlns:r="http://schemas.openxmlformats.org/officeDocument/2006/relationships" r:blip="">
+                        <dgm:adjLst/>
+                      </dgm:shape>
+                      <dgm:presOf/>
+                    </dgm:layoutNode>
+                    <dgm:layoutNode name="tx3" styleLbl="revTx">
+                      <dgm:alg type="tx">
+                        <dgm:param type="parTxLTRAlign" val="l"/>
+                        <dgm:param type="parTxRTLAlign" val="r"/>
+                        <dgm:param type="txAnchorVert" val="t"/>
+                      </dgm:alg>
+                      <dgm:shape xmlns:r="http://schemas.openxmlformats.org/officeDocument/2006/relationships" type="rect" r:blip="">
+                        <dgm:adjLst/>
+                      </dgm:shape>
+                      <dgm:presOf axis="self"/>
+                      <dgm:constrLst>
+                        <dgm:constr type="tMarg" refType="primFontSz" fact="0.3"/>
+                        <dgm:constr type="bMarg" refType="primFontSz" fact="0.3"/>
+                        <dgm:constr type="lMarg" refType="primFontSz" fact="0.3"/>
+                        <dgm:constr type="rMarg" refType="primFontSz" fact="0.3"/>
+                      </dgm:constrLst>
+                      <dgm:ruleLst>
+                        <dgm:rule type="primFontSz" val="5" fact="NaN" max="NaN"/>
+                      </dgm:ruleLst>
+                    </dgm:layoutNode>
+                    <dgm:layoutNode name="vert3">
+                      <dgm:choose name="Name30">
+                        <dgm:if name="Name31" func="var" arg="dir" op="equ" val="norm">
+                          <dgm:alg type="lin">
+                            <dgm:param type="linDir" val="fromT"/>
+                            <dgm:param type="nodeHorzAlign" val="l"/>
+                          </dgm:alg>
+                        </dgm:if>
+                        <dgm:else name="Name32">
+                          <dgm:alg type="lin">
+                            <dgm:param type="linDir" val="fromT"/>
+                            <dgm:param type="nodeHorzAlign" val="r"/>
+                          </dgm:alg>
+                        </dgm:else>
+                      </dgm:choose>
+                      <dgm:shape xmlns:r="http://schemas.openxmlformats.org/officeDocument/2006/relationships" r:blip="">
+                        <dgm:adjLst/>
+                      </dgm:shape>
+                      <dgm:presOf/>
+                      <dgm:forEach name="Name33" axis="ch" ptType="node">
+                        <dgm:layoutNode name="horz4">
+                          <dgm:choose name="Name34">
+                            <dgm:if name="Name35" func="var" arg="dir" op="equ" val="norm">
+                              <dgm:alg type="lin">
+                                <dgm:param type="linDir" val="fromL"/>
+                                <dgm:param type="nodeVertAlign" val="t"/>
+                              </dgm:alg>
+                            </dgm:if>
+                            <dgm:else name="Name36">
+                              <dgm:alg type="lin">
+                                <dgm:param type="linDir" val="fromR"/>
+                                <dgm:param type="nodeVertAlign" val="t"/>
+                              </dgm:alg>
+                            </dgm:else>
+                          </dgm:choose>
+                          <dgm:shape xmlns:r="http://schemas.openxmlformats.org/officeDocument/2006/relationships" r:blip="">
+                            <dgm:adjLst/>
+                          </dgm:shape>
+                          <dgm:presOf/>
+                          <dgm:layoutNode name="horzSpace4">
+                            <dgm:alg type="sp"/>
+                            <dgm:shape xmlns:r="http://schemas.openxmlformats.org/officeDocument/2006/relationships" r:blip="">
+                              <dgm:adjLst/>
+                            </dgm:shape>
+                            <dgm:presOf/>
+                          </dgm:layoutNode>
+                          <dgm:layoutNode name="tx4" styleLbl="revTx">
+                            <dgm:varLst>
+                              <dgm:bulletEnabled val="1"/>
+                            </dgm:varLst>
+                            <dgm:alg type="tx">
+                              <dgm:param type="parTxLTRAlign" val="l"/>
+                              <dgm:param type="parTxRTLAlign" val="r"/>
+                              <dgm:param type="txAnchorVert" val="t"/>
+                            </dgm:alg>
+                            <dgm:shape xmlns:r="http://schemas.openxmlformats.org/officeDocument/2006/relationships" type="rect" r:blip="">
+                              <dgm:adjLst/>
+                            </dgm:shape>
+                            <dgm:presOf axis="desOrSelf" ptType="node"/>
+                            <dgm:constrLst>
+                              <dgm:constr type="tMarg" refType="primFontSz" fact="0.3"/>
+                              <dgm:constr type="bMarg" refType="primFontSz" fact="0.3"/>
+                              <dgm:constr type="lMarg" refType="primFontSz" fact="0.3"/>
+                              <dgm:constr type="rMarg" refType="primFontSz" fact="0.3"/>
+                            </dgm:constrLst>
+                            <dgm:ruleLst>
+                              <dgm:rule type="primFontSz" val="5" fact="NaN" max="NaN"/>
+                            </dgm:ruleLst>
+                          </dgm:layoutNode>
+                        </dgm:layoutNode>
+                      </dgm:forEach>
+                    </dgm:layoutNode>
+                  </dgm:layoutNode>
+                  <dgm:forEach name="Name37" axis="followSib" ptType="sibTrans" cnt="1">
+                    <dgm:layoutNode name="thinLine3" styleLbl="callout">
+                      <dgm:alg type="sp"/>
+                      <dgm:shape xmlns:r="http://schemas.openxmlformats.org/officeDocument/2006/relationships" type="line" r:blip="">
+                        <dgm:adjLst/>
+                      </dgm:shape>
+                      <dgm:presOf/>
+                    </dgm:layoutNode>
+                  </dgm:forEach>
+                </dgm:forEach>
+              </dgm:layoutNode>
+            </dgm:layoutNode>
+            <dgm:layoutNode name="thinLine2b" styleLbl="callout">
+              <dgm:alg type="sp"/>
+              <dgm:shape xmlns:r="http://schemas.openxmlformats.org/officeDocument/2006/relationships" type="line" r:blip="">
+                <dgm:adjLst/>
+              </dgm:shape>
+              <dgm:presOf/>
+            </dgm:layoutNode>
+            <dgm:layoutNode name="vertSpace2b">
+              <dgm:alg type="sp"/>
+              <dgm:shape xmlns:r="http://schemas.openxmlformats.org/officeDocument/2006/relationships" r:blip="">
+                <dgm:adjLst/>
+              </dgm:shape>
+              <dgm:presOf/>
+            </dgm:layoutNode>
+          </dgm:forEach>
+        </dgm:layoutNode>
+      </dgm:layoutNode>
+    </dgm:forEach>
+  </dgm:layoutNode>
+</dgm:layoutDef>
+</file>
+
 <file path=ppt/diagrams/quickStyle1.xml><?xml version="1.0" encoding="utf-8"?>
 <dgm:styleDef xmlns:dgm="http://schemas.openxmlformats.org/drawingml/2006/diagram" xmlns:a="http://schemas.openxmlformats.org/drawingml/2006/main" uniqueId="urn:microsoft.com/office/officeart/2005/8/quickstyle/simple1">
   <dgm:title val=""/>
@@ -6626,6 +8564,1040 @@
         <a:scrgbClr r="0" g="0" b="0"/>
       </a:fillRef>
       <a:effectRef idx="0">
+        <a:scrgbClr r="0" g="0" b="0"/>
+      </a:effectRef>
+      <a:fontRef idx="minor"/>
+    </dgm:style>
+  </dgm:styleLbl>
+  <dgm:styleLbl name="revTx">
+    <dgm:scene3d>
+      <a:camera prst="orthographicFront"/>
+      <a:lightRig rig="threePt" dir="t"/>
+    </dgm:scene3d>
+    <dgm:sp3d/>
+    <dgm:txPr/>
+    <dgm:style>
+      <a:lnRef idx="0">
+        <a:scrgbClr r="0" g="0" b="0"/>
+      </a:lnRef>
+      <a:fillRef idx="0">
+        <a:scrgbClr r="0" g="0" b="0"/>
+      </a:fillRef>
+      <a:effectRef idx="0">
+        <a:scrgbClr r="0" g="0" b="0"/>
+      </a:effectRef>
+      <a:fontRef idx="minor"/>
+    </dgm:style>
+  </dgm:styleLbl>
+</dgm:styleDef>
+</file>
+
+<file path=ppt/diagrams/quickStyle3.xml><?xml version="1.0" encoding="utf-8"?>
+<dgm:styleDef xmlns:dgm="http://schemas.openxmlformats.org/drawingml/2006/diagram" xmlns:a="http://schemas.openxmlformats.org/drawingml/2006/main" uniqueId="urn:microsoft.com/office/officeart/2005/8/quickstyle/simple4">
+  <dgm:title val=""/>
+  <dgm:desc val=""/>
+  <dgm:catLst>
+    <dgm:cat type="simple" pri="10400"/>
+  </dgm:catLst>
+  <dgm:scene3d>
+    <a:camera prst="orthographicFront"/>
+    <a:lightRig rig="threePt" dir="t"/>
+  </dgm:scene3d>
+  <dgm:styleLbl name="node0">
+    <dgm:scene3d>
+      <a:camera prst="orthographicFront"/>
+      <a:lightRig rig="threePt" dir="t"/>
+    </dgm:scene3d>
+    <dgm:sp3d/>
+    <dgm:txPr/>
+    <dgm:style>
+      <a:lnRef idx="0">
+        <a:scrgbClr r="0" g="0" b="0"/>
+      </a:lnRef>
+      <a:fillRef idx="3">
+        <a:scrgbClr r="0" g="0" b="0"/>
+      </a:fillRef>
+      <a:effectRef idx="2">
+        <a:scrgbClr r="0" g="0" b="0"/>
+      </a:effectRef>
+      <a:fontRef idx="minor">
+        <a:schemeClr val="lt1"/>
+      </a:fontRef>
+    </dgm:style>
+  </dgm:styleLbl>
+  <dgm:styleLbl name="lnNode1">
+    <dgm:scene3d>
+      <a:camera prst="orthographicFront"/>
+      <a:lightRig rig="threePt" dir="t"/>
+    </dgm:scene3d>
+    <dgm:sp3d/>
+    <dgm:txPr/>
+    <dgm:style>
+      <a:lnRef idx="1">
+        <a:scrgbClr r="0" g="0" b="0"/>
+      </a:lnRef>
+      <a:fillRef idx="3">
+        <a:scrgbClr r="0" g="0" b="0"/>
+      </a:fillRef>
+      <a:effectRef idx="2">
+        <a:scrgbClr r="0" g="0" b="0"/>
+      </a:effectRef>
+      <a:fontRef idx="minor">
+        <a:schemeClr val="lt1"/>
+      </a:fontRef>
+    </dgm:style>
+  </dgm:styleLbl>
+  <dgm:styleLbl name="vennNode1">
+    <dgm:scene3d>
+      <a:camera prst="orthographicFront"/>
+      <a:lightRig rig="threePt" dir="t"/>
+    </dgm:scene3d>
+    <dgm:sp3d/>
+    <dgm:txPr/>
+    <dgm:style>
+      <a:lnRef idx="0">
+        <a:scrgbClr r="0" g="0" b="0"/>
+      </a:lnRef>
+      <a:fillRef idx="3">
+        <a:scrgbClr r="0" g="0" b="0"/>
+      </a:fillRef>
+      <a:effectRef idx="0">
+        <a:scrgbClr r="0" g="0" b="0"/>
+      </a:effectRef>
+      <a:fontRef idx="minor">
+        <a:schemeClr val="tx1"/>
+      </a:fontRef>
+    </dgm:style>
+  </dgm:styleLbl>
+  <dgm:styleLbl name="alignNode1">
+    <dgm:scene3d>
+      <a:camera prst="orthographicFront"/>
+      <a:lightRig rig="threePt" dir="t"/>
+    </dgm:scene3d>
+    <dgm:sp3d/>
+    <dgm:txPr/>
+    <dgm:style>
+      <a:lnRef idx="1">
+        <a:scrgbClr r="0" g="0" b="0"/>
+      </a:lnRef>
+      <a:fillRef idx="3">
+        <a:scrgbClr r="0" g="0" b="0"/>
+      </a:fillRef>
+      <a:effectRef idx="2">
+        <a:scrgbClr r="0" g="0" b="0"/>
+      </a:effectRef>
+      <a:fontRef idx="minor">
+        <a:schemeClr val="lt1"/>
+      </a:fontRef>
+    </dgm:style>
+  </dgm:styleLbl>
+  <dgm:styleLbl name="node1">
+    <dgm:scene3d>
+      <a:camera prst="orthographicFront"/>
+      <a:lightRig rig="threePt" dir="t"/>
+    </dgm:scene3d>
+    <dgm:sp3d/>
+    <dgm:txPr/>
+    <dgm:style>
+      <a:lnRef idx="0">
+        <a:scrgbClr r="0" g="0" b="0"/>
+      </a:lnRef>
+      <a:fillRef idx="3">
+        <a:scrgbClr r="0" g="0" b="0"/>
+      </a:fillRef>
+      <a:effectRef idx="2">
+        <a:scrgbClr r="0" g="0" b="0"/>
+      </a:effectRef>
+      <a:fontRef idx="minor">
+        <a:schemeClr val="lt1"/>
+      </a:fontRef>
+    </dgm:style>
+  </dgm:styleLbl>
+  <dgm:styleLbl name="node2">
+    <dgm:scene3d>
+      <a:camera prst="orthographicFront"/>
+      <a:lightRig rig="threePt" dir="t"/>
+    </dgm:scene3d>
+    <dgm:sp3d/>
+    <dgm:txPr/>
+    <dgm:style>
+      <a:lnRef idx="0">
+        <a:scrgbClr r="0" g="0" b="0"/>
+      </a:lnRef>
+      <a:fillRef idx="3">
+        <a:scrgbClr r="0" g="0" b="0"/>
+      </a:fillRef>
+      <a:effectRef idx="2">
+        <a:scrgbClr r="0" g="0" b="0"/>
+      </a:effectRef>
+      <a:fontRef idx="minor">
+        <a:schemeClr val="lt1"/>
+      </a:fontRef>
+    </dgm:style>
+  </dgm:styleLbl>
+  <dgm:styleLbl name="node3">
+    <dgm:scene3d>
+      <a:camera prst="orthographicFront"/>
+      <a:lightRig rig="threePt" dir="t"/>
+    </dgm:scene3d>
+    <dgm:sp3d/>
+    <dgm:txPr/>
+    <dgm:style>
+      <a:lnRef idx="0">
+        <a:scrgbClr r="0" g="0" b="0"/>
+      </a:lnRef>
+      <a:fillRef idx="3">
+        <a:scrgbClr r="0" g="0" b="0"/>
+      </a:fillRef>
+      <a:effectRef idx="2">
+        <a:scrgbClr r="0" g="0" b="0"/>
+      </a:effectRef>
+      <a:fontRef idx="minor">
+        <a:schemeClr val="lt1"/>
+      </a:fontRef>
+    </dgm:style>
+  </dgm:styleLbl>
+  <dgm:styleLbl name="node4">
+    <dgm:scene3d>
+      <a:camera prst="orthographicFront"/>
+      <a:lightRig rig="threePt" dir="t"/>
+    </dgm:scene3d>
+    <dgm:sp3d/>
+    <dgm:txPr/>
+    <dgm:style>
+      <a:lnRef idx="0">
+        <a:scrgbClr r="0" g="0" b="0"/>
+      </a:lnRef>
+      <a:fillRef idx="3">
+        <a:scrgbClr r="0" g="0" b="0"/>
+      </a:fillRef>
+      <a:effectRef idx="2">
+        <a:scrgbClr r="0" g="0" b="0"/>
+      </a:effectRef>
+      <a:fontRef idx="minor">
+        <a:schemeClr val="lt1"/>
+      </a:fontRef>
+    </dgm:style>
+  </dgm:styleLbl>
+  <dgm:styleLbl name="fgImgPlace1">
+    <dgm:scene3d>
+      <a:camera prst="orthographicFront"/>
+      <a:lightRig rig="threePt" dir="t"/>
+    </dgm:scene3d>
+    <dgm:sp3d/>
+    <dgm:txPr/>
+    <dgm:style>
+      <a:lnRef idx="0">
+        <a:scrgbClr r="0" g="0" b="0"/>
+      </a:lnRef>
+      <a:fillRef idx="1">
+        <a:scrgbClr r="0" g="0" b="0"/>
+      </a:fillRef>
+      <a:effectRef idx="2">
+        <a:scrgbClr r="0" g="0" b="0"/>
+      </a:effectRef>
+      <a:fontRef idx="minor"/>
+    </dgm:style>
+  </dgm:styleLbl>
+  <dgm:styleLbl name="alignImgPlace1">
+    <dgm:scene3d>
+      <a:camera prst="orthographicFront"/>
+      <a:lightRig rig="threePt" dir="t"/>
+    </dgm:scene3d>
+    <dgm:sp3d/>
+    <dgm:txPr/>
+    <dgm:style>
+      <a:lnRef idx="0">
+        <a:scrgbClr r="0" g="0" b="0"/>
+      </a:lnRef>
+      <a:fillRef idx="1">
+        <a:scrgbClr r="0" g="0" b="0"/>
+      </a:fillRef>
+      <a:effectRef idx="2">
+        <a:scrgbClr r="0" g="0" b="0"/>
+      </a:effectRef>
+      <a:fontRef idx="minor"/>
+    </dgm:style>
+  </dgm:styleLbl>
+  <dgm:styleLbl name="bgImgPlace1">
+    <dgm:scene3d>
+      <a:camera prst="orthographicFront"/>
+      <a:lightRig rig="threePt" dir="t"/>
+    </dgm:scene3d>
+    <dgm:sp3d/>
+    <dgm:txPr/>
+    <dgm:style>
+      <a:lnRef idx="0">
+        <a:scrgbClr r="0" g="0" b="0"/>
+      </a:lnRef>
+      <a:fillRef idx="1">
+        <a:scrgbClr r="0" g="0" b="0"/>
+      </a:fillRef>
+      <a:effectRef idx="2">
+        <a:scrgbClr r="0" g="0" b="0"/>
+      </a:effectRef>
+      <a:fontRef idx="minor"/>
+    </dgm:style>
+  </dgm:styleLbl>
+  <dgm:styleLbl name="sibTrans2D1">
+    <dgm:scene3d>
+      <a:camera prst="orthographicFront"/>
+      <a:lightRig rig="threePt" dir="t"/>
+    </dgm:scene3d>
+    <dgm:sp3d/>
+    <dgm:txPr/>
+    <dgm:style>
+      <a:lnRef idx="0">
+        <a:scrgbClr r="0" g="0" b="0"/>
+      </a:lnRef>
+      <a:fillRef idx="3">
+        <a:scrgbClr r="0" g="0" b="0"/>
+      </a:fillRef>
+      <a:effectRef idx="2">
+        <a:scrgbClr r="0" g="0" b="0"/>
+      </a:effectRef>
+      <a:fontRef idx="minor">
+        <a:schemeClr val="lt1"/>
+      </a:fontRef>
+    </dgm:style>
+  </dgm:styleLbl>
+  <dgm:styleLbl name="fgSibTrans2D1">
+    <dgm:scene3d>
+      <a:camera prst="orthographicFront"/>
+      <a:lightRig rig="threePt" dir="t"/>
+    </dgm:scene3d>
+    <dgm:sp3d/>
+    <dgm:txPr/>
+    <dgm:style>
+      <a:lnRef idx="0">
+        <a:scrgbClr r="0" g="0" b="0"/>
+      </a:lnRef>
+      <a:fillRef idx="3">
+        <a:scrgbClr r="0" g="0" b="0"/>
+      </a:fillRef>
+      <a:effectRef idx="2">
+        <a:scrgbClr r="0" g="0" b="0"/>
+      </a:effectRef>
+      <a:fontRef idx="minor">
+        <a:schemeClr val="lt1"/>
+      </a:fontRef>
+    </dgm:style>
+  </dgm:styleLbl>
+  <dgm:styleLbl name="bgSibTrans2D1">
+    <dgm:scene3d>
+      <a:camera prst="orthographicFront"/>
+      <a:lightRig rig="threePt" dir="t"/>
+    </dgm:scene3d>
+    <dgm:sp3d/>
+    <dgm:txPr/>
+    <dgm:style>
+      <a:lnRef idx="0">
+        <a:scrgbClr r="0" g="0" b="0"/>
+      </a:lnRef>
+      <a:fillRef idx="3">
+        <a:scrgbClr r="0" g="0" b="0"/>
+      </a:fillRef>
+      <a:effectRef idx="2">
+        <a:scrgbClr r="0" g="0" b="0"/>
+      </a:effectRef>
+      <a:fontRef idx="minor">
+        <a:schemeClr val="lt1"/>
+      </a:fontRef>
+    </dgm:style>
+  </dgm:styleLbl>
+  <dgm:styleLbl name="sibTrans1D1">
+    <dgm:scene3d>
+      <a:camera prst="orthographicFront"/>
+      <a:lightRig rig="threePt" dir="t"/>
+    </dgm:scene3d>
+    <dgm:sp3d/>
+    <dgm:txPr/>
+    <dgm:style>
+      <a:lnRef idx="1">
+        <a:scrgbClr r="0" g="0" b="0"/>
+      </a:lnRef>
+      <a:fillRef idx="0">
+        <a:scrgbClr r="0" g="0" b="0"/>
+      </a:fillRef>
+      <a:effectRef idx="0">
+        <a:scrgbClr r="0" g="0" b="0"/>
+      </a:effectRef>
+      <a:fontRef idx="minor"/>
+    </dgm:style>
+  </dgm:styleLbl>
+  <dgm:styleLbl name="callout">
+    <dgm:scene3d>
+      <a:camera prst="orthographicFront"/>
+      <a:lightRig rig="threePt" dir="t"/>
+    </dgm:scene3d>
+    <dgm:sp3d/>
+    <dgm:txPr/>
+    <dgm:style>
+      <a:lnRef idx="2">
+        <a:scrgbClr r="0" g="0" b="0"/>
+      </a:lnRef>
+      <a:fillRef idx="1">
+        <a:scrgbClr r="0" g="0" b="0"/>
+      </a:fillRef>
+      <a:effectRef idx="1">
+        <a:scrgbClr r="0" g="0" b="0"/>
+      </a:effectRef>
+      <a:fontRef idx="minor"/>
+    </dgm:style>
+  </dgm:styleLbl>
+  <dgm:styleLbl name="asst0">
+    <dgm:scene3d>
+      <a:camera prst="orthographicFront"/>
+      <a:lightRig rig="threePt" dir="t"/>
+    </dgm:scene3d>
+    <dgm:sp3d/>
+    <dgm:txPr/>
+    <dgm:style>
+      <a:lnRef idx="0">
+        <a:scrgbClr r="0" g="0" b="0"/>
+      </a:lnRef>
+      <a:fillRef idx="3">
+        <a:scrgbClr r="0" g="0" b="0"/>
+      </a:fillRef>
+      <a:effectRef idx="2">
+        <a:scrgbClr r="0" g="0" b="0"/>
+      </a:effectRef>
+      <a:fontRef idx="minor">
+        <a:schemeClr val="lt1"/>
+      </a:fontRef>
+    </dgm:style>
+  </dgm:styleLbl>
+  <dgm:styleLbl name="asst1">
+    <dgm:scene3d>
+      <a:camera prst="orthographicFront"/>
+      <a:lightRig rig="threePt" dir="t"/>
+    </dgm:scene3d>
+    <dgm:sp3d/>
+    <dgm:txPr/>
+    <dgm:style>
+      <a:lnRef idx="0">
+        <a:scrgbClr r="0" g="0" b="0"/>
+      </a:lnRef>
+      <a:fillRef idx="3">
+        <a:scrgbClr r="0" g="0" b="0"/>
+      </a:fillRef>
+      <a:effectRef idx="2">
+        <a:scrgbClr r="0" g="0" b="0"/>
+      </a:effectRef>
+      <a:fontRef idx="minor">
+        <a:schemeClr val="lt1"/>
+      </a:fontRef>
+    </dgm:style>
+  </dgm:styleLbl>
+  <dgm:styleLbl name="asst2">
+    <dgm:scene3d>
+      <a:camera prst="orthographicFront"/>
+      <a:lightRig rig="threePt" dir="t"/>
+    </dgm:scene3d>
+    <dgm:sp3d/>
+    <dgm:txPr/>
+    <dgm:style>
+      <a:lnRef idx="0">
+        <a:scrgbClr r="0" g="0" b="0"/>
+      </a:lnRef>
+      <a:fillRef idx="3">
+        <a:scrgbClr r="0" g="0" b="0"/>
+      </a:fillRef>
+      <a:effectRef idx="2">
+        <a:scrgbClr r="0" g="0" b="0"/>
+      </a:effectRef>
+      <a:fontRef idx="minor">
+        <a:schemeClr val="lt1"/>
+      </a:fontRef>
+    </dgm:style>
+  </dgm:styleLbl>
+  <dgm:styleLbl name="asst3">
+    <dgm:scene3d>
+      <a:camera prst="orthographicFront"/>
+      <a:lightRig rig="threePt" dir="t"/>
+    </dgm:scene3d>
+    <dgm:sp3d/>
+    <dgm:txPr/>
+    <dgm:style>
+      <a:lnRef idx="0">
+        <a:scrgbClr r="0" g="0" b="0"/>
+      </a:lnRef>
+      <a:fillRef idx="3">
+        <a:scrgbClr r="0" g="0" b="0"/>
+      </a:fillRef>
+      <a:effectRef idx="2">
+        <a:scrgbClr r="0" g="0" b="0"/>
+      </a:effectRef>
+      <a:fontRef idx="minor">
+        <a:schemeClr val="lt1"/>
+      </a:fontRef>
+    </dgm:style>
+  </dgm:styleLbl>
+  <dgm:styleLbl name="asst4">
+    <dgm:scene3d>
+      <a:camera prst="orthographicFront"/>
+      <a:lightRig rig="threePt" dir="t"/>
+    </dgm:scene3d>
+    <dgm:sp3d/>
+    <dgm:txPr/>
+    <dgm:style>
+      <a:lnRef idx="0">
+        <a:scrgbClr r="0" g="0" b="0"/>
+      </a:lnRef>
+      <a:fillRef idx="3">
+        <a:scrgbClr r="0" g="0" b="0"/>
+      </a:fillRef>
+      <a:effectRef idx="2">
+        <a:scrgbClr r="0" g="0" b="0"/>
+      </a:effectRef>
+      <a:fontRef idx="minor">
+        <a:schemeClr val="lt1"/>
+      </a:fontRef>
+    </dgm:style>
+  </dgm:styleLbl>
+  <dgm:styleLbl name="parChTrans2D1">
+    <dgm:scene3d>
+      <a:camera prst="orthographicFront"/>
+      <a:lightRig rig="threePt" dir="t"/>
+    </dgm:scene3d>
+    <dgm:sp3d/>
+    <dgm:txPr/>
+    <dgm:style>
+      <a:lnRef idx="0">
+        <a:scrgbClr r="0" g="0" b="0"/>
+      </a:lnRef>
+      <a:fillRef idx="3">
+        <a:scrgbClr r="0" g="0" b="0"/>
+      </a:fillRef>
+      <a:effectRef idx="2">
+        <a:scrgbClr r="0" g="0" b="0"/>
+      </a:effectRef>
+      <a:fontRef idx="minor">
+        <a:schemeClr val="lt1"/>
+      </a:fontRef>
+    </dgm:style>
+  </dgm:styleLbl>
+  <dgm:styleLbl name="parChTrans2D2">
+    <dgm:scene3d>
+      <a:camera prst="orthographicFront"/>
+      <a:lightRig rig="threePt" dir="t"/>
+    </dgm:scene3d>
+    <dgm:sp3d/>
+    <dgm:txPr/>
+    <dgm:style>
+      <a:lnRef idx="0">
+        <a:scrgbClr r="0" g="0" b="0"/>
+      </a:lnRef>
+      <a:fillRef idx="3">
+        <a:scrgbClr r="0" g="0" b="0"/>
+      </a:fillRef>
+      <a:effectRef idx="2">
+        <a:scrgbClr r="0" g="0" b="0"/>
+      </a:effectRef>
+      <a:fontRef idx="minor">
+        <a:schemeClr val="lt1"/>
+      </a:fontRef>
+    </dgm:style>
+  </dgm:styleLbl>
+  <dgm:styleLbl name="parChTrans2D3">
+    <dgm:scene3d>
+      <a:camera prst="orthographicFront"/>
+      <a:lightRig rig="threePt" dir="t"/>
+    </dgm:scene3d>
+    <dgm:sp3d/>
+    <dgm:txPr/>
+    <dgm:style>
+      <a:lnRef idx="1">
+        <a:scrgbClr r="0" g="0" b="0"/>
+      </a:lnRef>
+      <a:fillRef idx="3">
+        <a:scrgbClr r="0" g="0" b="0"/>
+      </a:fillRef>
+      <a:effectRef idx="2">
+        <a:scrgbClr r="0" g="0" b="0"/>
+      </a:effectRef>
+      <a:fontRef idx="minor">
+        <a:schemeClr val="lt1"/>
+      </a:fontRef>
+    </dgm:style>
+  </dgm:styleLbl>
+  <dgm:styleLbl name="parChTrans2D4">
+    <dgm:scene3d>
+      <a:camera prst="orthographicFront"/>
+      <a:lightRig rig="threePt" dir="t"/>
+    </dgm:scene3d>
+    <dgm:sp3d/>
+    <dgm:txPr/>
+    <dgm:style>
+      <a:lnRef idx="1">
+        <a:scrgbClr r="0" g="0" b="0"/>
+      </a:lnRef>
+      <a:fillRef idx="3">
+        <a:scrgbClr r="0" g="0" b="0"/>
+      </a:fillRef>
+      <a:effectRef idx="2">
+        <a:scrgbClr r="0" g="0" b="0"/>
+      </a:effectRef>
+      <a:fontRef idx="minor">
+        <a:schemeClr val="lt1"/>
+      </a:fontRef>
+    </dgm:style>
+  </dgm:styleLbl>
+  <dgm:styleLbl name="parChTrans1D1">
+    <dgm:scene3d>
+      <a:camera prst="orthographicFront"/>
+      <a:lightRig rig="threePt" dir="t"/>
+    </dgm:scene3d>
+    <dgm:sp3d/>
+    <dgm:txPr/>
+    <dgm:style>
+      <a:lnRef idx="1">
+        <a:scrgbClr r="0" g="0" b="0"/>
+      </a:lnRef>
+      <a:fillRef idx="0">
+        <a:scrgbClr r="0" g="0" b="0"/>
+      </a:fillRef>
+      <a:effectRef idx="0">
+        <a:scrgbClr r="0" g="0" b="0"/>
+      </a:effectRef>
+      <a:fontRef idx="minor"/>
+    </dgm:style>
+  </dgm:styleLbl>
+  <dgm:styleLbl name="parChTrans1D2">
+    <dgm:scene3d>
+      <a:camera prst="orthographicFront"/>
+      <a:lightRig rig="threePt" dir="t"/>
+    </dgm:scene3d>
+    <dgm:sp3d/>
+    <dgm:txPr/>
+    <dgm:style>
+      <a:lnRef idx="1">
+        <a:scrgbClr r="0" g="0" b="0"/>
+      </a:lnRef>
+      <a:fillRef idx="0">
+        <a:scrgbClr r="0" g="0" b="0"/>
+      </a:fillRef>
+      <a:effectRef idx="0">
+        <a:scrgbClr r="0" g="0" b="0"/>
+      </a:effectRef>
+      <a:fontRef idx="minor"/>
+    </dgm:style>
+  </dgm:styleLbl>
+  <dgm:styleLbl name="parChTrans1D3">
+    <dgm:scene3d>
+      <a:camera prst="orthographicFront"/>
+      <a:lightRig rig="threePt" dir="t"/>
+    </dgm:scene3d>
+    <dgm:sp3d/>
+    <dgm:txPr/>
+    <dgm:style>
+      <a:lnRef idx="1">
+        <a:scrgbClr r="0" g="0" b="0"/>
+      </a:lnRef>
+      <a:fillRef idx="0">
+        <a:scrgbClr r="0" g="0" b="0"/>
+      </a:fillRef>
+      <a:effectRef idx="0">
+        <a:scrgbClr r="0" g="0" b="0"/>
+      </a:effectRef>
+      <a:fontRef idx="minor"/>
+    </dgm:style>
+  </dgm:styleLbl>
+  <dgm:styleLbl name="parChTrans1D4">
+    <dgm:scene3d>
+      <a:camera prst="orthographicFront"/>
+      <a:lightRig rig="threePt" dir="t"/>
+    </dgm:scene3d>
+    <dgm:sp3d/>
+    <dgm:txPr/>
+    <dgm:style>
+      <a:lnRef idx="1">
+        <a:scrgbClr r="0" g="0" b="0"/>
+      </a:lnRef>
+      <a:fillRef idx="0">
+        <a:scrgbClr r="0" g="0" b="0"/>
+      </a:fillRef>
+      <a:effectRef idx="0">
+        <a:scrgbClr r="0" g="0" b="0"/>
+      </a:effectRef>
+      <a:fontRef idx="minor"/>
+    </dgm:style>
+  </dgm:styleLbl>
+  <dgm:styleLbl name="fgAcc1">
+    <dgm:scene3d>
+      <a:camera prst="orthographicFront"/>
+      <a:lightRig rig="threePt" dir="t"/>
+    </dgm:scene3d>
+    <dgm:sp3d/>
+    <dgm:txPr/>
+    <dgm:style>
+      <a:lnRef idx="1">
+        <a:scrgbClr r="0" g="0" b="0"/>
+      </a:lnRef>
+      <a:fillRef idx="1">
+        <a:scrgbClr r="0" g="0" b="0"/>
+      </a:fillRef>
+      <a:effectRef idx="0">
+        <a:scrgbClr r="0" g="0" b="0"/>
+      </a:effectRef>
+      <a:fontRef idx="minor"/>
+    </dgm:style>
+  </dgm:styleLbl>
+  <dgm:styleLbl name="conFgAcc1">
+    <dgm:scene3d>
+      <a:camera prst="orthographicFront"/>
+      <a:lightRig rig="threePt" dir="t"/>
+    </dgm:scene3d>
+    <dgm:sp3d/>
+    <dgm:txPr/>
+    <dgm:style>
+      <a:lnRef idx="1">
+        <a:scrgbClr r="0" g="0" b="0"/>
+      </a:lnRef>
+      <a:fillRef idx="1">
+        <a:scrgbClr r="0" g="0" b="0"/>
+      </a:fillRef>
+      <a:effectRef idx="0">
+        <a:scrgbClr r="0" g="0" b="0"/>
+      </a:effectRef>
+      <a:fontRef idx="minor"/>
+    </dgm:style>
+  </dgm:styleLbl>
+  <dgm:styleLbl name="alignAcc1">
+    <dgm:scene3d>
+      <a:camera prst="orthographicFront"/>
+      <a:lightRig rig="threePt" dir="t"/>
+    </dgm:scene3d>
+    <dgm:sp3d/>
+    <dgm:txPr/>
+    <dgm:style>
+      <a:lnRef idx="1">
+        <a:scrgbClr r="0" g="0" b="0"/>
+      </a:lnRef>
+      <a:fillRef idx="1">
+        <a:scrgbClr r="0" g="0" b="0"/>
+      </a:fillRef>
+      <a:effectRef idx="0">
+        <a:scrgbClr r="0" g="0" b="0"/>
+      </a:effectRef>
+      <a:fontRef idx="minor"/>
+    </dgm:style>
+  </dgm:styleLbl>
+  <dgm:styleLbl name="trAlignAcc1">
+    <dgm:scene3d>
+      <a:camera prst="orthographicFront"/>
+      <a:lightRig rig="threePt" dir="t"/>
+    </dgm:scene3d>
+    <dgm:sp3d/>
+    <dgm:txPr/>
+    <dgm:style>
+      <a:lnRef idx="1">
+        <a:scrgbClr r="0" g="0" b="0"/>
+      </a:lnRef>
+      <a:fillRef idx="1">
+        <a:scrgbClr r="0" g="0" b="0"/>
+      </a:fillRef>
+      <a:effectRef idx="0">
+        <a:scrgbClr r="0" g="0" b="0"/>
+      </a:effectRef>
+      <a:fontRef idx="minor"/>
+    </dgm:style>
+  </dgm:styleLbl>
+  <dgm:styleLbl name="bgAcc1">
+    <dgm:scene3d>
+      <a:camera prst="orthographicFront"/>
+      <a:lightRig rig="threePt" dir="t"/>
+    </dgm:scene3d>
+    <dgm:sp3d/>
+    <dgm:txPr/>
+    <dgm:style>
+      <a:lnRef idx="1">
+        <a:scrgbClr r="0" g="0" b="0"/>
+      </a:lnRef>
+      <a:fillRef idx="1">
+        <a:scrgbClr r="0" g="0" b="0"/>
+      </a:fillRef>
+      <a:effectRef idx="0">
+        <a:scrgbClr r="0" g="0" b="0"/>
+      </a:effectRef>
+      <a:fontRef idx="minor"/>
+    </dgm:style>
+  </dgm:styleLbl>
+  <dgm:styleLbl name="solidFgAcc1">
+    <dgm:scene3d>
+      <a:camera prst="orthographicFront"/>
+      <a:lightRig rig="threePt" dir="t"/>
+    </dgm:scene3d>
+    <dgm:sp3d/>
+    <dgm:txPr/>
+    <dgm:style>
+      <a:lnRef idx="1">
+        <a:scrgbClr r="0" g="0" b="0"/>
+      </a:lnRef>
+      <a:fillRef idx="1">
+        <a:scrgbClr r="0" g="0" b="0"/>
+      </a:fillRef>
+      <a:effectRef idx="0">
+        <a:scrgbClr r="0" g="0" b="0"/>
+      </a:effectRef>
+      <a:fontRef idx="minor"/>
+    </dgm:style>
+  </dgm:styleLbl>
+  <dgm:styleLbl name="solidAlignAcc1">
+    <dgm:scene3d>
+      <a:camera prst="orthographicFront"/>
+      <a:lightRig rig="threePt" dir="t"/>
+    </dgm:scene3d>
+    <dgm:sp3d/>
+    <dgm:txPr/>
+    <dgm:style>
+      <a:lnRef idx="1">
+        <a:scrgbClr r="0" g="0" b="0"/>
+      </a:lnRef>
+      <a:fillRef idx="1">
+        <a:scrgbClr r="0" g="0" b="0"/>
+      </a:fillRef>
+      <a:effectRef idx="0">
+        <a:scrgbClr r="0" g="0" b="0"/>
+      </a:effectRef>
+      <a:fontRef idx="minor"/>
+    </dgm:style>
+  </dgm:styleLbl>
+  <dgm:styleLbl name="solidBgAcc1">
+    <dgm:scene3d>
+      <a:camera prst="orthographicFront"/>
+      <a:lightRig rig="threePt" dir="t"/>
+    </dgm:scene3d>
+    <dgm:sp3d/>
+    <dgm:txPr/>
+    <dgm:style>
+      <a:lnRef idx="1">
+        <a:scrgbClr r="0" g="0" b="0"/>
+      </a:lnRef>
+      <a:fillRef idx="1">
+        <a:scrgbClr r="0" g="0" b="0"/>
+      </a:fillRef>
+      <a:effectRef idx="0">
+        <a:scrgbClr r="0" g="0" b="0"/>
+      </a:effectRef>
+      <a:fontRef idx="minor"/>
+    </dgm:style>
+  </dgm:styleLbl>
+  <dgm:styleLbl name="fgAccFollowNode1">
+    <dgm:scene3d>
+      <a:camera prst="orthographicFront"/>
+      <a:lightRig rig="threePt" dir="t"/>
+    </dgm:scene3d>
+    <dgm:sp3d/>
+    <dgm:txPr/>
+    <dgm:style>
+      <a:lnRef idx="1">
+        <a:scrgbClr r="0" g="0" b="0"/>
+      </a:lnRef>
+      <a:fillRef idx="1">
+        <a:scrgbClr r="0" g="0" b="0"/>
+      </a:fillRef>
+      <a:effectRef idx="0">
+        <a:scrgbClr r="0" g="0" b="0"/>
+      </a:effectRef>
+      <a:fontRef idx="minor"/>
+    </dgm:style>
+  </dgm:styleLbl>
+  <dgm:styleLbl name="alignAccFollowNode1">
+    <dgm:scene3d>
+      <a:camera prst="orthographicFront"/>
+      <a:lightRig rig="threePt" dir="t"/>
+    </dgm:scene3d>
+    <dgm:sp3d/>
+    <dgm:txPr/>
+    <dgm:style>
+      <a:lnRef idx="1">
+        <a:scrgbClr r="0" g="0" b="0"/>
+      </a:lnRef>
+      <a:fillRef idx="1">
+        <a:scrgbClr r="0" g="0" b="0"/>
+      </a:fillRef>
+      <a:effectRef idx="0">
+        <a:scrgbClr r="0" g="0" b="0"/>
+      </a:effectRef>
+      <a:fontRef idx="minor"/>
+    </dgm:style>
+  </dgm:styleLbl>
+  <dgm:styleLbl name="bgAccFollowNode1">
+    <dgm:scene3d>
+      <a:camera prst="orthographicFront"/>
+      <a:lightRig rig="threePt" dir="t"/>
+    </dgm:scene3d>
+    <dgm:sp3d/>
+    <dgm:txPr/>
+    <dgm:style>
+      <a:lnRef idx="1">
+        <a:scrgbClr r="0" g="0" b="0"/>
+      </a:lnRef>
+      <a:fillRef idx="1">
+        <a:scrgbClr r="0" g="0" b="0"/>
+      </a:fillRef>
+      <a:effectRef idx="0">
+        <a:scrgbClr r="0" g="0" b="0"/>
+      </a:effectRef>
+      <a:fontRef idx="minor"/>
+    </dgm:style>
+  </dgm:styleLbl>
+  <dgm:styleLbl name="fgAcc0">
+    <dgm:scene3d>
+      <a:camera prst="orthographicFront"/>
+      <a:lightRig rig="threePt" dir="t"/>
+    </dgm:scene3d>
+    <dgm:sp3d/>
+    <dgm:txPr/>
+    <dgm:style>
+      <a:lnRef idx="1">
+        <a:scrgbClr r="0" g="0" b="0"/>
+      </a:lnRef>
+      <a:fillRef idx="1">
+        <a:scrgbClr r="0" g="0" b="0"/>
+      </a:fillRef>
+      <a:effectRef idx="0">
+        <a:scrgbClr r="0" g="0" b="0"/>
+      </a:effectRef>
+      <a:fontRef idx="minor"/>
+    </dgm:style>
+  </dgm:styleLbl>
+  <dgm:styleLbl name="fgAcc2">
+    <dgm:scene3d>
+      <a:camera prst="orthographicFront"/>
+      <a:lightRig rig="threePt" dir="t"/>
+    </dgm:scene3d>
+    <dgm:sp3d/>
+    <dgm:txPr/>
+    <dgm:style>
+      <a:lnRef idx="1">
+        <a:scrgbClr r="0" g="0" b="0"/>
+      </a:lnRef>
+      <a:fillRef idx="1">
+        <a:scrgbClr r="0" g="0" b="0"/>
+      </a:fillRef>
+      <a:effectRef idx="0">
+        <a:scrgbClr r="0" g="0" b="0"/>
+      </a:effectRef>
+      <a:fontRef idx="minor"/>
+    </dgm:style>
+  </dgm:styleLbl>
+  <dgm:styleLbl name="fgAcc3">
+    <dgm:scene3d>
+      <a:camera prst="orthographicFront"/>
+      <a:lightRig rig="threePt" dir="t"/>
+    </dgm:scene3d>
+    <dgm:sp3d/>
+    <dgm:txPr/>
+    <dgm:style>
+      <a:lnRef idx="1">
+        <a:scrgbClr r="0" g="0" b="0"/>
+      </a:lnRef>
+      <a:fillRef idx="1">
+        <a:scrgbClr r="0" g="0" b="0"/>
+      </a:fillRef>
+      <a:effectRef idx="0">
+        <a:scrgbClr r="0" g="0" b="0"/>
+      </a:effectRef>
+      <a:fontRef idx="minor"/>
+    </dgm:style>
+  </dgm:styleLbl>
+  <dgm:styleLbl name="fgAcc4">
+    <dgm:scene3d>
+      <a:camera prst="orthographicFront"/>
+      <a:lightRig rig="threePt" dir="t"/>
+    </dgm:scene3d>
+    <dgm:sp3d/>
+    <dgm:txPr/>
+    <dgm:style>
+      <a:lnRef idx="1">
+        <a:scrgbClr r="0" g="0" b="0"/>
+      </a:lnRef>
+      <a:fillRef idx="1">
+        <a:scrgbClr r="0" g="0" b="0"/>
+      </a:fillRef>
+      <a:effectRef idx="0">
+        <a:scrgbClr r="0" g="0" b="0"/>
+      </a:effectRef>
+      <a:fontRef idx="minor"/>
+    </dgm:style>
+  </dgm:styleLbl>
+  <dgm:styleLbl name="bgShp">
+    <dgm:scene3d>
+      <a:camera prst="orthographicFront"/>
+      <a:lightRig rig="threePt" dir="t"/>
+    </dgm:scene3d>
+    <dgm:sp3d/>
+    <dgm:txPr/>
+    <dgm:style>
+      <a:lnRef idx="0">
+        <a:scrgbClr r="0" g="0" b="0"/>
+      </a:lnRef>
+      <a:fillRef idx="1">
+        <a:scrgbClr r="0" g="0" b="0"/>
+      </a:fillRef>
+      <a:effectRef idx="2">
+        <a:scrgbClr r="0" g="0" b="0"/>
+      </a:effectRef>
+      <a:fontRef idx="minor"/>
+    </dgm:style>
+  </dgm:styleLbl>
+  <dgm:styleLbl name="dkBgShp">
+    <dgm:scene3d>
+      <a:camera prst="orthographicFront"/>
+      <a:lightRig rig="threePt" dir="t"/>
+    </dgm:scene3d>
+    <dgm:sp3d/>
+    <dgm:txPr/>
+    <dgm:style>
+      <a:lnRef idx="0">
+        <a:scrgbClr r="0" g="0" b="0"/>
+      </a:lnRef>
+      <a:fillRef idx="1">
+        <a:scrgbClr r="0" g="0" b="0"/>
+      </a:fillRef>
+      <a:effectRef idx="2">
+        <a:scrgbClr r="0" g="0" b="0"/>
+      </a:effectRef>
+      <a:fontRef idx="minor"/>
+    </dgm:style>
+  </dgm:styleLbl>
+  <dgm:styleLbl name="trBgShp">
+    <dgm:scene3d>
+      <a:camera prst="orthographicFront"/>
+      <a:lightRig rig="threePt" dir="t"/>
+    </dgm:scene3d>
+    <dgm:sp3d/>
+    <dgm:txPr/>
+    <dgm:style>
+      <a:lnRef idx="0">
+        <a:scrgbClr r="0" g="0" b="0"/>
+      </a:lnRef>
+      <a:fillRef idx="1">
+        <a:scrgbClr r="0" g="0" b="0"/>
+      </a:fillRef>
+      <a:effectRef idx="0">
+        <a:scrgbClr r="0" g="0" b="0"/>
+      </a:effectRef>
+      <a:fontRef idx="minor"/>
+    </dgm:style>
+  </dgm:styleLbl>
+  <dgm:styleLbl name="fgShp">
+    <dgm:scene3d>
+      <a:camera prst="orthographicFront"/>
+      <a:lightRig rig="threePt" dir="t"/>
+    </dgm:scene3d>
+    <dgm:sp3d/>
+    <dgm:txPr/>
+    <dgm:style>
+      <a:lnRef idx="0">
+        <a:scrgbClr r="0" g="0" b="0"/>
+      </a:lnRef>
+      <a:fillRef idx="3">
+        <a:scrgbClr r="0" g="0" b="0"/>
+      </a:fillRef>
+      <a:effectRef idx="2">
         <a:scrgbClr r="0" g="0" b="0"/>
       </a:effectRef>
       <a:fontRef idx="minor"/>
@@ -6880,7 +9852,7 @@
           <a:p>
             <a:fld id="{2BC13B08-982D-40A2-8E68-4B2ECFA3DA3B}" type="datetimeFigureOut">
               <a:rPr lang="en-US" smtClean="0"/>
-              <a:t>11/10/2025</a:t>
+              <a:t>11/12/2025</a:t>
             </a:fld>
             <a:endParaRPr lang="en-US"/>
           </a:p>
@@ -7086,7 +10058,7 @@
           <a:p>
             <a:fld id="{2BC13B08-982D-40A2-8E68-4B2ECFA3DA3B}" type="datetimeFigureOut">
               <a:rPr lang="en-US" smtClean="0"/>
-              <a:t>11/10/2025</a:t>
+              <a:t>11/12/2025</a:t>
             </a:fld>
             <a:endParaRPr lang="en-US"/>
           </a:p>
@@ -7342,7 +10314,7 @@
           <a:p>
             <a:fld id="{2BC13B08-982D-40A2-8E68-4B2ECFA3DA3B}" type="datetimeFigureOut">
               <a:rPr lang="en-US" smtClean="0"/>
-              <a:t>11/10/2025</a:t>
+              <a:t>11/12/2025</a:t>
             </a:fld>
             <a:endParaRPr lang="en-US"/>
           </a:p>
@@ -7510,7 +10482,7 @@
           <a:p>
             <a:fld id="{2BC13B08-982D-40A2-8E68-4B2ECFA3DA3B}" type="datetimeFigureOut">
               <a:rPr lang="en-US" smtClean="0"/>
-              <a:t>11/10/2025</a:t>
+              <a:t>11/12/2025</a:t>
             </a:fld>
             <a:endParaRPr lang="en-US"/>
           </a:p>
@@ -7846,7 +10818,7 @@
           <a:p>
             <a:fld id="{2BC13B08-982D-40A2-8E68-4B2ECFA3DA3B}" type="datetimeFigureOut">
               <a:rPr lang="en-US" smtClean="0"/>
-              <a:t>11/10/2025</a:t>
+              <a:t>11/12/2025</a:t>
             </a:fld>
             <a:endParaRPr lang="en-US"/>
           </a:p>
@@ -8118,7 +11090,7 @@
           <a:p>
             <a:fld id="{2BC13B08-982D-40A2-8E68-4B2ECFA3DA3B}" type="datetimeFigureOut">
               <a:rPr lang="en-US" smtClean="0"/>
-              <a:t>11/10/2025</a:t>
+              <a:t>11/12/2025</a:t>
             </a:fld>
             <a:endParaRPr lang="en-US"/>
           </a:p>
@@ -8494,7 +11466,7 @@
           <a:p>
             <a:fld id="{2BC13B08-982D-40A2-8E68-4B2ECFA3DA3B}" type="datetimeFigureOut">
               <a:rPr lang="en-US" smtClean="0"/>
-              <a:t>11/10/2025</a:t>
+              <a:t>11/12/2025</a:t>
             </a:fld>
             <a:endParaRPr lang="en-US"/>
           </a:p>
@@ -8611,7 +11583,7 @@
           <a:p>
             <a:fld id="{2BC13B08-982D-40A2-8E68-4B2ECFA3DA3B}" type="datetimeFigureOut">
               <a:rPr lang="en-US" smtClean="0"/>
-              <a:t>11/10/2025</a:t>
+              <a:t>11/12/2025</a:t>
             </a:fld>
             <a:endParaRPr lang="en-US"/>
           </a:p>
@@ -8784,7 +11756,7 @@
           <a:p>
             <a:fld id="{2BC13B08-982D-40A2-8E68-4B2ECFA3DA3B}" type="datetimeFigureOut">
               <a:rPr lang="en-US" smtClean="0"/>
-              <a:t>11/10/2025</a:t>
+              <a:t>11/12/2025</a:t>
             </a:fld>
             <a:endParaRPr lang="en-US"/>
           </a:p>
@@ -9138,7 +12110,7 @@
           <a:p>
             <a:fld id="{2BC13B08-982D-40A2-8E68-4B2ECFA3DA3B}" type="datetimeFigureOut">
               <a:rPr lang="en-US" smtClean="0"/>
-              <a:t>11/10/2025</a:t>
+              <a:t>11/12/2025</a:t>
             </a:fld>
             <a:endParaRPr lang="en-US"/>
           </a:p>
@@ -9515,7 +12487,7 @@
           <a:p>
             <a:fld id="{2BC13B08-982D-40A2-8E68-4B2ECFA3DA3B}" type="datetimeFigureOut">
               <a:rPr lang="en-US" smtClean="0"/>
-              <a:t>11/10/2025</a:t>
+              <a:t>11/12/2025</a:t>
             </a:fld>
             <a:endParaRPr lang="en-US"/>
           </a:p>
@@ -9802,7 +12774,7 @@
           <a:p>
             <a:fld id="{2BC13B08-982D-40A2-8E68-4B2ECFA3DA3B}" type="datetimeFigureOut">
               <a:rPr lang="en-US" smtClean="0"/>
-              <a:t>11/10/2025</a:t>
+              <a:t>11/12/2025</a:t>
             </a:fld>
             <a:endParaRPr lang="en-US"/>
           </a:p>
@@ -12901,7 +15873,7 @@
       </p:grpSpPr>
       <p:sp useBgFill="1">
         <p:nvSpPr>
-          <p:cNvPr id="17" name="Rectangle 16">
+          <p:cNvPr id="26" name="Rectangle 25">
             <a:extLst>
               <a:ext uri="{FF2B5EF4-FFF2-40B4-BE49-F238E27FC236}">
                 <a16:creationId xmlns:a16="http://schemas.microsoft.com/office/drawing/2014/main" id="{3741B58E-3B65-4A01-A276-975AB2CF8A08}"/>
@@ -12961,7 +15933,7 @@
       </p:sp>
       <p:sp>
         <p:nvSpPr>
-          <p:cNvPr id="19" name="Rectangle 18">
+          <p:cNvPr id="28" name="Rectangle 27">
             <a:extLst>
               <a:ext uri="{FF2B5EF4-FFF2-40B4-BE49-F238E27FC236}">
                 <a16:creationId xmlns:a16="http://schemas.microsoft.com/office/drawing/2014/main" id="{7AAC67C3-831B-4AB1-A259-DFB839CAFAFC}"/>
@@ -13044,7 +16016,6 @@
           </a:bodyPr>
           <a:lstStyle/>
           <a:p>
-            <a:pPr algn="ctr"/>
             <a:r>
               <a:rPr lang="en-US" sz="3600">
                 <a:solidFill>
@@ -13055,13 +16026,17 @@
               </a:rPr>
               <a:t>Adversarial Training</a:t>
             </a:r>
-            <a:endParaRPr lang="en-US"/>
+            <a:endParaRPr lang="en-US" sz="3600">
+              <a:solidFill>
+                <a:srgbClr val="FFFFFF"/>
+              </a:solidFill>
+            </a:endParaRPr>
           </a:p>
         </p:txBody>
       </p:sp>
       <p:sp>
         <p:nvSpPr>
-          <p:cNvPr id="21" name="Rectangle 20">
+          <p:cNvPr id="30" name="Rectangle 29">
             <a:extLst>
               <a:ext uri="{FF2B5EF4-FFF2-40B4-BE49-F238E27FC236}">
                 <a16:creationId xmlns:a16="http://schemas.microsoft.com/office/drawing/2014/main" id="{054B3F04-9EAC-45C0-B3CE-0387EEA10A0C}"/>
@@ -13142,7 +16117,7 @@
           </a:bodyPr>
           <a:lstStyle/>
           <a:p>
-            <a:pPr>
+            <a:pPr algn="just">
               <a:buFont typeface="Arial,Sans-Serif" panose="020F0502020204030204" pitchFamily="34" charset="0"/>
               <a:buChar char="•"/>
             </a:pPr>
@@ -13153,10 +16128,9 @@
               </a:rPr>
               <a:t> Algorithm:</a:t>
             </a:r>
-            <a:endParaRPr lang="en-US"/>
           </a:p>
           <a:p>
-            <a:pPr marL="383540" lvl="1">
+            <a:pPr marL="383540" lvl="1" algn="just">
               <a:buFont typeface="Arial" panose="020F0502020204030204" pitchFamily="34" charset="0"/>
               <a:buChar char="•"/>
             </a:pPr>
@@ -13169,7 +16143,7 @@
             </a:r>
           </a:p>
           <a:p>
-            <a:pPr marL="383540" lvl="1">
+            <a:pPr marL="383540" lvl="1" algn="just">
               <a:buFont typeface="Arial" panose="020F0502020204030204" pitchFamily="34" charset="0"/>
               <a:buChar char="•"/>
             </a:pPr>
@@ -13182,7 +16156,7 @@
             </a:r>
           </a:p>
           <a:p>
-            <a:pPr marL="383540" lvl="1">
+            <a:pPr marL="383540" lvl="1" algn="just">
               <a:buFont typeface="Arial" panose="020F0502020204030204" pitchFamily="34" charset="0"/>
               <a:buChar char="•"/>
             </a:pPr>
@@ -13195,7 +16169,7 @@
             </a:r>
           </a:p>
           <a:p>
-            <a:pPr>
+            <a:pPr algn="just">
               <a:buFont typeface="Arial" panose="020F0502020204030204" pitchFamily="34" charset="0"/>
               <a:buChar char="•"/>
             </a:pPr>
@@ -13255,7 +16229,7 @@
       </p:grpSpPr>
       <p:sp useBgFill="1">
         <p:nvSpPr>
-          <p:cNvPr id="17" name="Rectangle 16">
+          <p:cNvPr id="26" name="Rectangle 25">
             <a:extLst>
               <a:ext uri="{FF2B5EF4-FFF2-40B4-BE49-F238E27FC236}">
                 <a16:creationId xmlns:a16="http://schemas.microsoft.com/office/drawing/2014/main" id="{3741B58E-3B65-4A01-A276-975AB2CF8A08}"/>
@@ -13315,7 +16289,7 @@
       </p:sp>
       <p:sp>
         <p:nvSpPr>
-          <p:cNvPr id="19" name="Rectangle 18">
+          <p:cNvPr id="28" name="Rectangle 27">
             <a:extLst>
               <a:ext uri="{FF2B5EF4-FFF2-40B4-BE49-F238E27FC236}">
                 <a16:creationId xmlns:a16="http://schemas.microsoft.com/office/drawing/2014/main" id="{7AAC67C3-831B-4AB1-A259-DFB839CAFAFC}"/>
@@ -13398,7 +16372,6 @@
           </a:bodyPr>
           <a:lstStyle/>
           <a:p>
-            <a:pPr algn="ctr"/>
             <a:r>
               <a:rPr lang="en-US" sz="3600">
                 <a:solidFill>
@@ -13409,13 +16382,17 @@
               </a:rPr>
               <a:t>Jacobian Regularization</a:t>
             </a:r>
-            <a:endParaRPr lang="en-US"/>
+            <a:endParaRPr lang="en-US" sz="3600">
+              <a:solidFill>
+                <a:srgbClr val="FFFFFF"/>
+              </a:solidFill>
+            </a:endParaRPr>
           </a:p>
         </p:txBody>
       </p:sp>
       <p:sp>
         <p:nvSpPr>
-          <p:cNvPr id="21" name="Rectangle 20">
+          <p:cNvPr id="30" name="Rectangle 29">
             <a:extLst>
               <a:ext uri="{FF2B5EF4-FFF2-40B4-BE49-F238E27FC236}">
                 <a16:creationId xmlns:a16="http://schemas.microsoft.com/office/drawing/2014/main" id="{054B3F04-9EAC-45C0-B3CE-0387EEA10A0C}"/>
@@ -13507,6 +16484,7 @@
               </a:rPr>
               <a:t> The Jacobian matrix contains all partial derivatives of the network outputs with respect to the input</a:t>
             </a:r>
+            <a:endParaRPr lang="en-US"/>
           </a:p>
           <a:p>
             <a:pPr algn="just">
@@ -13522,7 +16500,7 @@
             </a:r>
           </a:p>
           <a:p>
-            <a:pPr>
+            <a:pPr algn="just">
               <a:buFont typeface="Arial" panose="020F0502020204030204" pitchFamily="34" charset="0"/>
               <a:buChar char="•"/>
             </a:pPr>
@@ -13535,7 +16513,7 @@
             </a:r>
           </a:p>
           <a:p>
-            <a:pPr marL="383540" lvl="1">
+            <a:pPr marL="383540" lvl="1" algn="just">
               <a:buFont typeface="Arial" panose="020F0502020204030204" pitchFamily="34" charset="0"/>
               <a:buChar char="•"/>
             </a:pPr>
@@ -13548,7 +16526,7 @@
             </a:r>
           </a:p>
           <a:p>
-            <a:pPr marL="383540" lvl="1">
+            <a:pPr marL="383540" lvl="1" algn="just">
               <a:buFont typeface="Arial" panose="020F0502020204030204" pitchFamily="34" charset="0"/>
               <a:buChar char="•"/>
             </a:pPr>
@@ -13561,7 +16539,7 @@
             </a:r>
           </a:p>
           <a:p>
-            <a:pPr marL="383540" lvl="1">
+            <a:pPr marL="383540" lvl="1" algn="just">
               <a:buFont typeface="Arial" panose="020F0502020204030204" pitchFamily="34" charset="0"/>
               <a:buChar char="•"/>
             </a:pPr>
@@ -13832,6 +16810,296 @@
 <file path=ppt/slides/slide17.xml><?xml version="1.0" encoding="utf-8"?>
 <p:sld xmlns:a="http://schemas.openxmlformats.org/drawingml/2006/main" xmlns:r="http://schemas.openxmlformats.org/officeDocument/2006/relationships" xmlns:p="http://schemas.openxmlformats.org/presentationml/2006/main">
   <p:cSld>
+    <p:bg>
+      <p:bgPr>
+        <a:solidFill>
+          <a:schemeClr val="bg2"/>
+        </a:solidFill>
+        <a:effectLst/>
+      </p:bgPr>
+    </p:bg>
+    <p:spTree>
+      <p:nvGrpSpPr>
+        <p:cNvPr id="1" name=""/>
+        <p:cNvGrpSpPr/>
+        <p:nvPr/>
+      </p:nvGrpSpPr>
+      <p:grpSpPr>
+        <a:xfrm>
+          <a:off x="0" y="0"/>
+          <a:ext cx="0" cy="0"/>
+          <a:chOff x="0" y="0"/>
+          <a:chExt cx="0" cy="0"/>
+        </a:xfrm>
+      </p:grpSpPr>
+      <p:sp useBgFill="1">
+        <p:nvSpPr>
+          <p:cNvPr id="23" name="Rectangle 22">
+            <a:extLst>
+              <a:ext uri="{FF2B5EF4-FFF2-40B4-BE49-F238E27FC236}">
+                <a16:creationId xmlns:a16="http://schemas.microsoft.com/office/drawing/2014/main" id="{51057C6D-CCCA-403B-9CEC-B76B7703B53D}"/>
+              </a:ext>
+              <a:ext uri="{C183D7F6-B498-43B3-948B-1728B52AA6E4}">
+                <adec:decorative xmlns:adec="http://schemas.microsoft.com/office/drawing/2017/decorative" val="1"/>
+              </a:ext>
+            </a:extLst>
+          </p:cNvPr>
+          <p:cNvSpPr>
+            <a:spLocks noGrp="1" noRot="1" noChangeAspect="1" noMove="1" noResize="1" noEditPoints="1" noAdjustHandles="1" noChangeArrowheads="1" noChangeShapeType="1" noTextEdit="1"/>
+          </p:cNvSpPr>
+          <p:nvPr>
+            <p:extLst>
+              <p:ext uri="{386F3935-93C4-4BCD-93E2-E3B085C9AB24}">
+                <p16:designElem xmlns:p16="http://schemas.microsoft.com/office/powerpoint/2015/main" val="1"/>
+              </p:ext>
+            </p:extLst>
+          </p:nvPr>
+        </p:nvSpPr>
+        <p:spPr>
+          <a:xfrm>
+            <a:off x="0" y="0"/>
+            <a:ext cx="12186315" cy="6858000"/>
+          </a:xfrm>
+          <a:prstGeom prst="rect">
+            <a:avLst/>
+          </a:prstGeom>
+          <a:ln>
+            <a:noFill/>
+          </a:ln>
+        </p:spPr>
+        <p:style>
+          <a:lnRef idx="2">
+            <a:schemeClr val="accent6">
+              <a:shade val="50000"/>
+            </a:schemeClr>
+          </a:lnRef>
+          <a:fillRef idx="1001">
+            <a:schemeClr val="lt1"/>
+          </a:fillRef>
+          <a:effectRef idx="0">
+            <a:schemeClr val="accent6"/>
+          </a:effectRef>
+          <a:fontRef idx="minor">
+            <a:schemeClr val="lt1"/>
+          </a:fontRef>
+        </p:style>
+        <p:txBody>
+          <a:bodyPr rtlCol="0" anchor="ctr"/>
+          <a:lstStyle/>
+          <a:p>
+            <a:pPr algn="ctr"/>
+            <a:endParaRPr lang="en-US"/>
+          </a:p>
+        </p:txBody>
+      </p:sp>
+      <p:sp>
+        <p:nvSpPr>
+          <p:cNvPr id="25" name="Rectangle 24">
+            <a:extLst>
+              <a:ext uri="{FF2B5EF4-FFF2-40B4-BE49-F238E27FC236}">
+                <a16:creationId xmlns:a16="http://schemas.microsoft.com/office/drawing/2014/main" id="{C34FA5FE-E54B-4C0E-B9F9-55CE13FCC7BE}"/>
+              </a:ext>
+              <a:ext uri="{C183D7F6-B498-43B3-948B-1728B52AA6E4}">
+                <adec:decorative xmlns:adec="http://schemas.microsoft.com/office/drawing/2017/decorative" val="1"/>
+              </a:ext>
+            </a:extLst>
+          </p:cNvPr>
+          <p:cNvSpPr>
+            <a:spLocks noGrp="1" noRot="1" noChangeAspect="1" noMove="1" noResize="1" noEditPoints="1" noAdjustHandles="1" noChangeArrowheads="1" noChangeShapeType="1" noTextEdit="1"/>
+          </p:cNvSpPr>
+          <p:nvPr>
+            <p:extLst>
+              <p:ext uri="{386F3935-93C4-4BCD-93E2-E3B085C9AB24}">
+                <p16:designElem xmlns:p16="http://schemas.microsoft.com/office/powerpoint/2015/main" val="1"/>
+              </p:ext>
+            </p:extLst>
+          </p:nvPr>
+        </p:nvSpPr>
+        <p:spPr>
+          <a:xfrm>
+            <a:off x="16" y="0"/>
+            <a:ext cx="4050791" cy="6858000"/>
+          </a:xfrm>
+          <a:prstGeom prst="rect">
+            <a:avLst/>
+          </a:prstGeom>
+          <a:solidFill>
+            <a:schemeClr val="accent1">
+              <a:lumMod val="50000"/>
+            </a:schemeClr>
+          </a:solidFill>
+          <a:ln>
+            <a:noFill/>
+          </a:ln>
+        </p:spPr>
+        <p:style>
+          <a:lnRef idx="2">
+            <a:schemeClr val="accent1">
+              <a:shade val="50000"/>
+            </a:schemeClr>
+          </a:lnRef>
+          <a:fillRef idx="1">
+            <a:schemeClr val="accent1"/>
+          </a:fillRef>
+          <a:effectRef idx="0">
+            <a:schemeClr val="accent1"/>
+          </a:effectRef>
+          <a:fontRef idx="minor">
+            <a:schemeClr val="lt1"/>
+          </a:fontRef>
+        </p:style>
+      </p:sp>
+      <p:sp>
+        <p:nvSpPr>
+          <p:cNvPr id="2" name="Title 1">
+            <a:extLst>
+              <a:ext uri="{FF2B5EF4-FFF2-40B4-BE49-F238E27FC236}">
+                <a16:creationId xmlns:a16="http://schemas.microsoft.com/office/drawing/2014/main" id="{D45EE609-61C5-624E-9197-91E89C14C443}"/>
+              </a:ext>
+            </a:extLst>
+          </p:cNvPr>
+          <p:cNvSpPr>
+            <a:spLocks noGrp="1"/>
+          </p:cNvSpPr>
+          <p:nvPr>
+            <p:ph type="title"/>
+          </p:nvPr>
+        </p:nvSpPr>
+        <p:spPr>
+          <a:xfrm>
+            <a:off x="492370" y="516835"/>
+            <a:ext cx="3084844" cy="5772840"/>
+          </a:xfrm>
+        </p:spPr>
+        <p:txBody>
+          <a:bodyPr anchor="ctr">
+            <a:normAutofit/>
+          </a:bodyPr>
+          <a:lstStyle/>
+          <a:p>
+            <a:r>
+              <a:rPr lang="en-US" sz="3600">
+                <a:solidFill>
+                  <a:srgbClr val="FFFFFF"/>
+                </a:solidFill>
+                <a:ea typeface="Calibri Light"/>
+                <a:cs typeface="Calibri Light"/>
+              </a:rPr>
+              <a:t>Final architectural experiments</a:t>
+            </a:r>
+          </a:p>
+        </p:txBody>
+      </p:sp>
+      <p:sp>
+        <p:nvSpPr>
+          <p:cNvPr id="27" name="Rectangle 26">
+            <a:extLst>
+              <a:ext uri="{FF2B5EF4-FFF2-40B4-BE49-F238E27FC236}">
+                <a16:creationId xmlns:a16="http://schemas.microsoft.com/office/drawing/2014/main" id="{F760188E-2A5C-4426-BA57-5B0B23334AED}"/>
+              </a:ext>
+              <a:ext uri="{C183D7F6-B498-43B3-948B-1728B52AA6E4}">
+                <adec:decorative xmlns:adec="http://schemas.microsoft.com/office/drawing/2017/decorative" val="1"/>
+              </a:ext>
+            </a:extLst>
+          </p:cNvPr>
+          <p:cNvSpPr>
+            <a:spLocks noGrp="1" noRot="1" noChangeAspect="1" noMove="1" noResize="1" noEditPoints="1" noAdjustHandles="1" noChangeArrowheads="1" noChangeShapeType="1" noTextEdit="1"/>
+          </p:cNvSpPr>
+          <p:nvPr>
+            <p:extLst>
+              <p:ext uri="{386F3935-93C4-4BCD-93E2-E3B085C9AB24}">
+                <p16:designElem xmlns:p16="http://schemas.microsoft.com/office/powerpoint/2015/main" val="1"/>
+              </p:ext>
+            </p:extLst>
+          </p:nvPr>
+        </p:nvSpPr>
+        <p:spPr>
+          <a:xfrm>
+            <a:off x="4040071" y="0"/>
+            <a:ext cx="64008" cy="6858000"/>
+          </a:xfrm>
+          <a:prstGeom prst="rect">
+            <a:avLst/>
+          </a:prstGeom>
+          <a:solidFill>
+            <a:schemeClr val="accent1"/>
+          </a:solidFill>
+          <a:ln>
+            <a:noFill/>
+          </a:ln>
+        </p:spPr>
+        <p:style>
+          <a:lnRef idx="2">
+            <a:schemeClr val="accent1">
+              <a:shade val="50000"/>
+            </a:schemeClr>
+          </a:lnRef>
+          <a:fillRef idx="1">
+            <a:schemeClr val="accent1"/>
+          </a:fillRef>
+          <a:effectRef idx="0">
+            <a:schemeClr val="accent1"/>
+          </a:effectRef>
+          <a:fontRef idx="minor">
+            <a:schemeClr val="lt1"/>
+          </a:fontRef>
+        </p:style>
+      </p:sp>
+      <p:graphicFrame>
+        <p:nvGraphicFramePr>
+          <p:cNvPr id="19" name="Content Placeholder 2">
+            <a:extLst>
+              <a:ext uri="{FF2B5EF4-FFF2-40B4-BE49-F238E27FC236}">
+                <a16:creationId xmlns:a16="http://schemas.microsoft.com/office/drawing/2014/main" id="{10641A76-061B-A0C7-4172-DD0EC869AA49}"/>
+              </a:ext>
+            </a:extLst>
+          </p:cNvPr>
+          <p:cNvGraphicFramePr>
+            <a:graphicFrameLocks noGrp="1"/>
+          </p:cNvGraphicFramePr>
+          <p:nvPr>
+            <p:ph idx="1"/>
+            <p:extLst>
+              <p:ext uri="{D42A27DB-BD31-4B8C-83A1-F6EECF244321}">
+                <p14:modId xmlns:p14="http://schemas.microsoft.com/office/powerpoint/2010/main" val="174378137"/>
+              </p:ext>
+            </p:extLst>
+          </p:nvPr>
+        </p:nvGraphicFramePr>
+        <p:xfrm>
+          <a:off x="4741863" y="639763"/>
+          <a:ext cx="6797675" cy="5649912"/>
+        </p:xfrm>
+        <a:graphic>
+          <a:graphicData uri="http://schemas.openxmlformats.org/drawingml/2006/diagram">
+            <dgm:relIds xmlns:dgm="http://schemas.openxmlformats.org/drawingml/2006/diagram" xmlns:r="http://schemas.openxmlformats.org/officeDocument/2006/relationships" r:dm="rId2" r:lo="rId3" r:qs="rId4" r:cs="rId5"/>
+          </a:graphicData>
+        </a:graphic>
+      </p:graphicFrame>
+    </p:spTree>
+    <p:extLst>
+      <p:ext uri="{BB962C8B-B14F-4D97-AF65-F5344CB8AC3E}">
+        <p14:creationId xmlns:p14="http://schemas.microsoft.com/office/powerpoint/2010/main" val="289941154"/>
+      </p:ext>
+    </p:extLst>
+  </p:cSld>
+  <p:clrMapOvr>
+    <a:masterClrMapping/>
+  </p:clrMapOvr>
+</p:sld>
+</file>
+
+<file path=ppt/slides/slide18.xml><?xml version="1.0" encoding="utf-8"?>
+<p:sld xmlns:a="http://schemas.openxmlformats.org/drawingml/2006/main" xmlns:r="http://schemas.openxmlformats.org/officeDocument/2006/relationships" xmlns:p="http://schemas.openxmlformats.org/presentationml/2006/main">
+  <p:cSld>
+    <p:bg>
+      <p:bgPr>
+        <a:solidFill>
+          <a:schemeClr val="bg2"/>
+        </a:solidFill>
+        <a:effectLst/>
+      </p:bgPr>
+    </p:bg>
     <p:spTree>
       <p:nvGrpSpPr>
         <p:cNvPr id="1" name=""/>
@@ -13848,129 +17116,231 @@
       </p:grpSpPr>
       <p:sp>
         <p:nvSpPr>
-          <p:cNvPr id="2" name="Title 1">
+          <p:cNvPr id="12" name="Rectangle 11">
             <a:extLst>
               <a:ext uri="{FF2B5EF4-FFF2-40B4-BE49-F238E27FC236}">
-                <a16:creationId xmlns:a16="http://schemas.microsoft.com/office/drawing/2014/main" id="{D45EE609-61C5-624E-9197-91E89C14C443}"/>
+                <a16:creationId xmlns:a16="http://schemas.microsoft.com/office/drawing/2014/main" id="{07E0C2E9-66FE-4939-B00E-F2F8A16051FD}"/>
+              </a:ext>
+              <a:ext uri="{C183D7F6-B498-43B3-948B-1728B52AA6E4}">
+                <adec:decorative xmlns:adec="http://schemas.microsoft.com/office/drawing/2017/decorative" val="1"/>
               </a:ext>
             </a:extLst>
           </p:cNvPr>
           <p:cNvSpPr>
-            <a:spLocks noGrp="1"/>
+            <a:spLocks noGrp="1" noRot="1" noChangeAspect="1" noMove="1" noResize="1" noEditPoints="1" noAdjustHandles="1" noChangeArrowheads="1" noChangeShapeType="1" noTextEdit="1"/>
           </p:cNvSpPr>
           <p:nvPr>
-            <p:ph type="title"/>
+            <p:extLst>
+              <p:ext uri="{386F3935-93C4-4BCD-93E2-E3B085C9AB24}">
+                <p16:designElem xmlns:p16="http://schemas.microsoft.com/office/powerpoint/2015/main" val="1"/>
+              </p:ext>
+            </p:extLst>
           </p:nvPr>
         </p:nvSpPr>
-        <p:spPr/>
-        <p:txBody>
-          <a:bodyPr/>
-          <a:lstStyle/>
-          <a:p>
-            <a:r>
-              <a:rPr lang="en-US" dirty="0">
-                <a:ea typeface="Calibri Light"/>
-                <a:cs typeface="Calibri Light"/>
-              </a:rPr>
-              <a:t>Final architectural experiments</a:t>
-            </a:r>
-            <a:endParaRPr lang="en-US" dirty="0"/>
-          </a:p>
-        </p:txBody>
+        <p:spPr>
+          <a:xfrm>
+            <a:off x="3175" y="6400800"/>
+            <a:ext cx="12188825" cy="457200"/>
+          </a:xfrm>
+          <a:prstGeom prst="rect">
+            <a:avLst/>
+          </a:prstGeom>
+          <a:solidFill>
+            <a:schemeClr val="accent1">
+              <a:lumMod val="50000"/>
+            </a:schemeClr>
+          </a:solidFill>
+          <a:ln>
+            <a:noFill/>
+          </a:ln>
+        </p:spPr>
+        <p:style>
+          <a:lnRef idx="2">
+            <a:schemeClr val="accent1">
+              <a:shade val="50000"/>
+            </a:schemeClr>
+          </a:lnRef>
+          <a:fillRef idx="1">
+            <a:schemeClr val="accent1"/>
+          </a:fillRef>
+          <a:effectRef idx="0">
+            <a:schemeClr val="accent1"/>
+          </a:effectRef>
+          <a:fontRef idx="minor">
+            <a:schemeClr val="lt1"/>
+          </a:fontRef>
+        </p:style>
       </p:sp>
       <p:sp>
         <p:nvSpPr>
-          <p:cNvPr id="3" name="Content Placeholder 2">
+          <p:cNvPr id="14" name="Rectangle 13">
             <a:extLst>
               <a:ext uri="{FF2B5EF4-FFF2-40B4-BE49-F238E27FC236}">
-                <a16:creationId xmlns:a16="http://schemas.microsoft.com/office/drawing/2014/main" id="{2622FDD1-FC11-7B7F-4B86-CF589E0380F5}"/>
+                <a16:creationId xmlns:a16="http://schemas.microsoft.com/office/drawing/2014/main" id="{497D3963-DBF6-4A94-8855-A3F7086A8364}"/>
+              </a:ext>
+              <a:ext uri="{C183D7F6-B498-43B3-948B-1728B52AA6E4}">
+                <adec:decorative xmlns:adec="http://schemas.microsoft.com/office/drawing/2017/decorative" val="1"/>
               </a:ext>
             </a:extLst>
           </p:cNvPr>
           <p:cNvSpPr>
-            <a:spLocks noGrp="1"/>
+            <a:spLocks noGrp="1" noRot="1" noChangeAspect="1" noMove="1" noResize="1" noEditPoints="1" noAdjustHandles="1" noChangeArrowheads="1" noChangeShapeType="1" noTextEdit="1"/>
           </p:cNvSpPr>
           <p:nvPr>
-            <p:ph idx="1"/>
+            <p:extLst>
+              <p:ext uri="{386F3935-93C4-4BCD-93E2-E3B085C9AB24}">
+                <p16:designElem xmlns:p16="http://schemas.microsoft.com/office/powerpoint/2015/main" val="1"/>
+              </p:ext>
+            </p:extLst>
           </p:nvPr>
         </p:nvSpPr>
-        <p:spPr/>
+        <p:spPr>
+          <a:xfrm>
+            <a:off x="15" y="6334316"/>
+            <a:ext cx="12188825" cy="64008"/>
+          </a:xfrm>
+          <a:prstGeom prst="rect">
+            <a:avLst/>
+          </a:prstGeom>
+          <a:solidFill>
+            <a:schemeClr val="accent1"/>
+          </a:solidFill>
+          <a:ln>
+            <a:noFill/>
+          </a:ln>
+        </p:spPr>
+        <p:style>
+          <a:lnRef idx="2">
+            <a:schemeClr val="accent1">
+              <a:shade val="50000"/>
+            </a:schemeClr>
+          </a:lnRef>
+          <a:fillRef idx="1">
+            <a:schemeClr val="accent1"/>
+          </a:fillRef>
+          <a:effectRef idx="0">
+            <a:schemeClr val="accent1"/>
+          </a:effectRef>
+          <a:fontRef idx="minor">
+            <a:schemeClr val="lt1"/>
+          </a:fontRef>
+        </p:style>
+      </p:sp>
+      <p:cxnSp>
+        <p:nvCxnSpPr>
+          <p:cNvPr id="16" name="Straight Connector 15">
+            <a:extLst>
+              <a:ext uri="{FF2B5EF4-FFF2-40B4-BE49-F238E27FC236}">
+                <a16:creationId xmlns:a16="http://schemas.microsoft.com/office/drawing/2014/main" id="{BCA29A2A-9A2D-43BC-8094-36C9D9365FE2}"/>
+              </a:ext>
+              <a:ext uri="{C183D7F6-B498-43B3-948B-1728B52AA6E4}">
+                <adec:decorative xmlns:adec="http://schemas.microsoft.com/office/drawing/2017/decorative" val="1"/>
+              </a:ext>
+            </a:extLst>
+          </p:cNvPr>
+          <p:cNvCxnSpPr>
+            <a:cxnSpLocks noGrp="1" noRot="1" noChangeAspect="1" noMove="1" noResize="1" noEditPoints="1" noAdjustHandles="1" noChangeArrowheads="1" noChangeShapeType="1"/>
+          </p:cNvCxnSpPr>
+          <p:nvPr>
+            <p:extLst>
+              <p:ext uri="{386F3935-93C4-4BCD-93E2-E3B085C9AB24}">
+                <p16:designElem xmlns:p16="http://schemas.microsoft.com/office/powerpoint/2015/main" val="1"/>
+              </p:ext>
+            </p:extLst>
+          </p:nvPr>
+        </p:nvCxnSpPr>
+        <p:spPr>
+          <a:xfrm>
+            <a:off x="1207658" y="4343400"/>
+            <a:ext cx="9875520" cy="0"/>
+          </a:xfrm>
+          <a:prstGeom prst="line">
+            <a:avLst/>
+          </a:prstGeom>
+          <a:ln w="6350">
+            <a:solidFill>
+              <a:schemeClr val="tx1">
+                <a:lumMod val="50000"/>
+                <a:lumOff val="50000"/>
+              </a:schemeClr>
+            </a:solidFill>
+          </a:ln>
+        </p:spPr>
+        <p:style>
+          <a:lnRef idx="1">
+            <a:schemeClr val="accent1"/>
+          </a:lnRef>
+          <a:fillRef idx="0">
+            <a:schemeClr val="accent1"/>
+          </a:fillRef>
+          <a:effectRef idx="0">
+            <a:schemeClr val="accent1"/>
+          </a:effectRef>
+          <a:fontRef idx="minor">
+            <a:schemeClr val="tx1"/>
+          </a:fontRef>
+        </p:style>
+      </p:cxnSp>
+      <p:sp useBgFill="1">
+        <p:nvSpPr>
+          <p:cNvPr id="18" name="Rectangle 17">
+            <a:extLst>
+              <a:ext uri="{FF2B5EF4-FFF2-40B4-BE49-F238E27FC236}">
+                <a16:creationId xmlns:a16="http://schemas.microsoft.com/office/drawing/2014/main" id="{FE8B4A2C-1DF4-427D-8928-14B50EB02B5B}"/>
+              </a:ext>
+              <a:ext uri="{C183D7F6-B498-43B3-948B-1728B52AA6E4}">
+                <adec:decorative xmlns:adec="http://schemas.microsoft.com/office/drawing/2017/decorative" val="1"/>
+              </a:ext>
+            </a:extLst>
+          </p:cNvPr>
+          <p:cNvSpPr>
+            <a:spLocks noGrp="1" noRot="1" noChangeAspect="1" noMove="1" noResize="1" noEditPoints="1" noAdjustHandles="1" noChangeArrowheads="1" noChangeShapeType="1" noTextEdit="1"/>
+          </p:cNvSpPr>
+          <p:nvPr>
+            <p:extLst>
+              <p:ext uri="{386F3935-93C4-4BCD-93E2-E3B085C9AB24}">
+                <p16:designElem xmlns:p16="http://schemas.microsoft.com/office/powerpoint/2015/main" val="1"/>
+              </p:ext>
+            </p:extLst>
+          </p:nvPr>
+        </p:nvSpPr>
+        <p:spPr>
+          <a:xfrm>
+            <a:off x="0" y="0"/>
+            <a:ext cx="12192001" cy="6334316"/>
+          </a:xfrm>
+          <a:prstGeom prst="rect">
+            <a:avLst/>
+          </a:prstGeom>
+          <a:ln>
+            <a:noFill/>
+          </a:ln>
+        </p:spPr>
+        <p:style>
+          <a:lnRef idx="2">
+            <a:schemeClr val="accent1">
+              <a:shade val="50000"/>
+            </a:schemeClr>
+          </a:lnRef>
+          <a:fillRef idx="1">
+            <a:schemeClr val="accent1"/>
+          </a:fillRef>
+          <a:effectRef idx="0">
+            <a:schemeClr val="accent1"/>
+          </a:effectRef>
+          <a:fontRef idx="minor">
+            <a:schemeClr val="lt1"/>
+          </a:fontRef>
+        </p:style>
         <p:txBody>
-          <a:bodyPr vert="horz" lIns="0" tIns="45720" rIns="0" bIns="45720" rtlCol="0" anchor="t">
-            <a:normAutofit/>
-          </a:bodyPr>
+          <a:bodyPr rtlCol="0" anchor="ctr"/>
           <a:lstStyle/>
           <a:p>
-            <a:pPr>
-              <a:buFont typeface="Arial" panose="020F0502020204030204" pitchFamily="34" charset="0"/>
-              <a:buChar char="•"/>
-            </a:pPr>
-            <a:r>
-              <a:rPr lang="en-US" dirty="0">
-                <a:ea typeface="Calibri" panose="020F0502020204030204"/>
-                <a:cs typeface="Calibri" panose="020F0502020204030204"/>
-              </a:rPr>
-              <a:t>After several iterations (MNIST classification, CIFAR10 classification, YOLO on VisDrone2019), we ultimately decided on a CNN for CIFAR10 classification, motivated by time and performance constraints</a:t>
-            </a:r>
-          </a:p>
-          <a:p>
-            <a:pPr>
-              <a:buFont typeface="Arial" panose="020F0502020204030204" pitchFamily="34" charset="0"/>
-              <a:buChar char="•"/>
-            </a:pPr>
-            <a:r>
-              <a:rPr lang="en-US" dirty="0">
-                <a:ea typeface="Calibri" panose="020F0502020204030204"/>
-                <a:cs typeface="Calibri" panose="020F0502020204030204"/>
-              </a:rPr>
-              <a:t>After making custom implementations of the chosen attacks and defenses, they were compared to the implementations from IBM Research Adversarial Robustness Toolbox (ART)</a:t>
-            </a:r>
-          </a:p>
-          <a:p>
-            <a:pPr>
-              <a:buFont typeface="Arial" panose="020F0502020204030204" pitchFamily="34" charset="0"/>
-              <a:buChar char="•"/>
-            </a:pPr>
-            <a:r>
-              <a:rPr lang="en-US" dirty="0">
-                <a:ea typeface="Calibri" panose="020F0502020204030204"/>
-                <a:cs typeface="Calibri" panose="020F0502020204030204"/>
-              </a:rPr>
-              <a:t>Jacobian Regularization did not have enough widespread adoption in popular libraries, and such wasn't considered for benchmarking</a:t>
-            </a:r>
+            <a:pPr algn="ctr"/>
+            <a:endParaRPr lang="en-US"/>
           </a:p>
         </p:txBody>
       </p:sp>
-    </p:spTree>
-    <p:extLst>
-      <p:ext uri="{BB962C8B-B14F-4D97-AF65-F5344CB8AC3E}">
-        <p14:creationId xmlns:p14="http://schemas.microsoft.com/office/powerpoint/2010/main" val="289941154"/>
-      </p:ext>
-    </p:extLst>
-  </p:cSld>
-  <p:clrMapOvr>
-    <a:masterClrMapping/>
-  </p:clrMapOvr>
-</p:sld>
-</file>
-
-<file path=ppt/slides/slide18.xml><?xml version="1.0" encoding="utf-8"?>
-<p:sld xmlns:a="http://schemas.openxmlformats.org/drawingml/2006/main" xmlns:r="http://schemas.openxmlformats.org/officeDocument/2006/relationships" xmlns:p="http://schemas.openxmlformats.org/presentationml/2006/main">
-  <p:cSld>
-    <p:spTree>
-      <p:nvGrpSpPr>
-        <p:cNvPr id="1" name=""/>
-        <p:cNvGrpSpPr/>
-        <p:nvPr/>
-      </p:nvGrpSpPr>
-      <p:grpSpPr>
-        <a:xfrm>
-          <a:off x="0" y="0"/>
-          <a:ext cx="0" cy="0"/>
-          <a:chOff x="0" y="0"/>
-          <a:chExt cx="0" cy="0"/>
-        </a:xfrm>
-      </p:grpSpPr>
       <p:sp>
         <p:nvSpPr>
           <p:cNvPr id="2" name="Title 1">
@@ -13987,54 +17357,1035 @@
             <p:ph type="title"/>
           </p:nvPr>
         </p:nvSpPr>
-        <p:spPr/>
+        <p:spPr>
+          <a:xfrm>
+            <a:off x="633999" y="4550229"/>
+            <a:ext cx="10909073" cy="1057655"/>
+          </a:xfrm>
+        </p:spPr>
         <p:txBody>
-          <a:bodyPr/>
+          <a:bodyPr vert="horz" lIns="91440" tIns="45720" rIns="91440" bIns="45720" rtlCol="0" anchor="b">
+            <a:normAutofit/>
+          </a:bodyPr>
           <a:lstStyle/>
           <a:p>
+            <a:pPr algn="ctr"/>
             <a:r>
-              <a:rPr lang="en-US" dirty="0">
-                <a:ea typeface="Calibri Light"/>
-                <a:cs typeface="Calibri Light"/>
+              <a:rPr lang="en-US" sz="4000">
+                <a:solidFill>
+                  <a:schemeClr val="tx1">
+                    <a:lumMod val="85000"/>
+                    <a:lumOff val="15000"/>
+                  </a:schemeClr>
+                </a:solidFill>
               </a:rPr>
-              <a:t>Regular training, custom implementations</a:t>
+              <a:t>Custom implementations (5 folds) accuracy</a:t>
             </a:r>
-            <a:endParaRPr lang="en-US" dirty="0"/>
+            <a:endParaRPr lang="en-US" sz="4000">
+              <a:solidFill>
+                <a:schemeClr val="tx1">
+                  <a:lumMod val="85000"/>
+                  <a:lumOff val="15000"/>
+                </a:schemeClr>
+              </a:solidFill>
+              <a:ea typeface="Calibri Light"/>
+              <a:cs typeface="Calibri Light"/>
+            </a:endParaRPr>
           </a:p>
         </p:txBody>
       </p:sp>
-      <p:pic>
-        <p:nvPicPr>
-          <p:cNvPr id="4" name="Content Placeholder 3" descr="A screenshot of a computer&#10;&#10;AI-generated content may be incorrect.">
+      <p:cxnSp>
+        <p:nvCxnSpPr>
+          <p:cNvPr id="20" name="Straight Connector 19">
             <a:extLst>
               <a:ext uri="{FF2B5EF4-FFF2-40B4-BE49-F238E27FC236}">
-                <a16:creationId xmlns:a16="http://schemas.microsoft.com/office/drawing/2014/main" id="{0C01A1AD-C601-98FA-24AC-EEE0F67E959D}"/>
+                <a16:creationId xmlns:a16="http://schemas.microsoft.com/office/drawing/2014/main" id="{1FD49643-9DE3-4B1D-B8B2-622A7D2C60A8}"/>
+              </a:ext>
+              <a:ext uri="{C183D7F6-B498-43B3-948B-1728B52AA6E4}">
+                <adec:decorative xmlns:adec="http://schemas.microsoft.com/office/drawing/2017/decorative" val="1"/>
               </a:ext>
             </a:extLst>
           </p:cNvPr>
-          <p:cNvPicPr>
-            <a:picLocks noGrp="1" noChangeAspect="1"/>
-          </p:cNvPicPr>
+          <p:cNvCxnSpPr>
+            <a:cxnSpLocks noGrp="1" noRot="1" noChangeAspect="1" noMove="1" noResize="1" noEditPoints="1" noAdjustHandles="1" noChangeArrowheads="1" noChangeShapeType="1"/>
+          </p:cNvCxnSpPr>
           <p:nvPr>
-            <p:ph idx="1"/>
+            <p:extLst>
+              <p:ext uri="{386F3935-93C4-4BCD-93E2-E3B085C9AB24}">
+                <p16:designElem xmlns:p16="http://schemas.microsoft.com/office/powerpoint/2015/main" val="1"/>
+              </p:ext>
+            </p:extLst>
           </p:nvPr>
-        </p:nvPicPr>
-        <p:blipFill>
-          <a:blip r:embed="rId2"/>
-          <a:stretch>
-            <a:fillRect/>
-          </a:stretch>
-        </p:blipFill>
+        </p:nvCxnSpPr>
         <p:spPr>
           <a:xfrm>
-            <a:off x="1459230" y="3052551"/>
-            <a:ext cx="9334500" cy="1609725"/>
+            <a:off x="721086" y="5618770"/>
+            <a:ext cx="10515600" cy="0"/>
+          </a:xfrm>
+          <a:prstGeom prst="line">
+            <a:avLst/>
+          </a:prstGeom>
+          <a:ln w="6350">
+            <a:solidFill>
+              <a:schemeClr val="tx2">
+                <a:alpha val="90000"/>
+              </a:schemeClr>
+            </a:solidFill>
+          </a:ln>
+        </p:spPr>
+        <p:style>
+          <a:lnRef idx="1">
+            <a:schemeClr val="accent1"/>
+          </a:lnRef>
+          <a:fillRef idx="0">
+            <a:schemeClr val="accent1"/>
+          </a:fillRef>
+          <a:effectRef idx="0">
+            <a:schemeClr val="accent1"/>
+          </a:effectRef>
+          <a:fontRef idx="minor">
+            <a:schemeClr val="tx1"/>
+          </a:fontRef>
+        </p:style>
+      </p:cxnSp>
+      <p:sp>
+        <p:nvSpPr>
+          <p:cNvPr id="22" name="Rectangle 21">
+            <a:extLst>
+              <a:ext uri="{FF2B5EF4-FFF2-40B4-BE49-F238E27FC236}">
+                <a16:creationId xmlns:a16="http://schemas.microsoft.com/office/drawing/2014/main" id="{A068873E-E0BC-42BE-B27E-3FCF89A44C21}"/>
+              </a:ext>
+              <a:ext uri="{C183D7F6-B498-43B3-948B-1728B52AA6E4}">
+                <adec:decorative xmlns:adec="http://schemas.microsoft.com/office/drawing/2017/decorative" val="1"/>
+              </a:ext>
+            </a:extLst>
+          </p:cNvPr>
+          <p:cNvSpPr>
+            <a:spLocks noGrp="1" noRot="1" noChangeAspect="1" noMove="1" noResize="1" noEditPoints="1" noAdjustHandles="1" noChangeArrowheads="1" noChangeShapeType="1" noTextEdit="1"/>
+          </p:cNvSpPr>
+          <p:nvPr>
+            <p:extLst>
+              <p:ext uri="{386F3935-93C4-4BCD-93E2-E3B085C9AB24}">
+                <p16:designElem xmlns:p16="http://schemas.microsoft.com/office/powerpoint/2015/main" val="1"/>
+              </p:ext>
+            </p:extLst>
+          </p:nvPr>
+        </p:nvSpPr>
+        <p:spPr>
+          <a:xfrm>
+            <a:off x="15" y="6334316"/>
+            <a:ext cx="12191985" cy="66484"/>
           </a:xfrm>
           <a:prstGeom prst="rect">
             <a:avLst/>
           </a:prstGeom>
+          <a:solidFill>
+            <a:schemeClr val="accent1"/>
+          </a:solidFill>
+          <a:ln>
+            <a:noFill/>
+          </a:ln>
         </p:spPr>
-      </p:pic>
+        <p:style>
+          <a:lnRef idx="2">
+            <a:schemeClr val="accent1">
+              <a:shade val="50000"/>
+            </a:schemeClr>
+          </a:lnRef>
+          <a:fillRef idx="1">
+            <a:schemeClr val="accent1"/>
+          </a:fillRef>
+          <a:effectRef idx="0">
+            <a:schemeClr val="accent1"/>
+          </a:effectRef>
+          <a:fontRef idx="minor">
+            <a:schemeClr val="lt1"/>
+          </a:fontRef>
+        </p:style>
+      </p:sp>
+      <p:sp>
+        <p:nvSpPr>
+          <p:cNvPr id="24" name="Rectangle 23">
+            <a:extLst>
+              <a:ext uri="{FF2B5EF4-FFF2-40B4-BE49-F238E27FC236}">
+                <a16:creationId xmlns:a16="http://schemas.microsoft.com/office/drawing/2014/main" id="{82D5DC2E-FCC1-4CC9-BC42-C54E53292C63}"/>
+              </a:ext>
+              <a:ext uri="{C183D7F6-B498-43B3-948B-1728B52AA6E4}">
+                <adec:decorative xmlns:adec="http://schemas.microsoft.com/office/drawing/2017/decorative" val="1"/>
+              </a:ext>
+            </a:extLst>
+          </p:cNvPr>
+          <p:cNvSpPr>
+            <a:spLocks noGrp="1" noRot="1" noChangeAspect="1" noMove="1" noResize="1" noEditPoints="1" noAdjustHandles="1" noChangeArrowheads="1" noChangeShapeType="1" noTextEdit="1"/>
+          </p:cNvSpPr>
+          <p:nvPr>
+            <p:extLst>
+              <p:ext uri="{386F3935-93C4-4BCD-93E2-E3B085C9AB24}">
+                <p16:designElem xmlns:p16="http://schemas.microsoft.com/office/powerpoint/2015/main" val="1"/>
+              </p:ext>
+            </p:extLst>
+          </p:nvPr>
+        </p:nvSpPr>
+        <p:spPr>
+          <a:xfrm>
+            <a:off x="1" y="6400800"/>
+            <a:ext cx="12192000" cy="457200"/>
+          </a:xfrm>
+          <a:prstGeom prst="rect">
+            <a:avLst/>
+          </a:prstGeom>
+          <a:solidFill>
+            <a:schemeClr val="accent1">
+              <a:lumMod val="50000"/>
+            </a:schemeClr>
+          </a:solidFill>
+          <a:ln>
+            <a:noFill/>
+          </a:ln>
+        </p:spPr>
+        <p:style>
+          <a:lnRef idx="2">
+            <a:schemeClr val="accent1">
+              <a:shade val="50000"/>
+            </a:schemeClr>
+          </a:lnRef>
+          <a:fillRef idx="1">
+            <a:schemeClr val="accent1"/>
+          </a:fillRef>
+          <a:effectRef idx="0">
+            <a:schemeClr val="accent1"/>
+          </a:effectRef>
+          <a:fontRef idx="minor">
+            <a:schemeClr val="lt1"/>
+          </a:fontRef>
+        </p:style>
+      </p:sp>
+      <p:graphicFrame>
+        <p:nvGraphicFramePr>
+          <p:cNvPr id="7" name="Content Placeholder 3">
+            <a:extLst>
+              <a:ext uri="{FF2B5EF4-FFF2-40B4-BE49-F238E27FC236}">
+                <a16:creationId xmlns:a16="http://schemas.microsoft.com/office/drawing/2014/main" id="{E4D6B782-B252-6660-699C-A0DF81F04AFE}"/>
+              </a:ext>
+            </a:extLst>
+          </p:cNvPr>
+          <p:cNvGraphicFramePr>
+            <a:graphicFrameLocks noGrp="1"/>
+          </p:cNvGraphicFramePr>
+          <p:nvPr>
+            <p:ph idx="1"/>
+            <p:extLst>
+              <p:ext uri="{D42A27DB-BD31-4B8C-83A1-F6EECF244321}">
+                <p14:modId xmlns:p14="http://schemas.microsoft.com/office/powerpoint/2010/main" val="768142442"/>
+              </p:ext>
+            </p:extLst>
+          </p:nvPr>
+        </p:nvGraphicFramePr>
+        <p:xfrm>
+          <a:off x="635457" y="666798"/>
+          <a:ext cx="10916456" cy="3549301"/>
+        </p:xfrm>
+        <a:graphic>
+          <a:graphicData uri="http://schemas.openxmlformats.org/drawingml/2006/table">
+            <a:tbl>
+              <a:tblPr firstRow="1" bandRow="1">
+                <a:noFill/>
+                <a:tableStyleId>{5C22544A-7EE6-4342-B048-85BDC9FD1C3A}</a:tableStyleId>
+              </a:tblPr>
+              <a:tblGrid>
+                <a:gridCol w="2115403">
+                  <a:extLst>
+                    <a:ext uri="{9D8B030D-6E8A-4147-A177-3AD203B41FA5}">
+                      <a16:colId xmlns:a16="http://schemas.microsoft.com/office/drawing/2014/main" val="1741814361"/>
+                    </a:ext>
+                  </a:extLst>
+                </a:gridCol>
+                <a:gridCol w="2729552">
+                  <a:extLst>
+                    <a:ext uri="{9D8B030D-6E8A-4147-A177-3AD203B41FA5}">
+                      <a16:colId xmlns:a16="http://schemas.microsoft.com/office/drawing/2014/main" val="1209030653"/>
+                    </a:ext>
+                  </a:extLst>
+                </a:gridCol>
+                <a:gridCol w="3017333">
+                  <a:extLst>
+                    <a:ext uri="{9D8B030D-6E8A-4147-A177-3AD203B41FA5}">
+                      <a16:colId xmlns:a16="http://schemas.microsoft.com/office/drawing/2014/main" val="331525930"/>
+                    </a:ext>
+                  </a:extLst>
+                </a:gridCol>
+                <a:gridCol w="3054168">
+                  <a:extLst>
+                    <a:ext uri="{9D8B030D-6E8A-4147-A177-3AD203B41FA5}">
+                      <a16:colId xmlns:a16="http://schemas.microsoft.com/office/drawing/2014/main" val="3643308368"/>
+                    </a:ext>
+                  </a:extLst>
+                </a:gridCol>
+              </a:tblGrid>
+              <a:tr h="1349056">
+                <a:tc>
+                  <a:txBody>
+                    <a:bodyPr/>
+                    <a:lstStyle/>
+                    <a:p>
+                      <a:pPr lvl="0" algn="ctr">
+                        <a:buNone/>
+                      </a:pPr>
+                      <a:r>
+                        <a:rPr lang="en-US" sz="2400" b="1" dirty="0">
+                          <a:solidFill>
+                            <a:schemeClr val="tx1">
+                              <a:lumMod val="75000"/>
+                              <a:lumOff val="25000"/>
+                            </a:schemeClr>
+                          </a:solidFill>
+                          <a:latin typeface="Calibri"/>
+                        </a:rPr>
+                        <a:t>Attacks</a:t>
+                      </a:r>
+                    </a:p>
+                  </a:txBody>
+                  <a:tcPr marL="321204" marR="240903" marT="160602" marB="160602" anchor="ctr">
+                    <a:lnL w="12700" cmpd="sng">
+                      <a:noFill/>
+                      <a:prstDash val="solid"/>
+                    </a:lnL>
+                    <a:lnR w="12700" cmpd="sng">
+                      <a:noFill/>
+                      <a:prstDash val="solid"/>
+                    </a:lnR>
+                    <a:lnT w="9525" cap="flat" cmpd="sng" algn="ctr">
+                      <a:noFill/>
+                      <a:prstDash val="solid"/>
+                    </a:lnT>
+                    <a:lnB w="9525" cap="flat" cmpd="sng" algn="ctr">
+                      <a:solidFill>
+                        <a:srgbClr val="C7C6C1"/>
+                      </a:solidFill>
+                      <a:prstDash val="solid"/>
+                    </a:lnB>
+                    <a:noFill/>
+                  </a:tcPr>
+                </a:tc>
+                <a:tc>
+                  <a:txBody>
+                    <a:bodyPr/>
+                    <a:lstStyle/>
+                    <a:p>
+                      <a:pPr algn="ctr"/>
+                      <a:r>
+                        <a:rPr lang="en-US" sz="2400" b="1" dirty="0">
+                          <a:solidFill>
+                            <a:schemeClr val="tx1">
+                              <a:lumMod val="75000"/>
+                              <a:lumOff val="25000"/>
+                            </a:schemeClr>
+                          </a:solidFill>
+                          <a:latin typeface="Calibri"/>
+                        </a:rPr>
+                        <a:t>Normal training</a:t>
+                      </a:r>
+                    </a:p>
+                  </a:txBody>
+                  <a:tcPr marL="0" marR="0" marT="0" marB="0" anchor="ctr">
+                    <a:lnL w="12700" cmpd="sng">
+                      <a:noFill/>
+                      <a:prstDash val="solid"/>
+                    </a:lnL>
+                    <a:lnR w="12700" cmpd="sng">
+                      <a:noFill/>
+                      <a:prstDash val="solid"/>
+                    </a:lnR>
+                    <a:lnT w="9525" cap="flat" cmpd="sng" algn="ctr">
+                      <a:noFill/>
+                      <a:prstDash val="solid"/>
+                    </a:lnT>
+                    <a:lnB w="9525" cap="flat" cmpd="sng" algn="ctr">
+                      <a:solidFill>
+                        <a:srgbClr val="C7C6C1"/>
+                      </a:solidFill>
+                      <a:prstDash val="solid"/>
+                    </a:lnB>
+                    <a:noFill/>
+                  </a:tcPr>
+                </a:tc>
+                <a:tc>
+                  <a:txBody>
+                    <a:bodyPr/>
+                    <a:lstStyle/>
+                    <a:p>
+                      <a:pPr algn="ctr"/>
+                      <a:r>
+                        <a:rPr lang="en-US" sz="2400" b="1" dirty="0">
+                          <a:solidFill>
+                            <a:schemeClr val="tx1">
+                              <a:lumMod val="75000"/>
+                              <a:lumOff val="25000"/>
+                            </a:schemeClr>
+                          </a:solidFill>
+                          <a:latin typeface="Calibri"/>
+                        </a:rPr>
+                        <a:t>Adversarial training</a:t>
+                      </a:r>
+                    </a:p>
+                  </a:txBody>
+                  <a:tcPr marL="0" marR="0" marT="0" marB="0" anchor="ctr">
+                    <a:lnL w="12700" cmpd="sng">
+                      <a:noFill/>
+                      <a:prstDash val="solid"/>
+                    </a:lnL>
+                    <a:lnR w="12700" cmpd="sng">
+                      <a:noFill/>
+                      <a:prstDash val="solid"/>
+                    </a:lnR>
+                    <a:lnT w="9525" cap="flat" cmpd="sng" algn="ctr">
+                      <a:noFill/>
+                      <a:prstDash val="solid"/>
+                    </a:lnT>
+                    <a:lnB w="9525" cap="flat" cmpd="sng" algn="ctr">
+                      <a:solidFill>
+                        <a:srgbClr val="C7C6C1"/>
+                      </a:solidFill>
+                      <a:prstDash val="solid"/>
+                    </a:lnB>
+                    <a:noFill/>
+                  </a:tcPr>
+                </a:tc>
+                <a:tc>
+                  <a:txBody>
+                    <a:bodyPr/>
+                    <a:lstStyle/>
+                    <a:p>
+                      <a:pPr algn="ctr"/>
+                      <a:r>
+                        <a:rPr lang="en-US" sz="2400" b="1" dirty="0">
+                          <a:solidFill>
+                            <a:schemeClr val="tx1">
+                              <a:lumMod val="75000"/>
+                              <a:lumOff val="25000"/>
+                            </a:schemeClr>
+                          </a:solidFill>
+                          <a:latin typeface="Calibri"/>
+                        </a:rPr>
+                        <a:t>Jacobian regularization</a:t>
+                      </a:r>
+                    </a:p>
+                  </a:txBody>
+                  <a:tcPr marL="0" marR="0" marT="0" marB="0" anchor="ctr">
+                    <a:lnL w="12700" cmpd="sng">
+                      <a:noFill/>
+                      <a:prstDash val="solid"/>
+                    </a:lnL>
+                    <a:lnR w="12700" cmpd="sng">
+                      <a:noFill/>
+                      <a:prstDash val="solid"/>
+                    </a:lnR>
+                    <a:lnT w="9525" cap="flat" cmpd="sng" algn="ctr">
+                      <a:noFill/>
+                      <a:prstDash val="solid"/>
+                    </a:lnT>
+                    <a:lnB w="9525" cap="flat" cmpd="sng" algn="ctr">
+                      <a:solidFill>
+                        <a:srgbClr val="C7C6C1"/>
+                      </a:solidFill>
+                      <a:prstDash val="solid"/>
+                    </a:lnB>
+                    <a:noFill/>
+                  </a:tcPr>
+                </a:tc>
+                <a:extLst>
+                  <a:ext uri="{0D108BD9-81ED-4DB2-BD59-A6C34878D82A}">
+                    <a16:rowId xmlns:a16="http://schemas.microsoft.com/office/drawing/2014/main" val="1899046516"/>
+                  </a:ext>
+                </a:extLst>
+              </a:tr>
+              <a:tr h="733415">
+                <a:tc>
+                  <a:txBody>
+                    <a:bodyPr/>
+                    <a:lstStyle/>
+                    <a:p>
+                      <a:pPr lvl="0" algn="ctr">
+                        <a:buNone/>
+                      </a:pPr>
+                      <a:r>
+                        <a:rPr lang="en-US" sz="2300" dirty="0">
+                          <a:solidFill>
+                            <a:schemeClr val="tx1">
+                              <a:lumMod val="75000"/>
+                              <a:lumOff val="25000"/>
+                            </a:schemeClr>
+                          </a:solidFill>
+                          <a:latin typeface="Calibri"/>
+                        </a:rPr>
+                        <a:t>Clean</a:t>
+                      </a:r>
+                    </a:p>
+                  </a:txBody>
+                  <a:tcPr marL="321204" marR="240903" marT="160602" marB="160602" anchor="ctr">
+                    <a:lnL w="12700" cmpd="sng">
+                      <a:noFill/>
+                      <a:prstDash val="solid"/>
+                    </a:lnL>
+                    <a:lnR w="12700" cmpd="sng">
+                      <a:noFill/>
+                      <a:prstDash val="solid"/>
+                    </a:lnR>
+                    <a:lnT w="9525" cap="flat" cmpd="sng" algn="ctr">
+                      <a:solidFill>
+                        <a:srgbClr val="C7C6C1"/>
+                      </a:solidFill>
+                      <a:prstDash val="solid"/>
+                    </a:lnT>
+                    <a:lnB w="9525" cap="flat" cmpd="sng" algn="ctr">
+                      <a:solidFill>
+                        <a:srgbClr val="C7C6C1"/>
+                      </a:solidFill>
+                      <a:prstDash val="solid"/>
+                    </a:lnB>
+                    <a:noFill/>
+                  </a:tcPr>
+                </a:tc>
+                <a:tc>
+                  <a:txBody>
+                    <a:bodyPr/>
+                    <a:lstStyle/>
+                    <a:p>
+                      <a:pPr lvl="0" algn="ctr">
+                        <a:buNone/>
+                      </a:pPr>
+                      <a:r>
+                        <a:rPr lang="en-US" sz="2300" dirty="0">
+                          <a:solidFill>
+                            <a:schemeClr val="tx1">
+                              <a:lumMod val="75000"/>
+                              <a:lumOff val="25000"/>
+                            </a:schemeClr>
+                          </a:solidFill>
+                          <a:latin typeface="Calibri"/>
+                        </a:rPr>
+                        <a:t>79.2%</a:t>
+                      </a:r>
+                    </a:p>
+                  </a:txBody>
+                  <a:tcPr marL="321204" marR="240903" marT="160602" marB="160602" anchor="ctr">
+                    <a:lnL w="12700" cmpd="sng">
+                      <a:noFill/>
+                      <a:prstDash val="solid"/>
+                    </a:lnL>
+                    <a:lnR w="12700" cmpd="sng">
+                      <a:noFill/>
+                      <a:prstDash val="solid"/>
+                    </a:lnR>
+                    <a:lnT w="9525" cap="flat" cmpd="sng" algn="ctr">
+                      <a:solidFill>
+                        <a:srgbClr val="C7C6C1"/>
+                      </a:solidFill>
+                      <a:prstDash val="solid"/>
+                    </a:lnT>
+                    <a:lnB w="9525" cap="flat" cmpd="sng" algn="ctr">
+                      <a:solidFill>
+                        <a:srgbClr val="C7C6C1"/>
+                      </a:solidFill>
+                      <a:prstDash val="solid"/>
+                    </a:lnB>
+                    <a:noFill/>
+                  </a:tcPr>
+                </a:tc>
+                <a:tc>
+                  <a:txBody>
+                    <a:bodyPr/>
+                    <a:lstStyle/>
+                    <a:p>
+                      <a:pPr lvl="0" algn="ctr">
+                        <a:buNone/>
+                      </a:pPr>
+                      <a:r>
+                        <a:rPr lang="en-US" sz="2300" dirty="0">
+                          <a:solidFill>
+                            <a:schemeClr val="tx1">
+                              <a:lumMod val="75000"/>
+                              <a:lumOff val="25000"/>
+                            </a:schemeClr>
+                          </a:solidFill>
+                          <a:latin typeface="Calibri"/>
+                        </a:rPr>
+                        <a:t>48.3%</a:t>
+                      </a:r>
+                    </a:p>
+                  </a:txBody>
+                  <a:tcPr marL="321204" marR="240903" marT="160602" marB="160602" anchor="ctr">
+                    <a:lnL w="12700" cmpd="sng">
+                      <a:noFill/>
+                      <a:prstDash val="solid"/>
+                    </a:lnL>
+                    <a:lnR w="12700" cmpd="sng">
+                      <a:noFill/>
+                      <a:prstDash val="solid"/>
+                    </a:lnR>
+                    <a:lnT w="9525" cap="flat" cmpd="sng" algn="ctr">
+                      <a:solidFill>
+                        <a:srgbClr val="C7C6C1"/>
+                      </a:solidFill>
+                      <a:prstDash val="solid"/>
+                    </a:lnT>
+                    <a:lnB w="9525" cap="flat" cmpd="sng" algn="ctr">
+                      <a:solidFill>
+                        <a:srgbClr val="C7C6C1"/>
+                      </a:solidFill>
+                      <a:prstDash val="solid"/>
+                    </a:lnB>
+                    <a:noFill/>
+                  </a:tcPr>
+                </a:tc>
+                <a:tc>
+                  <a:txBody>
+                    <a:bodyPr/>
+                    <a:lstStyle/>
+                    <a:p>
+                      <a:pPr lvl="0" algn="ctr">
+                        <a:buNone/>
+                      </a:pPr>
+                      <a:r>
+                        <a:rPr lang="en-US" sz="2300" dirty="0">
+                          <a:solidFill>
+                            <a:schemeClr val="tx1">
+                              <a:lumMod val="75000"/>
+                              <a:lumOff val="25000"/>
+                            </a:schemeClr>
+                          </a:solidFill>
+                          <a:latin typeface="Calibri"/>
+                        </a:rPr>
+                        <a:t>10%</a:t>
+                      </a:r>
+                    </a:p>
+                  </a:txBody>
+                  <a:tcPr marL="321204" marR="240903" marT="160602" marB="160602" anchor="ctr">
+                    <a:lnL w="12700" cmpd="sng">
+                      <a:noFill/>
+                      <a:prstDash val="solid"/>
+                    </a:lnL>
+                    <a:lnR w="12700" cmpd="sng">
+                      <a:noFill/>
+                      <a:prstDash val="solid"/>
+                    </a:lnR>
+                    <a:lnT w="9525" cap="flat" cmpd="sng" algn="ctr">
+                      <a:solidFill>
+                        <a:srgbClr val="C7C6C1"/>
+                      </a:solidFill>
+                      <a:prstDash val="solid"/>
+                    </a:lnT>
+                    <a:lnB w="9525" cap="flat" cmpd="sng" algn="ctr">
+                      <a:solidFill>
+                        <a:srgbClr val="C7C6C1"/>
+                      </a:solidFill>
+                      <a:prstDash val="solid"/>
+                    </a:lnB>
+                    <a:noFill/>
+                  </a:tcPr>
+                </a:tc>
+                <a:extLst>
+                  <a:ext uri="{0D108BD9-81ED-4DB2-BD59-A6C34878D82A}">
+                    <a16:rowId xmlns:a16="http://schemas.microsoft.com/office/drawing/2014/main" val="3842370870"/>
+                  </a:ext>
+                </a:extLst>
+              </a:tr>
+              <a:tr h="733415">
+                <a:tc>
+                  <a:txBody>
+                    <a:bodyPr/>
+                    <a:lstStyle/>
+                    <a:p>
+                      <a:pPr lvl="0" algn="ctr">
+                        <a:buNone/>
+                      </a:pPr>
+                      <a:r>
+                        <a:rPr lang="en-US" sz="2300" dirty="0">
+                          <a:solidFill>
+                            <a:schemeClr val="tx1">
+                              <a:lumMod val="75000"/>
+                              <a:lumOff val="25000"/>
+                            </a:schemeClr>
+                          </a:solidFill>
+                          <a:latin typeface="Calibri"/>
+                        </a:rPr>
+                        <a:t>PGD</a:t>
+                      </a:r>
+                    </a:p>
+                  </a:txBody>
+                  <a:tcPr marL="321204" marR="240903" marT="160602" marB="160602" anchor="ctr">
+                    <a:lnL w="12700" cmpd="sng">
+                      <a:noFill/>
+                      <a:prstDash val="solid"/>
+                    </a:lnL>
+                    <a:lnR w="12700" cmpd="sng">
+                      <a:noFill/>
+                      <a:prstDash val="solid"/>
+                    </a:lnR>
+                    <a:lnT w="9525" cap="flat" cmpd="sng" algn="ctr">
+                      <a:solidFill>
+                        <a:srgbClr val="C7C6C1"/>
+                      </a:solidFill>
+                      <a:prstDash val="solid"/>
+                    </a:lnT>
+                    <a:lnB w="9525" cap="flat" cmpd="sng" algn="ctr">
+                      <a:solidFill>
+                        <a:srgbClr val="C7C6C1"/>
+                      </a:solidFill>
+                      <a:prstDash val="solid"/>
+                    </a:lnB>
+                    <a:noFill/>
+                  </a:tcPr>
+                </a:tc>
+                <a:tc>
+                  <a:txBody>
+                    <a:bodyPr/>
+                    <a:lstStyle/>
+                    <a:p>
+                      <a:pPr lvl="0" algn="ctr">
+                        <a:buNone/>
+                      </a:pPr>
+                      <a:r>
+                        <a:rPr lang="en-US" sz="2300" dirty="0">
+                          <a:solidFill>
+                            <a:schemeClr val="tx1">
+                              <a:lumMod val="75000"/>
+                              <a:lumOff val="25000"/>
+                            </a:schemeClr>
+                          </a:solidFill>
+                          <a:latin typeface="Calibri"/>
+                        </a:rPr>
+                        <a:t>0.01%</a:t>
+                      </a:r>
+                    </a:p>
+                  </a:txBody>
+                  <a:tcPr marL="321204" marR="240903" marT="160602" marB="160602" anchor="ctr">
+                    <a:lnL w="12700" cmpd="sng">
+                      <a:noFill/>
+                      <a:prstDash val="solid"/>
+                    </a:lnL>
+                    <a:lnR w="12700" cmpd="sng">
+                      <a:noFill/>
+                      <a:prstDash val="solid"/>
+                    </a:lnR>
+                    <a:lnT w="9525" cap="flat" cmpd="sng" algn="ctr">
+                      <a:solidFill>
+                        <a:srgbClr val="C7C6C1"/>
+                      </a:solidFill>
+                      <a:prstDash val="solid"/>
+                    </a:lnT>
+                    <a:lnB w="9525" cap="flat" cmpd="sng" algn="ctr">
+                      <a:solidFill>
+                        <a:srgbClr val="C7C6C1"/>
+                      </a:solidFill>
+                      <a:prstDash val="solid"/>
+                    </a:lnB>
+                    <a:noFill/>
+                  </a:tcPr>
+                </a:tc>
+                <a:tc>
+                  <a:txBody>
+                    <a:bodyPr/>
+                    <a:lstStyle/>
+                    <a:p>
+                      <a:pPr lvl="0" algn="ctr">
+                        <a:buNone/>
+                      </a:pPr>
+                      <a:r>
+                        <a:rPr lang="en-US" sz="2300" dirty="0">
+                          <a:solidFill>
+                            <a:schemeClr val="tx1">
+                              <a:lumMod val="75000"/>
+                              <a:lumOff val="25000"/>
+                            </a:schemeClr>
+                          </a:solidFill>
+                          <a:latin typeface="Calibri"/>
+                        </a:rPr>
+                        <a:t>30.7%</a:t>
+                      </a:r>
+                    </a:p>
+                  </a:txBody>
+                  <a:tcPr marL="321204" marR="240903" marT="160602" marB="160602" anchor="ctr">
+                    <a:lnL w="12700" cmpd="sng">
+                      <a:noFill/>
+                      <a:prstDash val="solid"/>
+                    </a:lnL>
+                    <a:lnR w="12700" cmpd="sng">
+                      <a:noFill/>
+                      <a:prstDash val="solid"/>
+                    </a:lnR>
+                    <a:lnT w="9525" cap="flat" cmpd="sng" algn="ctr">
+                      <a:solidFill>
+                        <a:srgbClr val="C7C6C1"/>
+                      </a:solidFill>
+                      <a:prstDash val="solid"/>
+                    </a:lnT>
+                    <a:lnB w="9525" cap="flat" cmpd="sng" algn="ctr">
+                      <a:solidFill>
+                        <a:srgbClr val="C7C6C1"/>
+                      </a:solidFill>
+                      <a:prstDash val="solid"/>
+                    </a:lnB>
+                    <a:noFill/>
+                  </a:tcPr>
+                </a:tc>
+                <a:tc>
+                  <a:txBody>
+                    <a:bodyPr/>
+                    <a:lstStyle/>
+                    <a:p>
+                      <a:pPr lvl="0" algn="ctr">
+                        <a:buNone/>
+                      </a:pPr>
+                      <a:r>
+                        <a:rPr lang="en-US" sz="2300" dirty="0">
+                          <a:solidFill>
+                            <a:schemeClr val="tx1">
+                              <a:lumMod val="75000"/>
+                              <a:lumOff val="25000"/>
+                            </a:schemeClr>
+                          </a:solidFill>
+                          <a:latin typeface="Calibri"/>
+                        </a:rPr>
+                        <a:t>10%</a:t>
+                      </a:r>
+                    </a:p>
+                  </a:txBody>
+                  <a:tcPr marL="321204" marR="240903" marT="160602" marB="160602" anchor="ctr">
+                    <a:lnL w="12700" cmpd="sng">
+                      <a:noFill/>
+                      <a:prstDash val="solid"/>
+                    </a:lnL>
+                    <a:lnR w="12700" cmpd="sng">
+                      <a:noFill/>
+                      <a:prstDash val="solid"/>
+                    </a:lnR>
+                    <a:lnT w="9525" cap="flat" cmpd="sng" algn="ctr">
+                      <a:solidFill>
+                        <a:srgbClr val="C7C6C1"/>
+                      </a:solidFill>
+                      <a:prstDash val="solid"/>
+                    </a:lnT>
+                    <a:lnB w="9525" cap="flat" cmpd="sng" algn="ctr">
+                      <a:solidFill>
+                        <a:srgbClr val="C7C6C1"/>
+                      </a:solidFill>
+                      <a:prstDash val="solid"/>
+                    </a:lnB>
+                    <a:noFill/>
+                  </a:tcPr>
+                </a:tc>
+                <a:extLst>
+                  <a:ext uri="{0D108BD9-81ED-4DB2-BD59-A6C34878D82A}">
+                    <a16:rowId xmlns:a16="http://schemas.microsoft.com/office/drawing/2014/main" val="3039314414"/>
+                  </a:ext>
+                </a:extLst>
+              </a:tr>
+              <a:tr h="733415">
+                <a:tc>
+                  <a:txBody>
+                    <a:bodyPr/>
+                    <a:lstStyle/>
+                    <a:p>
+                      <a:pPr lvl="0" algn="ctr">
+                        <a:buNone/>
+                      </a:pPr>
+                      <a:r>
+                        <a:rPr lang="en-US" sz="2300" err="1">
+                          <a:solidFill>
+                            <a:schemeClr val="tx1">
+                              <a:lumMod val="75000"/>
+                              <a:lumOff val="25000"/>
+                            </a:schemeClr>
+                          </a:solidFill>
+                          <a:latin typeface="Calibri"/>
+                        </a:rPr>
+                        <a:t>DeepFool</a:t>
+                      </a:r>
+                      <a:endParaRPr lang="en-US" sz="2300">
+                        <a:solidFill>
+                          <a:schemeClr val="tx1">
+                            <a:lumMod val="75000"/>
+                            <a:lumOff val="25000"/>
+                          </a:schemeClr>
+                        </a:solidFill>
+                        <a:latin typeface="Calibri"/>
+                      </a:endParaRPr>
+                    </a:p>
+                  </a:txBody>
+                  <a:tcPr marL="321204" marR="240903" marT="160602" marB="160602" anchor="ctr">
+                    <a:lnL w="12700" cmpd="sng">
+                      <a:noFill/>
+                      <a:prstDash val="solid"/>
+                    </a:lnL>
+                    <a:lnR w="12700" cmpd="sng">
+                      <a:noFill/>
+                      <a:prstDash val="solid"/>
+                    </a:lnR>
+                    <a:lnT w="9525" cap="flat" cmpd="sng" algn="ctr">
+                      <a:solidFill>
+                        <a:srgbClr val="C7C6C1"/>
+                      </a:solidFill>
+                      <a:prstDash val="solid"/>
+                    </a:lnT>
+                    <a:lnB w="12700" cmpd="sng">
+                      <a:noFill/>
+                      <a:prstDash val="solid"/>
+                    </a:lnB>
+                    <a:noFill/>
+                  </a:tcPr>
+                </a:tc>
+                <a:tc>
+                  <a:txBody>
+                    <a:bodyPr/>
+                    <a:lstStyle/>
+                    <a:p>
+                      <a:pPr lvl="0" algn="ctr">
+                        <a:buNone/>
+                      </a:pPr>
+                      <a:r>
+                        <a:rPr lang="en-US" sz="2300" b="0" i="0" u="none" strike="noStrike" noProof="0" dirty="0">
+                          <a:solidFill>
+                            <a:schemeClr val="tx1">
+                              <a:lumMod val="75000"/>
+                              <a:lumOff val="25000"/>
+                            </a:schemeClr>
+                          </a:solidFill>
+                          <a:latin typeface="Calibri"/>
+                        </a:rPr>
+                        <a:t>11.45%</a:t>
+                      </a:r>
+                      <a:endParaRPr lang="en-US" sz="2300" dirty="0">
+                        <a:solidFill>
+                          <a:schemeClr val="tx1">
+                            <a:lumMod val="75000"/>
+                            <a:lumOff val="25000"/>
+                          </a:schemeClr>
+                        </a:solidFill>
+                        <a:latin typeface="Calibri"/>
+                      </a:endParaRPr>
+                    </a:p>
+                  </a:txBody>
+                  <a:tcPr marL="321204" marR="240903" marT="160602" marB="160602" anchor="ctr">
+                    <a:lnL w="12700" cmpd="sng">
+                      <a:noFill/>
+                      <a:prstDash val="solid"/>
+                    </a:lnL>
+                    <a:lnR w="12700" cmpd="sng">
+                      <a:noFill/>
+                      <a:prstDash val="solid"/>
+                    </a:lnR>
+                    <a:lnT w="9525" cap="flat" cmpd="sng" algn="ctr">
+                      <a:solidFill>
+                        <a:srgbClr val="C7C6C1"/>
+                      </a:solidFill>
+                      <a:prstDash val="solid"/>
+                    </a:lnT>
+                    <a:lnB w="12700" cmpd="sng">
+                      <a:noFill/>
+                      <a:prstDash val="solid"/>
+                    </a:lnB>
+                    <a:noFill/>
+                  </a:tcPr>
+                </a:tc>
+                <a:tc>
+                  <a:txBody>
+                    <a:bodyPr/>
+                    <a:lstStyle/>
+                    <a:p>
+                      <a:pPr lvl="0" algn="ctr">
+                        <a:buNone/>
+                      </a:pPr>
+                      <a:r>
+                        <a:rPr lang="en-US" sz="2300" dirty="0">
+                          <a:solidFill>
+                            <a:schemeClr val="tx1">
+                              <a:lumMod val="75000"/>
+                              <a:lumOff val="25000"/>
+                            </a:schemeClr>
+                          </a:solidFill>
+                          <a:latin typeface="Calibri"/>
+                        </a:rPr>
+                        <a:t>21.2%</a:t>
+                      </a:r>
+                    </a:p>
+                  </a:txBody>
+                  <a:tcPr marL="321204" marR="240903" marT="160602" marB="160602" anchor="ctr">
+                    <a:lnL w="12700" cmpd="sng">
+                      <a:noFill/>
+                      <a:prstDash val="solid"/>
+                    </a:lnL>
+                    <a:lnR w="12700" cmpd="sng">
+                      <a:noFill/>
+                      <a:prstDash val="solid"/>
+                    </a:lnR>
+                    <a:lnT w="9525" cap="flat" cmpd="sng" algn="ctr">
+                      <a:solidFill>
+                        <a:srgbClr val="C7C6C1"/>
+                      </a:solidFill>
+                      <a:prstDash val="solid"/>
+                    </a:lnT>
+                    <a:lnB w="12700" cmpd="sng">
+                      <a:noFill/>
+                      <a:prstDash val="solid"/>
+                    </a:lnB>
+                    <a:noFill/>
+                  </a:tcPr>
+                </a:tc>
+                <a:tc>
+                  <a:txBody>
+                    <a:bodyPr/>
+                    <a:lstStyle/>
+                    <a:p>
+                      <a:pPr lvl="0" algn="ctr">
+                        <a:buNone/>
+                      </a:pPr>
+                      <a:r>
+                        <a:rPr lang="en-US" sz="2300" dirty="0">
+                          <a:solidFill>
+                            <a:schemeClr val="tx1">
+                              <a:lumMod val="75000"/>
+                              <a:lumOff val="25000"/>
+                            </a:schemeClr>
+                          </a:solidFill>
+                          <a:latin typeface="Calibri"/>
+                        </a:rPr>
+                        <a:t>?%</a:t>
+                      </a:r>
+                    </a:p>
+                  </a:txBody>
+                  <a:tcPr marL="321204" marR="240903" marT="160602" marB="160602" anchor="ctr">
+                    <a:lnL w="12700" cmpd="sng">
+                      <a:noFill/>
+                      <a:prstDash val="solid"/>
+                    </a:lnL>
+                    <a:lnR w="12700" cmpd="sng">
+                      <a:noFill/>
+                      <a:prstDash val="solid"/>
+                    </a:lnR>
+                    <a:lnT w="9525" cap="flat" cmpd="sng" algn="ctr">
+                      <a:solidFill>
+                        <a:srgbClr val="C7C6C1"/>
+                      </a:solidFill>
+                      <a:prstDash val="solid"/>
+                    </a:lnT>
+                    <a:lnB w="12700" cmpd="sng">
+                      <a:noFill/>
+                      <a:prstDash val="solid"/>
+                    </a:lnB>
+                    <a:noFill/>
+                  </a:tcPr>
+                </a:tc>
+                <a:extLst>
+                  <a:ext uri="{0D108BD9-81ED-4DB2-BD59-A6C34878D82A}">
+                    <a16:rowId xmlns:a16="http://schemas.microsoft.com/office/drawing/2014/main" val="1702165114"/>
+                  </a:ext>
+                </a:extLst>
+              </a:tr>
+            </a:tbl>
+          </a:graphicData>
+        </a:graphic>
+      </p:graphicFrame>
     </p:spTree>
     <p:extLst>
       <p:ext uri="{BB962C8B-B14F-4D97-AF65-F5344CB8AC3E}">
@@ -14070,7 +18421,7 @@
           <p:cNvPr id="2" name="Title 1">
             <a:extLst>
               <a:ext uri="{FF2B5EF4-FFF2-40B4-BE49-F238E27FC236}">
-                <a16:creationId xmlns:a16="http://schemas.microsoft.com/office/drawing/2014/main" id="{07669073-147A-B2C0-BBDB-2447BDC52239}"/>
+                <a16:creationId xmlns:a16="http://schemas.microsoft.com/office/drawing/2014/main" id="{8A1FDFF3-E970-F14B-4DCD-CB0B459C771A}"/>
               </a:ext>
             </a:extLst>
           </p:cNvPr>
@@ -14087,22 +18438,21 @@
           <a:lstStyle/>
           <a:p>
             <a:r>
-              <a:rPr lang="en-US" dirty="0">
+              <a:rPr lang="en-US">
                 <a:ea typeface="Calibri Light"/>
                 <a:cs typeface="Calibri Light"/>
               </a:rPr>
-              <a:t>Adversarial training, custom implementation</a:t>
+              <a:t>Clean vs Adversarial images</a:t>
             </a:r>
-            <a:endParaRPr lang="en-US" dirty="0"/>
           </a:p>
         </p:txBody>
       </p:sp>
       <p:pic>
         <p:nvPicPr>
-          <p:cNvPr id="4" name="Content Placeholder 3" descr="A screenshot of a computer program&#10;&#10;AI-generated content may be incorrect.">
+          <p:cNvPr id="4" name="Content Placeholder 3" descr="A close up&#10;&#10;AI-generated content may be incorrect.">
             <a:extLst>
               <a:ext uri="{FF2B5EF4-FFF2-40B4-BE49-F238E27FC236}">
-                <a16:creationId xmlns:a16="http://schemas.microsoft.com/office/drawing/2014/main" id="{A42337FC-7D8A-4651-7B4F-EDA48D726108}"/>
+                <a16:creationId xmlns:a16="http://schemas.microsoft.com/office/drawing/2014/main" id="{BA05B465-0D97-6B70-5D69-09AD9B459334}"/>
               </a:ext>
             </a:extLst>
           </p:cNvPr>
@@ -14121,8 +18471,8 @@
         </p:blipFill>
         <p:spPr>
           <a:xfrm>
-            <a:off x="1535430" y="3152564"/>
-            <a:ext cx="9182100" cy="1409700"/>
+            <a:off x="1097280" y="2113901"/>
+            <a:ext cx="10058400" cy="3487026"/>
           </a:xfrm>
           <a:prstGeom prst="rect">
             <a:avLst/>
@@ -14132,7 +18482,7 @@
     </p:spTree>
     <p:extLst>
       <p:ext uri="{BB962C8B-B14F-4D97-AF65-F5344CB8AC3E}">
-        <p14:creationId xmlns:p14="http://schemas.microsoft.com/office/powerpoint/2010/main" val="3540436754"/>
+        <p14:creationId xmlns:p14="http://schemas.microsoft.com/office/powerpoint/2010/main" val="1560097734"/>
       </p:ext>
     </p:extLst>
   </p:cSld>
@@ -14429,327 +18779,6 @@
 <file path=ppt/slides/slide20.xml><?xml version="1.0" encoding="utf-8"?>
 <p:sld xmlns:a="http://schemas.openxmlformats.org/drawingml/2006/main" xmlns:r="http://schemas.openxmlformats.org/officeDocument/2006/relationships" xmlns:p="http://schemas.openxmlformats.org/presentationml/2006/main">
   <p:cSld>
-    <p:spTree>
-      <p:nvGrpSpPr>
-        <p:cNvPr id="1" name=""/>
-        <p:cNvGrpSpPr/>
-        <p:nvPr/>
-      </p:nvGrpSpPr>
-      <p:grpSpPr>
-        <a:xfrm>
-          <a:off x="0" y="0"/>
-          <a:ext cx="0" cy="0"/>
-          <a:chOff x="0" y="0"/>
-          <a:chExt cx="0" cy="0"/>
-        </a:xfrm>
-      </p:grpSpPr>
-      <p:sp>
-        <p:nvSpPr>
-          <p:cNvPr id="2" name="Title 1">
-            <a:extLst>
-              <a:ext uri="{FF2B5EF4-FFF2-40B4-BE49-F238E27FC236}">
-                <a16:creationId xmlns:a16="http://schemas.microsoft.com/office/drawing/2014/main" id="{8A1FDFF3-E970-F14B-4DCD-CB0B459C771A}"/>
-              </a:ext>
-            </a:extLst>
-          </p:cNvPr>
-          <p:cNvSpPr>
-            <a:spLocks noGrp="1"/>
-          </p:cNvSpPr>
-          <p:nvPr>
-            <p:ph type="title"/>
-          </p:nvPr>
-        </p:nvSpPr>
-        <p:spPr/>
-        <p:txBody>
-          <a:bodyPr/>
-          <a:lstStyle/>
-          <a:p>
-            <a:r>
-              <a:rPr lang="en-US" dirty="0">
-                <a:ea typeface="Calibri Light"/>
-                <a:cs typeface="Calibri Light"/>
-              </a:rPr>
-              <a:t>Clean vs Adversarial images</a:t>
-            </a:r>
-          </a:p>
-        </p:txBody>
-      </p:sp>
-      <p:pic>
-        <p:nvPicPr>
-          <p:cNvPr id="4" name="Content Placeholder 3" descr="A close up&#10;&#10;AI-generated content may be incorrect.">
-            <a:extLst>
-              <a:ext uri="{FF2B5EF4-FFF2-40B4-BE49-F238E27FC236}">
-                <a16:creationId xmlns:a16="http://schemas.microsoft.com/office/drawing/2014/main" id="{BA05B465-0D97-6B70-5D69-09AD9B459334}"/>
-              </a:ext>
-            </a:extLst>
-          </p:cNvPr>
-          <p:cNvPicPr>
-            <a:picLocks noGrp="1" noChangeAspect="1"/>
-          </p:cNvPicPr>
-          <p:nvPr>
-            <p:ph idx="1"/>
-          </p:nvPr>
-        </p:nvPicPr>
-        <p:blipFill>
-          <a:blip r:embed="rId2"/>
-          <a:stretch>
-            <a:fillRect/>
-          </a:stretch>
-        </p:blipFill>
-        <p:spPr>
-          <a:xfrm>
-            <a:off x="1097280" y="2113901"/>
-            <a:ext cx="10058400" cy="3487026"/>
-          </a:xfrm>
-          <a:prstGeom prst="rect">
-            <a:avLst/>
-          </a:prstGeom>
-        </p:spPr>
-      </p:pic>
-    </p:spTree>
-    <p:extLst>
-      <p:ext uri="{BB962C8B-B14F-4D97-AF65-F5344CB8AC3E}">
-        <p14:creationId xmlns:p14="http://schemas.microsoft.com/office/powerpoint/2010/main" val="1560097734"/>
-      </p:ext>
-    </p:extLst>
-  </p:cSld>
-  <p:clrMapOvr>
-    <a:masterClrMapping/>
-  </p:clrMapOvr>
-</p:sld>
-</file>
-
-<file path=ppt/slides/slide21.xml><?xml version="1.0" encoding="utf-8"?>
-<p:sld xmlns:a="http://schemas.openxmlformats.org/drawingml/2006/main" xmlns:r="http://schemas.openxmlformats.org/officeDocument/2006/relationships" xmlns:p="http://schemas.openxmlformats.org/presentationml/2006/main">
-  <p:cSld>
-    <p:spTree>
-      <p:nvGrpSpPr>
-        <p:cNvPr id="1" name=""/>
-        <p:cNvGrpSpPr/>
-        <p:nvPr/>
-      </p:nvGrpSpPr>
-      <p:grpSpPr>
-        <a:xfrm>
-          <a:off x="0" y="0"/>
-          <a:ext cx="0" cy="0"/>
-          <a:chOff x="0" y="0"/>
-          <a:chExt cx="0" cy="0"/>
-        </a:xfrm>
-      </p:grpSpPr>
-      <p:sp>
-        <p:nvSpPr>
-          <p:cNvPr id="2" name="Title 1">
-            <a:extLst>
-              <a:ext uri="{FF2B5EF4-FFF2-40B4-BE49-F238E27FC236}">
-                <a16:creationId xmlns:a16="http://schemas.microsoft.com/office/drawing/2014/main" id="{8D712718-65F2-1EAF-1C6A-691AA6EC32FF}"/>
-              </a:ext>
-            </a:extLst>
-          </p:cNvPr>
-          <p:cNvSpPr>
-            <a:spLocks noGrp="1"/>
-          </p:cNvSpPr>
-          <p:nvPr>
-            <p:ph type="title"/>
-          </p:nvPr>
-        </p:nvSpPr>
-        <p:spPr/>
-        <p:txBody>
-          <a:bodyPr/>
-          <a:lstStyle/>
-          <a:p>
-            <a:r>
-              <a:rPr lang="en-US" dirty="0">
-                <a:ea typeface="Calibri Light"/>
-                <a:cs typeface="Calibri Light"/>
-              </a:rPr>
-              <a:t>Custom vs </a:t>
-            </a:r>
-            <a:r>
-              <a:rPr lang="en-US" dirty="0" err="1">
-                <a:ea typeface="Calibri Light"/>
-                <a:cs typeface="Calibri Light"/>
-              </a:rPr>
-              <a:t>SotA</a:t>
-            </a:r>
-            <a:r>
-              <a:rPr lang="en-US" dirty="0">
-                <a:ea typeface="Calibri Light"/>
-                <a:cs typeface="Calibri Light"/>
-              </a:rPr>
-              <a:t> implementations</a:t>
-            </a:r>
-            <a:endParaRPr lang="en-US" dirty="0"/>
-          </a:p>
-        </p:txBody>
-      </p:sp>
-      <p:pic>
-        <p:nvPicPr>
-          <p:cNvPr id="4" name="Content Placeholder 3" descr="A screenshot of a computer&#10;&#10;AI-generated content may be incorrect.">
-            <a:extLst>
-              <a:ext uri="{FF2B5EF4-FFF2-40B4-BE49-F238E27FC236}">
-                <a16:creationId xmlns:a16="http://schemas.microsoft.com/office/drawing/2014/main" id="{7A045190-C2DF-7AD6-B8CD-07619D93838B}"/>
-              </a:ext>
-            </a:extLst>
-          </p:cNvPr>
-          <p:cNvPicPr>
-            <a:picLocks noGrp="1" noChangeAspect="1"/>
-          </p:cNvPicPr>
-          <p:nvPr>
-            <p:ph idx="1"/>
-          </p:nvPr>
-        </p:nvPicPr>
-        <p:blipFill>
-          <a:blip r:embed="rId2"/>
-          <a:stretch>
-            <a:fillRect/>
-          </a:stretch>
-        </p:blipFill>
-        <p:spPr>
-          <a:xfrm>
-            <a:off x="3254845" y="1845734"/>
-            <a:ext cx="5743270" cy="4023360"/>
-          </a:xfrm>
-          <a:prstGeom prst="rect">
-            <a:avLst/>
-          </a:prstGeom>
-        </p:spPr>
-      </p:pic>
-    </p:spTree>
-    <p:extLst>
-      <p:ext uri="{BB962C8B-B14F-4D97-AF65-F5344CB8AC3E}">
-        <p14:creationId xmlns:p14="http://schemas.microsoft.com/office/powerpoint/2010/main" val="2830834728"/>
-      </p:ext>
-    </p:extLst>
-  </p:cSld>
-  <p:clrMapOvr>
-    <a:masterClrMapping/>
-  </p:clrMapOvr>
-</p:sld>
-</file>
-
-<file path=ppt/slides/slide22.xml><?xml version="1.0" encoding="utf-8"?>
-<p:sld xmlns:a="http://schemas.openxmlformats.org/drawingml/2006/main" xmlns:r="http://schemas.openxmlformats.org/officeDocument/2006/relationships" xmlns:p="http://schemas.openxmlformats.org/presentationml/2006/main">
-  <p:cSld>
-    <p:spTree>
-      <p:nvGrpSpPr>
-        <p:cNvPr id="1" name=""/>
-        <p:cNvGrpSpPr/>
-        <p:nvPr/>
-      </p:nvGrpSpPr>
-      <p:grpSpPr>
-        <a:xfrm>
-          <a:off x="0" y="0"/>
-          <a:ext cx="0" cy="0"/>
-          <a:chOff x="0" y="0"/>
-          <a:chExt cx="0" cy="0"/>
-        </a:xfrm>
-      </p:grpSpPr>
-      <p:pic>
-        <p:nvPicPr>
-          <p:cNvPr id="2" name="Picture 1" descr="A screenshot of a computer&#10;&#10;AI-generated content may be incorrect.">
-            <a:extLst>
-              <a:ext uri="{FF2B5EF4-FFF2-40B4-BE49-F238E27FC236}">
-                <a16:creationId xmlns:a16="http://schemas.microsoft.com/office/drawing/2014/main" id="{329B0852-22F2-D7FD-25DF-DBAB2BB238A1}"/>
-              </a:ext>
-            </a:extLst>
-          </p:cNvPr>
-          <p:cNvPicPr>
-            <a:picLocks noChangeAspect="1"/>
-          </p:cNvPicPr>
-          <p:nvPr/>
-        </p:nvPicPr>
-        <p:blipFill>
-          <a:blip r:embed="rId2"/>
-          <a:stretch>
-            <a:fillRect/>
-          </a:stretch>
-        </p:blipFill>
-        <p:spPr>
-          <a:xfrm>
-            <a:off x="2552700" y="919163"/>
-            <a:ext cx="7086600" cy="5019675"/>
-          </a:xfrm>
-          <a:prstGeom prst="rect">
-            <a:avLst/>
-          </a:prstGeom>
-        </p:spPr>
-      </p:pic>
-    </p:spTree>
-    <p:extLst>
-      <p:ext uri="{BB962C8B-B14F-4D97-AF65-F5344CB8AC3E}">
-        <p14:creationId xmlns:p14="http://schemas.microsoft.com/office/powerpoint/2010/main" val="2068328980"/>
-      </p:ext>
-    </p:extLst>
-  </p:cSld>
-  <p:clrMapOvr>
-    <a:masterClrMapping/>
-  </p:clrMapOvr>
-</p:sld>
-</file>
-
-<file path=ppt/slides/slide23.xml><?xml version="1.0" encoding="utf-8"?>
-<p:sld xmlns:a="http://schemas.openxmlformats.org/drawingml/2006/main" xmlns:r="http://schemas.openxmlformats.org/officeDocument/2006/relationships" xmlns:p="http://schemas.openxmlformats.org/presentationml/2006/main">
-  <p:cSld>
-    <p:spTree>
-      <p:nvGrpSpPr>
-        <p:cNvPr id="1" name=""/>
-        <p:cNvGrpSpPr/>
-        <p:nvPr/>
-      </p:nvGrpSpPr>
-      <p:grpSpPr>
-        <a:xfrm>
-          <a:off x="0" y="0"/>
-          <a:ext cx="0" cy="0"/>
-          <a:chOff x="0" y="0"/>
-          <a:chExt cx="0" cy="0"/>
-        </a:xfrm>
-      </p:grpSpPr>
-      <p:pic>
-        <p:nvPicPr>
-          <p:cNvPr id="3" name="Picture 2" descr="A screenshot of a computer&#10;&#10;AI-generated content may be incorrect.">
-            <a:extLst>
-              <a:ext uri="{FF2B5EF4-FFF2-40B4-BE49-F238E27FC236}">
-                <a16:creationId xmlns:a16="http://schemas.microsoft.com/office/drawing/2014/main" id="{A4E784B4-B0CD-40DE-E45E-2CA84ABB7469}"/>
-              </a:ext>
-            </a:extLst>
-          </p:cNvPr>
-          <p:cNvPicPr>
-            <a:picLocks noChangeAspect="1"/>
-          </p:cNvPicPr>
-          <p:nvPr/>
-        </p:nvPicPr>
-        <p:blipFill>
-          <a:blip r:embed="rId2"/>
-          <a:stretch>
-            <a:fillRect/>
-          </a:stretch>
-        </p:blipFill>
-        <p:spPr>
-          <a:xfrm>
-            <a:off x="2586038" y="738188"/>
-            <a:ext cx="7019925" cy="5381625"/>
-          </a:xfrm>
-          <a:prstGeom prst="rect">
-            <a:avLst/>
-          </a:prstGeom>
-        </p:spPr>
-      </p:pic>
-    </p:spTree>
-    <p:extLst>
-      <p:ext uri="{BB962C8B-B14F-4D97-AF65-F5344CB8AC3E}">
-        <p14:creationId xmlns:p14="http://schemas.microsoft.com/office/powerpoint/2010/main" val="3563199776"/>
-      </p:ext>
-    </p:extLst>
-  </p:cSld>
-  <p:clrMapOvr>
-    <a:masterClrMapping/>
-  </p:clrMapOvr>
-</p:sld>
-</file>
-
-<file path=ppt/slides/slide24.xml><?xml version="1.0" encoding="utf-8"?>
-<p:sld xmlns:a="http://schemas.openxmlformats.org/drawingml/2006/main" xmlns:r="http://schemas.openxmlformats.org/officeDocument/2006/relationships" xmlns:p="http://schemas.openxmlformats.org/presentationml/2006/main">
-  <p:cSld>
     <p:bg>
       <p:bgPr>
         <a:solidFill>
@@ -14772,12 +18801,179 @@
           <a:chExt cx="0" cy="0"/>
         </a:xfrm>
       </p:grpSpPr>
+      <p:sp>
+        <p:nvSpPr>
+          <p:cNvPr id="6" name="Rectangle 5">
+            <a:extLst>
+              <a:ext uri="{FF2B5EF4-FFF2-40B4-BE49-F238E27FC236}">
+                <a16:creationId xmlns:a16="http://schemas.microsoft.com/office/drawing/2014/main" id="{07E0C2E9-66FE-4939-B00E-F2F8A16051FD}"/>
+              </a:ext>
+              <a:ext uri="{C183D7F6-B498-43B3-948B-1728B52AA6E4}">
+                <adec:decorative xmlns:adec="http://schemas.microsoft.com/office/drawing/2017/decorative" val="1"/>
+              </a:ext>
+            </a:extLst>
+          </p:cNvPr>
+          <p:cNvSpPr>
+            <a:spLocks noGrp="1" noRot="1" noChangeAspect="1" noMove="1" noResize="1" noEditPoints="1" noAdjustHandles="1" noChangeArrowheads="1" noChangeShapeType="1" noTextEdit="1"/>
+          </p:cNvSpPr>
+          <p:nvPr>
+            <p:extLst>
+              <p:ext uri="{386F3935-93C4-4BCD-93E2-E3B085C9AB24}">
+                <p16:designElem xmlns:p16="http://schemas.microsoft.com/office/powerpoint/2015/main" val="1"/>
+              </p:ext>
+            </p:extLst>
+          </p:nvPr>
+        </p:nvSpPr>
+        <p:spPr>
+          <a:xfrm>
+            <a:off x="3175" y="6400800"/>
+            <a:ext cx="12188825" cy="457200"/>
+          </a:xfrm>
+          <a:prstGeom prst="rect">
+            <a:avLst/>
+          </a:prstGeom>
+          <a:solidFill>
+            <a:schemeClr val="accent1">
+              <a:lumMod val="50000"/>
+            </a:schemeClr>
+          </a:solidFill>
+          <a:ln>
+            <a:noFill/>
+          </a:ln>
+        </p:spPr>
+        <p:style>
+          <a:lnRef idx="2">
+            <a:schemeClr val="accent1">
+              <a:shade val="50000"/>
+            </a:schemeClr>
+          </a:lnRef>
+          <a:fillRef idx="1">
+            <a:schemeClr val="accent1"/>
+          </a:fillRef>
+          <a:effectRef idx="0">
+            <a:schemeClr val="accent1"/>
+          </a:effectRef>
+          <a:fontRef idx="minor">
+            <a:schemeClr val="lt1"/>
+          </a:fontRef>
+        </p:style>
+      </p:sp>
+      <p:sp>
+        <p:nvSpPr>
+          <p:cNvPr id="7" name="Rectangle 6">
+            <a:extLst>
+              <a:ext uri="{FF2B5EF4-FFF2-40B4-BE49-F238E27FC236}">
+                <a16:creationId xmlns:a16="http://schemas.microsoft.com/office/drawing/2014/main" id="{497D3963-DBF6-4A94-8855-A3F7086A8364}"/>
+              </a:ext>
+              <a:ext uri="{C183D7F6-B498-43B3-948B-1728B52AA6E4}">
+                <adec:decorative xmlns:adec="http://schemas.microsoft.com/office/drawing/2017/decorative" val="1"/>
+              </a:ext>
+            </a:extLst>
+          </p:cNvPr>
+          <p:cNvSpPr>
+            <a:spLocks noGrp="1" noRot="1" noChangeAspect="1" noMove="1" noResize="1" noEditPoints="1" noAdjustHandles="1" noChangeArrowheads="1" noChangeShapeType="1" noTextEdit="1"/>
+          </p:cNvSpPr>
+          <p:nvPr>
+            <p:extLst>
+              <p:ext uri="{386F3935-93C4-4BCD-93E2-E3B085C9AB24}">
+                <p16:designElem xmlns:p16="http://schemas.microsoft.com/office/powerpoint/2015/main" val="1"/>
+              </p:ext>
+            </p:extLst>
+          </p:nvPr>
+        </p:nvSpPr>
+        <p:spPr>
+          <a:xfrm>
+            <a:off x="15" y="6334316"/>
+            <a:ext cx="12188825" cy="64008"/>
+          </a:xfrm>
+          <a:prstGeom prst="rect">
+            <a:avLst/>
+          </a:prstGeom>
+          <a:solidFill>
+            <a:schemeClr val="accent1"/>
+          </a:solidFill>
+          <a:ln>
+            <a:noFill/>
+          </a:ln>
+        </p:spPr>
+        <p:style>
+          <a:lnRef idx="2">
+            <a:schemeClr val="accent1">
+              <a:shade val="50000"/>
+            </a:schemeClr>
+          </a:lnRef>
+          <a:fillRef idx="1">
+            <a:schemeClr val="accent1"/>
+          </a:fillRef>
+          <a:effectRef idx="0">
+            <a:schemeClr val="accent1"/>
+          </a:effectRef>
+          <a:fontRef idx="minor">
+            <a:schemeClr val="lt1"/>
+          </a:fontRef>
+        </p:style>
+      </p:sp>
+      <p:cxnSp>
+        <p:nvCxnSpPr>
+          <p:cNvPr id="8" name="Straight Connector 7">
+            <a:extLst>
+              <a:ext uri="{FF2B5EF4-FFF2-40B4-BE49-F238E27FC236}">
+                <a16:creationId xmlns:a16="http://schemas.microsoft.com/office/drawing/2014/main" id="{BCA29A2A-9A2D-43BC-8094-36C9D9365FE2}"/>
+              </a:ext>
+              <a:ext uri="{C183D7F6-B498-43B3-948B-1728B52AA6E4}">
+                <adec:decorative xmlns:adec="http://schemas.microsoft.com/office/drawing/2017/decorative" val="1"/>
+              </a:ext>
+            </a:extLst>
+          </p:cNvPr>
+          <p:cNvCxnSpPr>
+            <a:cxnSpLocks noGrp="1" noRot="1" noChangeAspect="1" noMove="1" noResize="1" noEditPoints="1" noAdjustHandles="1" noChangeArrowheads="1" noChangeShapeType="1"/>
+          </p:cNvCxnSpPr>
+          <p:nvPr>
+            <p:extLst>
+              <p:ext uri="{386F3935-93C4-4BCD-93E2-E3B085C9AB24}">
+                <p16:designElem xmlns:p16="http://schemas.microsoft.com/office/powerpoint/2015/main" val="1"/>
+              </p:ext>
+            </p:extLst>
+          </p:nvPr>
+        </p:nvCxnSpPr>
+        <p:spPr>
+          <a:xfrm>
+            <a:off x="1207658" y="4343400"/>
+            <a:ext cx="9875520" cy="0"/>
+          </a:xfrm>
+          <a:prstGeom prst="line">
+            <a:avLst/>
+          </a:prstGeom>
+          <a:ln w="6350">
+            <a:solidFill>
+              <a:schemeClr val="tx1">
+                <a:lumMod val="50000"/>
+                <a:lumOff val="50000"/>
+              </a:schemeClr>
+            </a:solidFill>
+          </a:ln>
+        </p:spPr>
+        <p:style>
+          <a:lnRef idx="1">
+            <a:schemeClr val="accent1"/>
+          </a:lnRef>
+          <a:fillRef idx="0">
+            <a:schemeClr val="accent1"/>
+          </a:fillRef>
+          <a:effectRef idx="0">
+            <a:schemeClr val="accent1"/>
+          </a:effectRef>
+          <a:fontRef idx="minor">
+            <a:schemeClr val="tx1"/>
+          </a:fontRef>
+        </p:style>
+      </p:cxnSp>
       <p:sp useBgFill="1">
         <p:nvSpPr>
           <p:cNvPr id="10" name="Rectangle 9">
             <a:extLst>
               <a:ext uri="{FF2B5EF4-FFF2-40B4-BE49-F238E27FC236}">
-                <a16:creationId xmlns:a16="http://schemas.microsoft.com/office/drawing/2014/main" id="{DC86CCB5-9B53-4BD9-8740-6CBE8960DFE6}"/>
+                <a16:creationId xmlns:a16="http://schemas.microsoft.com/office/drawing/2014/main" id="{FE8B4A2C-1DF4-427D-8928-14B50EB02B5B}"/>
               </a:ext>
               <a:ext uri="{C183D7F6-B498-43B3-948B-1728B52AA6E4}">
                 <adec:decorative xmlns:adec="http://schemas.microsoft.com/office/drawing/2017/decorative" val="1"/>
@@ -14837,7 +19033,7 @@
           <p:cNvPr id="2" name="Title 1">
             <a:extLst>
               <a:ext uri="{FF2B5EF4-FFF2-40B4-BE49-F238E27FC236}">
-                <a16:creationId xmlns:a16="http://schemas.microsoft.com/office/drawing/2014/main" id="{F90FFDC7-9CF7-0BE8-8AF9-743EE0B20E8C}"/>
+                <a16:creationId xmlns:a16="http://schemas.microsoft.com/office/drawing/2014/main" id="{9FF3FA86-DA85-0C61-4E58-81BC7EF993AD}"/>
               </a:ext>
             </a:extLst>
           </p:cNvPr>
@@ -14845,78 +19041,41 @@
             <a:spLocks noGrp="1"/>
           </p:cNvSpPr>
           <p:nvPr>
-            <p:ph type="ctrTitle"/>
+            <p:ph type="title"/>
           </p:nvPr>
         </p:nvSpPr>
         <p:spPr>
           <a:xfrm>
-            <a:off x="638423" y="3766457"/>
-            <a:ext cx="10909073" cy="1654629"/>
+            <a:off x="633999" y="4550229"/>
+            <a:ext cx="10909073" cy="1057655"/>
           </a:xfrm>
         </p:spPr>
         <p:txBody>
-          <a:bodyPr>
+          <a:bodyPr vert="horz" lIns="91440" tIns="45720" rIns="91440" bIns="45720" rtlCol="0" anchor="b">
             <a:normAutofit/>
           </a:bodyPr>
           <a:lstStyle/>
           <a:p>
-            <a:pPr algn="ctr"/>
             <a:r>
-              <a:rPr lang="en-US" sz="6000">
-                <a:ea typeface="Calibri Light"/>
-                <a:cs typeface="Calibri Light"/>
+              <a:rPr lang="en-US" sz="3300">
+                <a:solidFill>
+                  <a:schemeClr val="tx1">
+                    <a:lumMod val="85000"/>
+                    <a:lumOff val="15000"/>
+                  </a:schemeClr>
+                </a:solidFill>
               </a:rPr>
-              <a:t>Thank you for your time!</a:t>
+              <a:t>Custom implementations vs state-of-the-art (3 epochs), base acc = 61.79%</a:t>
             </a:r>
-            <a:endParaRPr lang="en-US" sz="6000"/>
           </a:p>
         </p:txBody>
       </p:sp>
-      <p:pic>
-        <p:nvPicPr>
-          <p:cNvPr id="7" name="Graphic 6" descr="Handshake">
-            <a:extLst>
-              <a:ext uri="{FF2B5EF4-FFF2-40B4-BE49-F238E27FC236}">
-                <a16:creationId xmlns:a16="http://schemas.microsoft.com/office/drawing/2014/main" id="{7E40BF3E-9D02-4291-B202-9989C3803D1B}"/>
-              </a:ext>
-            </a:extLst>
-          </p:cNvPr>
-          <p:cNvPicPr>
-            <a:picLocks noChangeAspect="1"/>
-          </p:cNvPicPr>
-          <p:nvPr/>
-        </p:nvPicPr>
-        <p:blipFill>
-          <a:blip r:embed="rId2">
-            <a:extLst>
-              <a:ext uri="{28A0092B-C50C-407E-A947-70E740481C1C}">
-                <a14:useLocalDpi xmlns:a14="http://schemas.microsoft.com/office/drawing/2010/main" val="0"/>
-              </a:ext>
-              <a:ext uri="{96DAC541-7B7A-43D3-8B79-37D633B846F1}">
-                <asvg:svgBlip xmlns:asvg="http://schemas.microsoft.com/office/drawing/2016/SVG/main" r:embed="rId3"/>
-              </a:ext>
-            </a:extLst>
-          </a:blip>
-          <a:stretch>
-            <a:fillRect/>
-          </a:stretch>
-        </p:blipFill>
-        <p:spPr>
-          <a:xfrm>
-            <a:off x="4836412" y="932016"/>
-            <a:ext cx="2506511" cy="2506511"/>
-          </a:xfrm>
-          <a:prstGeom prst="rect">
-            <a:avLst/>
-          </a:prstGeom>
-        </p:spPr>
-      </p:pic>
       <p:cxnSp>
         <p:nvCxnSpPr>
           <p:cNvPr id="12" name="Straight Connector 11">
             <a:extLst>
               <a:ext uri="{FF2B5EF4-FFF2-40B4-BE49-F238E27FC236}">
-                <a16:creationId xmlns:a16="http://schemas.microsoft.com/office/drawing/2014/main" id="{BBA2A20C-6526-493D-B46E-8C6B93661FA5}"/>
+                <a16:creationId xmlns:a16="http://schemas.microsoft.com/office/drawing/2014/main" id="{1FD49643-9DE3-4B1D-B8B2-622A7D2C60A8}"/>
               </a:ext>
               <a:ext uri="{C183D7F6-B498-43B3-948B-1728B52AA6E4}">
                 <adec:decorative xmlns:adec="http://schemas.microsoft.com/office/drawing/2017/decorative" val="1"/>
@@ -14936,7 +19095,7 @@
         </p:nvCxnSpPr>
         <p:spPr>
           <a:xfrm>
-            <a:off x="835159" y="5433708"/>
+            <a:off x="721086" y="5618770"/>
             <a:ext cx="10515600" cy="0"/>
           </a:xfrm>
           <a:prstGeom prst="line">
@@ -14970,7 +19129,7 @@
           <p:cNvPr id="14" name="Rectangle 13">
             <a:extLst>
               <a:ext uri="{FF2B5EF4-FFF2-40B4-BE49-F238E27FC236}">
-                <a16:creationId xmlns:a16="http://schemas.microsoft.com/office/drawing/2014/main" id="{E98FB199-0E3B-4D0B-A532-0E3C3AD7DA5E}"/>
+                <a16:creationId xmlns:a16="http://schemas.microsoft.com/office/drawing/2014/main" id="{A068873E-E0BC-42BE-B27E-3FCF89A44C21}"/>
               </a:ext>
               <a:ext uri="{C183D7F6-B498-43B3-948B-1728B52AA6E4}">
                 <adec:decorative xmlns:adec="http://schemas.microsoft.com/office/drawing/2017/decorative" val="1"/>
@@ -15025,7 +19184,7 @@
           <p:cNvPr id="16" name="Rectangle 15">
             <a:extLst>
               <a:ext uri="{FF2B5EF4-FFF2-40B4-BE49-F238E27FC236}">
-                <a16:creationId xmlns:a16="http://schemas.microsoft.com/office/drawing/2014/main" id="{C76381BC-82BB-4F20-A996-78CD4365EC72}"/>
+                <a16:creationId xmlns:a16="http://schemas.microsoft.com/office/drawing/2014/main" id="{82D5DC2E-FCC1-4CC9-BC42-C54E53292C63}"/>
               </a:ext>
               <a:ext uri="{C183D7F6-B498-43B3-948B-1728B52AA6E4}">
                 <adec:decorative xmlns:adec="http://schemas.microsoft.com/office/drawing/2017/decorative" val="1"/>
@@ -15077,10 +19236,951 @@
           </a:fontRef>
         </p:style>
       </p:sp>
+      <p:graphicFrame>
+        <p:nvGraphicFramePr>
+          <p:cNvPr id="4" name="Content Placeholder 3">
+            <a:extLst>
+              <a:ext uri="{FF2B5EF4-FFF2-40B4-BE49-F238E27FC236}">
+                <a16:creationId xmlns:a16="http://schemas.microsoft.com/office/drawing/2014/main" id="{3D050A9D-8F56-16EE-AD4B-FE7111B6EB50}"/>
+              </a:ext>
+            </a:extLst>
+          </p:cNvPr>
+          <p:cNvGraphicFramePr>
+            <a:graphicFrameLocks noGrp="1"/>
+          </p:cNvGraphicFramePr>
+          <p:nvPr>
+            <p:ph idx="1"/>
+            <p:extLst>
+              <p:ext uri="{D42A27DB-BD31-4B8C-83A1-F6EECF244321}">
+                <p14:modId xmlns:p14="http://schemas.microsoft.com/office/powerpoint/2010/main" val="184133560"/>
+              </p:ext>
+            </p:extLst>
+          </p:nvPr>
+        </p:nvGraphicFramePr>
+        <p:xfrm>
+          <a:off x="635457" y="851318"/>
+          <a:ext cx="10916463" cy="3203009"/>
+        </p:xfrm>
+        <a:graphic>
+          <a:graphicData uri="http://schemas.openxmlformats.org/drawingml/2006/table">
+            <a:tbl>
+              <a:tblPr firstRow="1" bandRow="1">
+                <a:noFill/>
+                <a:tableStyleId>{5C22544A-7EE6-4342-B048-85BDC9FD1C3A}</a:tableStyleId>
+              </a:tblPr>
+              <a:tblGrid>
+                <a:gridCol w="2775138">
+                  <a:extLst>
+                    <a:ext uri="{9D8B030D-6E8A-4147-A177-3AD203B41FA5}">
+                      <a16:colId xmlns:a16="http://schemas.microsoft.com/office/drawing/2014/main" val="1741814361"/>
+                    </a:ext>
+                  </a:extLst>
+                </a:gridCol>
+                <a:gridCol w="3676489">
+                  <a:extLst>
+                    <a:ext uri="{9D8B030D-6E8A-4147-A177-3AD203B41FA5}">
+                      <a16:colId xmlns:a16="http://schemas.microsoft.com/office/drawing/2014/main" val="1209030653"/>
+                    </a:ext>
+                  </a:extLst>
+                </a:gridCol>
+                <a:gridCol w="2384653">
+                  <a:extLst>
+                    <a:ext uri="{9D8B030D-6E8A-4147-A177-3AD203B41FA5}">
+                      <a16:colId xmlns:a16="http://schemas.microsoft.com/office/drawing/2014/main" val="331525930"/>
+                    </a:ext>
+                  </a:extLst>
+                </a:gridCol>
+                <a:gridCol w="2080183">
+                  <a:extLst>
+                    <a:ext uri="{9D8B030D-6E8A-4147-A177-3AD203B41FA5}">
+                      <a16:colId xmlns:a16="http://schemas.microsoft.com/office/drawing/2014/main" val="3643308368"/>
+                    </a:ext>
+                  </a:extLst>
+                </a:gridCol>
+              </a:tblGrid>
+              <a:tr h="661955">
+                <a:tc>
+                  <a:txBody>
+                    <a:bodyPr/>
+                    <a:lstStyle/>
+                    <a:p>
+                      <a:pPr lvl="0" algn="ctr">
+                        <a:buNone/>
+                      </a:pPr>
+                      <a:r>
+                        <a:rPr lang="en-US" sz="2500" b="0" cap="none" spc="0">
+                          <a:solidFill>
+                            <a:schemeClr val="tx1"/>
+                          </a:solidFill>
+                        </a:rPr>
+                        <a:t>Attacks</a:t>
+                      </a:r>
+                    </a:p>
+                  </a:txBody>
+                  <a:tcPr marL="160150" marR="160150" marT="112105" marB="112105" anchor="ctr">
+                    <a:lnL w="0" cap="flat" cmpd="sng" algn="ctr">
+                      <a:noFill/>
+                      <a:prstDash val="solid"/>
+                      <a:round/>
+                      <a:headEnd type="none" w="med" len="med"/>
+                      <a:tailEnd type="none" w="med" len="med"/>
+                    </a:lnL>
+                    <a:lnR w="0" cmpd="sng">
+                      <a:noFill/>
+                    </a:lnR>
+                    <a:lnT w="0" cap="flat" cmpd="sng" algn="ctr">
+                      <a:noFill/>
+                      <a:prstDash val="solid"/>
+                    </a:lnT>
+                    <a:lnB w="0" cap="flat" cmpd="sng" algn="ctr">
+                      <a:noFill/>
+                      <a:prstDash val="solid"/>
+                      <a:round/>
+                      <a:headEnd type="none" w="med" len="med"/>
+                      <a:tailEnd type="none" w="med" len="med"/>
+                    </a:lnB>
+                    <a:noFill/>
+                  </a:tcPr>
+                </a:tc>
+                <a:tc>
+                  <a:txBody>
+                    <a:bodyPr/>
+                    <a:lstStyle/>
+                    <a:p>
+                      <a:pPr algn="ctr"/>
+                      <a:r>
+                        <a:rPr lang="en-US" sz="2500" b="0" cap="none" spc="0">
+                          <a:solidFill>
+                            <a:schemeClr val="tx1"/>
+                          </a:solidFill>
+                        </a:rPr>
+                        <a:t>Statistics</a:t>
+                      </a:r>
+                    </a:p>
+                  </a:txBody>
+                  <a:tcPr marL="160150" marR="160150" marT="112105" marB="112105" anchor="ctr">
+                    <a:lnL w="0" cmpd="sng">
+                      <a:noFill/>
+                    </a:lnL>
+                    <a:lnR w="0" cmpd="sng">
+                      <a:noFill/>
+                    </a:lnR>
+                    <a:lnT w="0" cap="flat" cmpd="sng" algn="ctr">
+                      <a:noFill/>
+                      <a:prstDash val="solid"/>
+                    </a:lnT>
+                    <a:lnB w="0" cmpd="sng">
+                      <a:noFill/>
+                    </a:lnB>
+                    <a:noFill/>
+                  </a:tcPr>
+                </a:tc>
+                <a:tc>
+                  <a:txBody>
+                    <a:bodyPr/>
+                    <a:lstStyle/>
+                    <a:p>
+                      <a:pPr algn="ctr"/>
+                      <a:r>
+                        <a:rPr lang="en-US" sz="2500" b="0" cap="none" spc="0">
+                          <a:solidFill>
+                            <a:schemeClr val="tx1"/>
+                          </a:solidFill>
+                        </a:rPr>
+                        <a:t>Custom</a:t>
+                      </a:r>
+                    </a:p>
+                  </a:txBody>
+                  <a:tcPr marL="160150" marR="160150" marT="112105" marB="112105" anchor="ctr">
+                    <a:lnL w="0" cmpd="sng">
+                      <a:noFill/>
+                    </a:lnL>
+                    <a:lnR w="0" cmpd="sng">
+                      <a:noFill/>
+                    </a:lnR>
+                    <a:lnT w="0" cap="flat" cmpd="sng" algn="ctr">
+                      <a:noFill/>
+                      <a:prstDash val="solid"/>
+                    </a:lnT>
+                    <a:lnB w="0" cmpd="sng">
+                      <a:noFill/>
+                    </a:lnB>
+                    <a:noFill/>
+                  </a:tcPr>
+                </a:tc>
+                <a:tc>
+                  <a:txBody>
+                    <a:bodyPr/>
+                    <a:lstStyle/>
+                    <a:p>
+                      <a:pPr algn="ctr"/>
+                      <a:r>
+                        <a:rPr lang="en-US" sz="2500" b="0" cap="none" spc="0" err="1">
+                          <a:solidFill>
+                            <a:schemeClr val="tx1"/>
+                          </a:solidFill>
+                        </a:rPr>
+                        <a:t>SotA</a:t>
+                      </a:r>
+                    </a:p>
+                  </a:txBody>
+                  <a:tcPr marL="160150" marR="160150" marT="112105" marB="112105" anchor="ctr">
+                    <a:lnL w="0" cmpd="sng">
+                      <a:noFill/>
+                    </a:lnL>
+                    <a:lnR w="0" cmpd="sng">
+                      <a:noFill/>
+                    </a:lnR>
+                    <a:lnT w="0" cap="flat" cmpd="sng" algn="ctr">
+                      <a:noFill/>
+                      <a:prstDash val="solid"/>
+                    </a:lnT>
+                    <a:lnB w="0" cmpd="sng">
+                      <a:noFill/>
+                    </a:lnB>
+                    <a:noFill/>
+                  </a:tcPr>
+                </a:tc>
+                <a:extLst>
+                  <a:ext uri="{0D108BD9-81ED-4DB2-BD59-A6C34878D82A}">
+                    <a16:rowId xmlns:a16="http://schemas.microsoft.com/office/drawing/2014/main" val="1899046516"/>
+                  </a:ext>
+                </a:extLst>
+              </a:tr>
+              <a:tr h="661955">
+                <a:tc rowSpan="2">
+                  <a:txBody>
+                    <a:bodyPr/>
+                    <a:lstStyle/>
+                    <a:p>
+                      <a:pPr lvl="0" algn="ctr">
+                        <a:buNone/>
+                      </a:pPr>
+                      <a:r>
+                        <a:rPr lang="en-US" sz="2500" cap="none" spc="0">
+                          <a:solidFill>
+                            <a:schemeClr val="tx1"/>
+                          </a:solidFill>
+                        </a:rPr>
+                        <a:t>PGD</a:t>
+                      </a:r>
+                    </a:p>
+                  </a:txBody>
+                  <a:tcPr marL="160150" marR="160150" marT="112105" marB="112105" anchor="ctr">
+                    <a:lnL w="0" cap="flat" cmpd="sng" algn="ctr">
+                      <a:noFill/>
+                      <a:prstDash val="solid"/>
+                      <a:round/>
+                      <a:headEnd type="none" w="med" len="med"/>
+                      <a:tailEnd type="none" w="med" len="med"/>
+                    </a:lnL>
+                    <a:lnR w="0" cmpd="sng">
+                      <a:noFill/>
+                      <a:prstDash val="solid"/>
+                    </a:lnR>
+                    <a:lnT w="0" cap="flat" cmpd="sng" algn="ctr">
+                      <a:noFill/>
+                      <a:prstDash val="solid"/>
+                      <a:round/>
+                      <a:headEnd type="none" w="med" len="med"/>
+                      <a:tailEnd type="none" w="med" len="med"/>
+                    </a:lnT>
+                    <a:lnB w="0" cap="flat" cmpd="sng" algn="ctr">
+                      <a:noFill/>
+                      <a:prstDash val="solid"/>
+                      <a:round/>
+                      <a:headEnd type="none" w="med" len="med"/>
+                      <a:tailEnd type="none" w="med" len="med"/>
+                    </a:lnB>
+                    <a:noFill/>
+                  </a:tcPr>
+                </a:tc>
+                <a:tc>
+                  <a:txBody>
+                    <a:bodyPr/>
+                    <a:lstStyle/>
+                    <a:p>
+                      <a:pPr lvl="0" algn="ctr">
+                        <a:buNone/>
+                      </a:pPr>
+                      <a:r>
+                        <a:rPr lang="en-US" sz="2500" cap="none" spc="0">
+                          <a:solidFill>
+                            <a:schemeClr val="tx1"/>
+                          </a:solidFill>
+                        </a:rPr>
+                        <a:t>Accuracy</a:t>
+                      </a:r>
+                    </a:p>
+                  </a:txBody>
+                  <a:tcPr marL="160150" marR="160150" marT="112105" marB="112105" anchor="ctr">
+                    <a:lnL w="0" cmpd="sng">
+                      <a:noFill/>
+                      <a:prstDash val="solid"/>
+                    </a:lnL>
+                    <a:lnR w="0" cmpd="sng">
+                      <a:noFill/>
+                      <a:prstDash val="solid"/>
+                    </a:lnR>
+                    <a:lnT w="0" cmpd="sng">
+                      <a:noFill/>
+                    </a:lnT>
+                    <a:lnB w="0" cap="flat" cmpd="sng" algn="ctr">
+                      <a:noFill/>
+                      <a:prstDash val="solid"/>
+                    </a:lnB>
+                    <a:noFill/>
+                  </a:tcPr>
+                </a:tc>
+                <a:tc>
+                  <a:txBody>
+                    <a:bodyPr/>
+                    <a:lstStyle/>
+                    <a:p>
+                      <a:pPr lvl="0" algn="ctr">
+                        <a:buNone/>
+                      </a:pPr>
+                      <a:r>
+                        <a:rPr lang="en-US" sz="2500" kern="1200" cap="none" spc="0">
+                          <a:solidFill>
+                            <a:schemeClr val="tx1"/>
+                          </a:solidFill>
+                          <a:latin typeface="+mn-lt"/>
+                          <a:ea typeface="+mn-ea"/>
+                          <a:cs typeface="+mn-cs"/>
+                        </a:rPr>
+                        <a:t>2.9%</a:t>
+                      </a:r>
+                    </a:p>
+                  </a:txBody>
+                  <a:tcPr marL="160150" marR="160150" marT="112105" marB="112105" anchor="ctr">
+                    <a:lnL w="0" cmpd="sng">
+                      <a:noFill/>
+                      <a:prstDash val="solid"/>
+                    </a:lnL>
+                    <a:lnR w="0" cmpd="sng">
+                      <a:noFill/>
+                      <a:prstDash val="solid"/>
+                    </a:lnR>
+                    <a:lnT w="0" cmpd="sng">
+                      <a:noFill/>
+                    </a:lnT>
+                    <a:lnB w="0" cap="flat" cmpd="sng" algn="ctr">
+                      <a:noFill/>
+                      <a:prstDash val="solid"/>
+                    </a:lnB>
+                    <a:noFill/>
+                  </a:tcPr>
+                </a:tc>
+                <a:tc>
+                  <a:txBody>
+                    <a:bodyPr/>
+                    <a:lstStyle/>
+                    <a:p>
+                      <a:pPr lvl="0" algn="ctr">
+                        <a:buNone/>
+                      </a:pPr>
+                      <a:r>
+                        <a:rPr lang="en-US" sz="2500" kern="1200" cap="none" spc="0">
+                          <a:solidFill>
+                            <a:schemeClr val="tx1"/>
+                          </a:solidFill>
+                          <a:latin typeface="+mn-lt"/>
+                          <a:ea typeface="+mn-ea"/>
+                          <a:cs typeface="+mn-cs"/>
+                        </a:rPr>
+                        <a:t>13.4%</a:t>
+                      </a:r>
+                    </a:p>
+                  </a:txBody>
+                  <a:tcPr marL="160150" marR="160150" marT="112105" marB="112105" anchor="ctr">
+                    <a:lnL w="0" cmpd="sng">
+                      <a:noFill/>
+                      <a:prstDash val="solid"/>
+                    </a:lnL>
+                    <a:lnR w="0" cap="flat" cmpd="sng" algn="ctr">
+                      <a:noFill/>
+                      <a:prstDash val="solid"/>
+                    </a:lnR>
+                    <a:lnT w="0" cmpd="sng">
+                      <a:noFill/>
+                    </a:lnT>
+                    <a:lnB w="0" cap="flat" cmpd="sng" algn="ctr">
+                      <a:noFill/>
+                      <a:prstDash val="solid"/>
+                    </a:lnB>
+                    <a:noFill/>
+                  </a:tcPr>
+                </a:tc>
+                <a:extLst>
+                  <a:ext uri="{0D108BD9-81ED-4DB2-BD59-A6C34878D82A}">
+                    <a16:rowId xmlns:a16="http://schemas.microsoft.com/office/drawing/2014/main" val="3039314414"/>
+                  </a:ext>
+                </a:extLst>
+              </a:tr>
+              <a:tr h="608572">
+                <a:tc vMerge="1">
+                  <a:txBody>
+                    <a:bodyPr/>
+                    <a:lstStyle/>
+                    <a:p>
+                      <a:endParaRPr lang="en-US"/>
+                    </a:p>
+                  </a:txBody>
+                  <a:tcPr/>
+                </a:tc>
+                <a:tc>
+                  <a:txBody>
+                    <a:bodyPr/>
+                    <a:lstStyle/>
+                    <a:p>
+                      <a:pPr lvl="0" algn="ctr">
+                        <a:buNone/>
+                      </a:pPr>
+                      <a:r>
+                        <a:rPr lang="en-US" sz="2100" b="0" i="0" u="none" strike="noStrike" cap="none" spc="0" noProof="0">
+                          <a:solidFill>
+                            <a:schemeClr val="tx1"/>
+                          </a:solidFill>
+                          <a:latin typeface="Calibri"/>
+                        </a:rPr>
+                        <a:t>Avg. t / Batch [s]</a:t>
+                      </a:r>
+                      <a:endParaRPr lang="en-US" sz="2100" cap="none" spc="0">
+                        <a:solidFill>
+                          <a:schemeClr val="tx1"/>
+                        </a:solidFill>
+                      </a:endParaRPr>
+                    </a:p>
+                  </a:txBody>
+                  <a:tcPr marL="160150" marR="160150" marT="112105" marB="112105" anchor="ctr">
+                    <a:lnL w="0" cmpd="sng">
+                      <a:noFill/>
+                      <a:prstDash val="solid"/>
+                    </a:lnL>
+                    <a:lnR w="0" cmpd="sng">
+                      <a:noFill/>
+                      <a:prstDash val="solid"/>
+                    </a:lnR>
+                    <a:lnT w="0" cap="flat" cmpd="sng" algn="ctr">
+                      <a:noFill/>
+                      <a:prstDash val="solid"/>
+                    </a:lnT>
+                    <a:lnB w="0" cmpd="sng">
+                      <a:noFill/>
+                      <a:prstDash val="solid"/>
+                    </a:lnB>
+                    <a:solidFill>
+                      <a:schemeClr val="tx1"/>
+                    </a:solidFill>
+                  </a:tcPr>
+                </a:tc>
+                <a:tc>
+                  <a:txBody>
+                    <a:bodyPr/>
+                    <a:lstStyle/>
+                    <a:p>
+                      <a:pPr lvl="0" algn="ctr">
+                        <a:buNone/>
+                      </a:pPr>
+                      <a:r>
+                        <a:rPr lang="en-US" sz="2500" kern="1200" cap="none" spc="0">
+                          <a:solidFill>
+                            <a:schemeClr val="tx1"/>
+                          </a:solidFill>
+                          <a:latin typeface="+mn-lt"/>
+                          <a:ea typeface="+mn-ea"/>
+                          <a:cs typeface="+mn-cs"/>
+                        </a:rPr>
+                        <a:t>0.03</a:t>
+                      </a:r>
+                    </a:p>
+                  </a:txBody>
+                  <a:tcPr marL="160150" marR="160150" marT="112105" marB="112105" anchor="ctr">
+                    <a:lnL w="0" cmpd="sng">
+                      <a:noFill/>
+                      <a:prstDash val="solid"/>
+                    </a:lnL>
+                    <a:lnR w="0" cmpd="sng">
+                      <a:noFill/>
+                      <a:prstDash val="solid"/>
+                    </a:lnR>
+                    <a:lnT w="0" cap="flat" cmpd="sng" algn="ctr">
+                      <a:noFill/>
+                      <a:prstDash val="solid"/>
+                    </a:lnT>
+                    <a:lnB w="0" cmpd="sng">
+                      <a:noFill/>
+                      <a:prstDash val="solid"/>
+                    </a:lnB>
+                    <a:solidFill>
+                      <a:schemeClr val="tx1"/>
+                    </a:solidFill>
+                  </a:tcPr>
+                </a:tc>
+                <a:tc>
+                  <a:txBody>
+                    <a:bodyPr/>
+                    <a:lstStyle/>
+                    <a:p>
+                      <a:pPr lvl="0" algn="ctr">
+                        <a:buNone/>
+                      </a:pPr>
+                      <a:r>
+                        <a:rPr lang="en-US" sz="2500" kern="1200" cap="none" spc="0">
+                          <a:solidFill>
+                            <a:schemeClr val="tx1"/>
+                          </a:solidFill>
+                          <a:latin typeface="+mn-lt"/>
+                          <a:ea typeface="+mn-ea"/>
+                          <a:cs typeface="+mn-cs"/>
+                        </a:rPr>
+                        <a:t>0.208</a:t>
+                      </a:r>
+                    </a:p>
+                  </a:txBody>
+                  <a:tcPr marL="160150" marR="160150" marT="112105" marB="112105" anchor="ctr">
+                    <a:lnL w="0" cmpd="sng">
+                      <a:noFill/>
+                      <a:prstDash val="solid"/>
+                    </a:lnL>
+                    <a:lnR w="0" cmpd="sng">
+                      <a:noFill/>
+                      <a:prstDash val="solid"/>
+                    </a:lnR>
+                    <a:lnT w="0" cap="flat" cmpd="sng" algn="ctr">
+                      <a:noFill/>
+                      <a:prstDash val="solid"/>
+                    </a:lnT>
+                    <a:lnB w="0" cmpd="sng">
+                      <a:noFill/>
+                      <a:prstDash val="solid"/>
+                    </a:lnB>
+                    <a:solidFill>
+                      <a:schemeClr val="tx1"/>
+                    </a:solidFill>
+                  </a:tcPr>
+                </a:tc>
+                <a:extLst>
+                  <a:ext uri="{0D108BD9-81ED-4DB2-BD59-A6C34878D82A}">
+                    <a16:rowId xmlns:a16="http://schemas.microsoft.com/office/drawing/2014/main" val="1702331423"/>
+                  </a:ext>
+                </a:extLst>
+              </a:tr>
+              <a:tr h="661955">
+                <a:tc rowSpan="2">
+                  <a:txBody>
+                    <a:bodyPr/>
+                    <a:lstStyle/>
+                    <a:p>
+                      <a:pPr lvl="0" algn="ctr">
+                        <a:buNone/>
+                      </a:pPr>
+                      <a:r>
+                        <a:rPr lang="en-US" sz="2500" cap="none" spc="0" err="1">
+                          <a:solidFill>
+                            <a:schemeClr val="tx1"/>
+                          </a:solidFill>
+                        </a:rPr>
+                        <a:t>DeepFool</a:t>
+                      </a:r>
+                    </a:p>
+                  </a:txBody>
+                  <a:tcPr marL="160150" marR="160150" marT="112105" marB="112105" anchor="ctr">
+                    <a:lnL w="0" cap="flat" cmpd="sng" algn="ctr">
+                      <a:noFill/>
+                      <a:prstDash val="solid"/>
+                      <a:round/>
+                      <a:headEnd type="none" w="med" len="med"/>
+                      <a:tailEnd type="none" w="med" len="med"/>
+                    </a:lnL>
+                    <a:lnR w="0" cmpd="sng">
+                      <a:noFill/>
+                      <a:prstDash val="solid"/>
+                    </a:lnR>
+                    <a:lnT w="0" cap="flat" cmpd="sng" algn="ctr">
+                      <a:noFill/>
+                      <a:prstDash val="solid"/>
+                      <a:round/>
+                      <a:headEnd type="none" w="med" len="med"/>
+                      <a:tailEnd type="none" w="med" len="med"/>
+                    </a:lnT>
+                    <a:lnB w="0" cap="flat" cmpd="sng" algn="ctr">
+                      <a:noFill/>
+                      <a:prstDash val="solid"/>
+                    </a:lnB>
+                    <a:noFill/>
+                  </a:tcPr>
+                </a:tc>
+                <a:tc>
+                  <a:txBody>
+                    <a:bodyPr/>
+                    <a:lstStyle/>
+                    <a:p>
+                      <a:pPr lvl="0" algn="ctr">
+                        <a:buNone/>
+                      </a:pPr>
+                      <a:r>
+                        <a:rPr lang="en-US" sz="2500" b="0" i="0" u="none" strike="noStrike" cap="none" spc="0" noProof="0">
+                          <a:solidFill>
+                            <a:schemeClr val="tx1"/>
+                          </a:solidFill>
+                          <a:latin typeface="Calibri"/>
+                        </a:rPr>
+                        <a:t>Accuracy</a:t>
+                      </a:r>
+                      <a:endParaRPr lang="en-US" sz="2500" cap="none" spc="0">
+                        <a:solidFill>
+                          <a:schemeClr val="tx1"/>
+                        </a:solidFill>
+                      </a:endParaRPr>
+                    </a:p>
+                  </a:txBody>
+                  <a:tcPr marL="160150" marR="160150" marT="112105" marB="112105" anchor="ctr">
+                    <a:lnL w="0" cmpd="sng">
+                      <a:noFill/>
+                      <a:prstDash val="solid"/>
+                    </a:lnL>
+                    <a:lnR w="0" cmpd="sng">
+                      <a:noFill/>
+                      <a:prstDash val="solid"/>
+                    </a:lnR>
+                    <a:lnT w="0" cmpd="sng">
+                      <a:noFill/>
+                      <a:prstDash val="solid"/>
+                    </a:lnT>
+                    <a:lnB w="0" cap="flat" cmpd="sng" algn="ctr">
+                      <a:noFill/>
+                      <a:prstDash val="solid"/>
+                    </a:lnB>
+                    <a:noFill/>
+                  </a:tcPr>
+                </a:tc>
+                <a:tc>
+                  <a:txBody>
+                    <a:bodyPr/>
+                    <a:lstStyle/>
+                    <a:p>
+                      <a:pPr lvl="0" algn="ctr">
+                        <a:buNone/>
+                      </a:pPr>
+                      <a:r>
+                        <a:rPr lang="en-US" sz="2500" kern="1200" cap="none" spc="0">
+                          <a:solidFill>
+                            <a:schemeClr val="tx1"/>
+                          </a:solidFill>
+                          <a:latin typeface="+mn-lt"/>
+                          <a:ea typeface="+mn-ea"/>
+                          <a:cs typeface="+mn-cs"/>
+                        </a:rPr>
+                        <a:t>14%</a:t>
+                      </a:r>
+                    </a:p>
+                  </a:txBody>
+                  <a:tcPr marL="160150" marR="160150" marT="112105" marB="112105" anchor="ctr">
+                    <a:lnL w="0" cmpd="sng">
+                      <a:noFill/>
+                      <a:prstDash val="solid"/>
+                    </a:lnL>
+                    <a:lnR w="0" cmpd="sng">
+                      <a:noFill/>
+                      <a:prstDash val="solid"/>
+                    </a:lnR>
+                    <a:lnT w="0" cmpd="sng">
+                      <a:noFill/>
+                      <a:prstDash val="solid"/>
+                    </a:lnT>
+                    <a:lnB w="0" cap="flat" cmpd="sng" algn="ctr">
+                      <a:noFill/>
+                      <a:prstDash val="solid"/>
+                    </a:lnB>
+                    <a:noFill/>
+                  </a:tcPr>
+                </a:tc>
+                <a:tc>
+                  <a:txBody>
+                    <a:bodyPr/>
+                    <a:lstStyle/>
+                    <a:p>
+                      <a:pPr lvl="0" algn="ctr">
+                        <a:buNone/>
+                      </a:pPr>
+                      <a:r>
+                        <a:rPr lang="en-US" sz="2500" kern="1200" cap="none" spc="0">
+                          <a:solidFill>
+                            <a:schemeClr val="tx1"/>
+                          </a:solidFill>
+                          <a:latin typeface="+mn-lt"/>
+                          <a:ea typeface="+mn-ea"/>
+                          <a:cs typeface="+mn-cs"/>
+                        </a:rPr>
+                        <a:t>20.5%</a:t>
+                      </a:r>
+                    </a:p>
+                  </a:txBody>
+                  <a:tcPr marL="160150" marR="160150" marT="112105" marB="112105" anchor="ctr">
+                    <a:lnL w="0" cmpd="sng">
+                      <a:noFill/>
+                      <a:prstDash val="solid"/>
+                    </a:lnL>
+                    <a:lnR w="0" cap="flat" cmpd="sng" algn="ctr">
+                      <a:noFill/>
+                      <a:prstDash val="solid"/>
+                    </a:lnR>
+                    <a:lnT w="0" cmpd="sng">
+                      <a:noFill/>
+                      <a:prstDash val="solid"/>
+                    </a:lnT>
+                    <a:lnB w="0" cap="flat" cmpd="sng" algn="ctr">
+                      <a:noFill/>
+                      <a:prstDash val="solid"/>
+                    </a:lnB>
+                    <a:noFill/>
+                  </a:tcPr>
+                </a:tc>
+                <a:extLst>
+                  <a:ext uri="{0D108BD9-81ED-4DB2-BD59-A6C34878D82A}">
+                    <a16:rowId xmlns:a16="http://schemas.microsoft.com/office/drawing/2014/main" val="1702165114"/>
+                  </a:ext>
+                </a:extLst>
+              </a:tr>
+              <a:tr h="608572">
+                <a:tc vMerge="1">
+                  <a:txBody>
+                    <a:bodyPr/>
+                    <a:lstStyle/>
+                    <a:p>
+                      <a:endParaRPr lang="en-US"/>
+                    </a:p>
+                  </a:txBody>
+                  <a:tcPr/>
+                </a:tc>
+                <a:tc>
+                  <a:txBody>
+                    <a:bodyPr/>
+                    <a:lstStyle/>
+                    <a:p>
+                      <a:pPr lvl="0" algn="ctr">
+                        <a:buNone/>
+                      </a:pPr>
+                      <a:r>
+                        <a:rPr lang="en-US" sz="2100" b="0" i="0" u="none" strike="noStrike" cap="none" spc="0" noProof="0">
+                          <a:solidFill>
+                            <a:schemeClr val="tx1"/>
+                          </a:solidFill>
+                          <a:latin typeface="Calibri"/>
+                        </a:rPr>
+                        <a:t>Avg. t / Batch [s]</a:t>
+                      </a:r>
+                      <a:endParaRPr lang="en-US" sz="2100" cap="none" spc="0">
+                        <a:solidFill>
+                          <a:schemeClr val="tx1"/>
+                        </a:solidFill>
+                      </a:endParaRPr>
+                    </a:p>
+                  </a:txBody>
+                  <a:tcPr marL="160150" marR="160150" marT="112105" marB="112105" anchor="ctr">
+                    <a:lnL w="0" cmpd="sng">
+                      <a:noFill/>
+                      <a:prstDash val="solid"/>
+                    </a:lnL>
+                    <a:lnR w="0" cmpd="sng">
+                      <a:noFill/>
+                      <a:prstDash val="solid"/>
+                    </a:lnR>
+                    <a:lnT w="0" cap="flat" cmpd="sng" algn="ctr">
+                      <a:noFill/>
+                      <a:prstDash val="solid"/>
+                    </a:lnT>
+                    <a:lnB w="0" cmpd="sng">
+                      <a:noFill/>
+                      <a:prstDash val="solid"/>
+                    </a:lnB>
+                    <a:solidFill>
+                      <a:schemeClr val="tx1"/>
+                    </a:solidFill>
+                  </a:tcPr>
+                </a:tc>
+                <a:tc>
+                  <a:txBody>
+                    <a:bodyPr/>
+                    <a:lstStyle/>
+                    <a:p>
+                      <a:pPr lvl="0" algn="ctr">
+                        <a:buNone/>
+                      </a:pPr>
+                      <a:r>
+                        <a:rPr lang="en-US" sz="2500" kern="1200" cap="none" spc="0">
+                          <a:solidFill>
+                            <a:schemeClr val="tx1"/>
+                          </a:solidFill>
+                          <a:latin typeface="+mn-lt"/>
+                          <a:ea typeface="+mn-ea"/>
+                          <a:cs typeface="+mn-cs"/>
+                        </a:rPr>
+                        <a:t>0.124</a:t>
+                      </a:r>
+                    </a:p>
+                  </a:txBody>
+                  <a:tcPr marL="160150" marR="160150" marT="112105" marB="112105" anchor="ctr">
+                    <a:lnL w="0" cmpd="sng">
+                      <a:noFill/>
+                      <a:prstDash val="solid"/>
+                    </a:lnL>
+                    <a:lnR w="0" cmpd="sng">
+                      <a:noFill/>
+                      <a:prstDash val="solid"/>
+                    </a:lnR>
+                    <a:lnT w="0" cap="flat" cmpd="sng" algn="ctr">
+                      <a:noFill/>
+                      <a:prstDash val="solid"/>
+                    </a:lnT>
+                    <a:lnB w="0" cmpd="sng">
+                      <a:noFill/>
+                      <a:prstDash val="solid"/>
+                    </a:lnB>
+                    <a:solidFill>
+                      <a:schemeClr val="tx1"/>
+                    </a:solidFill>
+                  </a:tcPr>
+                </a:tc>
+                <a:tc>
+                  <a:txBody>
+                    <a:bodyPr/>
+                    <a:lstStyle/>
+                    <a:p>
+                      <a:pPr lvl="0" algn="ctr">
+                        <a:buNone/>
+                      </a:pPr>
+                      <a:r>
+                        <a:rPr lang="en-US" sz="2500" kern="1200" cap="none" spc="0">
+                          <a:solidFill>
+                            <a:schemeClr val="tx1"/>
+                          </a:solidFill>
+                          <a:latin typeface="+mn-lt"/>
+                          <a:ea typeface="+mn-ea"/>
+                          <a:cs typeface="+mn-cs"/>
+                        </a:rPr>
+                        <a:t>30.77</a:t>
+                      </a:r>
+                    </a:p>
+                  </a:txBody>
+                  <a:tcPr marL="160150" marR="160150" marT="112105" marB="112105" anchor="ctr">
+                    <a:lnL w="0" cmpd="sng">
+                      <a:noFill/>
+                      <a:prstDash val="solid"/>
+                    </a:lnL>
+                    <a:lnR w="0" cmpd="sng">
+                      <a:noFill/>
+                      <a:prstDash val="solid"/>
+                    </a:lnR>
+                    <a:lnT w="0" cap="flat" cmpd="sng" algn="ctr">
+                      <a:noFill/>
+                      <a:prstDash val="solid"/>
+                    </a:lnT>
+                    <a:lnB w="0" cmpd="sng">
+                      <a:noFill/>
+                      <a:prstDash val="solid"/>
+                    </a:lnB>
+                    <a:solidFill>
+                      <a:schemeClr val="tx1"/>
+                    </a:solidFill>
+                  </a:tcPr>
+                </a:tc>
+                <a:extLst>
+                  <a:ext uri="{0D108BD9-81ED-4DB2-BD59-A6C34878D82A}">
+                    <a16:rowId xmlns:a16="http://schemas.microsoft.com/office/drawing/2014/main" val="3381016819"/>
+                  </a:ext>
+                </a:extLst>
+              </a:tr>
+            </a:tbl>
+          </a:graphicData>
+        </a:graphic>
+      </p:graphicFrame>
     </p:spTree>
     <p:extLst>
       <p:ext uri="{BB962C8B-B14F-4D97-AF65-F5344CB8AC3E}">
-        <p14:creationId xmlns:p14="http://schemas.microsoft.com/office/powerpoint/2010/main" val="1733317498"/>
+        <p14:creationId xmlns:p14="http://schemas.microsoft.com/office/powerpoint/2010/main" val="4138916051"/>
+      </p:ext>
+    </p:extLst>
+  </p:cSld>
+  <p:clrMapOvr>
+    <a:masterClrMapping/>
+  </p:clrMapOvr>
+</p:sld>
+</file>
+
+<file path=ppt/slides/slide21.xml><?xml version="1.0" encoding="utf-8"?>
+<p:sld xmlns:a="http://schemas.openxmlformats.org/drawingml/2006/main" xmlns:r="http://schemas.openxmlformats.org/officeDocument/2006/relationships" xmlns:p="http://schemas.openxmlformats.org/presentationml/2006/main">
+  <p:cSld>
+    <p:spTree>
+      <p:nvGrpSpPr>
+        <p:cNvPr id="1" name=""/>
+        <p:cNvGrpSpPr/>
+        <p:nvPr/>
+      </p:nvGrpSpPr>
+      <p:grpSpPr>
+        <a:xfrm>
+          <a:off x="0" y="0"/>
+          <a:ext cx="0" cy="0"/>
+          <a:chOff x="0" y="0"/>
+          <a:chExt cx="0" cy="0"/>
+        </a:xfrm>
+      </p:grpSpPr>
+      <p:sp>
+        <p:nvSpPr>
+          <p:cNvPr id="2" name="Title 1">
+            <a:extLst>
+              <a:ext uri="{FF2B5EF4-FFF2-40B4-BE49-F238E27FC236}">
+                <a16:creationId xmlns:a16="http://schemas.microsoft.com/office/drawing/2014/main" id="{06E0C9E8-9C58-966F-D1BB-A1D562CEC1FC}"/>
+              </a:ext>
+            </a:extLst>
+          </p:cNvPr>
+          <p:cNvSpPr>
+            <a:spLocks noGrp="1"/>
+          </p:cNvSpPr>
+          <p:nvPr>
+            <p:ph type="title"/>
+          </p:nvPr>
+        </p:nvSpPr>
+        <p:spPr/>
+        <p:txBody>
+          <a:bodyPr/>
+          <a:lstStyle/>
+          <a:p>
+            <a:r>
+              <a:rPr lang="en-US">
+                <a:ea typeface="Calibri Light"/>
+                <a:cs typeface="Calibri Light"/>
+              </a:rPr>
+              <a:t>Questions?</a:t>
+            </a:r>
+            <a:endParaRPr lang="en-US"/>
+          </a:p>
+        </p:txBody>
+      </p:sp>
+      <p:sp>
+        <p:nvSpPr>
+          <p:cNvPr id="6" name="Picture Placeholder 5">
+            <a:extLst>
+              <a:ext uri="{FF2B5EF4-FFF2-40B4-BE49-F238E27FC236}">
+                <a16:creationId xmlns:a16="http://schemas.microsoft.com/office/drawing/2014/main" id="{0875FEFA-AD92-571C-AC0F-97A542CC91ED}"/>
+              </a:ext>
+            </a:extLst>
+          </p:cNvPr>
+          <p:cNvSpPr>
+            <a:spLocks noGrp="1"/>
+          </p:cNvSpPr>
+          <p:nvPr>
+            <p:ph type="pic" idx="1"/>
+          </p:nvPr>
+        </p:nvSpPr>
+        <p:spPr/>
+      </p:sp>
+    </p:spTree>
+    <p:extLst>
+      <p:ext uri="{BB962C8B-B14F-4D97-AF65-F5344CB8AC3E}">
+        <p14:creationId xmlns:p14="http://schemas.microsoft.com/office/powerpoint/2010/main" val="265216690"/>
       </p:ext>
     </p:extLst>
   </p:cSld>
@@ -17053,7 +22153,7 @@
       </p:grpSpPr>
       <p:sp useBgFill="1">
         <p:nvSpPr>
-          <p:cNvPr id="8" name="Rectangle 7">
+          <p:cNvPr id="17" name="Rectangle 16">
             <a:extLst>
               <a:ext uri="{FF2B5EF4-FFF2-40B4-BE49-F238E27FC236}">
                 <a16:creationId xmlns:a16="http://schemas.microsoft.com/office/drawing/2014/main" id="{3741B58E-3B65-4A01-A276-975AB2CF8A08}"/>
@@ -17113,7 +22213,7 @@
       </p:sp>
       <p:sp>
         <p:nvSpPr>
-          <p:cNvPr id="10" name="Rectangle 9">
+          <p:cNvPr id="19" name="Rectangle 18">
             <a:extLst>
               <a:ext uri="{FF2B5EF4-FFF2-40B4-BE49-F238E27FC236}">
                 <a16:creationId xmlns:a16="http://schemas.microsoft.com/office/drawing/2014/main" id="{7AAC67C3-831B-4AB1-A259-DFB839CAFAFC}"/>
@@ -17196,9 +22296,8 @@
           </a:bodyPr>
           <a:lstStyle/>
           <a:p>
-            <a:pPr algn="ctr"/>
             <a:r>
-              <a:rPr lang="en-US" sz="3600" err="1">
+              <a:rPr lang="en-US" sz="3600">
                 <a:solidFill>
                   <a:srgbClr val="FFFFFF"/>
                 </a:solidFill>
@@ -17207,13 +22306,17 @@
               </a:rPr>
               <a:t>DeepFool</a:t>
             </a:r>
-            <a:endParaRPr lang="en-US"/>
+            <a:endParaRPr lang="en-US" sz="3600">
+              <a:solidFill>
+                <a:srgbClr val="FFFFFF"/>
+              </a:solidFill>
+            </a:endParaRPr>
           </a:p>
         </p:txBody>
       </p:sp>
       <p:sp>
         <p:nvSpPr>
-          <p:cNvPr id="12" name="Rectangle 11">
+          <p:cNvPr id="21" name="Rectangle 20">
             <a:extLst>
               <a:ext uri="{FF2B5EF4-FFF2-40B4-BE49-F238E27FC236}">
                 <a16:creationId xmlns:a16="http://schemas.microsoft.com/office/drawing/2014/main" id="{054B3F04-9EAC-45C0-B3CE-0387EEA10A0C}"/>
@@ -17285,7 +22388,7 @@
         <p:spPr>
           <a:xfrm>
             <a:off x="4742016" y="605896"/>
-            <a:ext cx="6863518" cy="5646208"/>
+            <a:ext cx="6413663" cy="5646208"/>
           </a:xfrm>
         </p:spPr>
         <p:txBody>
@@ -17312,9 +22415,10 @@
               </a:rPr>
               <a:t>that find the minimal perturbation necessary to change the classification by linearizing the decision boundary and moving towards it:</a:t>
             </a:r>
+            <a:endParaRPr lang="en-US"/>
           </a:p>
           <a:p>
-            <a:pPr>
+            <a:pPr algn="just">
               <a:buFont typeface="Arial" panose="020F0502020204030204" pitchFamily="34" charset="0"/>
               <a:buChar char="•"/>
             </a:pPr>

--- a/project_ia3_presentation.pptx
+++ b/project_ia3_presentation.pptx
@@ -139,6 +139,7 @@
     <p1510:client id="{22BA3E01-24BE-2C7C-52B7-A7FB1E638304}" v="883" dt="2025-11-11T20:28:25.032"/>
     <p1510:client id="{A3DD5220-759C-6242-99D6-A815F030BAAD}" v="407" dt="2025-11-11T20:21:27.091"/>
     <p1510:client id="{ED0BAAA1-A55F-EC34-83A3-7F9CF117581A}" v="497" dt="2025-11-10T22:55:47.662"/>
+    <p1510:client id="{F3A40AD6-05C0-2321-8220-2B13972C23F9}" v="65" dt="2025-11-12T16:19:10.994"/>
   </p1510:revLst>
 </p1510:revInfo>
 </file>
@@ -18801,12 +18802,12 @@
           <a:chExt cx="0" cy="0"/>
         </a:xfrm>
       </p:grpSpPr>
-      <p:sp>
+      <p:sp useBgFill="1">
         <p:nvSpPr>
-          <p:cNvPr id="6" name="Rectangle 5">
+          <p:cNvPr id="30" name="Rectangle 29">
             <a:extLst>
               <a:ext uri="{FF2B5EF4-FFF2-40B4-BE49-F238E27FC236}">
-                <a16:creationId xmlns:a16="http://schemas.microsoft.com/office/drawing/2014/main" id="{07E0C2E9-66FE-4939-B00E-F2F8A16051FD}"/>
+                <a16:creationId xmlns:a16="http://schemas.microsoft.com/office/drawing/2014/main" id="{51057C6D-CCCA-403B-9CEC-B76B7703B53D}"/>
               </a:ext>
               <a:ext uri="{C183D7F6-B498-43B3-948B-1728B52AA6E4}">
                 <adec:decorative xmlns:adec="http://schemas.microsoft.com/office/drawing/2017/decorative" val="1"/>
@@ -18826,8 +18827,68 @@
         </p:nvSpPr>
         <p:spPr>
           <a:xfrm>
-            <a:off x="3175" y="6400800"/>
-            <a:ext cx="12188825" cy="457200"/>
+            <a:off x="0" y="0"/>
+            <a:ext cx="12186315" cy="6858000"/>
+          </a:xfrm>
+          <a:prstGeom prst="rect">
+            <a:avLst/>
+          </a:prstGeom>
+          <a:ln>
+            <a:noFill/>
+          </a:ln>
+        </p:spPr>
+        <p:style>
+          <a:lnRef idx="2">
+            <a:schemeClr val="accent6">
+              <a:shade val="50000"/>
+            </a:schemeClr>
+          </a:lnRef>
+          <a:fillRef idx="1001">
+            <a:schemeClr val="lt1"/>
+          </a:fillRef>
+          <a:effectRef idx="0">
+            <a:schemeClr val="accent6"/>
+          </a:effectRef>
+          <a:fontRef idx="minor">
+            <a:schemeClr val="lt1"/>
+          </a:fontRef>
+        </p:style>
+        <p:txBody>
+          <a:bodyPr rtlCol="0" anchor="ctr"/>
+          <a:lstStyle/>
+          <a:p>
+            <a:pPr algn="ctr"/>
+            <a:endParaRPr lang="en-US"/>
+          </a:p>
+        </p:txBody>
+      </p:sp>
+      <p:sp>
+        <p:nvSpPr>
+          <p:cNvPr id="32" name="Rectangle 31">
+            <a:extLst>
+              <a:ext uri="{FF2B5EF4-FFF2-40B4-BE49-F238E27FC236}">
+                <a16:creationId xmlns:a16="http://schemas.microsoft.com/office/drawing/2014/main" id="{C34FA5FE-E54B-4C0E-B9F9-55CE13FCC7BE}"/>
+              </a:ext>
+              <a:ext uri="{C183D7F6-B498-43B3-948B-1728B52AA6E4}">
+                <adec:decorative xmlns:adec="http://schemas.microsoft.com/office/drawing/2017/decorative" val="1"/>
+              </a:ext>
+            </a:extLst>
+          </p:cNvPr>
+          <p:cNvSpPr>
+            <a:spLocks noGrp="1" noRot="1" noChangeAspect="1" noMove="1" noResize="1" noEditPoints="1" noAdjustHandles="1" noChangeArrowheads="1" noChangeShapeType="1" noTextEdit="1"/>
+          </p:cNvSpPr>
+          <p:nvPr>
+            <p:extLst>
+              <p:ext uri="{386F3935-93C4-4BCD-93E2-E3B085C9AB24}">
+                <p16:designElem xmlns:p16="http://schemas.microsoft.com/office/powerpoint/2015/main" val="1"/>
+              </p:ext>
+            </p:extLst>
+          </p:nvPr>
+        </p:nvSpPr>
+        <p:spPr>
+          <a:xfrm>
+            <a:off x="16" y="0"/>
+            <a:ext cx="4050791" cy="6858000"/>
           </a:xfrm>
           <a:prstGeom prst="rect">
             <a:avLst/>
@@ -18860,10 +18921,49 @@
       </p:sp>
       <p:sp>
         <p:nvSpPr>
-          <p:cNvPr id="7" name="Rectangle 6">
+          <p:cNvPr id="2" name="Title 1">
             <a:extLst>
               <a:ext uri="{FF2B5EF4-FFF2-40B4-BE49-F238E27FC236}">
-                <a16:creationId xmlns:a16="http://schemas.microsoft.com/office/drawing/2014/main" id="{497D3963-DBF6-4A94-8855-A3F7086A8364}"/>
+                <a16:creationId xmlns:a16="http://schemas.microsoft.com/office/drawing/2014/main" id="{9FF3FA86-DA85-0C61-4E58-81BC7EF993AD}"/>
+              </a:ext>
+            </a:extLst>
+          </p:cNvPr>
+          <p:cNvSpPr>
+            <a:spLocks noGrp="1"/>
+          </p:cNvSpPr>
+          <p:nvPr>
+            <p:ph type="title"/>
+          </p:nvPr>
+        </p:nvSpPr>
+        <p:spPr>
+          <a:xfrm>
+            <a:off x="492370" y="516835"/>
+            <a:ext cx="3084844" cy="5772840"/>
+          </a:xfrm>
+        </p:spPr>
+        <p:txBody>
+          <a:bodyPr vert="horz" lIns="91440" tIns="45720" rIns="91440" bIns="45720" rtlCol="0" anchor="ctr">
+            <a:normAutofit/>
+          </a:bodyPr>
+          <a:lstStyle/>
+          <a:p>
+            <a:r>
+              <a:rPr lang="en-US" sz="3300">
+                <a:solidFill>
+                  <a:srgbClr val="FFFFFF"/>
+                </a:solidFill>
+              </a:rPr>
+              <a:t>Custom implementations vs state-of-the-art (3 epochs), base acc = 61.79%</a:t>
+            </a:r>
+          </a:p>
+        </p:txBody>
+      </p:sp>
+      <p:sp>
+        <p:nvSpPr>
+          <p:cNvPr id="34" name="Rectangle 33">
+            <a:extLst>
+              <a:ext uri="{FF2B5EF4-FFF2-40B4-BE49-F238E27FC236}">
+                <a16:creationId xmlns:a16="http://schemas.microsoft.com/office/drawing/2014/main" id="{F760188E-2A5C-4426-BA57-5B0B23334AED}"/>
               </a:ext>
               <a:ext uri="{C183D7F6-B498-43B3-948B-1728B52AA6E4}">
                 <adec:decorative xmlns:adec="http://schemas.microsoft.com/office/drawing/2017/decorative" val="1"/>
@@ -18883,337 +18983,14 @@
         </p:nvSpPr>
         <p:spPr>
           <a:xfrm>
-            <a:off x="15" y="6334316"/>
-            <a:ext cx="12188825" cy="64008"/>
+            <a:off x="4040071" y="0"/>
+            <a:ext cx="64008" cy="6858000"/>
           </a:xfrm>
           <a:prstGeom prst="rect">
             <a:avLst/>
           </a:prstGeom>
           <a:solidFill>
             <a:schemeClr val="accent1"/>
-          </a:solidFill>
-          <a:ln>
-            <a:noFill/>
-          </a:ln>
-        </p:spPr>
-        <p:style>
-          <a:lnRef idx="2">
-            <a:schemeClr val="accent1">
-              <a:shade val="50000"/>
-            </a:schemeClr>
-          </a:lnRef>
-          <a:fillRef idx="1">
-            <a:schemeClr val="accent1"/>
-          </a:fillRef>
-          <a:effectRef idx="0">
-            <a:schemeClr val="accent1"/>
-          </a:effectRef>
-          <a:fontRef idx="minor">
-            <a:schemeClr val="lt1"/>
-          </a:fontRef>
-        </p:style>
-      </p:sp>
-      <p:cxnSp>
-        <p:nvCxnSpPr>
-          <p:cNvPr id="8" name="Straight Connector 7">
-            <a:extLst>
-              <a:ext uri="{FF2B5EF4-FFF2-40B4-BE49-F238E27FC236}">
-                <a16:creationId xmlns:a16="http://schemas.microsoft.com/office/drawing/2014/main" id="{BCA29A2A-9A2D-43BC-8094-36C9D9365FE2}"/>
-              </a:ext>
-              <a:ext uri="{C183D7F6-B498-43B3-948B-1728B52AA6E4}">
-                <adec:decorative xmlns:adec="http://schemas.microsoft.com/office/drawing/2017/decorative" val="1"/>
-              </a:ext>
-            </a:extLst>
-          </p:cNvPr>
-          <p:cNvCxnSpPr>
-            <a:cxnSpLocks noGrp="1" noRot="1" noChangeAspect="1" noMove="1" noResize="1" noEditPoints="1" noAdjustHandles="1" noChangeArrowheads="1" noChangeShapeType="1"/>
-          </p:cNvCxnSpPr>
-          <p:nvPr>
-            <p:extLst>
-              <p:ext uri="{386F3935-93C4-4BCD-93E2-E3B085C9AB24}">
-                <p16:designElem xmlns:p16="http://schemas.microsoft.com/office/powerpoint/2015/main" val="1"/>
-              </p:ext>
-            </p:extLst>
-          </p:nvPr>
-        </p:nvCxnSpPr>
-        <p:spPr>
-          <a:xfrm>
-            <a:off x="1207658" y="4343400"/>
-            <a:ext cx="9875520" cy="0"/>
-          </a:xfrm>
-          <a:prstGeom prst="line">
-            <a:avLst/>
-          </a:prstGeom>
-          <a:ln w="6350">
-            <a:solidFill>
-              <a:schemeClr val="tx1">
-                <a:lumMod val="50000"/>
-                <a:lumOff val="50000"/>
-              </a:schemeClr>
-            </a:solidFill>
-          </a:ln>
-        </p:spPr>
-        <p:style>
-          <a:lnRef idx="1">
-            <a:schemeClr val="accent1"/>
-          </a:lnRef>
-          <a:fillRef idx="0">
-            <a:schemeClr val="accent1"/>
-          </a:fillRef>
-          <a:effectRef idx="0">
-            <a:schemeClr val="accent1"/>
-          </a:effectRef>
-          <a:fontRef idx="minor">
-            <a:schemeClr val="tx1"/>
-          </a:fontRef>
-        </p:style>
-      </p:cxnSp>
-      <p:sp useBgFill="1">
-        <p:nvSpPr>
-          <p:cNvPr id="10" name="Rectangle 9">
-            <a:extLst>
-              <a:ext uri="{FF2B5EF4-FFF2-40B4-BE49-F238E27FC236}">
-                <a16:creationId xmlns:a16="http://schemas.microsoft.com/office/drawing/2014/main" id="{FE8B4A2C-1DF4-427D-8928-14B50EB02B5B}"/>
-              </a:ext>
-              <a:ext uri="{C183D7F6-B498-43B3-948B-1728B52AA6E4}">
-                <adec:decorative xmlns:adec="http://schemas.microsoft.com/office/drawing/2017/decorative" val="1"/>
-              </a:ext>
-            </a:extLst>
-          </p:cNvPr>
-          <p:cNvSpPr>
-            <a:spLocks noGrp="1" noRot="1" noChangeAspect="1" noMove="1" noResize="1" noEditPoints="1" noAdjustHandles="1" noChangeArrowheads="1" noChangeShapeType="1" noTextEdit="1"/>
-          </p:cNvSpPr>
-          <p:nvPr>
-            <p:extLst>
-              <p:ext uri="{386F3935-93C4-4BCD-93E2-E3B085C9AB24}">
-                <p16:designElem xmlns:p16="http://schemas.microsoft.com/office/powerpoint/2015/main" val="1"/>
-              </p:ext>
-            </p:extLst>
-          </p:nvPr>
-        </p:nvSpPr>
-        <p:spPr>
-          <a:xfrm>
-            <a:off x="0" y="0"/>
-            <a:ext cx="12192001" cy="6334316"/>
-          </a:xfrm>
-          <a:prstGeom prst="rect">
-            <a:avLst/>
-          </a:prstGeom>
-          <a:ln>
-            <a:noFill/>
-          </a:ln>
-        </p:spPr>
-        <p:style>
-          <a:lnRef idx="2">
-            <a:schemeClr val="accent1">
-              <a:shade val="50000"/>
-            </a:schemeClr>
-          </a:lnRef>
-          <a:fillRef idx="1">
-            <a:schemeClr val="accent1"/>
-          </a:fillRef>
-          <a:effectRef idx="0">
-            <a:schemeClr val="accent1"/>
-          </a:effectRef>
-          <a:fontRef idx="minor">
-            <a:schemeClr val="lt1"/>
-          </a:fontRef>
-        </p:style>
-        <p:txBody>
-          <a:bodyPr rtlCol="0" anchor="ctr"/>
-          <a:lstStyle/>
-          <a:p>
-            <a:pPr algn="ctr"/>
-            <a:endParaRPr lang="en-US"/>
-          </a:p>
-        </p:txBody>
-      </p:sp>
-      <p:sp>
-        <p:nvSpPr>
-          <p:cNvPr id="2" name="Title 1">
-            <a:extLst>
-              <a:ext uri="{FF2B5EF4-FFF2-40B4-BE49-F238E27FC236}">
-                <a16:creationId xmlns:a16="http://schemas.microsoft.com/office/drawing/2014/main" id="{9FF3FA86-DA85-0C61-4E58-81BC7EF993AD}"/>
-              </a:ext>
-            </a:extLst>
-          </p:cNvPr>
-          <p:cNvSpPr>
-            <a:spLocks noGrp="1"/>
-          </p:cNvSpPr>
-          <p:nvPr>
-            <p:ph type="title"/>
-          </p:nvPr>
-        </p:nvSpPr>
-        <p:spPr>
-          <a:xfrm>
-            <a:off x="633999" y="4550229"/>
-            <a:ext cx="10909073" cy="1057655"/>
-          </a:xfrm>
-        </p:spPr>
-        <p:txBody>
-          <a:bodyPr vert="horz" lIns="91440" tIns="45720" rIns="91440" bIns="45720" rtlCol="0" anchor="b">
-            <a:normAutofit/>
-          </a:bodyPr>
-          <a:lstStyle/>
-          <a:p>
-            <a:r>
-              <a:rPr lang="en-US" sz="3300">
-                <a:solidFill>
-                  <a:schemeClr val="tx1">
-                    <a:lumMod val="85000"/>
-                    <a:lumOff val="15000"/>
-                  </a:schemeClr>
-                </a:solidFill>
-              </a:rPr>
-              <a:t>Custom implementations vs state-of-the-art (3 epochs), base acc = 61.79%</a:t>
-            </a:r>
-          </a:p>
-        </p:txBody>
-      </p:sp>
-      <p:cxnSp>
-        <p:nvCxnSpPr>
-          <p:cNvPr id="12" name="Straight Connector 11">
-            <a:extLst>
-              <a:ext uri="{FF2B5EF4-FFF2-40B4-BE49-F238E27FC236}">
-                <a16:creationId xmlns:a16="http://schemas.microsoft.com/office/drawing/2014/main" id="{1FD49643-9DE3-4B1D-B8B2-622A7D2C60A8}"/>
-              </a:ext>
-              <a:ext uri="{C183D7F6-B498-43B3-948B-1728B52AA6E4}">
-                <adec:decorative xmlns:adec="http://schemas.microsoft.com/office/drawing/2017/decorative" val="1"/>
-              </a:ext>
-            </a:extLst>
-          </p:cNvPr>
-          <p:cNvCxnSpPr>
-            <a:cxnSpLocks noGrp="1" noRot="1" noChangeAspect="1" noMove="1" noResize="1" noEditPoints="1" noAdjustHandles="1" noChangeArrowheads="1" noChangeShapeType="1"/>
-          </p:cNvCxnSpPr>
-          <p:nvPr>
-            <p:extLst>
-              <p:ext uri="{386F3935-93C4-4BCD-93E2-E3B085C9AB24}">
-                <p16:designElem xmlns:p16="http://schemas.microsoft.com/office/powerpoint/2015/main" val="1"/>
-              </p:ext>
-            </p:extLst>
-          </p:nvPr>
-        </p:nvCxnSpPr>
-        <p:spPr>
-          <a:xfrm>
-            <a:off x="721086" y="5618770"/>
-            <a:ext cx="10515600" cy="0"/>
-          </a:xfrm>
-          <a:prstGeom prst="line">
-            <a:avLst/>
-          </a:prstGeom>
-          <a:ln w="6350">
-            <a:solidFill>
-              <a:schemeClr val="tx2">
-                <a:alpha val="90000"/>
-              </a:schemeClr>
-            </a:solidFill>
-          </a:ln>
-        </p:spPr>
-        <p:style>
-          <a:lnRef idx="1">
-            <a:schemeClr val="accent1"/>
-          </a:lnRef>
-          <a:fillRef idx="0">
-            <a:schemeClr val="accent1"/>
-          </a:fillRef>
-          <a:effectRef idx="0">
-            <a:schemeClr val="accent1"/>
-          </a:effectRef>
-          <a:fontRef idx="minor">
-            <a:schemeClr val="tx1"/>
-          </a:fontRef>
-        </p:style>
-      </p:cxnSp>
-      <p:sp>
-        <p:nvSpPr>
-          <p:cNvPr id="14" name="Rectangle 13">
-            <a:extLst>
-              <a:ext uri="{FF2B5EF4-FFF2-40B4-BE49-F238E27FC236}">
-                <a16:creationId xmlns:a16="http://schemas.microsoft.com/office/drawing/2014/main" id="{A068873E-E0BC-42BE-B27E-3FCF89A44C21}"/>
-              </a:ext>
-              <a:ext uri="{C183D7F6-B498-43B3-948B-1728B52AA6E4}">
-                <adec:decorative xmlns:adec="http://schemas.microsoft.com/office/drawing/2017/decorative" val="1"/>
-              </a:ext>
-            </a:extLst>
-          </p:cNvPr>
-          <p:cNvSpPr>
-            <a:spLocks noGrp="1" noRot="1" noChangeAspect="1" noMove="1" noResize="1" noEditPoints="1" noAdjustHandles="1" noChangeArrowheads="1" noChangeShapeType="1" noTextEdit="1"/>
-          </p:cNvSpPr>
-          <p:nvPr>
-            <p:extLst>
-              <p:ext uri="{386F3935-93C4-4BCD-93E2-E3B085C9AB24}">
-                <p16:designElem xmlns:p16="http://schemas.microsoft.com/office/powerpoint/2015/main" val="1"/>
-              </p:ext>
-            </p:extLst>
-          </p:nvPr>
-        </p:nvSpPr>
-        <p:spPr>
-          <a:xfrm>
-            <a:off x="15" y="6334316"/>
-            <a:ext cx="12191985" cy="66484"/>
-          </a:xfrm>
-          <a:prstGeom prst="rect">
-            <a:avLst/>
-          </a:prstGeom>
-          <a:solidFill>
-            <a:schemeClr val="accent1"/>
-          </a:solidFill>
-          <a:ln>
-            <a:noFill/>
-          </a:ln>
-        </p:spPr>
-        <p:style>
-          <a:lnRef idx="2">
-            <a:schemeClr val="accent1">
-              <a:shade val="50000"/>
-            </a:schemeClr>
-          </a:lnRef>
-          <a:fillRef idx="1">
-            <a:schemeClr val="accent1"/>
-          </a:fillRef>
-          <a:effectRef idx="0">
-            <a:schemeClr val="accent1"/>
-          </a:effectRef>
-          <a:fontRef idx="minor">
-            <a:schemeClr val="lt1"/>
-          </a:fontRef>
-        </p:style>
-      </p:sp>
-      <p:sp>
-        <p:nvSpPr>
-          <p:cNvPr id="16" name="Rectangle 15">
-            <a:extLst>
-              <a:ext uri="{FF2B5EF4-FFF2-40B4-BE49-F238E27FC236}">
-                <a16:creationId xmlns:a16="http://schemas.microsoft.com/office/drawing/2014/main" id="{82D5DC2E-FCC1-4CC9-BC42-C54E53292C63}"/>
-              </a:ext>
-              <a:ext uri="{C183D7F6-B498-43B3-948B-1728B52AA6E4}">
-                <adec:decorative xmlns:adec="http://schemas.microsoft.com/office/drawing/2017/decorative" val="1"/>
-              </a:ext>
-            </a:extLst>
-          </p:cNvPr>
-          <p:cNvSpPr>
-            <a:spLocks noGrp="1" noRot="1" noChangeAspect="1" noMove="1" noResize="1" noEditPoints="1" noAdjustHandles="1" noChangeArrowheads="1" noChangeShapeType="1" noTextEdit="1"/>
-          </p:cNvSpPr>
-          <p:nvPr>
-            <p:extLst>
-              <p:ext uri="{386F3935-93C4-4BCD-93E2-E3B085C9AB24}">
-                <p16:designElem xmlns:p16="http://schemas.microsoft.com/office/powerpoint/2015/main" val="1"/>
-              </p:ext>
-            </p:extLst>
-          </p:nvPr>
-        </p:nvSpPr>
-        <p:spPr>
-          <a:xfrm>
-            <a:off x="1" y="6400800"/>
-            <a:ext cx="12192000" cy="457200"/>
-          </a:xfrm>
-          <a:prstGeom prst="rect">
-            <a:avLst/>
-          </a:prstGeom>
-          <a:solidFill>
-            <a:schemeClr val="accent1">
-              <a:lumMod val="50000"/>
-            </a:schemeClr>
           </a:solidFill>
           <a:ln>
             <a:noFill/>
@@ -19252,14 +19029,14 @@
             <p:ph idx="1"/>
             <p:extLst>
               <p:ext uri="{D42A27DB-BD31-4B8C-83A1-F6EECF244321}">
-                <p14:modId xmlns:p14="http://schemas.microsoft.com/office/powerpoint/2010/main" val="184133560"/>
+                <p14:modId xmlns:p14="http://schemas.microsoft.com/office/powerpoint/2010/main" val="53518996"/>
               </p:ext>
             </p:extLst>
           </p:nvPr>
         </p:nvGraphicFramePr>
         <p:xfrm>
-          <a:off x="635457" y="851318"/>
-          <a:ext cx="10916463" cy="3203009"/>
+          <a:off x="4741863" y="1362421"/>
+          <a:ext cx="6797676" cy="4204599"/>
         </p:xfrm>
         <a:graphic>
           <a:graphicData uri="http://schemas.openxmlformats.org/drawingml/2006/table">
@@ -19269,28 +19046,28 @@
                 <a:tableStyleId>{5C22544A-7EE6-4342-B048-85BDC9FD1C3A}</a:tableStyleId>
               </a:tblPr>
               <a:tblGrid>
-                <a:gridCol w="2775138">
+                <a:gridCol w="1765422">
                   <a:extLst>
                     <a:ext uri="{9D8B030D-6E8A-4147-A177-3AD203B41FA5}">
                       <a16:colId xmlns:a16="http://schemas.microsoft.com/office/drawing/2014/main" val="1741814361"/>
                     </a:ext>
                   </a:extLst>
                 </a:gridCol>
-                <a:gridCol w="3676489">
+                <a:gridCol w="2047858">
                   <a:extLst>
                     <a:ext uri="{9D8B030D-6E8A-4147-A177-3AD203B41FA5}">
                       <a16:colId xmlns:a16="http://schemas.microsoft.com/office/drawing/2014/main" val="1209030653"/>
                     </a:ext>
                   </a:extLst>
                 </a:gridCol>
-                <a:gridCol w="2384653">
+                <a:gridCol w="1607832">
                   <a:extLst>
                     <a:ext uri="{9D8B030D-6E8A-4147-A177-3AD203B41FA5}">
                       <a16:colId xmlns:a16="http://schemas.microsoft.com/office/drawing/2014/main" val="331525930"/>
                     </a:ext>
                   </a:extLst>
                 </a:gridCol>
-                <a:gridCol w="2080183">
+                <a:gridCol w="1376564">
                   <a:extLst>
                     <a:ext uri="{9D8B030D-6E8A-4147-A177-3AD203B41FA5}">
                       <a16:colId xmlns:a16="http://schemas.microsoft.com/office/drawing/2014/main" val="3643308368"/>
@@ -19298,7 +19075,7 @@
                   </a:extLst>
                 </a:gridCol>
               </a:tblGrid>
-              <a:tr h="661955">
+              <a:tr h="715175">
                 <a:tc>
                   <a:txBody>
                     <a:bodyPr/>
@@ -19308,38 +19085,41 @@
                         <a:buNone/>
                       </a:pPr>
                       <a:r>
-                        <a:rPr lang="en-US" sz="2500" b="0" cap="none" spc="0">
+                        <a:rPr lang="en-US" sz="2100" b="1" cap="none" spc="0">
                           <a:solidFill>
-                            <a:schemeClr val="tx1"/>
+                            <a:srgbClr val="FFFFFF"/>
                           </a:solidFill>
                         </a:rPr>
                         <a:t>Attacks</a:t>
                       </a:r>
                     </a:p>
                   </a:txBody>
-                  <a:tcPr marL="160150" marR="160150" marT="112105" marB="112105" anchor="ctr">
-                    <a:lnL w="0" cap="flat" cmpd="sng" algn="ctr">
+                  <a:tcPr marL="294715" marR="176829" marT="176829" marB="176829" anchor="ctr">
+                    <a:lnL w="38100" cap="flat" cmpd="sng" algn="ctr">
                       <a:noFill/>
                       <a:prstDash val="solid"/>
-                      <a:round/>
-                      <a:headEnd type="none" w="med" len="med"/>
-                      <a:tailEnd type="none" w="med" len="med"/>
                     </a:lnL>
-                    <a:lnR w="0" cmpd="sng">
-                      <a:noFill/>
+                    <a:lnR w="38100" cap="flat" cmpd="sng" algn="ctr">
+                      <a:solidFill>
+                        <a:srgbClr val="FFFFFF"/>
+                      </a:solidFill>
+                      <a:prstDash val="solid"/>
                     </a:lnR>
-                    <a:lnT w="0" cap="flat" cmpd="sng" algn="ctr">
+                    <a:lnT w="38100" cap="flat" cmpd="sng" algn="ctr">
                       <a:noFill/>
                       <a:prstDash val="solid"/>
                     </a:lnT>
-                    <a:lnB w="0" cap="flat" cmpd="sng" algn="ctr">
-                      <a:noFill/>
+                    <a:lnB w="38100" cap="flat" cmpd="sng" algn="ctr">
+                      <a:solidFill>
+                        <a:srgbClr val="FFFFFF"/>
+                      </a:solidFill>
                       <a:prstDash val="solid"/>
-                      <a:round/>
-                      <a:headEnd type="none" w="med" len="med"/>
-                      <a:tailEnd type="none" w="med" len="med"/>
                     </a:lnB>
-                    <a:noFill/>
+                    <a:solidFill>
+                      <a:srgbClr val="636B68">
+                        <a:alpha val="69804"/>
+                      </a:srgbClr>
+                    </a:solidFill>
                   </a:tcPr>
                 </a:tc>
                 <a:tc>
@@ -19349,30 +19129,43 @@
                     <a:p>
                       <a:pPr algn="ctr"/>
                       <a:r>
-                        <a:rPr lang="en-US" sz="2500" b="0" cap="none" spc="0">
+                        <a:rPr lang="en-US" sz="2100" b="1" cap="none" spc="0">
                           <a:solidFill>
-                            <a:schemeClr val="tx1"/>
+                            <a:srgbClr val="FFFFFF"/>
                           </a:solidFill>
                         </a:rPr>
                         <a:t>Statistics</a:t>
                       </a:r>
                     </a:p>
                   </a:txBody>
-                  <a:tcPr marL="160150" marR="160150" marT="112105" marB="112105" anchor="ctr">
-                    <a:lnL w="0" cmpd="sng">
-                      <a:noFill/>
+                  <a:tcPr marL="294715" marR="176829" marT="176829" marB="176829" anchor="ctr">
+                    <a:lnL w="38100" cap="flat" cmpd="sng" algn="ctr">
+                      <a:solidFill>
+                        <a:srgbClr val="FFFFFF"/>
+                      </a:solidFill>
+                      <a:prstDash val="solid"/>
                     </a:lnL>
-                    <a:lnR w="0" cmpd="sng">
-                      <a:noFill/>
+                    <a:lnR w="38100" cap="flat" cmpd="sng" algn="ctr">
+                      <a:solidFill>
+                        <a:srgbClr val="FFFFFF"/>
+                      </a:solidFill>
+                      <a:prstDash val="solid"/>
                     </a:lnR>
-                    <a:lnT w="0" cap="flat" cmpd="sng" algn="ctr">
+                    <a:lnT w="38100" cap="flat" cmpd="sng" algn="ctr">
                       <a:noFill/>
                       <a:prstDash val="solid"/>
                     </a:lnT>
-                    <a:lnB w="0" cmpd="sng">
-                      <a:noFill/>
+                    <a:lnB w="38100" cap="flat" cmpd="sng" algn="ctr">
+                      <a:solidFill>
+                        <a:srgbClr val="FFFFFF"/>
+                      </a:solidFill>
+                      <a:prstDash val="solid"/>
                     </a:lnB>
-                    <a:noFill/>
+                    <a:solidFill>
+                      <a:srgbClr val="636B68">
+                        <a:alpha val="69804"/>
+                      </a:srgbClr>
+                    </a:solidFill>
                   </a:tcPr>
                 </a:tc>
                 <a:tc>
@@ -19382,30 +19175,43 @@
                     <a:p>
                       <a:pPr algn="ctr"/>
                       <a:r>
-                        <a:rPr lang="en-US" sz="2500" b="0" cap="none" spc="0">
+                        <a:rPr lang="en-US" sz="2100" b="1" cap="none" spc="0">
                           <a:solidFill>
-                            <a:schemeClr val="tx1"/>
+                            <a:srgbClr val="FFFFFF"/>
                           </a:solidFill>
                         </a:rPr>
                         <a:t>Custom</a:t>
                       </a:r>
                     </a:p>
                   </a:txBody>
-                  <a:tcPr marL="160150" marR="160150" marT="112105" marB="112105" anchor="ctr">
-                    <a:lnL w="0" cmpd="sng">
-                      <a:noFill/>
+                  <a:tcPr marL="294715" marR="176829" marT="176829" marB="176829" anchor="ctr">
+                    <a:lnL w="38100" cap="flat" cmpd="sng" algn="ctr">
+                      <a:solidFill>
+                        <a:srgbClr val="FFFFFF"/>
+                      </a:solidFill>
+                      <a:prstDash val="solid"/>
                     </a:lnL>
-                    <a:lnR w="0" cmpd="sng">
-                      <a:noFill/>
+                    <a:lnR w="38100" cap="flat" cmpd="sng" algn="ctr">
+                      <a:solidFill>
+                        <a:srgbClr val="FFFFFF"/>
+                      </a:solidFill>
+                      <a:prstDash val="solid"/>
                     </a:lnR>
-                    <a:lnT w="0" cap="flat" cmpd="sng" algn="ctr">
+                    <a:lnT w="38100" cap="flat" cmpd="sng" algn="ctr">
                       <a:noFill/>
                       <a:prstDash val="solid"/>
                     </a:lnT>
-                    <a:lnB w="0" cmpd="sng">
-                      <a:noFill/>
+                    <a:lnB w="38100" cap="flat" cmpd="sng" algn="ctr">
+                      <a:solidFill>
+                        <a:srgbClr val="FFFFFF"/>
+                      </a:solidFill>
+                      <a:prstDash val="solid"/>
                     </a:lnB>
-                    <a:noFill/>
+                    <a:solidFill>
+                      <a:srgbClr val="636B68">
+                        <a:alpha val="69804"/>
+                      </a:srgbClr>
+                    </a:solidFill>
                   </a:tcPr>
                 </a:tc>
                 <a:tc>
@@ -19415,30 +19221,41 @@
                     <a:p>
                       <a:pPr algn="ctr"/>
                       <a:r>
-                        <a:rPr lang="en-US" sz="2500" b="0" cap="none" spc="0" err="1">
+                        <a:rPr lang="en-US" sz="2100" b="1" cap="none" spc="0" err="1">
                           <a:solidFill>
-                            <a:schemeClr val="tx1"/>
+                            <a:srgbClr val="FFFFFF"/>
                           </a:solidFill>
                         </a:rPr>
                         <a:t>SotA</a:t>
                       </a:r>
                     </a:p>
                   </a:txBody>
-                  <a:tcPr marL="160150" marR="160150" marT="112105" marB="112105" anchor="ctr">
-                    <a:lnL w="0" cmpd="sng">
+                  <a:tcPr marL="294715" marR="176829" marT="176829" marB="176829" anchor="ctr">
+                    <a:lnL w="38100" cap="flat" cmpd="sng" algn="ctr">
+                      <a:solidFill>
+                        <a:srgbClr val="FFFFFF"/>
+                      </a:solidFill>
+                      <a:prstDash val="solid"/>
+                    </a:lnL>
+                    <a:lnR w="38100" cap="flat" cmpd="sng" algn="ctr">
                       <a:noFill/>
-                    </a:lnL>
-                    <a:lnR w="0" cmpd="sng">
-                      <a:noFill/>
+                      <a:prstDash val="solid"/>
                     </a:lnR>
-                    <a:lnT w="0" cap="flat" cmpd="sng" algn="ctr">
+                    <a:lnT w="38100" cap="flat" cmpd="sng" algn="ctr">
                       <a:noFill/>
                       <a:prstDash val="solid"/>
                     </a:lnT>
-                    <a:lnB w="0" cmpd="sng">
-                      <a:noFill/>
+                    <a:lnB w="38100" cap="flat" cmpd="sng" algn="ctr">
+                      <a:solidFill>
+                        <a:srgbClr val="FFFFFF"/>
+                      </a:solidFill>
+                      <a:prstDash val="solid"/>
                     </a:lnB>
-                    <a:noFill/>
+                    <a:solidFill>
+                      <a:srgbClr val="636B68">
+                        <a:alpha val="69804"/>
+                      </a:srgbClr>
+                    </a:solidFill>
                   </a:tcPr>
                 </a:tc>
                 <a:extLst>
@@ -19447,7 +19264,7 @@
                   </a:ext>
                 </a:extLst>
               </a:tr>
-              <a:tr h="661955">
+              <a:tr h="715175">
                 <a:tc rowSpan="2">
                   <a:txBody>
                     <a:bodyPr/>
@@ -19457,42 +19274,44 @@
                         <a:buNone/>
                       </a:pPr>
                       <a:r>
-                        <a:rPr lang="en-US" sz="2500" cap="none" spc="0">
+                        <a:rPr lang="en-US" sz="2100" cap="none" spc="0">
                           <a:solidFill>
-                            <a:schemeClr val="tx1"/>
+                            <a:schemeClr val="tx1">
+                              <a:lumMod val="85000"/>
+                              <a:lumOff val="15000"/>
+                            </a:schemeClr>
                           </a:solidFill>
                         </a:rPr>
                         <a:t>PGD</a:t>
                       </a:r>
                     </a:p>
                   </a:txBody>
-                  <a:tcPr marL="160150" marR="160150" marT="112105" marB="112105" anchor="ctr">
-                    <a:lnL w="0" cap="flat" cmpd="sng" algn="ctr">
+                  <a:tcPr marL="294715" marR="176829" marT="176829" marB="176829" anchor="ctr">
+                    <a:lnL w="38100" cap="flat" cmpd="sng" algn="ctr">
                       <a:noFill/>
                       <a:prstDash val="solid"/>
-                      <a:round/>
-                      <a:headEnd type="none" w="med" len="med"/>
-                      <a:tailEnd type="none" w="med" len="med"/>
                     </a:lnL>
-                    <a:lnR w="0" cmpd="sng">
+                    <a:lnR w="38100" cap="flat" cmpd="sng" algn="ctr">
+                      <a:solidFill>
+                        <a:srgbClr val="FFFFFF"/>
+                      </a:solidFill>
+                      <a:prstDash val="solid"/>
+                    </a:lnR>
+                    <a:lnT w="38100" cap="flat" cmpd="sng" algn="ctr">
+                      <a:solidFill>
+                        <a:srgbClr val="FFFFFF"/>
+                      </a:solidFill>
+                      <a:prstDash val="solid"/>
+                    </a:lnT>
+                    <a:lnB w="38100" cap="flat" cmpd="sng" algn="ctr">
                       <a:noFill/>
                       <a:prstDash val="solid"/>
-                    </a:lnR>
-                    <a:lnT w="0" cap="flat" cmpd="sng" algn="ctr">
-                      <a:noFill/>
-                      <a:prstDash val="solid"/>
-                      <a:round/>
-                      <a:headEnd type="none" w="med" len="med"/>
-                      <a:tailEnd type="none" w="med" len="med"/>
-                    </a:lnT>
-                    <a:lnB w="0" cap="flat" cmpd="sng" algn="ctr">
-                      <a:noFill/>
-                      <a:prstDash val="solid"/>
-                      <a:round/>
-                      <a:headEnd type="none" w="med" len="med"/>
-                      <a:tailEnd type="none" w="med" len="med"/>
                     </a:lnB>
-                    <a:noFill/>
+                    <a:solidFill>
+                      <a:srgbClr val="878E8B">
+                        <a:alpha val="14902"/>
+                      </a:srgbClr>
+                    </a:solidFill>
                   </a:tcPr>
                 </a:tc>
                 <a:tc>
@@ -19504,32 +19323,48 @@
                         <a:buNone/>
                       </a:pPr>
                       <a:r>
-                        <a:rPr lang="en-US" sz="2500" cap="none" spc="0">
+                        <a:rPr lang="en-US" sz="2100" cap="none" spc="0">
                           <a:solidFill>
-                            <a:schemeClr val="tx1"/>
+                            <a:schemeClr val="tx1">
+                              <a:lumMod val="85000"/>
+                              <a:lumOff val="15000"/>
+                            </a:schemeClr>
                           </a:solidFill>
                         </a:rPr>
                         <a:t>Accuracy</a:t>
                       </a:r>
                     </a:p>
                   </a:txBody>
-                  <a:tcPr marL="160150" marR="160150" marT="112105" marB="112105" anchor="ctr">
-                    <a:lnL w="0" cmpd="sng">
-                      <a:noFill/>
+                  <a:tcPr marL="294715" marR="176829" marT="176829" marB="176829" anchor="ctr">
+                    <a:lnL w="38100" cap="flat" cmpd="sng" algn="ctr">
+                      <a:solidFill>
+                        <a:srgbClr val="FFFFFF"/>
+                      </a:solidFill>
                       <a:prstDash val="solid"/>
                     </a:lnL>
-                    <a:lnR w="0" cmpd="sng">
-                      <a:noFill/>
+                    <a:lnR w="38100" cap="flat" cmpd="sng" algn="ctr">
+                      <a:solidFill>
+                        <a:srgbClr val="FFFFFF"/>
+                      </a:solidFill>
                       <a:prstDash val="solid"/>
                     </a:lnR>
-                    <a:lnT w="0" cmpd="sng">
-                      <a:noFill/>
+                    <a:lnT w="38100" cap="flat" cmpd="sng" algn="ctr">
+                      <a:solidFill>
+                        <a:srgbClr val="FFFFFF"/>
+                      </a:solidFill>
+                      <a:prstDash val="solid"/>
                     </a:lnT>
-                    <a:lnB w="0" cap="flat" cmpd="sng" algn="ctr">
-                      <a:noFill/>
+                    <a:lnB w="38100" cap="flat" cmpd="sng" algn="ctr">
+                      <a:solidFill>
+                        <a:srgbClr val="FFFFFF"/>
+                      </a:solidFill>
                       <a:prstDash val="solid"/>
                     </a:lnB>
-                    <a:noFill/>
+                    <a:solidFill>
+                      <a:srgbClr val="878E8B">
+                        <a:alpha val="14902"/>
+                      </a:srgbClr>
+                    </a:solidFill>
                   </a:tcPr>
                 </a:tc>
                 <a:tc>
@@ -19541,9 +19376,12 @@
                         <a:buNone/>
                       </a:pPr>
                       <a:r>
-                        <a:rPr lang="en-US" sz="2500" kern="1200" cap="none" spc="0">
+                        <a:rPr lang="en-US" sz="2100" kern="1200" cap="none" spc="0">
                           <a:solidFill>
-                            <a:schemeClr val="tx1"/>
+                            <a:schemeClr val="tx1">
+                              <a:lumMod val="85000"/>
+                              <a:lumOff val="15000"/>
+                            </a:schemeClr>
                           </a:solidFill>
                           <a:latin typeface="+mn-lt"/>
                           <a:ea typeface="+mn-ea"/>
@@ -19553,23 +19391,36 @@
                       </a:r>
                     </a:p>
                   </a:txBody>
-                  <a:tcPr marL="160150" marR="160150" marT="112105" marB="112105" anchor="ctr">
-                    <a:lnL w="0" cmpd="sng">
-                      <a:noFill/>
+                  <a:tcPr marL="294715" marR="176829" marT="176829" marB="176829" anchor="ctr">
+                    <a:lnL w="38100" cap="flat" cmpd="sng" algn="ctr">
+                      <a:solidFill>
+                        <a:srgbClr val="FFFFFF"/>
+                      </a:solidFill>
                       <a:prstDash val="solid"/>
                     </a:lnL>
-                    <a:lnR w="0" cmpd="sng">
-                      <a:noFill/>
+                    <a:lnR w="38100" cap="flat" cmpd="sng" algn="ctr">
+                      <a:solidFill>
+                        <a:srgbClr val="FFFFFF"/>
+                      </a:solidFill>
                       <a:prstDash val="solid"/>
                     </a:lnR>
-                    <a:lnT w="0" cmpd="sng">
-                      <a:noFill/>
+                    <a:lnT w="38100" cap="flat" cmpd="sng" algn="ctr">
+                      <a:solidFill>
+                        <a:srgbClr val="FFFFFF"/>
+                      </a:solidFill>
+                      <a:prstDash val="solid"/>
                     </a:lnT>
-                    <a:lnB w="0" cap="flat" cmpd="sng" algn="ctr">
-                      <a:noFill/>
+                    <a:lnB w="38100" cap="flat" cmpd="sng" algn="ctr">
+                      <a:solidFill>
+                        <a:srgbClr val="FFFFFF"/>
+                      </a:solidFill>
                       <a:prstDash val="solid"/>
                     </a:lnB>
-                    <a:noFill/>
+                    <a:solidFill>
+                      <a:srgbClr val="878E8B">
+                        <a:alpha val="14902"/>
+                      </a:srgbClr>
+                    </a:solidFill>
                   </a:tcPr>
                 </a:tc>
                 <a:tc>
@@ -19581,9 +19432,12 @@
                         <a:buNone/>
                       </a:pPr>
                       <a:r>
-                        <a:rPr lang="en-US" sz="2500" kern="1200" cap="none" spc="0">
+                        <a:rPr lang="en-US" sz="2100" kern="1200" cap="none" spc="0">
                           <a:solidFill>
-                            <a:schemeClr val="tx1"/>
+                            <a:schemeClr val="tx1">
+                              <a:lumMod val="85000"/>
+                              <a:lumOff val="15000"/>
+                            </a:schemeClr>
                           </a:solidFill>
                           <a:latin typeface="+mn-lt"/>
                           <a:ea typeface="+mn-ea"/>
@@ -19593,23 +19447,34 @@
                       </a:r>
                     </a:p>
                   </a:txBody>
-                  <a:tcPr marL="160150" marR="160150" marT="112105" marB="112105" anchor="ctr">
-                    <a:lnL w="0" cmpd="sng">
-                      <a:noFill/>
+                  <a:tcPr marL="294715" marR="176829" marT="176829" marB="176829" anchor="ctr">
+                    <a:lnL w="38100" cap="flat" cmpd="sng" algn="ctr">
+                      <a:solidFill>
+                        <a:srgbClr val="FFFFFF"/>
+                      </a:solidFill>
                       <a:prstDash val="solid"/>
                     </a:lnL>
-                    <a:lnR w="0" cap="flat" cmpd="sng" algn="ctr">
+                    <a:lnR w="38100" cap="flat" cmpd="sng" algn="ctr">
                       <a:noFill/>
                       <a:prstDash val="solid"/>
                     </a:lnR>
-                    <a:lnT w="0" cmpd="sng">
-                      <a:noFill/>
+                    <a:lnT w="38100" cap="flat" cmpd="sng" algn="ctr">
+                      <a:solidFill>
+                        <a:srgbClr val="FFFFFF"/>
+                      </a:solidFill>
+                      <a:prstDash val="solid"/>
                     </a:lnT>
-                    <a:lnB w="0" cap="flat" cmpd="sng" algn="ctr">
-                      <a:noFill/>
+                    <a:lnB w="38100" cap="flat" cmpd="sng" algn="ctr">
+                      <a:solidFill>
+                        <a:srgbClr val="FFFFFF"/>
+                      </a:solidFill>
                       <a:prstDash val="solid"/>
                     </a:lnB>
-                    <a:noFill/>
+                    <a:solidFill>
+                      <a:srgbClr val="878E8B">
+                        <a:alpha val="14902"/>
+                      </a:srgbClr>
+                    </a:solidFill>
                   </a:tcPr>
                 </a:tc>
                 <a:extLst>
@@ -19618,7 +19483,7 @@
                   </a:ext>
                 </a:extLst>
               </a:tr>
-              <a:tr h="608572">
+              <a:tr h="1029537">
                 <a:tc vMerge="1">
                   <a:txBody>
                     <a:bodyPr/>
@@ -19640,7 +19505,10 @@
                       <a:r>
                         <a:rPr lang="en-US" sz="2100" b="0" i="0" u="none" strike="noStrike" cap="none" spc="0" noProof="0">
                           <a:solidFill>
-                            <a:schemeClr val="tx1"/>
+                            <a:schemeClr val="tx1">
+                              <a:lumMod val="85000"/>
+                              <a:lumOff val="15000"/>
+                            </a:schemeClr>
                           </a:solidFill>
                           <a:latin typeface="Calibri"/>
                         </a:rPr>
@@ -19648,30 +19516,41 @@
                       </a:r>
                       <a:endParaRPr lang="en-US" sz="2100" cap="none" spc="0">
                         <a:solidFill>
-                          <a:schemeClr val="tx1"/>
+                          <a:schemeClr val="tx1">
+                            <a:lumMod val="85000"/>
+                            <a:lumOff val="15000"/>
+                          </a:schemeClr>
                         </a:solidFill>
                       </a:endParaRPr>
                     </a:p>
                   </a:txBody>
-                  <a:tcPr marL="160150" marR="160150" marT="112105" marB="112105" anchor="ctr">
-                    <a:lnL w="0" cmpd="sng">
+                  <a:tcPr marL="294715" marR="176829" marT="176829" marB="176829" anchor="ctr">
+                    <a:lnL w="38100" cap="flat" cmpd="sng" algn="ctr">
                       <a:noFill/>
                       <a:prstDash val="solid"/>
                     </a:lnL>
-                    <a:lnR w="0" cmpd="sng">
-                      <a:noFill/>
+                    <a:lnR w="38100" cap="flat" cmpd="sng" algn="ctr">
+                      <a:solidFill>
+                        <a:srgbClr val="FFFFFF"/>
+                      </a:solidFill>
                       <a:prstDash val="solid"/>
                     </a:lnR>
-                    <a:lnT w="0" cap="flat" cmpd="sng" algn="ctr">
-                      <a:noFill/>
+                    <a:lnT w="38100" cap="flat" cmpd="sng" algn="ctr">
+                      <a:solidFill>
+                        <a:srgbClr val="FFFFFF"/>
+                      </a:solidFill>
                       <a:prstDash val="solid"/>
                     </a:lnT>
-                    <a:lnB w="0" cmpd="sng">
-                      <a:noFill/>
+                    <a:lnB w="38100" cap="flat" cmpd="sng" algn="ctr">
+                      <a:solidFill>
+                        <a:srgbClr val="FFFFFF"/>
+                      </a:solidFill>
                       <a:prstDash val="solid"/>
                     </a:lnB>
                     <a:solidFill>
-                      <a:schemeClr val="tx1"/>
+                      <a:srgbClr val="878E8B">
+                        <a:alpha val="30196"/>
+                      </a:srgbClr>
                     </a:solidFill>
                   </a:tcPr>
                 </a:tc>
@@ -19684,9 +19563,12 @@
                         <a:buNone/>
                       </a:pPr>
                       <a:r>
-                        <a:rPr lang="en-US" sz="2500" kern="1200" cap="none" spc="0">
+                        <a:rPr lang="en-US" sz="2100" kern="1200" cap="none" spc="0">
                           <a:solidFill>
-                            <a:schemeClr val="tx1"/>
+                            <a:schemeClr val="tx1">
+                              <a:lumMod val="85000"/>
+                              <a:lumOff val="15000"/>
+                            </a:schemeClr>
                           </a:solidFill>
                           <a:latin typeface="+mn-lt"/>
                           <a:ea typeface="+mn-ea"/>
@@ -19696,25 +19578,35 @@
                       </a:r>
                     </a:p>
                   </a:txBody>
-                  <a:tcPr marL="160150" marR="160150" marT="112105" marB="112105" anchor="ctr">
-                    <a:lnL w="0" cmpd="sng">
-                      <a:noFill/>
+                  <a:tcPr marL="294715" marR="176829" marT="176829" marB="176829" anchor="ctr">
+                    <a:lnL w="38100" cap="flat" cmpd="sng" algn="ctr">
+                      <a:solidFill>
+                        <a:srgbClr val="FFFFFF"/>
+                      </a:solidFill>
                       <a:prstDash val="solid"/>
                     </a:lnL>
-                    <a:lnR w="0" cmpd="sng">
-                      <a:noFill/>
+                    <a:lnR w="38100" cap="flat" cmpd="sng" algn="ctr">
+                      <a:solidFill>
+                        <a:srgbClr val="FFFFFF"/>
+                      </a:solidFill>
                       <a:prstDash val="solid"/>
                     </a:lnR>
-                    <a:lnT w="0" cap="flat" cmpd="sng" algn="ctr">
-                      <a:noFill/>
+                    <a:lnT w="38100" cap="flat" cmpd="sng" algn="ctr">
+                      <a:solidFill>
+                        <a:srgbClr val="FFFFFF"/>
+                      </a:solidFill>
                       <a:prstDash val="solid"/>
                     </a:lnT>
-                    <a:lnB w="0" cmpd="sng">
-                      <a:noFill/>
+                    <a:lnB w="38100" cap="flat" cmpd="sng" algn="ctr">
+                      <a:solidFill>
+                        <a:srgbClr val="FFFFFF"/>
+                      </a:solidFill>
                       <a:prstDash val="solid"/>
                     </a:lnB>
                     <a:solidFill>
-                      <a:schemeClr val="tx1"/>
+                      <a:srgbClr val="878E8B">
+                        <a:alpha val="30196"/>
+                      </a:srgbClr>
                     </a:solidFill>
                   </a:tcPr>
                 </a:tc>
@@ -19727,9 +19619,12 @@
                         <a:buNone/>
                       </a:pPr>
                       <a:r>
-                        <a:rPr lang="en-US" sz="2500" kern="1200" cap="none" spc="0">
+                        <a:rPr lang="en-US" sz="2100" kern="1200" cap="none" spc="0">
                           <a:solidFill>
-                            <a:schemeClr val="tx1"/>
+                            <a:schemeClr val="tx1">
+                              <a:lumMod val="85000"/>
+                              <a:lumOff val="15000"/>
+                            </a:schemeClr>
                           </a:solidFill>
                           <a:latin typeface="+mn-lt"/>
                           <a:ea typeface="+mn-ea"/>
@@ -19739,25 +19634,33 @@
                       </a:r>
                     </a:p>
                   </a:txBody>
-                  <a:tcPr marL="160150" marR="160150" marT="112105" marB="112105" anchor="ctr">
-                    <a:lnL w="0" cmpd="sng">
-                      <a:noFill/>
+                  <a:tcPr marL="294715" marR="176829" marT="176829" marB="176829" anchor="ctr">
+                    <a:lnL w="38100" cap="flat" cmpd="sng" algn="ctr">
+                      <a:solidFill>
+                        <a:srgbClr val="FFFFFF"/>
+                      </a:solidFill>
                       <a:prstDash val="solid"/>
                     </a:lnL>
-                    <a:lnR w="0" cmpd="sng">
+                    <a:lnR w="12700" cmpd="sng">
                       <a:noFill/>
                       <a:prstDash val="solid"/>
                     </a:lnR>
-                    <a:lnT w="0" cap="flat" cmpd="sng" algn="ctr">
-                      <a:noFill/>
+                    <a:lnT w="38100" cap="flat" cmpd="sng" algn="ctr">
+                      <a:solidFill>
+                        <a:srgbClr val="FFFFFF"/>
+                      </a:solidFill>
                       <a:prstDash val="solid"/>
                     </a:lnT>
-                    <a:lnB w="0" cmpd="sng">
-                      <a:noFill/>
+                    <a:lnB w="38100" cap="flat" cmpd="sng" algn="ctr">
+                      <a:solidFill>
+                        <a:srgbClr val="FFFFFF"/>
+                      </a:solidFill>
                       <a:prstDash val="solid"/>
                     </a:lnB>
                     <a:solidFill>
-                      <a:schemeClr val="tx1"/>
+                      <a:srgbClr val="878E8B">
+                        <a:alpha val="30196"/>
+                      </a:srgbClr>
                     </a:solidFill>
                   </a:tcPr>
                 </a:tc>
@@ -19767,7 +19670,7 @@
                   </a:ext>
                 </a:extLst>
               </a:tr>
-              <a:tr h="661955">
+              <a:tr h="715175">
                 <a:tc rowSpan="2">
                   <a:txBody>
                     <a:bodyPr/>
@@ -19777,39 +19680,42 @@
                         <a:buNone/>
                       </a:pPr>
                       <a:r>
-                        <a:rPr lang="en-US" sz="2500" cap="none" spc="0" err="1">
+                        <a:rPr lang="en-US" sz="2100" cap="none" spc="0" err="1">
                           <a:solidFill>
-                            <a:schemeClr val="tx1"/>
+                            <a:schemeClr val="tx1">
+                              <a:lumMod val="85000"/>
+                              <a:lumOff val="15000"/>
+                            </a:schemeClr>
                           </a:solidFill>
                         </a:rPr>
                         <a:t>DeepFool</a:t>
                       </a:r>
                     </a:p>
                   </a:txBody>
-                  <a:tcPr marL="160150" marR="160150" marT="112105" marB="112105" anchor="ctr">
-                    <a:lnL w="0" cap="flat" cmpd="sng" algn="ctr">
+                  <a:tcPr marL="294715" marR="176829" marT="176829" marB="176829" anchor="ctr">
+                    <a:lnL w="38100" cap="flat" cmpd="sng" algn="ctr">
                       <a:noFill/>
                       <a:prstDash val="solid"/>
-                      <a:round/>
-                      <a:headEnd type="none" w="med" len="med"/>
-                      <a:tailEnd type="none" w="med" len="med"/>
                     </a:lnL>
-                    <a:lnR w="0" cmpd="sng">
+                    <a:lnR w="38100" cap="flat" cmpd="sng" algn="ctr">
+                      <a:solidFill>
+                        <a:srgbClr val="FFFFFF"/>
+                      </a:solidFill>
+                      <a:prstDash val="solid"/>
+                    </a:lnR>
+                    <a:lnT w="38100" cap="flat" cmpd="sng" algn="ctr">
                       <a:noFill/>
                       <a:prstDash val="solid"/>
-                    </a:lnR>
-                    <a:lnT w="0" cap="flat" cmpd="sng" algn="ctr">
-                      <a:noFill/>
-                      <a:prstDash val="solid"/>
-                      <a:round/>
-                      <a:headEnd type="none" w="med" len="med"/>
-                      <a:tailEnd type="none" w="med" len="med"/>
                     </a:lnT>
-                    <a:lnB w="0" cap="flat" cmpd="sng" algn="ctr">
+                    <a:lnB w="12700" cmpd="sng">
                       <a:noFill/>
                       <a:prstDash val="solid"/>
                     </a:lnB>
-                    <a:noFill/>
+                    <a:solidFill>
+                      <a:srgbClr val="878E8B">
+                        <a:alpha val="14902"/>
+                      </a:srgbClr>
+                    </a:solidFill>
                   </a:tcPr>
                 </a:tc>
                 <a:tc>
@@ -19821,39 +19727,57 @@
                         <a:buNone/>
                       </a:pPr>
                       <a:r>
-                        <a:rPr lang="en-US" sz="2500" b="0" i="0" u="none" strike="noStrike" cap="none" spc="0" noProof="0">
+                        <a:rPr lang="en-US" sz="2100" b="0" i="0" u="none" strike="noStrike" cap="none" spc="0" noProof="0">
                           <a:solidFill>
-                            <a:schemeClr val="tx1"/>
+                            <a:schemeClr val="tx1">
+                              <a:lumMod val="85000"/>
+                              <a:lumOff val="15000"/>
+                            </a:schemeClr>
                           </a:solidFill>
                           <a:latin typeface="Calibri"/>
                         </a:rPr>
                         <a:t>Accuracy</a:t>
                       </a:r>
-                      <a:endParaRPr lang="en-US" sz="2500" cap="none" spc="0">
+                      <a:endParaRPr lang="en-US" sz="2100" cap="none" spc="0">
                         <a:solidFill>
-                          <a:schemeClr val="tx1"/>
+                          <a:schemeClr val="tx1">
+                            <a:lumMod val="85000"/>
+                            <a:lumOff val="15000"/>
+                          </a:schemeClr>
                         </a:solidFill>
                       </a:endParaRPr>
                     </a:p>
                   </a:txBody>
-                  <a:tcPr marL="160150" marR="160150" marT="112105" marB="112105" anchor="ctr">
-                    <a:lnL w="0" cmpd="sng">
-                      <a:noFill/>
+                  <a:tcPr marL="294715" marR="176829" marT="176829" marB="176829" anchor="ctr">
+                    <a:lnL w="38100" cap="flat" cmpd="sng" algn="ctr">
+                      <a:solidFill>
+                        <a:srgbClr val="FFFFFF"/>
+                      </a:solidFill>
                       <a:prstDash val="solid"/>
                     </a:lnL>
-                    <a:lnR w="0" cmpd="sng">
-                      <a:noFill/>
+                    <a:lnR w="38100" cap="flat" cmpd="sng" algn="ctr">
+                      <a:solidFill>
+                        <a:srgbClr val="FFFFFF"/>
+                      </a:solidFill>
                       <a:prstDash val="solid"/>
                     </a:lnR>
-                    <a:lnT w="0" cmpd="sng">
-                      <a:noFill/>
+                    <a:lnT w="38100" cap="flat" cmpd="sng" algn="ctr">
+                      <a:solidFill>
+                        <a:srgbClr val="FFFFFF"/>
+                      </a:solidFill>
                       <a:prstDash val="solid"/>
                     </a:lnT>
-                    <a:lnB w="0" cap="flat" cmpd="sng" algn="ctr">
-                      <a:noFill/>
+                    <a:lnB w="38100" cap="flat" cmpd="sng" algn="ctr">
+                      <a:solidFill>
+                        <a:srgbClr val="FFFFFF"/>
+                      </a:solidFill>
                       <a:prstDash val="solid"/>
                     </a:lnB>
-                    <a:noFill/>
+                    <a:solidFill>
+                      <a:srgbClr val="878E8B">
+                        <a:alpha val="14902"/>
+                      </a:srgbClr>
+                    </a:solidFill>
                   </a:tcPr>
                 </a:tc>
                 <a:tc>
@@ -19865,9 +19789,12 @@
                         <a:buNone/>
                       </a:pPr>
                       <a:r>
-                        <a:rPr lang="en-US" sz="2500" kern="1200" cap="none" spc="0">
+                        <a:rPr lang="en-US" sz="2100" kern="1200" cap="none" spc="0">
                           <a:solidFill>
-                            <a:schemeClr val="tx1"/>
+                            <a:schemeClr val="tx1">
+                              <a:lumMod val="85000"/>
+                              <a:lumOff val="15000"/>
+                            </a:schemeClr>
                           </a:solidFill>
                           <a:latin typeface="+mn-lt"/>
                           <a:ea typeface="+mn-ea"/>
@@ -19877,24 +19804,36 @@
                       </a:r>
                     </a:p>
                   </a:txBody>
-                  <a:tcPr marL="160150" marR="160150" marT="112105" marB="112105" anchor="ctr">
-                    <a:lnL w="0" cmpd="sng">
-                      <a:noFill/>
+                  <a:tcPr marL="294715" marR="176829" marT="176829" marB="176829" anchor="ctr">
+                    <a:lnL w="38100" cap="flat" cmpd="sng" algn="ctr">
+                      <a:solidFill>
+                        <a:srgbClr val="FFFFFF"/>
+                      </a:solidFill>
                       <a:prstDash val="solid"/>
                     </a:lnL>
-                    <a:lnR w="0" cmpd="sng">
-                      <a:noFill/>
+                    <a:lnR w="38100" cap="flat" cmpd="sng" algn="ctr">
+                      <a:solidFill>
+                        <a:srgbClr val="FFFFFF"/>
+                      </a:solidFill>
                       <a:prstDash val="solid"/>
                     </a:lnR>
-                    <a:lnT w="0" cmpd="sng">
-                      <a:noFill/>
+                    <a:lnT w="38100" cap="flat" cmpd="sng" algn="ctr">
+                      <a:solidFill>
+                        <a:srgbClr val="FFFFFF"/>
+                      </a:solidFill>
                       <a:prstDash val="solid"/>
                     </a:lnT>
-                    <a:lnB w="0" cap="flat" cmpd="sng" algn="ctr">
-                      <a:noFill/>
+                    <a:lnB w="38100" cap="flat" cmpd="sng" algn="ctr">
+                      <a:solidFill>
+                        <a:srgbClr val="FFFFFF"/>
+                      </a:solidFill>
                       <a:prstDash val="solid"/>
                     </a:lnB>
-                    <a:noFill/>
+                    <a:solidFill>
+                      <a:srgbClr val="878E8B">
+                        <a:alpha val="14902"/>
+                      </a:srgbClr>
+                    </a:solidFill>
                   </a:tcPr>
                 </a:tc>
                 <a:tc>
@@ -19906,9 +19845,12 @@
                         <a:buNone/>
                       </a:pPr>
                       <a:r>
-                        <a:rPr lang="en-US" sz="2500" kern="1200" cap="none" spc="0">
+                        <a:rPr lang="en-US" sz="2100" kern="1200" cap="none" spc="0">
                           <a:solidFill>
-                            <a:schemeClr val="tx1"/>
+                            <a:schemeClr val="tx1">
+                              <a:lumMod val="85000"/>
+                              <a:lumOff val="15000"/>
+                            </a:schemeClr>
                           </a:solidFill>
                           <a:latin typeface="+mn-lt"/>
                           <a:ea typeface="+mn-ea"/>
@@ -19918,24 +19860,34 @@
                       </a:r>
                     </a:p>
                   </a:txBody>
-                  <a:tcPr marL="160150" marR="160150" marT="112105" marB="112105" anchor="ctr">
-                    <a:lnL w="0" cmpd="sng">
-                      <a:noFill/>
+                  <a:tcPr marL="294715" marR="176829" marT="176829" marB="176829" anchor="ctr">
+                    <a:lnL w="38100" cap="flat" cmpd="sng" algn="ctr">
+                      <a:solidFill>
+                        <a:srgbClr val="FFFFFF"/>
+                      </a:solidFill>
                       <a:prstDash val="solid"/>
                     </a:lnL>
-                    <a:lnR w="0" cap="flat" cmpd="sng" algn="ctr">
+                    <a:lnR w="38100" cap="flat" cmpd="sng" algn="ctr">
                       <a:noFill/>
                       <a:prstDash val="solid"/>
                     </a:lnR>
-                    <a:lnT w="0" cmpd="sng">
-                      <a:noFill/>
+                    <a:lnT w="38100" cap="flat" cmpd="sng" algn="ctr">
+                      <a:solidFill>
+                        <a:srgbClr val="FFFFFF"/>
+                      </a:solidFill>
                       <a:prstDash val="solid"/>
                     </a:lnT>
-                    <a:lnB w="0" cap="flat" cmpd="sng" algn="ctr">
-                      <a:noFill/>
+                    <a:lnB w="38100" cap="flat" cmpd="sng" algn="ctr">
+                      <a:solidFill>
+                        <a:srgbClr val="FFFFFF"/>
+                      </a:solidFill>
                       <a:prstDash val="solid"/>
                     </a:lnB>
-                    <a:noFill/>
+                    <a:solidFill>
+                      <a:srgbClr val="878E8B">
+                        <a:alpha val="14902"/>
+                      </a:srgbClr>
+                    </a:solidFill>
                   </a:tcPr>
                 </a:tc>
                 <a:extLst>
@@ -19944,7 +19896,7 @@
                   </a:ext>
                 </a:extLst>
               </a:tr>
-              <a:tr h="608572">
+              <a:tr h="1029537">
                 <a:tc vMerge="1">
                   <a:txBody>
                     <a:bodyPr/>
@@ -19966,7 +19918,10 @@
                       <a:r>
                         <a:rPr lang="en-US" sz="2100" b="0" i="0" u="none" strike="noStrike" cap="none" spc="0" noProof="0">
                           <a:solidFill>
-                            <a:schemeClr val="tx1"/>
+                            <a:schemeClr val="tx1">
+                              <a:lumMod val="85000"/>
+                              <a:lumOff val="15000"/>
+                            </a:schemeClr>
                           </a:solidFill>
                           <a:latin typeface="Calibri"/>
                         </a:rPr>
@@ -19974,30 +19929,39 @@
                       </a:r>
                       <a:endParaRPr lang="en-US" sz="2100" cap="none" spc="0">
                         <a:solidFill>
-                          <a:schemeClr val="tx1"/>
+                          <a:schemeClr val="tx1">
+                            <a:lumMod val="85000"/>
+                            <a:lumOff val="15000"/>
+                          </a:schemeClr>
                         </a:solidFill>
                       </a:endParaRPr>
                     </a:p>
                   </a:txBody>
-                  <a:tcPr marL="160150" marR="160150" marT="112105" marB="112105" anchor="ctr">
-                    <a:lnL w="0" cmpd="sng">
+                  <a:tcPr marL="294715" marR="176829" marT="176829" marB="176829" anchor="ctr">
+                    <a:lnL w="38100" cap="flat" cmpd="sng" algn="ctr">
                       <a:noFill/>
                       <a:prstDash val="solid"/>
                     </a:lnL>
-                    <a:lnR w="0" cmpd="sng">
-                      <a:noFill/>
+                    <a:lnR w="38100" cap="flat" cmpd="sng" algn="ctr">
+                      <a:solidFill>
+                        <a:srgbClr val="FFFFFF"/>
+                      </a:solidFill>
                       <a:prstDash val="solid"/>
                     </a:lnR>
-                    <a:lnT w="0" cap="flat" cmpd="sng" algn="ctr">
-                      <a:noFill/>
+                    <a:lnT w="38100" cap="flat" cmpd="sng" algn="ctr">
+                      <a:solidFill>
+                        <a:srgbClr val="FFFFFF"/>
+                      </a:solidFill>
                       <a:prstDash val="solid"/>
                     </a:lnT>
-                    <a:lnB w="0" cmpd="sng">
+                    <a:lnB w="12700" cmpd="sng">
                       <a:noFill/>
                       <a:prstDash val="solid"/>
                     </a:lnB>
                     <a:solidFill>
-                      <a:schemeClr val="tx1"/>
+                      <a:srgbClr val="878E8B">
+                        <a:alpha val="30196"/>
+                      </a:srgbClr>
                     </a:solidFill>
                   </a:tcPr>
                 </a:tc>
@@ -20010,9 +19974,12 @@
                         <a:buNone/>
                       </a:pPr>
                       <a:r>
-                        <a:rPr lang="en-US" sz="2500" kern="1200" cap="none" spc="0">
+                        <a:rPr lang="en-US" sz="2100" kern="1200" cap="none" spc="0">
                           <a:solidFill>
-                            <a:schemeClr val="tx1"/>
+                            <a:schemeClr val="tx1">
+                              <a:lumMod val="85000"/>
+                              <a:lumOff val="15000"/>
+                            </a:schemeClr>
                           </a:solidFill>
                           <a:latin typeface="+mn-lt"/>
                           <a:ea typeface="+mn-ea"/>
@@ -20022,25 +19989,33 @@
                       </a:r>
                     </a:p>
                   </a:txBody>
-                  <a:tcPr marL="160150" marR="160150" marT="112105" marB="112105" anchor="ctr">
-                    <a:lnL w="0" cmpd="sng">
-                      <a:noFill/>
+                  <a:tcPr marL="294715" marR="176829" marT="176829" marB="176829" anchor="ctr">
+                    <a:lnL w="38100" cap="flat" cmpd="sng" algn="ctr">
+                      <a:solidFill>
+                        <a:srgbClr val="FFFFFF"/>
+                      </a:solidFill>
                       <a:prstDash val="solid"/>
                     </a:lnL>
-                    <a:lnR w="0" cmpd="sng">
-                      <a:noFill/>
+                    <a:lnR w="38100" cap="flat" cmpd="sng" algn="ctr">
+                      <a:solidFill>
+                        <a:srgbClr val="FFFFFF"/>
+                      </a:solidFill>
                       <a:prstDash val="solid"/>
                     </a:lnR>
-                    <a:lnT w="0" cap="flat" cmpd="sng" algn="ctr">
-                      <a:noFill/>
+                    <a:lnT w="38100" cap="flat" cmpd="sng" algn="ctr">
+                      <a:solidFill>
+                        <a:srgbClr val="FFFFFF"/>
+                      </a:solidFill>
                       <a:prstDash val="solid"/>
                     </a:lnT>
-                    <a:lnB w="0" cmpd="sng">
+                    <a:lnB w="12700" cmpd="sng">
                       <a:noFill/>
                       <a:prstDash val="solid"/>
                     </a:lnB>
                     <a:solidFill>
-                      <a:schemeClr val="tx1"/>
+                      <a:srgbClr val="878E8B">
+                        <a:alpha val="30196"/>
+                      </a:srgbClr>
                     </a:solidFill>
                   </a:tcPr>
                 </a:tc>
@@ -20053,9 +20028,12 @@
                         <a:buNone/>
                       </a:pPr>
                       <a:r>
-                        <a:rPr lang="en-US" sz="2500" kern="1200" cap="none" spc="0">
+                        <a:rPr lang="en-US" sz="2100" kern="1200" cap="none" spc="0">
                           <a:solidFill>
-                            <a:schemeClr val="tx1"/>
+                            <a:schemeClr val="tx1">
+                              <a:lumMod val="85000"/>
+                              <a:lumOff val="15000"/>
+                            </a:schemeClr>
                           </a:solidFill>
                           <a:latin typeface="+mn-lt"/>
                           <a:ea typeface="+mn-ea"/>
@@ -20065,25 +20043,31 @@
                       </a:r>
                     </a:p>
                   </a:txBody>
-                  <a:tcPr marL="160150" marR="160150" marT="112105" marB="112105" anchor="ctr">
-                    <a:lnL w="0" cmpd="sng">
-                      <a:noFill/>
+                  <a:tcPr marL="294715" marR="176829" marT="176829" marB="176829" anchor="ctr">
+                    <a:lnL w="38100" cap="flat" cmpd="sng" algn="ctr">
+                      <a:solidFill>
+                        <a:srgbClr val="FFFFFF"/>
+                      </a:solidFill>
                       <a:prstDash val="solid"/>
                     </a:lnL>
-                    <a:lnR w="0" cmpd="sng">
+                    <a:lnR w="12700" cmpd="sng">
                       <a:noFill/>
                       <a:prstDash val="solid"/>
                     </a:lnR>
-                    <a:lnT w="0" cap="flat" cmpd="sng" algn="ctr">
-                      <a:noFill/>
+                    <a:lnT w="38100" cap="flat" cmpd="sng" algn="ctr">
+                      <a:solidFill>
+                        <a:srgbClr val="FFFFFF"/>
+                      </a:solidFill>
                       <a:prstDash val="solid"/>
                     </a:lnT>
-                    <a:lnB w="0" cmpd="sng">
+                    <a:lnB w="12700" cmpd="sng">
                       <a:noFill/>
                       <a:prstDash val="solid"/>
                     </a:lnB>
                     <a:solidFill>
-                      <a:schemeClr val="tx1"/>
+                      <a:srgbClr val="878E8B">
+                        <a:alpha val="30196"/>
+                      </a:srgbClr>
                     </a:solidFill>
                   </a:tcPr>
                 </a:tc>
@@ -20638,7 +20622,7 @@
           <a:p>
             <a:pPr algn="ctr"/>
             <a:r>
-              <a:rPr lang="en-US" sz="3600">
+              <a:rPr lang="en-US" sz="3600" dirty="0">
                 <a:solidFill>
                   <a:srgbClr val="FFFFFF"/>
                 </a:solidFill>
@@ -20648,39 +20632,11 @@
               </a:rPr>
               <a:t>Neural Architecture</a:t>
             </a:r>
-            <a:br>
-              <a:rPr lang="en-US" sz="3600">
-                <a:solidFill>
-                  <a:srgbClr val="FFFFFF"/>
-                </a:solidFill>
-                <a:latin typeface="Arial"/>
-                <a:ea typeface="Calibri Light"/>
-                <a:cs typeface="Arial"/>
-              </a:rPr>
-            </a:br>
-            <a:r>
-              <a:rPr lang="en-US" sz="3600">
-                <a:latin typeface="Arial"/>
-                <a:ea typeface="Calibri Light"/>
-                <a:cs typeface="Arial"/>
-              </a:rPr>
-              <a:t>-</a:t>
-            </a:r>
-            <a:br>
-              <a:rPr lang="en-US" sz="3600">
-                <a:latin typeface="Arial"/>
-                <a:ea typeface="Calibri Light"/>
-                <a:cs typeface="Arial"/>
-              </a:rPr>
-            </a:br>
-            <a:r>
-              <a:rPr lang="en-US" sz="3600">
-                <a:latin typeface="Arial"/>
-                <a:ea typeface="Calibri Light"/>
-                <a:cs typeface="Arial"/>
-              </a:rPr>
-              <a:t>Update</a:t>
-            </a:r>
+            <a:endParaRPr lang="en-US" sz="3600" dirty="0">
+              <a:latin typeface="Arial"/>
+              <a:ea typeface="Calibri Light"/>
+              <a:cs typeface="Arial"/>
+            </a:endParaRPr>
           </a:p>
         </p:txBody>
       </p:sp>

--- a/project_ia3_presentation.pptx
+++ b/project_ia3_presentation.pptx
@@ -8,19 +8,19 @@
     <p:sldId id="256" r:id="rId2"/>
     <p:sldId id="257" r:id="rId3"/>
     <p:sldId id="258" r:id="rId4"/>
-    <p:sldId id="264" r:id="rId5"/>
-    <p:sldId id="261" r:id="rId6"/>
-    <p:sldId id="259" r:id="rId7"/>
-    <p:sldId id="271" r:id="rId8"/>
-    <p:sldId id="265" r:id="rId9"/>
-    <p:sldId id="273" r:id="rId10"/>
-    <p:sldId id="274" r:id="rId11"/>
-    <p:sldId id="269" r:id="rId12"/>
-    <p:sldId id="270" r:id="rId13"/>
-    <p:sldId id="262" r:id="rId14"/>
-    <p:sldId id="260" r:id="rId15"/>
-    <p:sldId id="266" r:id="rId16"/>
-    <p:sldId id="263" r:id="rId17"/>
+    <p:sldId id="261" r:id="rId5"/>
+    <p:sldId id="259" r:id="rId6"/>
+    <p:sldId id="271" r:id="rId7"/>
+    <p:sldId id="265" r:id="rId8"/>
+    <p:sldId id="273" r:id="rId9"/>
+    <p:sldId id="274" r:id="rId10"/>
+    <p:sldId id="269" r:id="rId11"/>
+    <p:sldId id="270" r:id="rId12"/>
+    <p:sldId id="262" r:id="rId13"/>
+    <p:sldId id="260" r:id="rId14"/>
+    <p:sldId id="266" r:id="rId15"/>
+    <p:sldId id="263" r:id="rId16"/>
+    <p:sldId id="264" r:id="rId17"/>
     <p:sldId id="275" r:id="rId18"/>
     <p:sldId id="276" r:id="rId19"/>
     <p:sldId id="278" r:id="rId20"/>
@@ -139,7 +139,7 @@
     <p1510:client id="{22BA3E01-24BE-2C7C-52B7-A7FB1E638304}" v="883" dt="2025-11-11T20:28:25.032"/>
     <p1510:client id="{A3DD5220-759C-6242-99D6-A815F030BAAD}" v="407" dt="2025-11-11T20:21:27.091"/>
     <p1510:client id="{ED0BAAA1-A55F-EC34-83A3-7F9CF117581A}" v="497" dt="2025-11-10T22:55:47.662"/>
-    <p1510:client id="{F3A40AD6-05C0-2321-8220-2B13972C23F9}" v="65" dt="2025-11-12T16:19:10.994"/>
+    <p1510:client id="{F3A40AD6-05C0-2321-8220-2B13972C23F9}" v="66" dt="2025-11-12T16:57:19.460"/>
   </p1510:revLst>
 </p1510:revInfo>
 </file>
@@ -13717,365 +13717,6 @@
     <p:bg>
       <p:bgPr>
         <a:solidFill>
-          <a:schemeClr val="bg1"/>
-        </a:solidFill>
-        <a:effectLst/>
-      </p:bgPr>
-    </p:bg>
-    <p:spTree>
-      <p:nvGrpSpPr>
-        <p:cNvPr id="1" name="">
-          <a:extLst>
-            <a:ext uri="{FF2B5EF4-FFF2-40B4-BE49-F238E27FC236}">
-              <a16:creationId xmlns:a16="http://schemas.microsoft.com/office/drawing/2014/main" id="{77B5FDF6-40B7-23D7-7991-6B2FC09FDF0C}"/>
-            </a:ext>
-          </a:extLst>
-        </p:cNvPr>
-        <p:cNvGrpSpPr/>
-        <p:nvPr/>
-      </p:nvGrpSpPr>
-      <p:grpSpPr>
-        <a:xfrm>
-          <a:off x="0" y="0"/>
-          <a:ext cx="0" cy="0"/>
-          <a:chOff x="0" y="0"/>
-          <a:chExt cx="0" cy="0"/>
-        </a:xfrm>
-      </p:grpSpPr>
-      <p:sp>
-        <p:nvSpPr>
-          <p:cNvPr id="9" name="Rectangle 8">
-            <a:extLst>
-              <a:ext uri="{FF2B5EF4-FFF2-40B4-BE49-F238E27FC236}">
-                <a16:creationId xmlns:a16="http://schemas.microsoft.com/office/drawing/2014/main" id="{D808530D-8C81-F445-A356-9E652AB79154}"/>
-              </a:ext>
-              <a:ext uri="{C183D7F6-B498-43B3-948B-1728B52AA6E4}">
-                <adec:decorative xmlns:adec="http://schemas.microsoft.com/office/drawing/2017/decorative" val="1"/>
-              </a:ext>
-            </a:extLst>
-          </p:cNvPr>
-          <p:cNvSpPr>
-            <a:spLocks noGrp="1" noRot="1" noChangeAspect="1" noMove="1" noResize="1" noEditPoints="1" noAdjustHandles="1" noChangeArrowheads="1" noChangeShapeType="1" noTextEdit="1"/>
-          </p:cNvSpPr>
-          <p:nvPr>
-            <p:extLst>
-              <p:ext uri="{386F3935-93C4-4BCD-93E2-E3B085C9AB24}">
-                <p16:designElem xmlns:p16="http://schemas.microsoft.com/office/powerpoint/2015/main" val="1"/>
-              </p:ext>
-            </p:extLst>
-          </p:nvPr>
-        </p:nvSpPr>
-        <p:spPr>
-          <a:xfrm>
-            <a:off x="3175" y="6400800"/>
-            <a:ext cx="12188825" cy="457200"/>
-          </a:xfrm>
-          <a:prstGeom prst="rect">
-            <a:avLst/>
-          </a:prstGeom>
-          <a:solidFill>
-            <a:schemeClr val="accent2"/>
-          </a:solidFill>
-          <a:ln>
-            <a:noFill/>
-          </a:ln>
-        </p:spPr>
-        <p:style>
-          <a:lnRef idx="2">
-            <a:schemeClr val="accent1">
-              <a:shade val="50000"/>
-            </a:schemeClr>
-          </a:lnRef>
-          <a:fillRef idx="1">
-            <a:schemeClr val="accent1"/>
-          </a:fillRef>
-          <a:effectRef idx="0">
-            <a:schemeClr val="accent1"/>
-          </a:effectRef>
-          <a:fontRef idx="minor">
-            <a:schemeClr val="lt1"/>
-          </a:fontRef>
-        </p:style>
-      </p:sp>
-      <p:sp>
-        <p:nvSpPr>
-          <p:cNvPr id="11" name="Rectangle 10">
-            <a:extLst>
-              <a:ext uri="{FF2B5EF4-FFF2-40B4-BE49-F238E27FC236}">
-                <a16:creationId xmlns:a16="http://schemas.microsoft.com/office/drawing/2014/main" id="{677AC081-0B21-50FA-CA77-8FC514B6D027}"/>
-              </a:ext>
-              <a:ext uri="{C183D7F6-B498-43B3-948B-1728B52AA6E4}">
-                <adec:decorative xmlns:adec="http://schemas.microsoft.com/office/drawing/2017/decorative" val="1"/>
-              </a:ext>
-            </a:extLst>
-          </p:cNvPr>
-          <p:cNvSpPr>
-            <a:spLocks noGrp="1" noRot="1" noChangeAspect="1" noMove="1" noResize="1" noEditPoints="1" noAdjustHandles="1" noChangeArrowheads="1" noChangeShapeType="1" noTextEdit="1"/>
-          </p:cNvSpPr>
-          <p:nvPr>
-            <p:extLst>
-              <p:ext uri="{386F3935-93C4-4BCD-93E2-E3B085C9AB24}">
-                <p16:designElem xmlns:p16="http://schemas.microsoft.com/office/powerpoint/2015/main" val="1"/>
-              </p:ext>
-            </p:extLst>
-          </p:nvPr>
-        </p:nvSpPr>
-        <p:spPr>
-          <a:xfrm>
-            <a:off x="15" y="6334316"/>
-            <a:ext cx="12188825" cy="64008"/>
-          </a:xfrm>
-          <a:prstGeom prst="rect">
-            <a:avLst/>
-          </a:prstGeom>
-          <a:solidFill>
-            <a:schemeClr val="accent1"/>
-          </a:solidFill>
-          <a:ln>
-            <a:noFill/>
-          </a:ln>
-        </p:spPr>
-        <p:style>
-          <a:lnRef idx="2">
-            <a:schemeClr val="accent1">
-              <a:shade val="50000"/>
-            </a:schemeClr>
-          </a:lnRef>
-          <a:fillRef idx="1">
-            <a:schemeClr val="accent1"/>
-          </a:fillRef>
-          <a:effectRef idx="0">
-            <a:schemeClr val="accent1"/>
-          </a:effectRef>
-          <a:fontRef idx="minor">
-            <a:schemeClr val="lt1"/>
-          </a:fontRef>
-        </p:style>
-      </p:sp>
-      <p:sp>
-        <p:nvSpPr>
-          <p:cNvPr id="13" name="Rectangle 12">
-            <a:extLst>
-              <a:ext uri="{FF2B5EF4-FFF2-40B4-BE49-F238E27FC236}">
-                <a16:creationId xmlns:a16="http://schemas.microsoft.com/office/drawing/2014/main" id="{E1C9873E-FB09-E576-D5DE-E6E435742F1D}"/>
-              </a:ext>
-              <a:ext uri="{C183D7F6-B498-43B3-948B-1728B52AA6E4}">
-                <adec:decorative xmlns:adec="http://schemas.microsoft.com/office/drawing/2017/decorative" val="1"/>
-              </a:ext>
-            </a:extLst>
-          </p:cNvPr>
-          <p:cNvSpPr>
-            <a:spLocks noGrp="1" noRot="1" noChangeAspect="1" noMove="1" noResize="1" noEditPoints="1" noAdjustHandles="1" noChangeArrowheads="1" noChangeShapeType="1" noTextEdit="1"/>
-          </p:cNvSpPr>
-          <p:nvPr>
-            <p:extLst>
-              <p:ext uri="{386F3935-93C4-4BCD-93E2-E3B085C9AB24}">
-                <p16:designElem xmlns:p16="http://schemas.microsoft.com/office/powerpoint/2015/main" val="1"/>
-              </p:ext>
-            </p:extLst>
-          </p:nvPr>
-        </p:nvSpPr>
-        <p:spPr>
-          <a:xfrm>
-            <a:off x="0" y="0"/>
-            <a:ext cx="12192000" cy="6858000"/>
-          </a:xfrm>
-          <a:prstGeom prst="rect">
-            <a:avLst/>
-          </a:prstGeom>
-          <a:solidFill>
-            <a:schemeClr val="bg2"/>
-          </a:solidFill>
-          <a:ln>
-            <a:noFill/>
-          </a:ln>
-        </p:spPr>
-        <p:style>
-          <a:lnRef idx="2">
-            <a:schemeClr val="accent1">
-              <a:shade val="50000"/>
-            </a:schemeClr>
-          </a:lnRef>
-          <a:fillRef idx="1">
-            <a:schemeClr val="accent1"/>
-          </a:fillRef>
-          <a:effectRef idx="0">
-            <a:schemeClr val="accent1"/>
-          </a:effectRef>
-          <a:fontRef idx="minor">
-            <a:schemeClr val="lt1"/>
-          </a:fontRef>
-        </p:style>
-        <p:txBody>
-          <a:bodyPr rtlCol="0" anchor="ctr"/>
-          <a:lstStyle/>
-          <a:p>
-            <a:pPr algn="ctr"/>
-            <a:endParaRPr lang="en-US"/>
-          </a:p>
-        </p:txBody>
-      </p:sp>
-      <p:sp>
-        <p:nvSpPr>
-          <p:cNvPr id="15" name="Rectangle 14">
-            <a:extLst>
-              <a:ext uri="{FF2B5EF4-FFF2-40B4-BE49-F238E27FC236}">
-                <a16:creationId xmlns:a16="http://schemas.microsoft.com/office/drawing/2014/main" id="{8CE81295-730A-CFFE-86CC-12FE1A8470DC}"/>
-              </a:ext>
-              <a:ext uri="{C183D7F6-B498-43B3-948B-1728B52AA6E4}">
-                <adec:decorative xmlns:adec="http://schemas.microsoft.com/office/drawing/2017/decorative" val="1"/>
-              </a:ext>
-            </a:extLst>
-          </p:cNvPr>
-          <p:cNvSpPr>
-            <a:spLocks noGrp="1" noRot="1" noChangeAspect="1" noMove="1" noResize="1" noEditPoints="1" noAdjustHandles="1" noChangeArrowheads="1" noChangeShapeType="1" noTextEdit="1"/>
-          </p:cNvSpPr>
-          <p:nvPr>
-            <p:extLst>
-              <p:ext uri="{386F3935-93C4-4BCD-93E2-E3B085C9AB24}">
-                <p16:designElem xmlns:p16="http://schemas.microsoft.com/office/powerpoint/2015/main" val="1"/>
-              </p:ext>
-            </p:extLst>
-          </p:nvPr>
-        </p:nvSpPr>
-        <p:spPr>
-          <a:xfrm>
-            <a:off x="477012" y="480060"/>
-            <a:ext cx="11237976" cy="5897880"/>
-          </a:xfrm>
-          <a:prstGeom prst="rect">
-            <a:avLst/>
-          </a:prstGeom>
-          <a:solidFill>
-            <a:schemeClr val="bg1"/>
-          </a:solidFill>
-          <a:ln w="22225">
-            <a:solidFill>
-              <a:schemeClr val="tx1">
-                <a:lumMod val="50000"/>
-                <a:lumOff val="50000"/>
-              </a:schemeClr>
-            </a:solidFill>
-          </a:ln>
-        </p:spPr>
-        <p:style>
-          <a:lnRef idx="2">
-            <a:schemeClr val="accent1">
-              <a:shade val="50000"/>
-            </a:schemeClr>
-          </a:lnRef>
-          <a:fillRef idx="1">
-            <a:schemeClr val="accent1"/>
-          </a:fillRef>
-          <a:effectRef idx="0">
-            <a:schemeClr val="accent1"/>
-          </a:effectRef>
-          <a:fontRef idx="minor">
-            <a:schemeClr val="lt1"/>
-          </a:fontRef>
-        </p:style>
-        <p:txBody>
-          <a:bodyPr rtlCol="0" anchor="ctr"/>
-          <a:lstStyle/>
-          <a:p>
-            <a:pPr algn="ctr"/>
-            <a:endParaRPr lang="en-US"/>
-          </a:p>
-        </p:txBody>
-      </p:sp>
-      <p:sp>
-        <p:nvSpPr>
-          <p:cNvPr id="5" name="TextBox 4">
-            <a:extLst>
-              <a:ext uri="{FF2B5EF4-FFF2-40B4-BE49-F238E27FC236}">
-                <a16:creationId xmlns:a16="http://schemas.microsoft.com/office/drawing/2014/main" id="{38972CC4-B7A4-409F-A022-8DEC70983D16}"/>
-              </a:ext>
-            </a:extLst>
-          </p:cNvPr>
-          <p:cNvSpPr txBox="1"/>
-          <p:nvPr/>
-        </p:nvSpPr>
-        <p:spPr>
-          <a:xfrm>
-            <a:off x="5047992" y="592609"/>
-            <a:ext cx="3223054" cy="646331"/>
-          </a:xfrm>
-          <a:prstGeom prst="rect">
-            <a:avLst/>
-          </a:prstGeom>
-          <a:noFill/>
-        </p:spPr>
-        <p:txBody>
-          <a:bodyPr rot="0" spcFirstLastPara="0" vertOverflow="overflow" horzOverflow="overflow" vert="horz" wrap="square" lIns="91440" tIns="45720" rIns="91440" bIns="45720" numCol="1" spcCol="0" rtlCol="0" fromWordArt="0" anchor="t" anchorCtr="0" forceAA="0" compatLnSpc="1">
-            <a:prstTxWarp prst="textNoShape">
-              <a:avLst/>
-            </a:prstTxWarp>
-            <a:spAutoFit/>
-          </a:bodyPr>
-          <a:lstStyle/>
-          <a:p>
-            <a:pPr algn="l"/>
-            <a:r>
-              <a:rPr lang="en-US" sz="3600" err="1">
-                <a:latin typeface="Calibri Light"/>
-                <a:ea typeface="Calibri Light"/>
-                <a:cs typeface="Calibri Light"/>
-              </a:rPr>
-              <a:t>DeepFool</a:t>
-            </a:r>
-            <a:endParaRPr lang="en-US" err="1"/>
-          </a:p>
-        </p:txBody>
-      </p:sp>
-      <p:pic>
-        <p:nvPicPr>
-          <p:cNvPr id="3" name="Picture 2">
-            <a:extLst>
-              <a:ext uri="{FF2B5EF4-FFF2-40B4-BE49-F238E27FC236}">
-                <a16:creationId xmlns:a16="http://schemas.microsoft.com/office/drawing/2014/main" id="{3E6105F7-23B4-C882-99C8-D0EA5AB66DFB}"/>
-              </a:ext>
-            </a:extLst>
-          </p:cNvPr>
-          <p:cNvPicPr>
-            <a:picLocks noChangeAspect="1"/>
-          </p:cNvPicPr>
-          <p:nvPr/>
-        </p:nvPicPr>
-        <p:blipFill>
-          <a:blip r:embed="rId2"/>
-          <a:stretch>
-            <a:fillRect/>
-          </a:stretch>
-        </p:blipFill>
-        <p:spPr>
-          <a:xfrm>
-            <a:off x="481013" y="1166813"/>
-            <a:ext cx="11001375" cy="5057775"/>
-          </a:xfrm>
-          <a:prstGeom prst="rect">
-            <a:avLst/>
-          </a:prstGeom>
-        </p:spPr>
-      </p:pic>
-    </p:spTree>
-    <p:extLst>
-      <p:ext uri="{BB962C8B-B14F-4D97-AF65-F5344CB8AC3E}">
-        <p14:creationId xmlns:p14="http://schemas.microsoft.com/office/powerpoint/2010/main" val="1024536195"/>
-      </p:ext>
-    </p:extLst>
-  </p:cSld>
-  <p:clrMapOvr>
-    <a:masterClrMapping/>
-  </p:clrMapOvr>
-</p:sld>
-</file>
-
-<file path=ppt/slides/slide11.xml><?xml version="1.0" encoding="utf-8"?>
-<p:sld xmlns:a="http://schemas.openxmlformats.org/drawingml/2006/main" xmlns:r="http://schemas.openxmlformats.org/officeDocument/2006/relationships" xmlns:p="http://schemas.openxmlformats.org/presentationml/2006/main">
-  <p:cSld>
-    <p:bg>
-      <p:bgPr>
-        <a:solidFill>
           <a:schemeClr val="bg2">
             <a:tint val="90000"/>
             <a:shade val="97000"/>
@@ -14496,7 +14137,7 @@
 </p:sld>
 </file>
 
-<file path=ppt/slides/slide12.xml><?xml version="1.0" encoding="utf-8"?>
+<file path=ppt/slides/slide11.xml><?xml version="1.0" encoding="utf-8"?>
 <p:sld xmlns:a="http://schemas.openxmlformats.org/drawingml/2006/main" xmlns:r="http://schemas.openxmlformats.org/officeDocument/2006/relationships" xmlns:p="http://schemas.openxmlformats.org/presentationml/2006/main">
   <p:cSld>
     <p:bg>
@@ -15619,7 +15260,7 @@
 </p:sld>
 </file>
 
-<file path=ppt/slides/slide13.xml><?xml version="1.0" encoding="utf-8"?>
+<file path=ppt/slides/slide12.xml><?xml version="1.0" encoding="utf-8"?>
 <p:sld xmlns:a="http://schemas.openxmlformats.org/drawingml/2006/main" xmlns:r="http://schemas.openxmlformats.org/officeDocument/2006/relationships" xmlns:p="http://schemas.openxmlformats.org/presentationml/2006/main">
   <p:cSld>
     <p:bg>
@@ -15847,7 +15488,7 @@
 </p:sld>
 </file>
 
-<file path=ppt/slides/slide14.xml><?xml version="1.0" encoding="utf-8"?>
+<file path=ppt/slides/slide13.xml><?xml version="1.0" encoding="utf-8"?>
 <p:sld xmlns:a="http://schemas.openxmlformats.org/drawingml/2006/main" xmlns:r="http://schemas.openxmlformats.org/officeDocument/2006/relationships" xmlns:p="http://schemas.openxmlformats.org/presentationml/2006/main">
   <p:cSld>
     <p:bg>
@@ -16197,7 +15838,7 @@
 </p:sld>
 </file>
 
-<file path=ppt/slides/slide15.xml><?xml version="1.0" encoding="utf-8"?>
+<file path=ppt/slides/slide14.xml><?xml version="1.0" encoding="utf-8"?>
 <p:sld xmlns:a="http://schemas.openxmlformats.org/drawingml/2006/main" xmlns:r="http://schemas.openxmlformats.org/officeDocument/2006/relationships" xmlns:p="http://schemas.openxmlformats.org/presentationml/2006/main">
   <p:cSld>
     <p:bg>
@@ -16580,7 +16221,7 @@
 </p:sld>
 </file>
 
-<file path=ppt/slides/slide16.xml><?xml version="1.0" encoding="utf-8"?>
+<file path=ppt/slides/slide15.xml><?xml version="1.0" encoding="utf-8"?>
 <p:sld xmlns:a="http://schemas.openxmlformats.org/drawingml/2006/main" xmlns:r="http://schemas.openxmlformats.org/officeDocument/2006/relationships" xmlns:p="http://schemas.openxmlformats.org/presentationml/2006/main">
   <p:cSld>
     <p:bg>
@@ -16799,6 +16440,543 @@
     <p:extLst>
       <p:ext uri="{BB962C8B-B14F-4D97-AF65-F5344CB8AC3E}">
         <p14:creationId xmlns:p14="http://schemas.microsoft.com/office/powerpoint/2010/main" val="1521402975"/>
+      </p:ext>
+    </p:extLst>
+  </p:cSld>
+  <p:clrMapOvr>
+    <a:masterClrMapping/>
+  </p:clrMapOvr>
+</p:sld>
+</file>
+
+<file path=ppt/slides/slide16.xml><?xml version="1.0" encoding="utf-8"?>
+<p:sld xmlns:a="http://schemas.openxmlformats.org/drawingml/2006/main" xmlns:r="http://schemas.openxmlformats.org/officeDocument/2006/relationships" xmlns:p="http://schemas.openxmlformats.org/presentationml/2006/main">
+  <p:cSld>
+    <p:bg>
+      <p:bgPr>
+        <a:solidFill>
+          <a:schemeClr val="bg2"/>
+        </a:solidFill>
+        <a:effectLst/>
+      </p:bgPr>
+    </p:bg>
+    <p:spTree>
+      <p:nvGrpSpPr>
+        <p:cNvPr id="1" name=""/>
+        <p:cNvGrpSpPr/>
+        <p:nvPr/>
+      </p:nvGrpSpPr>
+      <p:grpSpPr>
+        <a:xfrm>
+          <a:off x="0" y="0"/>
+          <a:ext cx="0" cy="0"/>
+          <a:chOff x="0" y="0"/>
+          <a:chExt cx="0" cy="0"/>
+        </a:xfrm>
+      </p:grpSpPr>
+      <p:sp useBgFill="1">
+        <p:nvSpPr>
+          <p:cNvPr id="8" name="Rectangle 7">
+            <a:extLst>
+              <a:ext uri="{FF2B5EF4-FFF2-40B4-BE49-F238E27FC236}">
+                <a16:creationId xmlns:a16="http://schemas.microsoft.com/office/drawing/2014/main" id="{3741B58E-3B65-4A01-A276-975AB2CF8A08}"/>
+              </a:ext>
+              <a:ext uri="{C183D7F6-B498-43B3-948B-1728B52AA6E4}">
+                <adec:decorative xmlns:adec="http://schemas.microsoft.com/office/drawing/2017/decorative" val="1"/>
+              </a:ext>
+            </a:extLst>
+          </p:cNvPr>
+          <p:cNvSpPr>
+            <a:spLocks noGrp="1" noRot="1" noChangeAspect="1" noMove="1" noResize="1" noEditPoints="1" noAdjustHandles="1" noChangeArrowheads="1" noChangeShapeType="1" noTextEdit="1"/>
+          </p:cNvSpPr>
+          <p:nvPr>
+            <p:extLst>
+              <p:ext uri="{386F3935-93C4-4BCD-93E2-E3B085C9AB24}">
+                <p16:designElem xmlns:p16="http://schemas.microsoft.com/office/powerpoint/2015/main" val="1"/>
+              </p:ext>
+            </p:extLst>
+          </p:nvPr>
+        </p:nvSpPr>
+        <p:spPr>
+          <a:xfrm>
+            <a:off x="0" y="0"/>
+            <a:ext cx="12186315" cy="6858000"/>
+          </a:xfrm>
+          <a:prstGeom prst="rect">
+            <a:avLst/>
+          </a:prstGeom>
+          <a:ln>
+            <a:noFill/>
+          </a:ln>
+        </p:spPr>
+        <p:style>
+          <a:lnRef idx="2">
+            <a:schemeClr val="accent6">
+              <a:shade val="50000"/>
+            </a:schemeClr>
+          </a:lnRef>
+          <a:fillRef idx="1001">
+            <a:schemeClr val="lt1"/>
+          </a:fillRef>
+          <a:effectRef idx="0">
+            <a:schemeClr val="accent6"/>
+          </a:effectRef>
+          <a:fontRef idx="minor">
+            <a:schemeClr val="lt1"/>
+          </a:fontRef>
+        </p:style>
+        <p:txBody>
+          <a:bodyPr rtlCol="0" anchor="ctr"/>
+          <a:lstStyle/>
+          <a:p>
+            <a:pPr algn="ctr"/>
+            <a:endParaRPr lang="en-US"/>
+          </a:p>
+        </p:txBody>
+      </p:sp>
+      <p:sp>
+        <p:nvSpPr>
+          <p:cNvPr id="10" name="Rectangle 9">
+            <a:extLst>
+              <a:ext uri="{FF2B5EF4-FFF2-40B4-BE49-F238E27FC236}">
+                <a16:creationId xmlns:a16="http://schemas.microsoft.com/office/drawing/2014/main" id="{7AAC67C3-831B-4AB1-A259-DFB839CAFAFC}"/>
+              </a:ext>
+              <a:ext uri="{C183D7F6-B498-43B3-948B-1728B52AA6E4}">
+                <adec:decorative xmlns:adec="http://schemas.microsoft.com/office/drawing/2017/decorative" val="1"/>
+              </a:ext>
+            </a:extLst>
+          </p:cNvPr>
+          <p:cNvSpPr>
+            <a:spLocks noGrp="1" noRot="1" noChangeAspect="1" noMove="1" noResize="1" noEditPoints="1" noAdjustHandles="1" noChangeArrowheads="1" noChangeShapeType="1" noTextEdit="1"/>
+          </p:cNvSpPr>
+          <p:nvPr>
+            <p:extLst>
+              <p:ext uri="{386F3935-93C4-4BCD-93E2-E3B085C9AB24}">
+                <p16:designElem xmlns:p16="http://schemas.microsoft.com/office/powerpoint/2015/main" val="1"/>
+              </p:ext>
+            </p:extLst>
+          </p:nvPr>
+        </p:nvSpPr>
+        <p:spPr>
+          <a:xfrm>
+            <a:off x="16" y="0"/>
+            <a:ext cx="4050791" cy="6858000"/>
+          </a:xfrm>
+          <a:prstGeom prst="rect">
+            <a:avLst/>
+          </a:prstGeom>
+          <a:solidFill>
+            <a:schemeClr val="accent1">
+              <a:lumMod val="50000"/>
+            </a:schemeClr>
+          </a:solidFill>
+          <a:ln>
+            <a:noFill/>
+          </a:ln>
+        </p:spPr>
+        <p:style>
+          <a:lnRef idx="2">
+            <a:schemeClr val="accent1">
+              <a:shade val="50000"/>
+            </a:schemeClr>
+          </a:lnRef>
+          <a:fillRef idx="1">
+            <a:schemeClr val="accent1"/>
+          </a:fillRef>
+          <a:effectRef idx="0">
+            <a:schemeClr val="accent1"/>
+          </a:effectRef>
+          <a:fontRef idx="minor">
+            <a:schemeClr val="lt1"/>
+          </a:fontRef>
+        </p:style>
+      </p:sp>
+      <p:sp>
+        <p:nvSpPr>
+          <p:cNvPr id="2" name="Title 1">
+            <a:extLst>
+              <a:ext uri="{FF2B5EF4-FFF2-40B4-BE49-F238E27FC236}">
+                <a16:creationId xmlns:a16="http://schemas.microsoft.com/office/drawing/2014/main" id="{84DB4BDF-780D-1DA7-EFDD-E6EEC3AF1C56}"/>
+              </a:ext>
+            </a:extLst>
+          </p:cNvPr>
+          <p:cNvSpPr>
+            <a:spLocks noGrp="1"/>
+          </p:cNvSpPr>
+          <p:nvPr>
+            <p:ph type="title"/>
+          </p:nvPr>
+        </p:nvSpPr>
+        <p:spPr>
+          <a:xfrm>
+            <a:off x="592633" y="605896"/>
+            <a:ext cx="3084844" cy="5646208"/>
+          </a:xfrm>
+        </p:spPr>
+        <p:txBody>
+          <a:bodyPr anchor="ctr">
+            <a:normAutofit/>
+          </a:bodyPr>
+          <a:lstStyle/>
+          <a:p>
+            <a:pPr algn="ctr"/>
+            <a:r>
+              <a:rPr lang="en-US" sz="3600">
+                <a:solidFill>
+                  <a:srgbClr val="FFFFFF"/>
+                </a:solidFill>
+                <a:latin typeface="Arial"/>
+                <a:ea typeface="Calibri Light"/>
+                <a:cs typeface="Arial"/>
+              </a:rPr>
+              <a:t>Neural Architecture</a:t>
+            </a:r>
+            <a:endParaRPr lang="en-US" sz="3600">
+              <a:latin typeface="Arial"/>
+              <a:ea typeface="Calibri Light"/>
+              <a:cs typeface="Arial"/>
+            </a:endParaRPr>
+          </a:p>
+        </p:txBody>
+      </p:sp>
+      <p:sp>
+        <p:nvSpPr>
+          <p:cNvPr id="12" name="Rectangle 11">
+            <a:extLst>
+              <a:ext uri="{FF2B5EF4-FFF2-40B4-BE49-F238E27FC236}">
+                <a16:creationId xmlns:a16="http://schemas.microsoft.com/office/drawing/2014/main" id="{054B3F04-9EAC-45C0-B3CE-0387EEA10A0C}"/>
+              </a:ext>
+              <a:ext uri="{C183D7F6-B498-43B3-948B-1728B52AA6E4}">
+                <adec:decorative xmlns:adec="http://schemas.microsoft.com/office/drawing/2017/decorative" val="1"/>
+              </a:ext>
+            </a:extLst>
+          </p:cNvPr>
+          <p:cNvSpPr>
+            <a:spLocks noGrp="1" noRot="1" noChangeAspect="1" noMove="1" noResize="1" noEditPoints="1" noAdjustHandles="1" noChangeArrowheads="1" noChangeShapeType="1" noTextEdit="1"/>
+          </p:cNvSpPr>
+          <p:nvPr>
+            <p:extLst>
+              <p:ext uri="{386F3935-93C4-4BCD-93E2-E3B085C9AB24}">
+                <p16:designElem xmlns:p16="http://schemas.microsoft.com/office/powerpoint/2015/main" val="1"/>
+              </p:ext>
+            </p:extLst>
+          </p:nvPr>
+        </p:nvSpPr>
+        <p:spPr>
+          <a:xfrm>
+            <a:off x="4040071" y="0"/>
+            <a:ext cx="64008" cy="6858000"/>
+          </a:xfrm>
+          <a:prstGeom prst="rect">
+            <a:avLst/>
+          </a:prstGeom>
+          <a:solidFill>
+            <a:schemeClr val="accent1"/>
+          </a:solidFill>
+          <a:ln>
+            <a:noFill/>
+          </a:ln>
+        </p:spPr>
+        <p:style>
+          <a:lnRef idx="2">
+            <a:schemeClr val="accent1">
+              <a:shade val="50000"/>
+            </a:schemeClr>
+          </a:lnRef>
+          <a:fillRef idx="1">
+            <a:schemeClr val="accent1"/>
+          </a:fillRef>
+          <a:effectRef idx="0">
+            <a:schemeClr val="accent1"/>
+          </a:effectRef>
+          <a:fontRef idx="minor">
+            <a:schemeClr val="lt1"/>
+          </a:fontRef>
+        </p:style>
+      </p:sp>
+      <p:sp>
+        <p:nvSpPr>
+          <p:cNvPr id="3" name="Content Placeholder 2">
+            <a:extLst>
+              <a:ext uri="{FF2B5EF4-FFF2-40B4-BE49-F238E27FC236}">
+                <a16:creationId xmlns:a16="http://schemas.microsoft.com/office/drawing/2014/main" id="{B2653F15-0460-ED3E-FDAE-4A59FB9CA442}"/>
+              </a:ext>
+            </a:extLst>
+          </p:cNvPr>
+          <p:cNvSpPr>
+            <a:spLocks noGrp="1"/>
+          </p:cNvSpPr>
+          <p:nvPr>
+            <p:ph idx="1"/>
+          </p:nvPr>
+        </p:nvSpPr>
+        <p:spPr>
+          <a:xfrm>
+            <a:off x="4631848" y="321294"/>
+            <a:ext cx="6863518" cy="6389846"/>
+          </a:xfrm>
+        </p:spPr>
+        <p:txBody>
+          <a:bodyPr vert="horz" lIns="0" tIns="45720" rIns="0" bIns="45720" rtlCol="0" anchor="ctr">
+            <a:normAutofit/>
+          </a:bodyPr>
+          <a:lstStyle/>
+          <a:p>
+            <a:pPr>
+              <a:buFont typeface="Arial" panose="020F0502020204030204" pitchFamily="34" charset="0"/>
+              <a:buChar char="•"/>
+            </a:pPr>
+            <a:r>
+              <a:rPr lang="en-US">
+                <a:latin typeface="Arial"/>
+                <a:ea typeface="Calibri"/>
+                <a:cs typeface="Arial"/>
+              </a:rPr>
+              <a:t>CNN architecture:</a:t>
+            </a:r>
+          </a:p>
+          <a:p>
+            <a:pPr marL="383540" lvl="1" algn="just">
+              <a:buFont typeface="Arial" pitchFamily="34" charset="0"/>
+              <a:buChar char="•"/>
+            </a:pPr>
+            <a:r>
+              <a:rPr lang="en-US">
+                <a:latin typeface="Arial"/>
+                <a:ea typeface="Calibri"/>
+                <a:cs typeface="Arial"/>
+              </a:rPr>
+              <a:t>Convolution, 32 neurons, 3x3 kernel</a:t>
+            </a:r>
+          </a:p>
+          <a:p>
+            <a:pPr marL="383540" lvl="1" algn="just">
+              <a:buFont typeface="Arial" pitchFamily="34" charset="0"/>
+              <a:buChar char="•"/>
+            </a:pPr>
+            <a:r>
+              <a:rPr lang="en-US">
+                <a:latin typeface="Arial"/>
+                <a:ea typeface="Calibri"/>
+                <a:cs typeface="Arial"/>
+              </a:rPr>
+              <a:t>Batch Normalization</a:t>
+            </a:r>
+          </a:p>
+          <a:p>
+            <a:pPr marL="383540" lvl="1" algn="just">
+              <a:buFont typeface="Arial" pitchFamily="34" charset="0"/>
+              <a:buChar char="•"/>
+            </a:pPr>
+            <a:r>
+              <a:rPr lang="en-US" err="1">
+                <a:latin typeface="Arial"/>
+                <a:ea typeface="Calibri"/>
+                <a:cs typeface="Arial"/>
+              </a:rPr>
+              <a:t>LeakyReLU</a:t>
+            </a:r>
+            <a:r>
+              <a:rPr lang="en-US">
+                <a:latin typeface="Arial"/>
+                <a:ea typeface="Calibri"/>
+                <a:cs typeface="Arial"/>
+              </a:rPr>
+              <a:t> activation</a:t>
+            </a:r>
+          </a:p>
+          <a:p>
+            <a:pPr marL="383540" lvl="1" algn="just">
+              <a:buFont typeface="Arial" pitchFamily="34" charset="0"/>
+              <a:buChar char="•"/>
+            </a:pPr>
+            <a:r>
+              <a:rPr lang="en-US">
+                <a:latin typeface="Arial"/>
+                <a:ea typeface="Calibri"/>
+                <a:cs typeface="Arial"/>
+              </a:rPr>
+              <a:t>Max Pooling, 3x3 kernel</a:t>
+            </a:r>
+          </a:p>
+          <a:p>
+            <a:pPr marL="383540" lvl="1" algn="just">
+              <a:buFont typeface="Arial" pitchFamily="34" charset="0"/>
+              <a:buChar char="•"/>
+            </a:pPr>
+            <a:endParaRPr lang="en-US">
+              <a:latin typeface="Arial"/>
+              <a:ea typeface="Calibri"/>
+              <a:cs typeface="Arial"/>
+            </a:endParaRPr>
+          </a:p>
+          <a:p>
+            <a:pPr marL="383540" lvl="1" algn="just">
+              <a:buFont typeface="Arial" pitchFamily="34" charset="0"/>
+              <a:buChar char="•"/>
+            </a:pPr>
+            <a:r>
+              <a:rPr lang="en-US">
+                <a:latin typeface="Arial"/>
+                <a:ea typeface="Calibri"/>
+                <a:cs typeface="Arial"/>
+              </a:rPr>
+              <a:t>Convolution, 64 neurons, 3x3 kernel</a:t>
+            </a:r>
+          </a:p>
+          <a:p>
+            <a:pPr marL="383540" lvl="1" algn="just">
+              <a:buFont typeface="Arial,Sans-Serif" pitchFamily="34" charset="0"/>
+              <a:buChar char="•"/>
+            </a:pPr>
+            <a:r>
+              <a:rPr lang="en-US">
+                <a:latin typeface="Arial"/>
+                <a:ea typeface="Calibri"/>
+                <a:cs typeface="Arial"/>
+              </a:rPr>
+              <a:t>Batch Normalization</a:t>
+            </a:r>
+          </a:p>
+          <a:p>
+            <a:pPr marL="383540" lvl="1" algn="just">
+              <a:buFont typeface="Arial,Sans-Serif" pitchFamily="34" charset="0"/>
+              <a:buChar char="•"/>
+            </a:pPr>
+            <a:r>
+              <a:rPr lang="en-US" err="1">
+                <a:latin typeface="Arial"/>
+                <a:ea typeface="Calibri"/>
+                <a:cs typeface="Arial"/>
+              </a:rPr>
+              <a:t>LeakyReLU</a:t>
+            </a:r>
+            <a:r>
+              <a:rPr lang="en-US">
+                <a:latin typeface="Arial"/>
+                <a:ea typeface="Calibri"/>
+                <a:cs typeface="Arial"/>
+              </a:rPr>
+              <a:t> activation</a:t>
+            </a:r>
+            <a:endParaRPr lang="en-US"/>
+          </a:p>
+          <a:p>
+            <a:pPr marL="383540" lvl="1" algn="just">
+              <a:buFont typeface="Arial" pitchFamily="34" charset="0"/>
+              <a:buChar char="•"/>
+            </a:pPr>
+            <a:r>
+              <a:rPr lang="en-US">
+                <a:latin typeface="Arial"/>
+                <a:ea typeface="Calibri"/>
+                <a:cs typeface="Arial"/>
+              </a:rPr>
+              <a:t>Max Pooling, 3x3 kernel</a:t>
+            </a:r>
+          </a:p>
+          <a:p>
+            <a:pPr marL="383540" lvl="1" algn="just">
+              <a:buFont typeface="Arial" pitchFamily="34" charset="0"/>
+              <a:buChar char="•"/>
+            </a:pPr>
+            <a:endParaRPr lang="en-US">
+              <a:latin typeface="Arial"/>
+              <a:ea typeface="Calibri"/>
+              <a:cs typeface="Arial"/>
+            </a:endParaRPr>
+          </a:p>
+          <a:p>
+            <a:pPr marL="383540" lvl="1" algn="just">
+              <a:buFont typeface="Arial" pitchFamily="34" charset="0"/>
+              <a:buChar char="•"/>
+            </a:pPr>
+            <a:r>
+              <a:rPr lang="en-US">
+                <a:latin typeface="Arial"/>
+                <a:ea typeface="Calibri"/>
+                <a:cs typeface="Arial"/>
+              </a:rPr>
+              <a:t>Flatten</a:t>
+            </a:r>
+          </a:p>
+          <a:p>
+            <a:pPr marL="383540" lvl="1" algn="just">
+              <a:buFont typeface="Arial" pitchFamily="34" charset="0"/>
+              <a:buChar char="•"/>
+            </a:pPr>
+            <a:r>
+              <a:rPr lang="en-US">
+                <a:latin typeface="Arial"/>
+                <a:ea typeface="Calibri"/>
+                <a:cs typeface="Arial"/>
+              </a:rPr>
+              <a:t>Dropout 0.5</a:t>
+            </a:r>
+          </a:p>
+          <a:p>
+            <a:pPr marL="383540" lvl="1" algn="just">
+              <a:buFont typeface="Arial" pitchFamily="34" charset="0"/>
+              <a:buChar char="•"/>
+            </a:pPr>
+            <a:r>
+              <a:rPr lang="en-US">
+                <a:latin typeface="Arial"/>
+                <a:ea typeface="Calibri"/>
+                <a:cs typeface="Arial"/>
+              </a:rPr>
+              <a:t>Dense, 10 neurons</a:t>
+            </a:r>
+          </a:p>
+          <a:p>
+            <a:pPr algn="just">
+              <a:buFont typeface="Arial" pitchFamily="34" charset="0"/>
+              <a:buChar char="•"/>
+            </a:pPr>
+            <a:r>
+              <a:rPr lang="en-US" sz="1800">
+                <a:latin typeface="Arial"/>
+                <a:ea typeface="Calibri"/>
+                <a:cs typeface="Arial"/>
+              </a:rPr>
+              <a:t>MNIST classification, split into training, validation and testing</a:t>
+            </a:r>
+            <a:endParaRPr lang="en-US" sz="1800">
+              <a:ea typeface="Calibri" panose="020F0502020204030204"/>
+              <a:cs typeface="Calibri" panose="020F0502020204030204"/>
+            </a:endParaRPr>
+          </a:p>
+          <a:p>
+            <a:pPr>
+              <a:buFont typeface="Arial"/>
+              <a:buChar char="•"/>
+            </a:pPr>
+            <a:r>
+              <a:rPr lang="en-US" sz="1800">
+                <a:latin typeface="Arial"/>
+                <a:ea typeface="Calibri"/>
+                <a:cs typeface="Arial"/>
+              </a:rPr>
+              <a:t>K-Fold training</a:t>
+            </a:r>
+          </a:p>
+          <a:p>
+            <a:pPr marL="383540" lvl="1">
+              <a:buFont typeface="Arial" pitchFamily="34" charset="0"/>
+              <a:buChar char="•"/>
+            </a:pPr>
+            <a:endParaRPr lang="en-US">
+              <a:latin typeface="Arial"/>
+              <a:ea typeface="Calibri"/>
+              <a:cs typeface="Arial"/>
+            </a:endParaRPr>
+          </a:p>
+        </p:txBody>
+      </p:sp>
+    </p:spTree>
+    <p:extLst>
+      <p:ext uri="{BB962C8B-B14F-4D97-AF65-F5344CB8AC3E}">
+        <p14:creationId xmlns:p14="http://schemas.microsoft.com/office/powerpoint/2010/main" val="1997411263"/>
       </p:ext>
     </p:extLst>
   </p:cSld>
@@ -17633,7 +17811,7 @@
                         <a:buNone/>
                       </a:pPr>
                       <a:r>
-                        <a:rPr lang="en-US" sz="2400" b="1" dirty="0">
+                        <a:rPr lang="en-US" sz="2400" b="1">
                           <a:solidFill>
                             <a:schemeClr val="tx1">
                               <a:lumMod val="75000"/>
@@ -17675,7 +17853,7 @@
                     <a:p>
                       <a:pPr algn="ctr"/>
                       <a:r>
-                        <a:rPr lang="en-US" sz="2400" b="1" dirty="0">
+                        <a:rPr lang="en-US" sz="2400" b="1">
                           <a:solidFill>
                             <a:schemeClr val="tx1">
                               <a:lumMod val="75000"/>
@@ -17717,7 +17895,7 @@
                     <a:p>
                       <a:pPr algn="ctr"/>
                       <a:r>
-                        <a:rPr lang="en-US" sz="2400" b="1" dirty="0">
+                        <a:rPr lang="en-US" sz="2400" b="1">
                           <a:solidFill>
                             <a:schemeClr val="tx1">
                               <a:lumMod val="75000"/>
@@ -17759,7 +17937,7 @@
                     <a:p>
                       <a:pPr algn="ctr"/>
                       <a:r>
-                        <a:rPr lang="en-US" sz="2400" b="1" dirty="0">
+                        <a:rPr lang="en-US" sz="2400" b="1">
                           <a:solidFill>
                             <a:schemeClr val="tx1">
                               <a:lumMod val="75000"/>
@@ -17810,7 +17988,7 @@
                         <a:buNone/>
                       </a:pPr>
                       <a:r>
-                        <a:rPr lang="en-US" sz="2300" dirty="0">
+                        <a:rPr lang="en-US" sz="2300">
                           <a:solidFill>
                             <a:schemeClr val="tx1">
                               <a:lumMod val="75000"/>
@@ -17856,7 +18034,7 @@
                         <a:buNone/>
                       </a:pPr>
                       <a:r>
-                        <a:rPr lang="en-US" sz="2300" dirty="0">
+                        <a:rPr lang="en-US" sz="2300">
                           <a:solidFill>
                             <a:schemeClr val="tx1">
                               <a:lumMod val="75000"/>
@@ -17902,7 +18080,7 @@
                         <a:buNone/>
                       </a:pPr>
                       <a:r>
-                        <a:rPr lang="en-US" sz="2300" dirty="0">
+                        <a:rPr lang="en-US" sz="2300">
                           <a:solidFill>
                             <a:schemeClr val="tx1">
                               <a:lumMod val="75000"/>
@@ -17948,7 +18126,7 @@
                         <a:buNone/>
                       </a:pPr>
                       <a:r>
-                        <a:rPr lang="en-US" sz="2300" dirty="0">
+                        <a:rPr lang="en-US" sz="2300">
                           <a:solidFill>
                             <a:schemeClr val="tx1">
                               <a:lumMod val="75000"/>
@@ -18001,7 +18179,7 @@
                         <a:buNone/>
                       </a:pPr>
                       <a:r>
-                        <a:rPr lang="en-US" sz="2300" dirty="0">
+                        <a:rPr lang="en-US" sz="2300">
                           <a:solidFill>
                             <a:schemeClr val="tx1">
                               <a:lumMod val="75000"/>
@@ -18047,7 +18225,7 @@
                         <a:buNone/>
                       </a:pPr>
                       <a:r>
-                        <a:rPr lang="en-US" sz="2300" dirty="0">
+                        <a:rPr lang="en-US" sz="2300">
                           <a:solidFill>
                             <a:schemeClr val="tx1">
                               <a:lumMod val="75000"/>
@@ -18093,7 +18271,7 @@
                         <a:buNone/>
                       </a:pPr>
                       <a:r>
-                        <a:rPr lang="en-US" sz="2300" dirty="0">
+                        <a:rPr lang="en-US" sz="2300">
                           <a:solidFill>
                             <a:schemeClr val="tx1">
                               <a:lumMod val="75000"/>
@@ -18139,7 +18317,7 @@
                         <a:buNone/>
                       </a:pPr>
                       <a:r>
-                        <a:rPr lang="en-US" sz="2300" dirty="0">
+                        <a:rPr lang="en-US" sz="2300">
                           <a:solidFill>
                             <a:schemeClr val="tx1">
                               <a:lumMod val="75000"/>
@@ -18245,7 +18423,7 @@
                         <a:buNone/>
                       </a:pPr>
                       <a:r>
-                        <a:rPr lang="en-US" sz="2300" b="0" i="0" u="none" strike="noStrike" noProof="0" dirty="0">
+                        <a:rPr lang="en-US" sz="2300" b="0" i="0" u="none" strike="noStrike" noProof="0">
                           <a:solidFill>
                             <a:schemeClr val="tx1">
                               <a:lumMod val="75000"/>
@@ -18256,7 +18434,7 @@
                         </a:rPr>
                         <a:t>11.45%</a:t>
                       </a:r>
-                      <a:endParaRPr lang="en-US" sz="2300" dirty="0">
+                      <a:endParaRPr lang="en-US" sz="2300">
                         <a:solidFill>
                           <a:schemeClr val="tx1">
                             <a:lumMod val="75000"/>
@@ -18298,7 +18476,7 @@
                         <a:buNone/>
                       </a:pPr>
                       <a:r>
-                        <a:rPr lang="en-US" sz="2300" dirty="0">
+                        <a:rPr lang="en-US" sz="2300">
                           <a:solidFill>
                             <a:schemeClr val="tx1">
                               <a:lumMod val="75000"/>
@@ -18342,7 +18520,7 @@
                         <a:buNone/>
                       </a:pPr>
                       <a:r>
-                        <a:rPr lang="en-US" sz="2300" dirty="0">
+                        <a:rPr lang="en-US" sz="2300">
                           <a:solidFill>
                             <a:schemeClr val="tx1">
                               <a:lumMod val="75000"/>
@@ -20475,543 +20653,6 @@
           <a:chExt cx="0" cy="0"/>
         </a:xfrm>
       </p:grpSpPr>
-      <p:sp useBgFill="1">
-        <p:nvSpPr>
-          <p:cNvPr id="8" name="Rectangle 7">
-            <a:extLst>
-              <a:ext uri="{FF2B5EF4-FFF2-40B4-BE49-F238E27FC236}">
-                <a16:creationId xmlns:a16="http://schemas.microsoft.com/office/drawing/2014/main" id="{3741B58E-3B65-4A01-A276-975AB2CF8A08}"/>
-              </a:ext>
-              <a:ext uri="{C183D7F6-B498-43B3-948B-1728B52AA6E4}">
-                <adec:decorative xmlns:adec="http://schemas.microsoft.com/office/drawing/2017/decorative" val="1"/>
-              </a:ext>
-            </a:extLst>
-          </p:cNvPr>
-          <p:cNvSpPr>
-            <a:spLocks noGrp="1" noRot="1" noChangeAspect="1" noMove="1" noResize="1" noEditPoints="1" noAdjustHandles="1" noChangeArrowheads="1" noChangeShapeType="1" noTextEdit="1"/>
-          </p:cNvSpPr>
-          <p:nvPr>
-            <p:extLst>
-              <p:ext uri="{386F3935-93C4-4BCD-93E2-E3B085C9AB24}">
-                <p16:designElem xmlns:p16="http://schemas.microsoft.com/office/powerpoint/2015/main" val="1"/>
-              </p:ext>
-            </p:extLst>
-          </p:nvPr>
-        </p:nvSpPr>
-        <p:spPr>
-          <a:xfrm>
-            <a:off x="0" y="0"/>
-            <a:ext cx="12186315" cy="6858000"/>
-          </a:xfrm>
-          <a:prstGeom prst="rect">
-            <a:avLst/>
-          </a:prstGeom>
-          <a:ln>
-            <a:noFill/>
-          </a:ln>
-        </p:spPr>
-        <p:style>
-          <a:lnRef idx="2">
-            <a:schemeClr val="accent6">
-              <a:shade val="50000"/>
-            </a:schemeClr>
-          </a:lnRef>
-          <a:fillRef idx="1001">
-            <a:schemeClr val="lt1"/>
-          </a:fillRef>
-          <a:effectRef idx="0">
-            <a:schemeClr val="accent6"/>
-          </a:effectRef>
-          <a:fontRef idx="minor">
-            <a:schemeClr val="lt1"/>
-          </a:fontRef>
-        </p:style>
-        <p:txBody>
-          <a:bodyPr rtlCol="0" anchor="ctr"/>
-          <a:lstStyle/>
-          <a:p>
-            <a:pPr algn="ctr"/>
-            <a:endParaRPr lang="en-US"/>
-          </a:p>
-        </p:txBody>
-      </p:sp>
-      <p:sp>
-        <p:nvSpPr>
-          <p:cNvPr id="10" name="Rectangle 9">
-            <a:extLst>
-              <a:ext uri="{FF2B5EF4-FFF2-40B4-BE49-F238E27FC236}">
-                <a16:creationId xmlns:a16="http://schemas.microsoft.com/office/drawing/2014/main" id="{7AAC67C3-831B-4AB1-A259-DFB839CAFAFC}"/>
-              </a:ext>
-              <a:ext uri="{C183D7F6-B498-43B3-948B-1728B52AA6E4}">
-                <adec:decorative xmlns:adec="http://schemas.microsoft.com/office/drawing/2017/decorative" val="1"/>
-              </a:ext>
-            </a:extLst>
-          </p:cNvPr>
-          <p:cNvSpPr>
-            <a:spLocks noGrp="1" noRot="1" noChangeAspect="1" noMove="1" noResize="1" noEditPoints="1" noAdjustHandles="1" noChangeArrowheads="1" noChangeShapeType="1" noTextEdit="1"/>
-          </p:cNvSpPr>
-          <p:nvPr>
-            <p:extLst>
-              <p:ext uri="{386F3935-93C4-4BCD-93E2-E3B085C9AB24}">
-                <p16:designElem xmlns:p16="http://schemas.microsoft.com/office/powerpoint/2015/main" val="1"/>
-              </p:ext>
-            </p:extLst>
-          </p:nvPr>
-        </p:nvSpPr>
-        <p:spPr>
-          <a:xfrm>
-            <a:off x="16" y="0"/>
-            <a:ext cx="4050791" cy="6858000"/>
-          </a:xfrm>
-          <a:prstGeom prst="rect">
-            <a:avLst/>
-          </a:prstGeom>
-          <a:solidFill>
-            <a:schemeClr val="accent1">
-              <a:lumMod val="50000"/>
-            </a:schemeClr>
-          </a:solidFill>
-          <a:ln>
-            <a:noFill/>
-          </a:ln>
-        </p:spPr>
-        <p:style>
-          <a:lnRef idx="2">
-            <a:schemeClr val="accent1">
-              <a:shade val="50000"/>
-            </a:schemeClr>
-          </a:lnRef>
-          <a:fillRef idx="1">
-            <a:schemeClr val="accent1"/>
-          </a:fillRef>
-          <a:effectRef idx="0">
-            <a:schemeClr val="accent1"/>
-          </a:effectRef>
-          <a:fontRef idx="minor">
-            <a:schemeClr val="lt1"/>
-          </a:fontRef>
-        </p:style>
-      </p:sp>
-      <p:sp>
-        <p:nvSpPr>
-          <p:cNvPr id="2" name="Title 1">
-            <a:extLst>
-              <a:ext uri="{FF2B5EF4-FFF2-40B4-BE49-F238E27FC236}">
-                <a16:creationId xmlns:a16="http://schemas.microsoft.com/office/drawing/2014/main" id="{84DB4BDF-780D-1DA7-EFDD-E6EEC3AF1C56}"/>
-              </a:ext>
-            </a:extLst>
-          </p:cNvPr>
-          <p:cNvSpPr>
-            <a:spLocks noGrp="1"/>
-          </p:cNvSpPr>
-          <p:nvPr>
-            <p:ph type="title"/>
-          </p:nvPr>
-        </p:nvSpPr>
-        <p:spPr>
-          <a:xfrm>
-            <a:off x="592633" y="605896"/>
-            <a:ext cx="3084844" cy="5646208"/>
-          </a:xfrm>
-        </p:spPr>
-        <p:txBody>
-          <a:bodyPr anchor="ctr">
-            <a:normAutofit/>
-          </a:bodyPr>
-          <a:lstStyle/>
-          <a:p>
-            <a:pPr algn="ctr"/>
-            <a:r>
-              <a:rPr lang="en-US" sz="3600" dirty="0">
-                <a:solidFill>
-                  <a:srgbClr val="FFFFFF"/>
-                </a:solidFill>
-                <a:latin typeface="Arial"/>
-                <a:ea typeface="Calibri Light"/>
-                <a:cs typeface="Arial"/>
-              </a:rPr>
-              <a:t>Neural Architecture</a:t>
-            </a:r>
-            <a:endParaRPr lang="en-US" sz="3600" dirty="0">
-              <a:latin typeface="Arial"/>
-              <a:ea typeface="Calibri Light"/>
-              <a:cs typeface="Arial"/>
-            </a:endParaRPr>
-          </a:p>
-        </p:txBody>
-      </p:sp>
-      <p:sp>
-        <p:nvSpPr>
-          <p:cNvPr id="12" name="Rectangle 11">
-            <a:extLst>
-              <a:ext uri="{FF2B5EF4-FFF2-40B4-BE49-F238E27FC236}">
-                <a16:creationId xmlns:a16="http://schemas.microsoft.com/office/drawing/2014/main" id="{054B3F04-9EAC-45C0-B3CE-0387EEA10A0C}"/>
-              </a:ext>
-              <a:ext uri="{C183D7F6-B498-43B3-948B-1728B52AA6E4}">
-                <adec:decorative xmlns:adec="http://schemas.microsoft.com/office/drawing/2017/decorative" val="1"/>
-              </a:ext>
-            </a:extLst>
-          </p:cNvPr>
-          <p:cNvSpPr>
-            <a:spLocks noGrp="1" noRot="1" noChangeAspect="1" noMove="1" noResize="1" noEditPoints="1" noAdjustHandles="1" noChangeArrowheads="1" noChangeShapeType="1" noTextEdit="1"/>
-          </p:cNvSpPr>
-          <p:nvPr>
-            <p:extLst>
-              <p:ext uri="{386F3935-93C4-4BCD-93E2-E3B085C9AB24}">
-                <p16:designElem xmlns:p16="http://schemas.microsoft.com/office/powerpoint/2015/main" val="1"/>
-              </p:ext>
-            </p:extLst>
-          </p:nvPr>
-        </p:nvSpPr>
-        <p:spPr>
-          <a:xfrm>
-            <a:off x="4040071" y="0"/>
-            <a:ext cx="64008" cy="6858000"/>
-          </a:xfrm>
-          <a:prstGeom prst="rect">
-            <a:avLst/>
-          </a:prstGeom>
-          <a:solidFill>
-            <a:schemeClr val="accent1"/>
-          </a:solidFill>
-          <a:ln>
-            <a:noFill/>
-          </a:ln>
-        </p:spPr>
-        <p:style>
-          <a:lnRef idx="2">
-            <a:schemeClr val="accent1">
-              <a:shade val="50000"/>
-            </a:schemeClr>
-          </a:lnRef>
-          <a:fillRef idx="1">
-            <a:schemeClr val="accent1"/>
-          </a:fillRef>
-          <a:effectRef idx="0">
-            <a:schemeClr val="accent1"/>
-          </a:effectRef>
-          <a:fontRef idx="minor">
-            <a:schemeClr val="lt1"/>
-          </a:fontRef>
-        </p:style>
-      </p:sp>
-      <p:sp>
-        <p:nvSpPr>
-          <p:cNvPr id="3" name="Content Placeholder 2">
-            <a:extLst>
-              <a:ext uri="{FF2B5EF4-FFF2-40B4-BE49-F238E27FC236}">
-                <a16:creationId xmlns:a16="http://schemas.microsoft.com/office/drawing/2014/main" id="{B2653F15-0460-ED3E-FDAE-4A59FB9CA442}"/>
-              </a:ext>
-            </a:extLst>
-          </p:cNvPr>
-          <p:cNvSpPr>
-            <a:spLocks noGrp="1"/>
-          </p:cNvSpPr>
-          <p:nvPr>
-            <p:ph idx="1"/>
-          </p:nvPr>
-        </p:nvSpPr>
-        <p:spPr>
-          <a:xfrm>
-            <a:off x="4631848" y="321294"/>
-            <a:ext cx="6863518" cy="6389846"/>
-          </a:xfrm>
-        </p:spPr>
-        <p:txBody>
-          <a:bodyPr vert="horz" lIns="0" tIns="45720" rIns="0" bIns="45720" rtlCol="0" anchor="ctr">
-            <a:normAutofit/>
-          </a:bodyPr>
-          <a:lstStyle/>
-          <a:p>
-            <a:pPr>
-              <a:buFont typeface="Arial" panose="020F0502020204030204" pitchFamily="34" charset="0"/>
-              <a:buChar char="•"/>
-            </a:pPr>
-            <a:r>
-              <a:rPr lang="en-US">
-                <a:latin typeface="Arial"/>
-                <a:ea typeface="Calibri"/>
-                <a:cs typeface="Arial"/>
-              </a:rPr>
-              <a:t>CNN architecture:</a:t>
-            </a:r>
-          </a:p>
-          <a:p>
-            <a:pPr marL="383540" lvl="1" algn="just">
-              <a:buFont typeface="Arial" pitchFamily="34" charset="0"/>
-              <a:buChar char="•"/>
-            </a:pPr>
-            <a:r>
-              <a:rPr lang="en-US">
-                <a:latin typeface="Arial"/>
-                <a:ea typeface="Calibri"/>
-                <a:cs typeface="Arial"/>
-              </a:rPr>
-              <a:t>Convolution, 32 neurons, 3x3 kernel</a:t>
-            </a:r>
-          </a:p>
-          <a:p>
-            <a:pPr marL="383540" lvl="1" algn="just">
-              <a:buFont typeface="Arial" pitchFamily="34" charset="0"/>
-              <a:buChar char="•"/>
-            </a:pPr>
-            <a:r>
-              <a:rPr lang="en-US">
-                <a:latin typeface="Arial"/>
-                <a:ea typeface="Calibri"/>
-                <a:cs typeface="Arial"/>
-              </a:rPr>
-              <a:t>Batch Normalization</a:t>
-            </a:r>
-          </a:p>
-          <a:p>
-            <a:pPr marL="383540" lvl="1" algn="just">
-              <a:buFont typeface="Arial" pitchFamily="34" charset="0"/>
-              <a:buChar char="•"/>
-            </a:pPr>
-            <a:r>
-              <a:rPr lang="en-US" err="1">
-                <a:latin typeface="Arial"/>
-                <a:ea typeface="Calibri"/>
-                <a:cs typeface="Arial"/>
-              </a:rPr>
-              <a:t>LeakyReLU</a:t>
-            </a:r>
-            <a:r>
-              <a:rPr lang="en-US">
-                <a:latin typeface="Arial"/>
-                <a:ea typeface="Calibri"/>
-                <a:cs typeface="Arial"/>
-              </a:rPr>
-              <a:t> activation</a:t>
-            </a:r>
-          </a:p>
-          <a:p>
-            <a:pPr marL="383540" lvl="1" algn="just">
-              <a:buFont typeface="Arial" pitchFamily="34" charset="0"/>
-              <a:buChar char="•"/>
-            </a:pPr>
-            <a:r>
-              <a:rPr lang="en-US">
-                <a:latin typeface="Arial"/>
-                <a:ea typeface="Calibri"/>
-                <a:cs typeface="Arial"/>
-              </a:rPr>
-              <a:t>Max Pooling, 3x3 kernel</a:t>
-            </a:r>
-          </a:p>
-          <a:p>
-            <a:pPr marL="383540" lvl="1" algn="just">
-              <a:buFont typeface="Arial" pitchFamily="34" charset="0"/>
-              <a:buChar char="•"/>
-            </a:pPr>
-            <a:endParaRPr lang="en-US">
-              <a:latin typeface="Arial"/>
-              <a:ea typeface="Calibri"/>
-              <a:cs typeface="Arial"/>
-            </a:endParaRPr>
-          </a:p>
-          <a:p>
-            <a:pPr marL="383540" lvl="1" algn="just">
-              <a:buFont typeface="Arial" pitchFamily="34" charset="0"/>
-              <a:buChar char="•"/>
-            </a:pPr>
-            <a:r>
-              <a:rPr lang="en-US">
-                <a:latin typeface="Arial"/>
-                <a:ea typeface="Calibri"/>
-                <a:cs typeface="Arial"/>
-              </a:rPr>
-              <a:t>Convolution, 64 neurons, 3x3 kernel</a:t>
-            </a:r>
-          </a:p>
-          <a:p>
-            <a:pPr marL="383540" lvl="1" algn="just">
-              <a:buFont typeface="Arial,Sans-Serif" pitchFamily="34" charset="0"/>
-              <a:buChar char="•"/>
-            </a:pPr>
-            <a:r>
-              <a:rPr lang="en-US">
-                <a:latin typeface="Arial"/>
-                <a:ea typeface="Calibri"/>
-                <a:cs typeface="Arial"/>
-              </a:rPr>
-              <a:t>Batch Normalization</a:t>
-            </a:r>
-          </a:p>
-          <a:p>
-            <a:pPr marL="383540" lvl="1" algn="just">
-              <a:buFont typeface="Arial,Sans-Serif" pitchFamily="34" charset="0"/>
-              <a:buChar char="•"/>
-            </a:pPr>
-            <a:r>
-              <a:rPr lang="en-US" err="1">
-                <a:latin typeface="Arial"/>
-                <a:ea typeface="Calibri"/>
-                <a:cs typeface="Arial"/>
-              </a:rPr>
-              <a:t>LeakyReLU</a:t>
-            </a:r>
-            <a:r>
-              <a:rPr lang="en-US">
-                <a:latin typeface="Arial"/>
-                <a:ea typeface="Calibri"/>
-                <a:cs typeface="Arial"/>
-              </a:rPr>
-              <a:t> activation</a:t>
-            </a:r>
-            <a:endParaRPr lang="en-US"/>
-          </a:p>
-          <a:p>
-            <a:pPr marL="383540" lvl="1" algn="just">
-              <a:buFont typeface="Arial" pitchFamily="34" charset="0"/>
-              <a:buChar char="•"/>
-            </a:pPr>
-            <a:r>
-              <a:rPr lang="en-US">
-                <a:latin typeface="Arial"/>
-                <a:ea typeface="Calibri"/>
-                <a:cs typeface="Arial"/>
-              </a:rPr>
-              <a:t>Max Pooling, 3x3 kernel</a:t>
-            </a:r>
-          </a:p>
-          <a:p>
-            <a:pPr marL="383540" lvl="1" algn="just">
-              <a:buFont typeface="Arial" pitchFamily="34" charset="0"/>
-              <a:buChar char="•"/>
-            </a:pPr>
-            <a:endParaRPr lang="en-US">
-              <a:latin typeface="Arial"/>
-              <a:ea typeface="Calibri"/>
-              <a:cs typeface="Arial"/>
-            </a:endParaRPr>
-          </a:p>
-          <a:p>
-            <a:pPr marL="383540" lvl="1" algn="just">
-              <a:buFont typeface="Arial" pitchFamily="34" charset="0"/>
-              <a:buChar char="•"/>
-            </a:pPr>
-            <a:r>
-              <a:rPr lang="en-US">
-                <a:latin typeface="Arial"/>
-                <a:ea typeface="Calibri"/>
-                <a:cs typeface="Arial"/>
-              </a:rPr>
-              <a:t>Flatten</a:t>
-            </a:r>
-          </a:p>
-          <a:p>
-            <a:pPr marL="383540" lvl="1" algn="just">
-              <a:buFont typeface="Arial" pitchFamily="34" charset="0"/>
-              <a:buChar char="•"/>
-            </a:pPr>
-            <a:r>
-              <a:rPr lang="en-US">
-                <a:latin typeface="Arial"/>
-                <a:ea typeface="Calibri"/>
-                <a:cs typeface="Arial"/>
-              </a:rPr>
-              <a:t>Dropout 0.5</a:t>
-            </a:r>
-          </a:p>
-          <a:p>
-            <a:pPr marL="383540" lvl="1" algn="just">
-              <a:buFont typeface="Arial" pitchFamily="34" charset="0"/>
-              <a:buChar char="•"/>
-            </a:pPr>
-            <a:r>
-              <a:rPr lang="en-US">
-                <a:latin typeface="Arial"/>
-                <a:ea typeface="Calibri"/>
-                <a:cs typeface="Arial"/>
-              </a:rPr>
-              <a:t>Dense, 10 neurons</a:t>
-            </a:r>
-          </a:p>
-          <a:p>
-            <a:pPr algn="just">
-              <a:buFont typeface="Arial" pitchFamily="34" charset="0"/>
-              <a:buChar char="•"/>
-            </a:pPr>
-            <a:r>
-              <a:rPr lang="en-US" sz="1800">
-                <a:latin typeface="Arial"/>
-                <a:ea typeface="Calibri"/>
-                <a:cs typeface="Arial"/>
-              </a:rPr>
-              <a:t>MNIST classification, split into training, validation and testing</a:t>
-            </a:r>
-            <a:endParaRPr lang="en-US" sz="1800">
-              <a:ea typeface="Calibri" panose="020F0502020204030204"/>
-              <a:cs typeface="Calibri" panose="020F0502020204030204"/>
-            </a:endParaRPr>
-          </a:p>
-          <a:p>
-            <a:pPr>
-              <a:buFont typeface="Arial"/>
-              <a:buChar char="•"/>
-            </a:pPr>
-            <a:r>
-              <a:rPr lang="en-US" sz="1800">
-                <a:latin typeface="Arial"/>
-                <a:ea typeface="Calibri"/>
-                <a:cs typeface="Arial"/>
-              </a:rPr>
-              <a:t>K-Fold training</a:t>
-            </a:r>
-          </a:p>
-          <a:p>
-            <a:pPr marL="383540" lvl="1">
-              <a:buFont typeface="Arial" pitchFamily="34" charset="0"/>
-              <a:buChar char="•"/>
-            </a:pPr>
-            <a:endParaRPr lang="en-US">
-              <a:latin typeface="Arial"/>
-              <a:ea typeface="Calibri"/>
-              <a:cs typeface="Arial"/>
-            </a:endParaRPr>
-          </a:p>
-        </p:txBody>
-      </p:sp>
-    </p:spTree>
-    <p:extLst>
-      <p:ext uri="{BB962C8B-B14F-4D97-AF65-F5344CB8AC3E}">
-        <p14:creationId xmlns:p14="http://schemas.microsoft.com/office/powerpoint/2010/main" val="1997411263"/>
-      </p:ext>
-    </p:extLst>
-  </p:cSld>
-  <p:clrMapOvr>
-    <a:masterClrMapping/>
-  </p:clrMapOvr>
-</p:sld>
-</file>
-
-<file path=ppt/slides/slide5.xml><?xml version="1.0" encoding="utf-8"?>
-<p:sld xmlns:a="http://schemas.openxmlformats.org/drawingml/2006/main" xmlns:r="http://schemas.openxmlformats.org/officeDocument/2006/relationships" xmlns:p="http://schemas.openxmlformats.org/presentationml/2006/main">
-  <p:cSld>
-    <p:bg>
-      <p:bgPr>
-        <a:solidFill>
-          <a:schemeClr val="bg2"/>
-        </a:solidFill>
-        <a:effectLst/>
-      </p:bgPr>
-    </p:bg>
-    <p:spTree>
-      <p:nvGrpSpPr>
-        <p:cNvPr id="1" name=""/>
-        <p:cNvGrpSpPr/>
-        <p:nvPr/>
-      </p:nvGrpSpPr>
-      <p:grpSpPr>
-        <a:xfrm>
-          <a:off x="0" y="0"/>
-          <a:ext cx="0" cy="0"/>
-          <a:chOff x="0" y="0"/>
-          <a:chExt cx="0" cy="0"/>
-        </a:xfrm>
-      </p:grpSpPr>
       <p:pic>
         <p:nvPicPr>
           <p:cNvPr id="5" name="Picture 4" descr="Blue arrows pointing at a red button">
@@ -21333,7 +20974,7 @@
 </p:sld>
 </file>
 
-<file path=ppt/slides/slide6.xml><?xml version="1.0" encoding="utf-8"?>
+<file path=ppt/slides/slide5.xml><?xml version="1.0" encoding="utf-8"?>
 <p:sld xmlns:a="http://schemas.openxmlformats.org/drawingml/2006/main" xmlns:r="http://schemas.openxmlformats.org/officeDocument/2006/relationships" xmlns:p="http://schemas.openxmlformats.org/presentationml/2006/main">
   <p:cSld>
     <p:bg>
@@ -21723,7 +21364,7 @@
 </p:sld>
 </file>
 
-<file path=ppt/slides/slide7.xml><?xml version="1.0" encoding="utf-8"?>
+<file path=ppt/slides/slide6.xml><?xml version="1.0" encoding="utf-8"?>
 <p:sld xmlns:a="http://schemas.openxmlformats.org/drawingml/2006/main" xmlns:r="http://schemas.openxmlformats.org/officeDocument/2006/relationships" xmlns:p="http://schemas.openxmlformats.org/presentationml/2006/main">
   <p:cSld>
     <p:bg>
@@ -22076,7 +21717,7 @@
 </p:sld>
 </file>
 
-<file path=ppt/slides/slide8.xml><?xml version="1.0" encoding="utf-8"?>
+<file path=ppt/slides/slide7.xml><?xml version="1.0" encoding="utf-8"?>
 <p:sld xmlns:a="http://schemas.openxmlformats.org/drawingml/2006/main" xmlns:r="http://schemas.openxmlformats.org/officeDocument/2006/relationships" xmlns:p="http://schemas.openxmlformats.org/presentationml/2006/main">
   <p:cSld>
     <p:bg>
@@ -22464,7 +22105,7 @@
 </p:sld>
 </file>
 
-<file path=ppt/slides/slide9.xml><?xml version="1.0" encoding="utf-8"?>
+<file path=ppt/slides/slide8.xml><?xml version="1.0" encoding="utf-8"?>
 <p:sld xmlns:a="http://schemas.openxmlformats.org/drawingml/2006/main" xmlns:r="http://schemas.openxmlformats.org/officeDocument/2006/relationships" xmlns:p="http://schemas.openxmlformats.org/presentationml/2006/main">
   <p:cSld>
     <p:bg>
@@ -22823,6 +22464,365 @@
 </p:sld>
 </file>
 
+<file path=ppt/slides/slide9.xml><?xml version="1.0" encoding="utf-8"?>
+<p:sld xmlns:a="http://schemas.openxmlformats.org/drawingml/2006/main" xmlns:r="http://schemas.openxmlformats.org/officeDocument/2006/relationships" xmlns:p="http://schemas.openxmlformats.org/presentationml/2006/main">
+  <p:cSld>
+    <p:bg>
+      <p:bgPr>
+        <a:solidFill>
+          <a:schemeClr val="bg1"/>
+        </a:solidFill>
+        <a:effectLst/>
+      </p:bgPr>
+    </p:bg>
+    <p:spTree>
+      <p:nvGrpSpPr>
+        <p:cNvPr id="1" name="">
+          <a:extLst>
+            <a:ext uri="{FF2B5EF4-FFF2-40B4-BE49-F238E27FC236}">
+              <a16:creationId xmlns:a16="http://schemas.microsoft.com/office/drawing/2014/main" id="{77B5FDF6-40B7-23D7-7991-6B2FC09FDF0C}"/>
+            </a:ext>
+          </a:extLst>
+        </p:cNvPr>
+        <p:cNvGrpSpPr/>
+        <p:nvPr/>
+      </p:nvGrpSpPr>
+      <p:grpSpPr>
+        <a:xfrm>
+          <a:off x="0" y="0"/>
+          <a:ext cx="0" cy="0"/>
+          <a:chOff x="0" y="0"/>
+          <a:chExt cx="0" cy="0"/>
+        </a:xfrm>
+      </p:grpSpPr>
+      <p:sp>
+        <p:nvSpPr>
+          <p:cNvPr id="9" name="Rectangle 8">
+            <a:extLst>
+              <a:ext uri="{FF2B5EF4-FFF2-40B4-BE49-F238E27FC236}">
+                <a16:creationId xmlns:a16="http://schemas.microsoft.com/office/drawing/2014/main" id="{D808530D-8C81-F445-A356-9E652AB79154}"/>
+              </a:ext>
+              <a:ext uri="{C183D7F6-B498-43B3-948B-1728B52AA6E4}">
+                <adec:decorative xmlns:adec="http://schemas.microsoft.com/office/drawing/2017/decorative" val="1"/>
+              </a:ext>
+            </a:extLst>
+          </p:cNvPr>
+          <p:cNvSpPr>
+            <a:spLocks noGrp="1" noRot="1" noChangeAspect="1" noMove="1" noResize="1" noEditPoints="1" noAdjustHandles="1" noChangeArrowheads="1" noChangeShapeType="1" noTextEdit="1"/>
+          </p:cNvSpPr>
+          <p:nvPr>
+            <p:extLst>
+              <p:ext uri="{386F3935-93C4-4BCD-93E2-E3B085C9AB24}">
+                <p16:designElem xmlns:p16="http://schemas.microsoft.com/office/powerpoint/2015/main" val="1"/>
+              </p:ext>
+            </p:extLst>
+          </p:nvPr>
+        </p:nvSpPr>
+        <p:spPr>
+          <a:xfrm>
+            <a:off x="3175" y="6400800"/>
+            <a:ext cx="12188825" cy="457200"/>
+          </a:xfrm>
+          <a:prstGeom prst="rect">
+            <a:avLst/>
+          </a:prstGeom>
+          <a:solidFill>
+            <a:schemeClr val="accent2"/>
+          </a:solidFill>
+          <a:ln>
+            <a:noFill/>
+          </a:ln>
+        </p:spPr>
+        <p:style>
+          <a:lnRef idx="2">
+            <a:schemeClr val="accent1">
+              <a:shade val="50000"/>
+            </a:schemeClr>
+          </a:lnRef>
+          <a:fillRef idx="1">
+            <a:schemeClr val="accent1"/>
+          </a:fillRef>
+          <a:effectRef idx="0">
+            <a:schemeClr val="accent1"/>
+          </a:effectRef>
+          <a:fontRef idx="minor">
+            <a:schemeClr val="lt1"/>
+          </a:fontRef>
+        </p:style>
+      </p:sp>
+      <p:sp>
+        <p:nvSpPr>
+          <p:cNvPr id="11" name="Rectangle 10">
+            <a:extLst>
+              <a:ext uri="{FF2B5EF4-FFF2-40B4-BE49-F238E27FC236}">
+                <a16:creationId xmlns:a16="http://schemas.microsoft.com/office/drawing/2014/main" id="{677AC081-0B21-50FA-CA77-8FC514B6D027}"/>
+              </a:ext>
+              <a:ext uri="{C183D7F6-B498-43B3-948B-1728B52AA6E4}">
+                <adec:decorative xmlns:adec="http://schemas.microsoft.com/office/drawing/2017/decorative" val="1"/>
+              </a:ext>
+            </a:extLst>
+          </p:cNvPr>
+          <p:cNvSpPr>
+            <a:spLocks noGrp="1" noRot="1" noChangeAspect="1" noMove="1" noResize="1" noEditPoints="1" noAdjustHandles="1" noChangeArrowheads="1" noChangeShapeType="1" noTextEdit="1"/>
+          </p:cNvSpPr>
+          <p:nvPr>
+            <p:extLst>
+              <p:ext uri="{386F3935-93C4-4BCD-93E2-E3B085C9AB24}">
+                <p16:designElem xmlns:p16="http://schemas.microsoft.com/office/powerpoint/2015/main" val="1"/>
+              </p:ext>
+            </p:extLst>
+          </p:nvPr>
+        </p:nvSpPr>
+        <p:spPr>
+          <a:xfrm>
+            <a:off x="15" y="6334316"/>
+            <a:ext cx="12188825" cy="64008"/>
+          </a:xfrm>
+          <a:prstGeom prst="rect">
+            <a:avLst/>
+          </a:prstGeom>
+          <a:solidFill>
+            <a:schemeClr val="accent1"/>
+          </a:solidFill>
+          <a:ln>
+            <a:noFill/>
+          </a:ln>
+        </p:spPr>
+        <p:style>
+          <a:lnRef idx="2">
+            <a:schemeClr val="accent1">
+              <a:shade val="50000"/>
+            </a:schemeClr>
+          </a:lnRef>
+          <a:fillRef idx="1">
+            <a:schemeClr val="accent1"/>
+          </a:fillRef>
+          <a:effectRef idx="0">
+            <a:schemeClr val="accent1"/>
+          </a:effectRef>
+          <a:fontRef idx="minor">
+            <a:schemeClr val="lt1"/>
+          </a:fontRef>
+        </p:style>
+      </p:sp>
+      <p:sp>
+        <p:nvSpPr>
+          <p:cNvPr id="13" name="Rectangle 12">
+            <a:extLst>
+              <a:ext uri="{FF2B5EF4-FFF2-40B4-BE49-F238E27FC236}">
+                <a16:creationId xmlns:a16="http://schemas.microsoft.com/office/drawing/2014/main" id="{E1C9873E-FB09-E576-D5DE-E6E435742F1D}"/>
+              </a:ext>
+              <a:ext uri="{C183D7F6-B498-43B3-948B-1728B52AA6E4}">
+                <adec:decorative xmlns:adec="http://schemas.microsoft.com/office/drawing/2017/decorative" val="1"/>
+              </a:ext>
+            </a:extLst>
+          </p:cNvPr>
+          <p:cNvSpPr>
+            <a:spLocks noGrp="1" noRot="1" noChangeAspect="1" noMove="1" noResize="1" noEditPoints="1" noAdjustHandles="1" noChangeArrowheads="1" noChangeShapeType="1" noTextEdit="1"/>
+          </p:cNvSpPr>
+          <p:nvPr>
+            <p:extLst>
+              <p:ext uri="{386F3935-93C4-4BCD-93E2-E3B085C9AB24}">
+                <p16:designElem xmlns:p16="http://schemas.microsoft.com/office/powerpoint/2015/main" val="1"/>
+              </p:ext>
+            </p:extLst>
+          </p:nvPr>
+        </p:nvSpPr>
+        <p:spPr>
+          <a:xfrm>
+            <a:off x="0" y="0"/>
+            <a:ext cx="12192000" cy="6858000"/>
+          </a:xfrm>
+          <a:prstGeom prst="rect">
+            <a:avLst/>
+          </a:prstGeom>
+          <a:solidFill>
+            <a:schemeClr val="bg2"/>
+          </a:solidFill>
+          <a:ln>
+            <a:noFill/>
+          </a:ln>
+        </p:spPr>
+        <p:style>
+          <a:lnRef idx="2">
+            <a:schemeClr val="accent1">
+              <a:shade val="50000"/>
+            </a:schemeClr>
+          </a:lnRef>
+          <a:fillRef idx="1">
+            <a:schemeClr val="accent1"/>
+          </a:fillRef>
+          <a:effectRef idx="0">
+            <a:schemeClr val="accent1"/>
+          </a:effectRef>
+          <a:fontRef idx="minor">
+            <a:schemeClr val="lt1"/>
+          </a:fontRef>
+        </p:style>
+        <p:txBody>
+          <a:bodyPr rtlCol="0" anchor="ctr"/>
+          <a:lstStyle/>
+          <a:p>
+            <a:pPr algn="ctr"/>
+            <a:endParaRPr lang="en-US"/>
+          </a:p>
+        </p:txBody>
+      </p:sp>
+      <p:sp>
+        <p:nvSpPr>
+          <p:cNvPr id="15" name="Rectangle 14">
+            <a:extLst>
+              <a:ext uri="{FF2B5EF4-FFF2-40B4-BE49-F238E27FC236}">
+                <a16:creationId xmlns:a16="http://schemas.microsoft.com/office/drawing/2014/main" id="{8CE81295-730A-CFFE-86CC-12FE1A8470DC}"/>
+              </a:ext>
+              <a:ext uri="{C183D7F6-B498-43B3-948B-1728B52AA6E4}">
+                <adec:decorative xmlns:adec="http://schemas.microsoft.com/office/drawing/2017/decorative" val="1"/>
+              </a:ext>
+            </a:extLst>
+          </p:cNvPr>
+          <p:cNvSpPr>
+            <a:spLocks noGrp="1" noRot="1" noChangeAspect="1" noMove="1" noResize="1" noEditPoints="1" noAdjustHandles="1" noChangeArrowheads="1" noChangeShapeType="1" noTextEdit="1"/>
+          </p:cNvSpPr>
+          <p:nvPr>
+            <p:extLst>
+              <p:ext uri="{386F3935-93C4-4BCD-93E2-E3B085C9AB24}">
+                <p16:designElem xmlns:p16="http://schemas.microsoft.com/office/powerpoint/2015/main" val="1"/>
+              </p:ext>
+            </p:extLst>
+          </p:nvPr>
+        </p:nvSpPr>
+        <p:spPr>
+          <a:xfrm>
+            <a:off x="477012" y="480060"/>
+            <a:ext cx="11237976" cy="5897880"/>
+          </a:xfrm>
+          <a:prstGeom prst="rect">
+            <a:avLst/>
+          </a:prstGeom>
+          <a:solidFill>
+            <a:schemeClr val="bg1"/>
+          </a:solidFill>
+          <a:ln w="22225">
+            <a:solidFill>
+              <a:schemeClr val="tx1">
+                <a:lumMod val="50000"/>
+                <a:lumOff val="50000"/>
+              </a:schemeClr>
+            </a:solidFill>
+          </a:ln>
+        </p:spPr>
+        <p:style>
+          <a:lnRef idx="2">
+            <a:schemeClr val="accent1">
+              <a:shade val="50000"/>
+            </a:schemeClr>
+          </a:lnRef>
+          <a:fillRef idx="1">
+            <a:schemeClr val="accent1"/>
+          </a:fillRef>
+          <a:effectRef idx="0">
+            <a:schemeClr val="accent1"/>
+          </a:effectRef>
+          <a:fontRef idx="minor">
+            <a:schemeClr val="lt1"/>
+          </a:fontRef>
+        </p:style>
+        <p:txBody>
+          <a:bodyPr rtlCol="0" anchor="ctr"/>
+          <a:lstStyle/>
+          <a:p>
+            <a:pPr algn="ctr"/>
+            <a:endParaRPr lang="en-US"/>
+          </a:p>
+        </p:txBody>
+      </p:sp>
+      <p:sp>
+        <p:nvSpPr>
+          <p:cNvPr id="5" name="TextBox 4">
+            <a:extLst>
+              <a:ext uri="{FF2B5EF4-FFF2-40B4-BE49-F238E27FC236}">
+                <a16:creationId xmlns:a16="http://schemas.microsoft.com/office/drawing/2014/main" id="{38972CC4-B7A4-409F-A022-8DEC70983D16}"/>
+              </a:ext>
+            </a:extLst>
+          </p:cNvPr>
+          <p:cNvSpPr txBox="1"/>
+          <p:nvPr/>
+        </p:nvSpPr>
+        <p:spPr>
+          <a:xfrm>
+            <a:off x="5047992" y="592609"/>
+            <a:ext cx="3223054" cy="646331"/>
+          </a:xfrm>
+          <a:prstGeom prst="rect">
+            <a:avLst/>
+          </a:prstGeom>
+          <a:noFill/>
+        </p:spPr>
+        <p:txBody>
+          <a:bodyPr rot="0" spcFirstLastPara="0" vertOverflow="overflow" horzOverflow="overflow" vert="horz" wrap="square" lIns="91440" tIns="45720" rIns="91440" bIns="45720" numCol="1" spcCol="0" rtlCol="0" fromWordArt="0" anchor="t" anchorCtr="0" forceAA="0" compatLnSpc="1">
+            <a:prstTxWarp prst="textNoShape">
+              <a:avLst/>
+            </a:prstTxWarp>
+            <a:spAutoFit/>
+          </a:bodyPr>
+          <a:lstStyle/>
+          <a:p>
+            <a:pPr algn="l"/>
+            <a:r>
+              <a:rPr lang="en-US" sz="3600" err="1">
+                <a:latin typeface="Calibri Light"/>
+                <a:ea typeface="Calibri Light"/>
+                <a:cs typeface="Calibri Light"/>
+              </a:rPr>
+              <a:t>DeepFool</a:t>
+            </a:r>
+            <a:endParaRPr lang="en-US" err="1"/>
+          </a:p>
+        </p:txBody>
+      </p:sp>
+      <p:pic>
+        <p:nvPicPr>
+          <p:cNvPr id="3" name="Picture 2">
+            <a:extLst>
+              <a:ext uri="{FF2B5EF4-FFF2-40B4-BE49-F238E27FC236}">
+                <a16:creationId xmlns:a16="http://schemas.microsoft.com/office/drawing/2014/main" id="{3E6105F7-23B4-C882-99C8-D0EA5AB66DFB}"/>
+              </a:ext>
+            </a:extLst>
+          </p:cNvPr>
+          <p:cNvPicPr>
+            <a:picLocks noChangeAspect="1"/>
+          </p:cNvPicPr>
+          <p:nvPr/>
+        </p:nvPicPr>
+        <p:blipFill>
+          <a:blip r:embed="rId2"/>
+          <a:stretch>
+            <a:fillRect/>
+          </a:stretch>
+        </p:blipFill>
+        <p:spPr>
+          <a:xfrm>
+            <a:off x="481013" y="1166813"/>
+            <a:ext cx="11001375" cy="5057775"/>
+          </a:xfrm>
+          <a:prstGeom prst="rect">
+            <a:avLst/>
+          </a:prstGeom>
+        </p:spPr>
+      </p:pic>
+    </p:spTree>
+    <p:extLst>
+      <p:ext uri="{BB962C8B-B14F-4D97-AF65-F5344CB8AC3E}">
+        <p14:creationId xmlns:p14="http://schemas.microsoft.com/office/powerpoint/2010/main" val="1024536195"/>
+      </p:ext>
+    </p:extLst>
+  </p:cSld>
+  <p:clrMapOvr>
+    <a:masterClrMapping/>
+  </p:clrMapOvr>
+</p:sld>
+</file>
+
 <file path=ppt/theme/theme1.xml><?xml version="1.0" encoding="utf-8"?>
 <a:theme xmlns:a="http://schemas.openxmlformats.org/drawingml/2006/main" name="Retrospect">
   <a:themeElements>
